--- a/Assets/Class/NavMesh Agent/PPT Data/NavMesh Agent Example.pptx
+++ b/Assets/Class/NavMesh Agent/PPT Data/NavMesh Agent Example.pptx
@@ -2,27 +2,27 @@
 <file path=ppt/presentation.xml><?xml version="1.0" encoding="utf-8"?>
 <p:presentation xmlns:a="http://schemas.openxmlformats.org/drawingml/2006/main" xmlns:r="http://schemas.openxmlformats.org/officeDocument/2006/relationships" xmlns:p="http://schemas.openxmlformats.org/presentationml/2006/main" xmlns:p14="http://schemas.microsoft.com/office/powerpoint/2010/main" saveSubsetFonts="1" firstSlideNum="0">
   <p:sldMasterIdLst>
-    <p:sldMasterId id="2147486181" r:id="rId12"/>
+    <p:sldMasterId id="2147486183" r:id="rId12"/>
   </p:sldMasterIdLst>
   <p:notesMasterIdLst>
     <p:notesMasterId r:id="rId14"/>
   </p:notesMasterIdLst>
   <p:sldIdLst>
     <p:sldId id="287" r:id="rId16"/>
-    <p:sldId id="309" r:id="rId17"/>
-    <p:sldId id="310" r:id="rId18"/>
-    <p:sldId id="300" r:id="rId19"/>
-    <p:sldId id="299" r:id="rId20"/>
-    <p:sldId id="301" r:id="rId21"/>
-    <p:sldId id="303" r:id="rId22"/>
-    <p:sldId id="302" r:id="rId23"/>
-    <p:sldId id="298" r:id="rId24"/>
-    <p:sldId id="304" r:id="rId25"/>
-    <p:sldId id="305" r:id="rId26"/>
-    <p:sldId id="306" r:id="rId27"/>
-    <p:sldId id="311" r:id="rId28"/>
-    <p:sldId id="307" r:id="rId29"/>
-    <p:sldId id="308" r:id="rId30"/>
+    <p:sldId id="309" r:id="rId18"/>
+    <p:sldId id="310" r:id="rId20"/>
+    <p:sldId id="300" r:id="rId22"/>
+    <p:sldId id="299" r:id="rId24"/>
+    <p:sldId id="301" r:id="rId26"/>
+    <p:sldId id="303" r:id="rId28"/>
+    <p:sldId id="302" r:id="rId30"/>
+    <p:sldId id="298" r:id="rId32"/>
+    <p:sldId id="304" r:id="rId34"/>
+    <p:sldId id="305" r:id="rId36"/>
+    <p:sldId id="306" r:id="rId37"/>
+    <p:sldId id="311" r:id="rId39"/>
+    <p:sldId id="307" r:id="rId41"/>
+    <p:sldId id="308" r:id="rId42"/>
   </p:sldIdLst>
   <p:sldSz cx="12192000" cy="6858000"/>
   <p:notesSz cx="6858000" cy="9144000"/>
@@ -8513,8 +8513,8 @@
         </p:nvSpPr>
         <p:spPr>
           <a:xfrm rot="0">
-            <a:off x="4650105" y="346075"/>
-            <a:ext cx="2904490" cy="478155"/>
+            <a:off x="4522470" y="346075"/>
+            <a:ext cx="3148965" cy="478155"/>
           </a:xfrm>
           <a:prstGeom prst="rect"/>
           <a:noFill/>
@@ -8541,17 +8541,7 @@
                 <a:latin typeface="나눔바른고딕" charset="0"/>
                 <a:ea typeface="나눔바른고딕" charset="0"/>
               </a:rPr>
-              <a:t>여덟</a:t>
-            </a:r>
-            <a:r>
-              <a:rPr lang="ko-KR" altLang="en-US" sz="2500" b="1">
-                <a:solidFill>
-                  <a:schemeClr val="tx1"/>
-                </a:solidFill>
-                <a:latin typeface="나눔바른고딕" charset="0"/>
-                <a:ea typeface="나눔바른고딕" charset="0"/>
-              </a:rPr>
-              <a:t> 번째 튜토리얼</a:t>
+              <a:t>여덟 번째 튜토리얼</a:t>
             </a:r>
             <a:endParaRPr lang="ko-KR" altLang="en-US" sz="2500" b="1">
               <a:solidFill>
@@ -8830,7 +8820,7 @@
       </p:sp>
       <p:pic>
         <p:nvPicPr>
-          <p:cNvPr id="1202" name="그림 130" descr="C:/Users/Admin1/AppData/Roaming/PolarisOffice/ETemp/8136_15119280/fImage398443604604.png"/>
+          <p:cNvPr id="1202" name="그림 130"/>
           <p:cNvPicPr>
             <a:picLocks noChangeAspect="1"/>
           </p:cNvPicPr>
@@ -8859,7 +8849,7 @@
       </p:pic>
       <p:pic>
         <p:nvPicPr>
-          <p:cNvPr id="1205" name="그림 135" descr="C:/Users/Admin1/AppData/Roaming/PolarisOffice/ETemp/8136_15119280/fImage18766364153.png"/>
+          <p:cNvPr id="1205" name="그림 135"/>
           <p:cNvPicPr>
             <a:picLocks noChangeAspect="1"/>
           </p:cNvPicPr>
@@ -9855,8 +9845,8 @@
         </p:nvSpPr>
         <p:spPr>
           <a:xfrm rot="0">
-            <a:off x="4710430" y="346075"/>
-            <a:ext cx="2774950" cy="478155"/>
+            <a:off x="4564380" y="370840"/>
+            <a:ext cx="3071495" cy="478155"/>
           </a:xfrm>
           <a:prstGeom prst="rect"/>
           <a:noFill/>
@@ -9883,17 +9873,7 @@
                 <a:latin typeface="나눔바른고딕" charset="0"/>
                 <a:ea typeface="나눔바른고딕" charset="0"/>
               </a:rPr>
-              <a:t>열한</a:t>
-            </a:r>
-            <a:r>
-              <a:rPr lang="ko-KR" altLang="en-US" sz="2500" b="1">
-                <a:solidFill>
-                  <a:schemeClr val="tx1"/>
-                </a:solidFill>
-                <a:latin typeface="나눔바른고딕" charset="0"/>
-                <a:ea typeface="나눔바른고딕" charset="0"/>
-              </a:rPr>
-              <a:t> 번째 튜토리얼</a:t>
+              <a:t>열한 번째 튜토리얼</a:t>
             </a:r>
             <a:endParaRPr lang="ko-KR" altLang="en-US" sz="2500" b="1">
               <a:solidFill>
@@ -10049,7 +10029,7 @@
       </p:sp>
       <p:pic>
         <p:nvPicPr>
-          <p:cNvPr id="1212" name="그림 165" descr="C:/Users/Admin1/AppData/Roaming/PolarisOffice/ETemp/8136_15119280/fImage138484001726.png"/>
+          <p:cNvPr id="1212" name="그림 165"/>
           <p:cNvPicPr>
             <a:picLocks noChangeAspect="1"/>
           </p:cNvPicPr>
@@ -10080,7 +10060,7 @@
       </p:pic>
       <p:pic>
         <p:nvPicPr>
-          <p:cNvPr id="1213" name="그림 166" descr="C:/Users/Admin1/AppData/Roaming/PolarisOffice/ETemp/8136_15119280/fImage138534014771.png"/>
+          <p:cNvPr id="1213" name="그림 166"/>
           <p:cNvPicPr>
             <a:picLocks noChangeAspect="1"/>
           </p:cNvPicPr>
@@ -10111,7 +10091,7 @@
       </p:pic>
       <p:pic>
         <p:nvPicPr>
-          <p:cNvPr id="1214" name="그림 92" descr="C:/Users/Admin1/AppData/Roaming/PolarisOffice/ETemp/8136_15119280/fImage144343483902.png"/>
+          <p:cNvPr id="1214" name="그림 92"/>
           <p:cNvPicPr>
             <a:picLocks noChangeAspect="1"/>
           </p:cNvPicPr>
@@ -10142,7 +10122,7 @@
       </p:pic>
       <p:pic>
         <p:nvPicPr>
-          <p:cNvPr id="1215" name="그림 95" descr="C:/Users/Admin1/AppData/Roaming/PolarisOffice/ETemp/8136_15119280/fImage7827349153.png"/>
+          <p:cNvPr id="1215" name="그림 95"/>
           <p:cNvPicPr>
             <a:picLocks noChangeAspect="1"/>
           </p:cNvPicPr>
@@ -10320,7 +10300,7 @@
       </p:sp>
       <p:pic>
         <p:nvPicPr>
-          <p:cNvPr id="1219" name="그림 99" descr="C:/Users/Admin1/AppData/Roaming/PolarisOffice/ETemp/8136_15119280/fImage39574189912.png"/>
+          <p:cNvPr id="1219" name="그림 99"/>
           <p:cNvPicPr>
             <a:picLocks noChangeAspect="1"/>
           </p:cNvPicPr>
@@ -10351,7 +10331,7 @@
       </p:pic>
       <p:pic>
         <p:nvPicPr>
-          <p:cNvPr id="1221" name="그림 101" descr="C:/Users/Admin1/AppData/Roaming/PolarisOffice/ETemp/8136_15119280/fImage7933355292.png"/>
+          <p:cNvPr id="1221" name="그림 101"/>
           <p:cNvPicPr>
             <a:picLocks noChangeAspect="1"/>
           </p:cNvPicPr>

--- a/Assets/Class/NavMesh Agent/PPT Data/NavMesh Agent Example.pptx
+++ b/Assets/Class/NavMesh Agent/PPT Data/NavMesh Agent Example.pptx
@@ -2,7 +2,7 @@
 <file path=ppt/presentation.xml><?xml version="1.0" encoding="utf-8"?>
 <p:presentation xmlns:a="http://schemas.openxmlformats.org/drawingml/2006/main" xmlns:r="http://schemas.openxmlformats.org/officeDocument/2006/relationships" xmlns:p="http://schemas.openxmlformats.org/presentationml/2006/main" xmlns:p14="http://schemas.microsoft.com/office/powerpoint/2010/main" saveSubsetFonts="1" firstSlideNum="0">
   <p:sldMasterIdLst>
-    <p:sldMasterId id="2147486183" r:id="rId12"/>
+    <p:sldMasterId id="2147486188" r:id="rId12"/>
   </p:sldMasterIdLst>
   <p:notesMasterIdLst>
     <p:notesMasterId r:id="rId14"/>
@@ -12,16 +12,16 @@
     <p:sldId id="309" r:id="rId18"/>
     <p:sldId id="310" r:id="rId20"/>
     <p:sldId id="300" r:id="rId22"/>
-    <p:sldId id="299" r:id="rId24"/>
-    <p:sldId id="301" r:id="rId26"/>
-    <p:sldId id="303" r:id="rId28"/>
-    <p:sldId id="302" r:id="rId30"/>
-    <p:sldId id="298" r:id="rId32"/>
-    <p:sldId id="304" r:id="rId34"/>
-    <p:sldId id="305" r:id="rId36"/>
-    <p:sldId id="306" r:id="rId37"/>
-    <p:sldId id="311" r:id="rId39"/>
-    <p:sldId id="307" r:id="rId41"/>
+    <p:sldId id="299" r:id="rId23"/>
+    <p:sldId id="301" r:id="rId25"/>
+    <p:sldId id="303" r:id="rId27"/>
+    <p:sldId id="302" r:id="rId29"/>
+    <p:sldId id="298" r:id="rId31"/>
+    <p:sldId id="304" r:id="rId33"/>
+    <p:sldId id="305" r:id="rId34"/>
+    <p:sldId id="306" r:id="rId36"/>
+    <p:sldId id="311" r:id="rId38"/>
+    <p:sldId id="307" r:id="rId40"/>
     <p:sldId id="308" r:id="rId42"/>
   </p:sldIdLst>
   <p:sldSz cx="12192000" cy="6858000"/>
@@ -7766,7 +7766,7 @@
       </p:sp>
       <p:pic>
         <p:nvPicPr>
-          <p:cNvPr id="1186" name="그림 48" descr="C:/Users/Admin1/AppData/Roaming/PolarisOffice/ETemp/8136_15119280/fImage20522456500.png"/>
+          <p:cNvPr id="1186" name="그림 48"/>
           <p:cNvPicPr>
             <a:picLocks noChangeAspect="1"/>
           </p:cNvPicPr>
@@ -7797,7 +7797,7 @@
       </p:pic>
       <p:pic>
         <p:nvPicPr>
-          <p:cNvPr id="1187" name="그림 2" descr="C:/Users/Admin1/AppData/Roaming/PolarisOffice/ETemp/8136_15119280/fImage1826228141.png"/>
+          <p:cNvPr id="1187" name="그림 2" descr="C:/Users/Admin1/AppData/Roaming/PolarisOffice/ETemp/16708_14925040/fImage1826228141.png"/>
           <p:cNvPicPr>
             <a:picLocks noChangeAspect="1"/>
           </p:cNvPicPr>
@@ -7817,8 +7817,8 @@
         </p:blipFill>
         <p:spPr>
           <a:xfrm rot="0">
-            <a:off x="1230630" y="1355090"/>
-            <a:ext cx="2677160" cy="2741295"/>
+            <a:off x="1230630" y="1346835"/>
+            <a:ext cx="2677795" cy="2741930"/>
           </a:xfrm>
           <a:prstGeom prst="roundRect"/>
           <a:solidFill>
@@ -7828,7 +7828,7 @@
       </p:pic>
       <p:pic>
         <p:nvPicPr>
-          <p:cNvPr id="1188" name="그림 3" descr="C:/Users/Admin1/AppData/Roaming/PolarisOffice/ETemp/8136_15119280/fImage44892828467.png"/>
+          <p:cNvPr id="1188" name="그림 3"/>
           <p:cNvPicPr>
             <a:picLocks noChangeAspect="1"/>
           </p:cNvPicPr>
@@ -7895,7 +7895,7 @@
       </p:cxnSp>
       <p:pic>
         <p:nvPicPr>
-          <p:cNvPr id="1190" name="그림 7" descr="C:/Users/Admin1/AppData/Roaming/PolarisOffice/ETemp/8136_15119280/fImage48472616500.png"/>
+          <p:cNvPr id="1190" name="그림 7"/>
           <p:cNvPicPr>
             <a:picLocks noChangeAspect="1"/>
           </p:cNvPicPr>
@@ -7926,7 +7926,7 @@
       </p:pic>
       <p:pic>
         <p:nvPicPr>
-          <p:cNvPr id="1192" name="그림 9" descr="C:/Users/Admin1/AppData/Roaming/PolarisOffice/ETemp/8136_15119280/fImage48852649169.png"/>
+          <p:cNvPr id="1192" name="그림 9"/>
           <p:cNvPicPr>
             <a:picLocks noChangeAspect="1"/>
           </p:cNvPicPr>
@@ -7957,7 +7957,7 @@
       </p:pic>
       <p:pic>
         <p:nvPicPr>
-          <p:cNvPr id="1193" name="그림 12" descr="C:/Users/Admin1/AppData/Roaming/PolarisOffice/ETemp/8136_15119280/fImage2098552876334.png"/>
+          <p:cNvPr id="1193" name="그림 12"/>
           <p:cNvPicPr>
             <a:picLocks noChangeAspect="1"/>
           </p:cNvPicPr>
@@ -8078,7 +8078,7 @@
       </p:sp>
       <p:pic>
         <p:nvPicPr>
-          <p:cNvPr id="1195" name="그림 59" descr="C:/Users/Admin1/AppData/Roaming/PolarisOffice/ETemp/8136_15119280/fImage53352906962.png"/>
+          <p:cNvPr id="1195" name="그림 59"/>
           <p:cNvPicPr>
             <a:picLocks noChangeAspect="1"/>
           </p:cNvPicPr>
@@ -8207,8 +8207,8 @@
         </p:nvSpPr>
         <p:spPr>
           <a:xfrm rot="0">
-            <a:off x="1247140" y="1423035"/>
-            <a:ext cx="4140200" cy="923925"/>
+            <a:off x="1247140" y="1414780"/>
+            <a:ext cx="4140835" cy="924560"/>
           </a:xfrm>
           <a:prstGeom prst="rect"/>
           <a:noFill/>
@@ -8359,7 +8359,7 @@
       </p:sp>
       <p:pic>
         <p:nvPicPr>
-          <p:cNvPr id="1041" name="그림 126" descr="C:/Users/Admin1/AppData/Roaming/PolarisOffice/ETemp/8136_15119280/fImage402163385436.png"/>
+          <p:cNvPr id="1041" name="그림 126"/>
           <p:cNvPicPr>
             <a:picLocks noChangeAspect="1"/>
           </p:cNvPicPr>
@@ -8390,7 +8390,7 @@
       </p:pic>
       <p:pic>
         <p:nvPicPr>
-          <p:cNvPr id="1042" name="그림 144" descr="C:/Users/Admin1/AppData/Roaming/PolarisOffice/ETemp/8136_15119280/fImage128043672391.png"/>
+          <p:cNvPr id="1042" name="그림 144"/>
           <p:cNvPicPr>
             <a:picLocks noChangeAspect="1"/>
           </p:cNvPicPr>
@@ -11807,17 +11807,17 @@
       </p:sp>
       <p:pic>
         <p:nvPicPr>
-          <p:cNvPr id="1187" name="그림 39" descr="C:/Users/Admin1/AppData/Roaming/PolarisOffice/ETemp/8136_15119280/fImage199543165705.png"/>
+          <p:cNvPr id="1187" name="그림 39" descr="C:/Users/Admin1/AppData/Roaming/PolarisOffice/ETemp/18668_20502736/fImage199543165705.png"/>
           <p:cNvPicPr>
             <a:picLocks noChangeAspect="1"/>
           </p:cNvPicPr>
           <p:nvPr/>
         </p:nvPicPr>
         <p:blipFill rotWithShape="1">
-          <a:blip r:embed="rId9" cstate="print">
+          <a:blip r:embed="rId9" cstate="hqprint">
             <a:extLst>
               <a:ext uri="{28A0092B-C50C-407E-A947-70E740481C1C}">
-                <a14:useLocalDpi xmlns:a14="http://schemas.microsoft.com/office/drawing/2010/main" val="0"/>
+                <a14:useLocalDpi xmlns:a14="http://schemas.microsoft.com/office/drawing/2010/main"/>
               </a:ext>
             </a:extLst>
           </a:blip>
@@ -11828,7 +11828,7 @@
         <p:spPr>
           <a:xfrm rot="0">
             <a:off x="1238250" y="1402080"/>
-            <a:ext cx="4131310" cy="3846195"/>
+            <a:ext cx="4131945" cy="3846830"/>
           </a:xfrm>
           <a:prstGeom prst="rect"/>
           <a:noFill/>
@@ -11836,7 +11836,7 @@
       </p:pic>
       <p:pic>
         <p:nvPicPr>
-          <p:cNvPr id="1188" name="그림 47" descr="C:/Users/Admin1/AppData/Roaming/PolarisOffice/ETemp/8136_15119280/fImage53473188145.png"/>
+          <p:cNvPr id="1188" name="그림 47"/>
           <p:cNvPicPr>
             <a:picLocks noChangeAspect="1"/>
           </p:cNvPicPr>
@@ -11867,7 +11867,7 @@
       </p:pic>
       <p:pic>
         <p:nvPicPr>
-          <p:cNvPr id="1189" name="그림 48" descr="C:/Users/Admin1/AppData/Roaming/PolarisOffice/ETemp/8136_15119280/fImage46763193281.png"/>
+          <p:cNvPr id="1189" name="그림 48"/>
           <p:cNvPicPr>
             <a:picLocks noChangeAspect="1"/>
           </p:cNvPicPr>
@@ -11898,7 +11898,7 @@
       </p:pic>
       <p:pic>
         <p:nvPicPr>
-          <p:cNvPr id="1190" name="그림 53" descr="C:/Users/Admin1/AppData/Roaming/PolarisOffice/ETemp/8136_15119280/fImage68753206827.png"/>
+          <p:cNvPr id="1190" name="그림 53"/>
           <p:cNvPicPr>
             <a:picLocks noChangeAspect="1"/>
           </p:cNvPicPr>

--- a/Assets/Class/NavMesh Agent/PPT Data/NavMesh Agent Example.pptx
+++ b/Assets/Class/NavMesh Agent/PPT Data/NavMesh Agent Example.pptx
@@ -2,7 +2,7 @@
 <file path=ppt/presentation.xml><?xml version="1.0" encoding="utf-8"?>
 <p:presentation xmlns:a="http://schemas.openxmlformats.org/drawingml/2006/main" xmlns:r="http://schemas.openxmlformats.org/officeDocument/2006/relationships" xmlns:p="http://schemas.openxmlformats.org/presentationml/2006/main" xmlns:p14="http://schemas.microsoft.com/office/powerpoint/2010/main" saveSubsetFonts="1" firstSlideNum="0">
   <p:sldMasterIdLst>
-    <p:sldMasterId id="2147486188" r:id="rId12"/>
+    <p:sldMasterId id="2147486190" r:id="rId12"/>
   </p:sldMasterIdLst>
   <p:notesMasterIdLst>
     <p:notesMasterId r:id="rId14"/>
@@ -12,17 +12,17 @@
     <p:sldId id="309" r:id="rId18"/>
     <p:sldId id="310" r:id="rId20"/>
     <p:sldId id="300" r:id="rId22"/>
-    <p:sldId id="299" r:id="rId23"/>
-    <p:sldId id="301" r:id="rId25"/>
-    <p:sldId id="303" r:id="rId27"/>
-    <p:sldId id="302" r:id="rId29"/>
-    <p:sldId id="298" r:id="rId31"/>
-    <p:sldId id="304" r:id="rId33"/>
-    <p:sldId id="305" r:id="rId34"/>
-    <p:sldId id="306" r:id="rId36"/>
-    <p:sldId id="311" r:id="rId38"/>
-    <p:sldId id="307" r:id="rId40"/>
-    <p:sldId id="308" r:id="rId42"/>
+    <p:sldId id="299" r:id="rId24"/>
+    <p:sldId id="301" r:id="rId26"/>
+    <p:sldId id="303" r:id="rId28"/>
+    <p:sldId id="302" r:id="rId30"/>
+    <p:sldId id="298" r:id="rId32"/>
+    <p:sldId id="304" r:id="rId34"/>
+    <p:sldId id="305" r:id="rId35"/>
+    <p:sldId id="306" r:id="rId37"/>
+    <p:sldId id="311" r:id="rId39"/>
+    <p:sldId id="307" r:id="rId41"/>
+    <p:sldId id="308" r:id="rId43"/>
   </p:sldIdLst>
   <p:sldSz cx="12192000" cy="6858000"/>
   <p:notesSz cx="6858000" cy="9144000"/>
@@ -8359,7 +8359,7 @@
       </p:sp>
       <p:pic>
         <p:nvPicPr>
-          <p:cNvPr id="1041" name="그림 126"/>
+          <p:cNvPr id="1041" name="그림 126" descr="C:/Users/Admin1/AppData/Roaming/PolarisOffice/ETemp/2556_16958208/fImage402163385436.png"/>
           <p:cNvPicPr>
             <a:picLocks noChangeAspect="1"/>
           </p:cNvPicPr>
@@ -8379,8 +8379,8 @@
         </p:blipFill>
         <p:spPr>
           <a:xfrm rot="0">
-            <a:off x="1247140" y="2501900"/>
-            <a:ext cx="4140200" cy="2599055"/>
+            <a:off x="1247140" y="2518410"/>
+            <a:ext cx="4140835" cy="2599690"/>
           </a:xfrm>
           <a:prstGeom prst="roundRect"/>
           <a:solidFill>
@@ -10484,7 +10484,7 @@
       </p:sp>
       <p:pic>
         <p:nvPicPr>
-          <p:cNvPr id="1221" name="그림 180" descr="C:/Users/Admin1/AppData/Roaming/PolarisOffice/ETemp/8136_15119280/fImage175004216299.png"/>
+          <p:cNvPr id="1221" name="그림 180" descr="C:/Users/Admin1/AppData/Roaming/PolarisOffice/ETemp/2556_16958208/fImage175004216299.png"/>
           <p:cNvPicPr>
             <a:picLocks noChangeAspect="1"/>
           </p:cNvPicPr>
@@ -10504,8 +10504,8 @@
         </p:blipFill>
         <p:spPr>
           <a:xfrm rot="0">
-            <a:off x="1352550" y="2755900"/>
-            <a:ext cx="4039235" cy="3186430"/>
+            <a:off x="1247140" y="2581275"/>
+            <a:ext cx="4140200" cy="2149475"/>
           </a:xfrm>
           <a:prstGeom prst="roundRect"/>
           <a:solidFill>
@@ -10523,8 +10523,8 @@
         </p:nvSpPr>
         <p:spPr>
           <a:xfrm rot="0">
-            <a:off x="1247775" y="1419225"/>
-            <a:ext cx="4144010" cy="1200785"/>
+            <a:off x="1247775" y="1477010"/>
+            <a:ext cx="4144645" cy="923925"/>
           </a:xfrm>
           <a:prstGeom prst="rect"/>
           <a:noFill/>
@@ -10548,32 +10548,53 @@
                 <a:latin typeface="맑은 고딕" charset="0"/>
                 <a:ea typeface="맑은 고딕" charset="0"/>
               </a:rPr>
-              <a:t>Off Mesh Link란?</a:t>
+              <a:t>오프 메쉬 링크는 </a:t>
+            </a:r>
+            <a:r>
+              <a:rPr lang="ko-KR" sz="1800">
+                <a:latin typeface="맑은 고딕" charset="0"/>
+                <a:ea typeface="맑은 고딕" charset="0"/>
+              </a:rPr>
+              <a:t>내비게이션 경로가 끊어진 영역을 이동할 수 있도록 설정하는 컴포넌트입니다. </a:t>
             </a:r>
             <a:endParaRPr lang="ko-KR" altLang="en-US" sz="1800">
               <a:latin typeface="맑은 고딕" charset="0"/>
               <a:ea typeface="맑은 고딕" charset="0"/>
             </a:endParaRPr>
           </a:p>
-          <a:p>
-            <a:pPr marL="0" indent="0" rtl="0" algn="l" defTabSz="914400" eaLnBrk="1" latinLnBrk="0" hangingPunct="1">
-              <a:buFontTx/>
-              <a:buNone/>
-            </a:pPr>
-            <a:r>
-              <a:rPr lang="ko-KR" sz="1800">
-                <a:latin typeface="맑은 고딕" charset="0"/>
-                <a:ea typeface="맑은 고딕" charset="0"/>
-              </a:rPr>
-              <a:t>내비게이션 경로가 끊어진 영역을 이동할 수 있도록 설정하는 컴포넌트입니다. </a:t>
-            </a:r>
-            <a:endParaRPr lang="ko-KR" altLang="en-US" sz="1800">
-              <a:latin typeface="맑은 고딕" charset="0"/>
-              <a:ea typeface="맑은 고딕" charset="0"/>
-            </a:endParaRPr>
-          </a:p>
-        </p:txBody>
-      </p:sp>
+        </p:txBody>
+      </p:sp>
+      <p:pic>
+        <p:nvPicPr>
+          <p:cNvPr id="1223" name="그림 1" descr="C:/Users/Admin1/AppData/Roaming/PolarisOffice/ETemp/2556_16958208/fImage420221441.png"/>
+          <p:cNvPicPr>
+            <a:picLocks noChangeAspect="1"/>
+          </p:cNvPicPr>
+          <p:nvPr/>
+        </p:nvPicPr>
+        <p:blipFill rotWithShape="1">
+          <a:blip r:embed="rId7" cstate="print">
+            <a:extLst>
+              <a:ext uri="{28A0092B-C50C-407E-A947-70E740481C1C}">
+                <a14:useLocalDpi xmlns:a14="http://schemas.microsoft.com/office/drawing/2010/main" val="0"/>
+              </a:ext>
+            </a:extLst>
+          </a:blip>
+          <a:stretch>
+            <a:fillRect/>
+          </a:stretch>
+        </p:blipFill>
+        <p:spPr>
+          <a:xfrm rot="0">
+            <a:off x="6816725" y="2582545"/>
+            <a:ext cx="4140200" cy="1266825"/>
+          </a:xfrm>
+          <a:prstGeom prst="roundRect"/>
+          <a:solidFill>
+            <a:srgbClr val="EDEDED"/>
+          </a:solidFill>
+        </p:spPr>
+      </p:pic>
     </p:spTree>
   </p:cSld>
   <p:clrMapOvr>

--- a/Assets/Class/NavMesh Agent/PPT Data/NavMesh Agent Example.pptx
+++ b/Assets/Class/NavMesh Agent/PPT Data/NavMesh Agent Example.pptx
@@ -2,27 +2,27 @@
 <file path=ppt/presentation.xml><?xml version="1.0" encoding="utf-8"?>
 <p:presentation xmlns:a="http://schemas.openxmlformats.org/drawingml/2006/main" xmlns:r="http://schemas.openxmlformats.org/officeDocument/2006/relationships" xmlns:p="http://schemas.openxmlformats.org/presentationml/2006/main" xmlns:p14="http://schemas.microsoft.com/office/powerpoint/2010/main" saveSubsetFonts="1" firstSlideNum="0">
   <p:sldMasterIdLst>
-    <p:sldMasterId id="2147486190" r:id="rId12"/>
+    <p:sldMasterId id="2147486223" r:id="rId12"/>
   </p:sldMasterIdLst>
   <p:notesMasterIdLst>
     <p:notesMasterId r:id="rId14"/>
   </p:notesMasterIdLst>
   <p:sldIdLst>
     <p:sldId id="287" r:id="rId16"/>
-    <p:sldId id="309" r:id="rId18"/>
-    <p:sldId id="310" r:id="rId20"/>
-    <p:sldId id="300" r:id="rId22"/>
-    <p:sldId id="299" r:id="rId24"/>
-    <p:sldId id="301" r:id="rId26"/>
-    <p:sldId id="303" r:id="rId28"/>
-    <p:sldId id="302" r:id="rId30"/>
-    <p:sldId id="298" r:id="rId32"/>
-    <p:sldId id="304" r:id="rId34"/>
-    <p:sldId id="305" r:id="rId35"/>
-    <p:sldId id="306" r:id="rId37"/>
-    <p:sldId id="311" r:id="rId39"/>
-    <p:sldId id="307" r:id="rId41"/>
-    <p:sldId id="308" r:id="rId43"/>
+    <p:sldId id="309" r:id="rId17"/>
+    <p:sldId id="310" r:id="rId18"/>
+    <p:sldId id="300" r:id="rId19"/>
+    <p:sldId id="299" r:id="rId20"/>
+    <p:sldId id="301" r:id="rId21"/>
+    <p:sldId id="303" r:id="rId22"/>
+    <p:sldId id="302" r:id="rId23"/>
+    <p:sldId id="298" r:id="rId24"/>
+    <p:sldId id="304" r:id="rId26"/>
+    <p:sldId id="305" r:id="rId27"/>
+    <p:sldId id="306" r:id="rId29"/>
+    <p:sldId id="311" r:id="rId31"/>
+    <p:sldId id="307" r:id="rId33"/>
+    <p:sldId id="308" r:id="rId35"/>
   </p:sldIdLst>
   <p:sldSz cx="12192000" cy="6858000"/>
   <p:notesSz cx="6858000" cy="9144000"/>
@@ -7574,7 +7574,7 @@
         <p:spPr>
           <a:xfrm rot="0">
             <a:off x="1231265" y="4233545"/>
-            <a:ext cx="4156710" cy="2031365"/>
+            <a:ext cx="4147820" cy="2031365"/>
           </a:xfrm>
           <a:prstGeom prst="rect"/>
           <a:noFill/>
@@ -7611,46 +7611,60 @@
               <a:t> </a:t>
             </a:r>
             <a:r>
+              <a:rPr lang="ko-KR" sz="1800">
+                <a:latin typeface="맑은 고딕" charset="0"/>
+                <a:ea typeface="맑은 고딕" charset="0"/>
+              </a:rPr>
+              <a:t>첫 번째로</a:t>
+            </a:r>
+            <a:r>
               <a:rPr sz="1800">
                 <a:latin typeface="맑은 고딕" charset="0"/>
                 <a:ea typeface="맑은 고딕" charset="0"/>
               </a:rPr>
-              <a:t>첫번째</a:t>
+              <a:t> </a:t>
+            </a:r>
+            <a:r>
+              <a:rPr sz="1800">
+                <a:latin typeface="맑은 고딕" charset="0"/>
+                <a:ea typeface="맑은 고딕" charset="0"/>
+              </a:rPr>
+              <a:t>3D Object에서 </a:t>
+            </a:r>
+            <a:r>
+              <a:rPr sz="1800">
+                <a:latin typeface="맑은 고딕" charset="0"/>
+                <a:ea typeface="맑은 고딕" charset="0"/>
+              </a:rPr>
+              <a:t>Capsule</a:t>
+            </a:r>
+            <a:r>
+              <a:rPr sz="1800">
+                <a:latin typeface="맑은 고딕" charset="0"/>
+                <a:ea typeface="맑은 고딕" charset="0"/>
+              </a:rPr>
+              <a:t> </a:t>
+            </a:r>
+            <a:r>
+              <a:rPr sz="1800">
+                <a:latin typeface="맑은 고딕" charset="0"/>
+                <a:ea typeface="맑은 고딕" charset="0"/>
+              </a:rPr>
+              <a:t>오브젝트를 생성</a:t>
             </a:r>
             <a:r>
               <a:rPr lang="ko-KR" sz="1800">
                 <a:latin typeface="맑은 고딕" charset="0"/>
                 <a:ea typeface="맑은 고딕" charset="0"/>
               </a:rPr>
-              <a:t>로 </a:t>
-            </a:r>
-            <a:r>
-              <a:rPr sz="1800">
-                <a:latin typeface="맑은 고딕" charset="0"/>
-                <a:ea typeface="맑은 고딕" charset="0"/>
-              </a:rPr>
-              <a:t>3D Object를 선택한 다음 Capsule 게임 오브젝트를 생성</a:t>
+              <a:t>하고</a:t>
             </a:r>
             <a:r>
               <a:rPr lang="ko-KR" sz="1800">
                 <a:latin typeface="맑은 고딕" charset="0"/>
                 <a:ea typeface="맑은 고딕" charset="0"/>
               </a:rPr>
-              <a:t>하고 </a:t>
-            </a:r>
-            <a:r>
-              <a:rPr lang="ko-KR" sz="1800">
-                <a:latin typeface="맑은 고딕" charset="0"/>
-                <a:ea typeface="맑은 고딕" charset="0"/>
-              </a:rPr>
-              <a:t>Character라는 이름으로</a:t>
-            </a:r>
-            <a:r>
-              <a:rPr lang="ko-KR" sz="1800">
-                <a:latin typeface="맑은 고딕" charset="0"/>
-                <a:ea typeface="맑은 고딕" charset="0"/>
-              </a:rPr>
-              <a:t> 정의합니다.</a:t>
+              <a:t> Character라는 이름으로 정의합니다.</a:t>
             </a:r>
             <a:endParaRPr lang="ko-KR" altLang="en-US" sz="1800">
               <a:latin typeface="맑은 고딕" charset="0"/>
@@ -7677,7 +7691,21 @@
                 <a:latin typeface="맑은 고딕" charset="0"/>
                 <a:ea typeface="맑은 고딕" charset="0"/>
               </a:rPr>
-              <a:t>그리고 Controller 스크립트를 생성하고 Character 오브젝트에 넣어줍니다.</a:t>
+              <a:t>그</a:t>
+            </a:r>
+            <a:r>
+              <a:rPr lang="ko-KR" sz="1800">
+                <a:latin typeface="맑은 고딕" charset="0"/>
+                <a:ea typeface="맑은 고딕" charset="0"/>
+              </a:rPr>
+              <a:t>런 다음</a:t>
+            </a:r>
+            <a:r>
+              <a:rPr lang="ko-KR" sz="1800">
+                <a:latin typeface="맑은 고딕" charset="0"/>
+                <a:ea typeface="맑은 고딕" charset="0"/>
+              </a:rPr>
+              <a:t> Controller 스크립트를 생성하고 Character 오브젝트에 넣어줍니다.</a:t>
             </a:r>
             <a:endParaRPr lang="ko-KR" altLang="en-US" sz="1800">
               <a:latin typeface="맑은 고딕" charset="0"/>
@@ -7696,8 +7724,8 @@
         </p:nvSpPr>
         <p:spPr>
           <a:xfrm rot="0">
-            <a:off x="6834505" y="3171190"/>
-            <a:ext cx="4154805" cy="923925"/>
+            <a:off x="6842760" y="3353435"/>
+            <a:ext cx="4155440" cy="923925"/>
           </a:xfrm>
           <a:prstGeom prst="rect"/>
           <a:noFill/>
@@ -7724,17 +7752,7 @@
                 <a:latin typeface="맑은 고딕" charset="0"/>
                 <a:ea typeface="맑은 고딕" charset="0"/>
               </a:rPr>
-              <a:t>2</a:t>
-            </a:r>
-            <a:r>
-              <a:rPr sz="1800" b="1">
-                <a:solidFill>
-                  <a:srgbClr val="0611F2"/>
-                </a:solidFill>
-                <a:latin typeface="맑은 고딕" charset="0"/>
-                <a:ea typeface="맑은 고딕" charset="0"/>
-              </a:rPr>
-              <a:t>.</a:t>
+              <a:t>2.</a:t>
             </a:r>
             <a:r>
               <a:rPr sz="1800">
@@ -7748,14 +7766,21 @@
                 <a:latin typeface="맑은 고딕" charset="0"/>
                 <a:ea typeface="맑은 고딕" charset="0"/>
               </a:rPr>
-              <a:t>그런 다음 </a:t>
+              <a:t>그</a:t>
             </a:r>
             <a:r>
               <a:rPr lang="ko-KR" sz="1800">
                 <a:latin typeface="맑은 고딕" charset="0"/>
                 <a:ea typeface="맑은 고딕" charset="0"/>
               </a:rPr>
-              <a:t>Main Camera 오브젝트를 Character 오브젝트의 하위 오브젝트로 넣어줍니다.</a:t>
+              <a:t>리고</a:t>
+            </a:r>
+            <a:r>
+              <a:rPr lang="ko-KR" sz="1800">
+                <a:latin typeface="맑은 고딕" charset="0"/>
+                <a:ea typeface="맑은 고딕" charset="0"/>
+              </a:rPr>
+              <a:t> Main Camera 오브젝트를 Character 오브젝트의 하위 오브젝트로 넣어줍니다.</a:t>
             </a:r>
             <a:endParaRPr lang="ko-KR" altLang="en-US" sz="1800">
               <a:latin typeface="맑은 고딕" charset="0"/>
@@ -7797,7 +7822,7 @@
       </p:pic>
       <p:pic>
         <p:nvPicPr>
-          <p:cNvPr id="1187" name="그림 2" descr="C:/Users/Admin1/AppData/Roaming/PolarisOffice/ETemp/16708_14925040/fImage1826228141.png"/>
+          <p:cNvPr id="1187" name="그림 2" descr="C:/Users/Admin1/AppData/Roaming/PolarisOffice/ETemp/8580_20501592/fImage1826228141.png"/>
           <p:cNvPicPr>
             <a:picLocks noChangeAspect="1"/>
           </p:cNvPicPr>
@@ -7817,8 +7842,8 @@
         </p:blipFill>
         <p:spPr>
           <a:xfrm rot="0">
-            <a:off x="1230630" y="1346835"/>
-            <a:ext cx="2677795" cy="2741930"/>
+            <a:off x="1222375" y="1446530"/>
+            <a:ext cx="2686685" cy="2642870"/>
           </a:xfrm>
           <a:prstGeom prst="roundRect"/>
           <a:solidFill>
@@ -7828,17 +7853,17 @@
       </p:pic>
       <p:pic>
         <p:nvPicPr>
-          <p:cNvPr id="1188" name="그림 3"/>
+          <p:cNvPr id="1188" name="그림 3" descr="C:/Users/Admin1/AppData/Roaming/PolarisOffice/ETemp/8580_20501592/fImage44892828467.png"/>
           <p:cNvPicPr>
             <a:picLocks noChangeAspect="1"/>
           </p:cNvPicPr>
           <p:nvPr/>
         </p:nvPicPr>
         <p:blipFill rotWithShape="1">
-          <a:blip r:embed="rId48" cstate="print">
+          <a:blip r:embed="rId48" cstate="hqprint">
             <a:extLst>
               <a:ext uri="{28A0092B-C50C-407E-A947-70E740481C1C}">
-                <a14:useLocalDpi xmlns:a14="http://schemas.microsoft.com/office/drawing/2010/main" val="0"/>
+                <a14:useLocalDpi xmlns:a14="http://schemas.microsoft.com/office/drawing/2010/main"/>
               </a:ext>
             </a:extLst>
           </a:blip>
@@ -7848,8 +7873,8 @@
         </p:blipFill>
         <p:spPr>
           <a:xfrm rot="0">
-            <a:off x="4095750" y="1350645"/>
-            <a:ext cx="1282700" cy="1481455"/>
+            <a:off x="4095750" y="1446530"/>
+            <a:ext cx="1283335" cy="1410970"/>
           </a:xfrm>
           <a:prstGeom prst="roundRect"/>
           <a:solidFill>
@@ -7868,13 +7893,12 @@
         </p:nvCxnSpPr>
         <p:spPr>
           <a:xfrm rot="0" flipH="1" flipV="1">
-            <a:off x="4736465" y="2831465"/>
-            <a:ext cx="5080" cy="494665"/>
+            <a:off x="4737100" y="2856865"/>
+            <a:ext cx="5080" cy="469265"/>
           </a:xfrm>
           <a:prstGeom prst="straightConnector1"/>
           <a:ln w="6350" cap="flat" cmpd="sng">
             <a:prstDash/>
-            <a:headEnd type="none" w="med" len="med"/>
             <a:tailEnd type="triangle" w="med" len="med"/>
           </a:ln>
         </p:spPr>
@@ -7895,7 +7919,7 @@
       </p:cxnSp>
       <p:pic>
         <p:nvPicPr>
-          <p:cNvPr id="1190" name="그림 7"/>
+          <p:cNvPr id="1190" name="그림 7" descr="C:/Users/Admin1/AppData/Roaming/PolarisOffice/ETemp/8580_20501592/fImage48472616500.png"/>
           <p:cNvPicPr>
             <a:picLocks noChangeAspect="1"/>
           </p:cNvPicPr>
@@ -7915,8 +7939,8 @@
         </p:blipFill>
         <p:spPr>
           <a:xfrm rot="0">
-            <a:off x="6832600" y="2285365"/>
-            <a:ext cx="4156710" cy="762635"/>
+            <a:off x="6840855" y="2459990"/>
+            <a:ext cx="4141470" cy="763270"/>
           </a:xfrm>
           <a:prstGeom prst="roundRect"/>
           <a:solidFill>
@@ -7926,7 +7950,7 @@
       </p:pic>
       <p:pic>
         <p:nvPicPr>
-          <p:cNvPr id="1192" name="그림 9"/>
+          <p:cNvPr id="1192" name="그림 9" descr="C:/Users/Admin1/AppData/Roaming/PolarisOffice/ETemp/8580_20501592/fImage48852649169.png"/>
           <p:cNvPicPr>
             <a:picLocks noChangeAspect="1"/>
           </p:cNvPicPr>
@@ -7946,8 +7970,8 @@
         </p:blipFill>
         <p:spPr>
           <a:xfrm rot="0">
-            <a:off x="6840855" y="1342390"/>
-            <a:ext cx="4139565" cy="779780"/>
+            <a:off x="6840855" y="1438275"/>
+            <a:ext cx="4140200" cy="765175"/>
           </a:xfrm>
           <a:prstGeom prst="roundRect"/>
           <a:solidFill>
@@ -8078,7 +8102,7 @@
       </p:sp>
       <p:pic>
         <p:nvPicPr>
-          <p:cNvPr id="1195" name="그림 59"/>
+          <p:cNvPr id="1195" name="그림 59" descr="C:/Users/Admin1/AppData/Roaming/PolarisOffice/ETemp/8580_20501592/fImage53352906962.png"/>
           <p:cNvPicPr>
             <a:picLocks noChangeAspect="1"/>
           </p:cNvPicPr>
@@ -8098,8 +8122,8 @@
         </p:blipFill>
         <p:spPr>
           <a:xfrm rot="0">
-            <a:off x="6849745" y="4217035"/>
-            <a:ext cx="4139565" cy="1247140"/>
+            <a:off x="6841490" y="4405630"/>
+            <a:ext cx="4148455" cy="1075690"/>
           </a:xfrm>
           <a:prstGeom prst="roundRect"/>
           <a:solidFill>
@@ -8156,9 +8180,9 @@
           <p:nvPr/>
         </p:nvSpPr>
         <p:spPr>
-          <a:xfrm rot="0">
+          <a:xfrm>
             <a:off x="4260850" y="383540"/>
-            <a:ext cx="3675380" cy="554990"/>
+            <a:ext cx="3676015" cy="478155"/>
           </a:xfrm>
           <a:prstGeom prst="rect"/>
           <a:noFill/>
@@ -8178,21 +8202,21 @@
               <a:buNone/>
             </a:pPr>
             <a:r>
-              <a:rPr sz="3000" b="1">
+              <a:rPr sz="2500" b="1">
                 <a:solidFill>
                   <a:schemeClr val="tx1"/>
                 </a:solidFill>
-                <a:latin typeface="맑은 고딕" charset="0"/>
-                <a:ea typeface="맑은 고딕" charset="0"/>
+                <a:latin typeface="나눔바른고딕" charset="0"/>
+                <a:ea typeface="나눔바른고딕" charset="0"/>
               </a:rPr>
               <a:t>Navigation Areas</a:t>
             </a:r>
-            <a:endParaRPr lang="ko-KR" altLang="en-US" sz="3000" b="1">
+            <a:endParaRPr lang="ko-KR" altLang="en-US" sz="2500" b="1">
               <a:solidFill>
                 <a:schemeClr val="tx1"/>
               </a:solidFill>
-              <a:latin typeface="맑은 고딕" charset="0"/>
-              <a:ea typeface="맑은 고딕" charset="0"/>
+              <a:latin typeface="나눔바른고딕" charset="0"/>
+              <a:ea typeface="나눔바른고딕" charset="0"/>
             </a:endParaRPr>
           </a:p>
         </p:txBody>
@@ -8207,8 +8231,8 @@
         </p:nvSpPr>
         <p:spPr>
           <a:xfrm rot="0">
-            <a:off x="1247140" y="1414780"/>
-            <a:ext cx="4140835" cy="924560"/>
+            <a:off x="1247140" y="1431290"/>
+            <a:ext cx="4141470" cy="925195"/>
           </a:xfrm>
           <a:prstGeom prst="rect"/>
           <a:noFill/>
@@ -8359,7 +8383,7 @@
       </p:sp>
       <p:pic>
         <p:nvPicPr>
-          <p:cNvPr id="1041" name="그림 126" descr="C:/Users/Admin1/AppData/Roaming/PolarisOffice/ETemp/2556_16958208/fImage402163385436.png"/>
+          <p:cNvPr id="1041" name="그림 126" descr="C:/Users/Admin1/AppData/Roaming/PolarisOffice/ETemp/8580_20501592/fImage402163385436.png"/>
           <p:cNvPicPr>
             <a:picLocks noChangeAspect="1"/>
           </p:cNvPicPr>
@@ -8379,8 +8403,8 @@
         </p:blipFill>
         <p:spPr>
           <a:xfrm rot="0">
-            <a:off x="1247140" y="2518410"/>
-            <a:ext cx="4140835" cy="2599690"/>
+            <a:off x="1247140" y="2609215"/>
+            <a:ext cx="4141470" cy="2503170"/>
           </a:xfrm>
           <a:prstGeom prst="roundRect"/>
           <a:solidFill>
@@ -8390,7 +8414,7 @@
       </p:pic>
       <p:pic>
         <p:nvPicPr>
-          <p:cNvPr id="1042" name="그림 144"/>
+          <p:cNvPr id="1042" name="그림 144" descr="C:/Users/Admin1/AppData/Roaming/PolarisOffice/ETemp/8580_20501592/fImage128043672391.png"/>
           <p:cNvPicPr>
             <a:picLocks noChangeAspect="1"/>
           </p:cNvPicPr>
@@ -8410,8 +8434,8 @@
         </p:blipFill>
         <p:spPr>
           <a:xfrm rot="0">
-            <a:off x="6823710" y="2537460"/>
-            <a:ext cx="4139565" cy="2338070"/>
+            <a:off x="6823710" y="2578735"/>
+            <a:ext cx="4140200" cy="2268220"/>
           </a:xfrm>
           <a:prstGeom prst="roundRect"/>
           <a:solidFill>
@@ -8429,8 +8453,8 @@
         </p:nvSpPr>
         <p:spPr>
           <a:xfrm rot="0">
-            <a:off x="6835140" y="1409700"/>
-            <a:ext cx="4131310" cy="923925"/>
+            <a:off x="6818630" y="1426210"/>
+            <a:ext cx="4131945" cy="924560"/>
           </a:xfrm>
           <a:prstGeom prst="rect"/>
           <a:noFill/>
@@ -10619,7 +10643,7 @@
 </file>
 
 <file path=ppt/slides/slide2.xml><?xml version="1.0" encoding="utf-8"?>
-<p:sld xmlns:a="http://schemas.openxmlformats.org/drawingml/2006/main" xmlns:r="http://schemas.openxmlformats.org/officeDocument/2006/relationships" xmlns:p="http://schemas.openxmlformats.org/presentationml/2006/main">
+<p:sld xmlns:a="http://schemas.openxmlformats.org/drawingml/2006/main" xmlns:r="http://schemas.openxmlformats.org/officeDocument/2006/relationships" xmlns:p="http://schemas.openxmlformats.org/presentationml/2006/main" xmlns:p14="http://schemas.microsoft.com/office/powerpoint/2010/main">
   <p:cSld>
     <p:spTree>
       <p:nvGrpSpPr>
@@ -10796,14 +10820,170 @@
       </p:sp>
       <p:pic>
         <p:nvPicPr>
-          <p:cNvPr id="1187" name="그림 13" descr="C:/Users/Admin1/AppData/Roaming/PolarisOffice/ETemp/8136_15119280/fImage121712886500.png"/>
+          <p:cNvPr id="1187" name="그림 13" descr="C:/Users/Admin1/AppData/Roaming/PolarisOffice/ETemp/8580_20501592/fImage121712886500.png"/>
           <p:cNvPicPr>
             <a:picLocks noChangeAspect="1"/>
           </p:cNvPicPr>
           <p:nvPr/>
         </p:nvPicPr>
         <p:blipFill rotWithShape="1">
-          <a:blip r:embed="rId2" cstate="print">
+          <a:blip r:embed="rId2" cstate="hqprint">
+            <a:extLst>
+              <a:ext uri="{28A0092B-C50C-407E-A947-70E740481C1C}">
+                <a14:useLocalDpi xmlns:a14="http://schemas.microsoft.com/office/drawing/2010/main"/>
+              </a:ext>
+            </a:extLst>
+          </a:blip>
+          <a:stretch>
+            <a:fillRect/>
+          </a:stretch>
+        </p:blipFill>
+        <p:spPr>
+          <a:xfrm rot="0">
+            <a:off x="1238885" y="1437640"/>
+            <a:ext cx="4122420" cy="1646555"/>
+          </a:xfrm>
+          <a:prstGeom prst="roundRect"/>
+          <a:solidFill>
+            <a:srgbClr val="EDEDED"/>
+          </a:solidFill>
+        </p:spPr>
+      </p:pic>
+      <p:sp>
+        <p:nvSpPr>
+          <p:cNvPr id="1189" name="텍스트 상자 19"/>
+          <p:cNvSpPr txBox="1">
+            <a:spLocks/>
+          </p:cNvSpPr>
+          <p:nvPr/>
+        </p:nvSpPr>
+        <p:spPr>
+          <a:xfrm rot="0">
+            <a:off x="1249045" y="5599430"/>
+            <a:ext cx="4114800" cy="647700"/>
+          </a:xfrm>
+          <a:prstGeom prst="rect"/>
+          <a:noFill/>
+          <a:ln w="0">
+            <a:noFill/>
+            <a:prstDash/>
+          </a:ln>
+        </p:spPr>
+        <p:txBody>
+          <a:bodyPr wrap="square" lIns="89535" tIns="46355" rIns="89535" bIns="46355" numCol="1" vert="horz" anchor="t">
+            <a:spAutoFit/>
+          </a:bodyPr>
+          <a:lstStyle/>
+          <a:p>
+            <a:pPr marL="0" indent="0" rtl="0" algn="l" defTabSz="914400" eaLnBrk="1" latinLnBrk="0" hangingPunct="1">
+              <a:buFontTx/>
+              <a:buNone/>
+            </a:pPr>
+            <a:r>
+              <a:rPr lang="ko-KR" sz="1800" b="1">
+                <a:solidFill>
+                  <a:srgbClr val="0611F2"/>
+                </a:solidFill>
+                <a:latin typeface="맑은 고딕" charset="0"/>
+                <a:ea typeface="맑은 고딕" charset="0"/>
+              </a:rPr>
+              <a:t>5</a:t>
+            </a:r>
+            <a:r>
+              <a:rPr sz="1800" b="1">
+                <a:solidFill>
+                  <a:srgbClr val="0611F2"/>
+                </a:solidFill>
+                <a:latin typeface="맑은 고딕" charset="0"/>
+                <a:ea typeface="맑은 고딕" charset="0"/>
+              </a:rPr>
+              <a:t>.</a:t>
+            </a:r>
+            <a:r>
+              <a:rPr lang="ko-KR" sz="1800">
+                <a:latin typeface="맑은 고딕" charset="0"/>
+                <a:ea typeface="맑은 고딕" charset="0"/>
+              </a:rPr>
+              <a:t> 이제 Character 오브젝트의 위치 값을 설정합니다.</a:t>
+            </a:r>
+            <a:endParaRPr lang="ko-KR" altLang="en-US" sz="1800">
+              <a:latin typeface="맑은 고딕" charset="0"/>
+              <a:ea typeface="맑은 고딕" charset="0"/>
+            </a:endParaRPr>
+          </a:p>
+        </p:txBody>
+      </p:sp>
+      <p:sp>
+        <p:nvSpPr>
+          <p:cNvPr id="1190" name="텍스트 상자 20"/>
+          <p:cNvSpPr txBox="1">
+            <a:spLocks/>
+          </p:cNvSpPr>
+          <p:nvPr/>
+        </p:nvSpPr>
+        <p:spPr>
+          <a:xfrm rot="0">
+            <a:off x="6806565" y="2602865"/>
+            <a:ext cx="4150995" cy="1200785"/>
+          </a:xfrm>
+          <a:prstGeom prst="rect"/>
+          <a:noFill/>
+          <a:ln w="0">
+            <a:noFill/>
+            <a:prstDash/>
+          </a:ln>
+        </p:spPr>
+        <p:txBody>
+          <a:bodyPr wrap="square" lIns="89535" tIns="46355" rIns="89535" bIns="46355" numCol="1" vert="horz" anchor="t">
+            <a:spAutoFit/>
+          </a:bodyPr>
+          <a:lstStyle/>
+          <a:p>
+            <a:pPr marL="0" indent="0" rtl="0" algn="l" defTabSz="914400" eaLnBrk="1" latinLnBrk="0" hangingPunct="1">
+              <a:buFontTx/>
+              <a:buNone/>
+            </a:pPr>
+            <a:r>
+              <a:rPr sz="1800" b="1">
+                <a:solidFill>
+                  <a:srgbClr val="0611F2"/>
+                </a:solidFill>
+                <a:latin typeface="맑은 고딕" charset="0"/>
+                <a:ea typeface="맑은 고딕" charset="0"/>
+              </a:rPr>
+              <a:t>6.</a:t>
+            </a:r>
+            <a:r>
+              <a:rPr lang="ko-KR" sz="1800">
+                <a:latin typeface="맑은 고딕" charset="0"/>
+                <a:ea typeface="맑은 고딕" charset="0"/>
+              </a:rPr>
+              <a:t> 그리</a:t>
+            </a:r>
+            <a:r>
+              <a:rPr lang="ko-KR" sz="1800">
+                <a:latin typeface="맑은 고딕" charset="0"/>
+                <a:ea typeface="맑은 고딕" charset="0"/>
+              </a:rPr>
+              <a:t>고 Project 폴더 아래에 있는 Model 폴더에 Rampart 모델을 월드 공간에 배치한 다음 Back Rampart 라는 이름으로 정의합니다.</a:t>
+            </a:r>
+            <a:endParaRPr lang="ko-KR" altLang="en-US" sz="1800">
+              <a:latin typeface="맑은 고딕" charset="0"/>
+              <a:ea typeface="맑은 고딕" charset="0"/>
+            </a:endParaRPr>
+          </a:p>
+        </p:txBody>
+      </p:sp>
+      <p:pic>
+        <p:nvPicPr>
+          <p:cNvPr id="1192" name="그림 3" descr="C:/Users/Admin1/AppData/Roaming/PolarisOffice/ETemp/8580_20501592/fImage863821741.png"/>
+          <p:cNvPicPr>
+            <a:picLocks noChangeAspect="1"/>
+          </p:cNvPicPr>
+          <p:nvPr/>
+        </p:nvPicPr>
+        <p:blipFill rotWithShape="1">
+          <a:blip r:embed="rId7" cstate="print">
             <a:extLst>
               <a:ext uri="{28A0092B-C50C-407E-A947-70E740481C1C}">
                 <a14:useLocalDpi xmlns:a14="http://schemas.microsoft.com/office/drawing/2010/main" val="0"/>
@@ -10816,8 +10996,8 @@
         </p:blipFill>
         <p:spPr>
           <a:xfrm rot="0">
-            <a:off x="1247140" y="1428750"/>
-            <a:ext cx="4113530" cy="1654810"/>
+            <a:off x="8479155" y="1446530"/>
+            <a:ext cx="2478405" cy="998220"/>
           </a:xfrm>
           <a:prstGeom prst="roundRect"/>
           <a:solidFill>
@@ -10827,14 +11007,14 @@
       </p:pic>
       <p:pic>
         <p:nvPicPr>
-          <p:cNvPr id="1188" name="그림 16" descr="C:/Users/Admin1/AppData/Roaming/PolarisOffice/ETemp/8136_15119280/fImage116422899169.png"/>
+          <p:cNvPr id="1193" name="그림 8" descr="C:/Users/Admin1/AppData/Roaming/PolarisOffice/ETemp/8580_20501592/fImage147462188467.png"/>
           <p:cNvPicPr>
             <a:picLocks noChangeAspect="1"/>
           </p:cNvPicPr>
           <p:nvPr/>
         </p:nvPicPr>
         <p:blipFill rotWithShape="1">
-          <a:blip r:embed="rId3" cstate="print">
+          <a:blip r:embed="rId8" cstate="print">
             <a:extLst>
               <a:ext uri="{28A0092B-C50C-407E-A947-70E740481C1C}">
                 <a14:useLocalDpi xmlns:a14="http://schemas.microsoft.com/office/drawing/2010/main" val="0"/>
@@ -10847,8 +11027,8 @@
         </p:blipFill>
         <p:spPr>
           <a:xfrm rot="0">
-            <a:off x="1250315" y="3948430"/>
-            <a:ext cx="4128135" cy="1559560"/>
+            <a:off x="6805930" y="3931920"/>
+            <a:ext cx="4142740" cy="1563370"/>
           </a:xfrm>
           <a:prstGeom prst="roundRect"/>
           <a:solidFill>
@@ -10858,7 +11038,7 @@
       </p:pic>
       <p:sp>
         <p:nvSpPr>
-          <p:cNvPr id="1189" name="텍스트 상자 19"/>
+          <p:cNvPr id="1194" name="텍스트 상자 11"/>
           <p:cNvSpPr txBox="1">
             <a:spLocks/>
           </p:cNvSpPr>
@@ -10866,8 +11046,8 @@
         </p:nvSpPr>
         <p:spPr>
           <a:xfrm rot="0">
-            <a:off x="1249045" y="5607685"/>
-            <a:ext cx="4114165" cy="647065"/>
+            <a:off x="6798945" y="5596255"/>
+            <a:ext cx="4149725" cy="647065"/>
           </a:xfrm>
           <a:prstGeom prst="rect"/>
           <a:noFill/>
@@ -10894,7 +11074,7 @@
                 <a:latin typeface="맑은 고딕" charset="0"/>
                 <a:ea typeface="맑은 고딕" charset="0"/>
               </a:rPr>
-              <a:t>5</a:t>
+              <a:t>7</a:t>
             </a:r>
             <a:r>
               <a:rPr sz="1800" b="1">
@@ -10911,14 +11091,28 @@
                 <a:latin typeface="맑은 고딕" charset="0"/>
                 <a:ea typeface="맑은 고딕" charset="0"/>
               </a:rPr>
-              <a:t> 이제 Character 오브젝트의 </a:t>
+              <a:t> </a:t>
             </a:r>
             <a:r>
               <a:rPr lang="ko-KR" sz="1800">
                 <a:latin typeface="맑은 고딕" charset="0"/>
                 <a:ea typeface="맑은 고딕" charset="0"/>
               </a:rPr>
-              <a:t>위치 값을 설정합니다.</a:t>
+              <a:t>그런 다음</a:t>
+            </a:r>
+            <a:r>
+              <a:rPr lang="ko-KR" sz="1800">
+                <a:latin typeface="맑은 고딕" charset="0"/>
+                <a:ea typeface="맑은 고딕" charset="0"/>
+              </a:rPr>
+              <a:t> </a:t>
+            </a:r>
+            <a:r>
+              <a:rPr lang="ko-KR" sz="1800">
+                <a:latin typeface="맑은 고딕" charset="0"/>
+                <a:ea typeface="맑은 고딕" charset="0"/>
+              </a:rPr>
+              <a:t>Back Rampart 오브젝트의 회전 값을 설정합니다.</a:t>
             </a:r>
             <a:endParaRPr lang="ko-KR" altLang="en-US" sz="1800">
               <a:latin typeface="맑은 고딕" charset="0"/>
@@ -10927,135 +11121,47 @@
           </a:p>
         </p:txBody>
       </p:sp>
-      <p:sp>
-        <p:nvSpPr>
-          <p:cNvPr id="1190" name="텍스트 상자 20"/>
-          <p:cNvSpPr txBox="1">
-            <a:spLocks/>
-          </p:cNvSpPr>
-          <p:nvPr/>
-        </p:nvSpPr>
-        <p:spPr>
-          <a:xfrm rot="0">
-            <a:off x="6814820" y="4772660"/>
-            <a:ext cx="4130675" cy="1477645"/>
-          </a:xfrm>
-          <a:prstGeom prst="rect"/>
-          <a:noFill/>
-          <a:ln w="0">
-            <a:noFill/>
-            <a:prstDash/>
-          </a:ln>
-        </p:spPr>
-        <p:txBody>
-          <a:bodyPr wrap="square" lIns="89535" tIns="46355" rIns="89535" bIns="46355" numCol="1" vert="horz" anchor="t">
-            <a:spAutoFit/>
-          </a:bodyPr>
-          <a:lstStyle/>
-          <a:p>
-            <a:pPr marL="0" indent="0" rtl="0" algn="l" defTabSz="914400" eaLnBrk="1" latinLnBrk="0" hangingPunct="1">
-              <a:buFontTx/>
-              <a:buNone/>
-            </a:pPr>
-            <a:r>
-              <a:rPr sz="1800" b="1">
-                <a:solidFill>
-                  <a:srgbClr val="0611F2"/>
-                </a:solidFill>
-                <a:latin typeface="맑은 고딕" charset="0"/>
-                <a:ea typeface="맑은 고딕" charset="0"/>
-              </a:rPr>
-              <a:t>6</a:t>
-            </a:r>
-            <a:r>
-              <a:rPr sz="1800" b="1">
-                <a:solidFill>
-                  <a:srgbClr val="0611F2"/>
-                </a:solidFill>
-                <a:latin typeface="맑은 고딕" charset="0"/>
-                <a:ea typeface="맑은 고딕" charset="0"/>
-              </a:rPr>
-              <a:t>.</a:t>
-            </a:r>
-            <a:r>
-              <a:rPr lang="ko-KR" sz="1800">
-                <a:latin typeface="맑은 고딕" charset="0"/>
-                <a:ea typeface="맑은 고딕" charset="0"/>
-              </a:rPr>
-              <a:t> 그리고</a:t>
-            </a:r>
-            <a:r>
-              <a:rPr lang="ko-KR" sz="1800">
-                <a:latin typeface="맑은 고딕" charset="0"/>
-                <a:ea typeface="맑은 고딕" charset="0"/>
-              </a:rPr>
-              <a:t> 3D Object를 선택하고 Plane </a:t>
-            </a:r>
-            <a:r>
-              <a:rPr lang="ko-KR" sz="1800">
-                <a:latin typeface="맑은 고딕" charset="0"/>
-                <a:ea typeface="맑은 고딕" charset="0"/>
-              </a:rPr>
-              <a:t>오브젝트를 </a:t>
-            </a:r>
-            <a:r>
-              <a:rPr lang="ko-KR" sz="1800">
-                <a:latin typeface="맑은 고딕" charset="0"/>
-                <a:ea typeface="맑은 고딕" charset="0"/>
-              </a:rPr>
-              <a:t>2개 생성합니다.</a:t>
-            </a:r>
-            <a:endParaRPr lang="ko-KR" altLang="en-US" sz="1800">
-              <a:latin typeface="맑은 고딕" charset="0"/>
-              <a:ea typeface="맑은 고딕" charset="0"/>
-            </a:endParaRPr>
-          </a:p>
-          <a:p>
-            <a:pPr marL="0" indent="0" rtl="0" algn="l" defTabSz="914400" eaLnBrk="1" latinLnBrk="0" hangingPunct="1">
-              <a:buFontTx/>
-              <a:buNone/>
-            </a:pPr>
-            <a:endParaRPr lang="ko-KR" altLang="en-US" sz="1800">
-              <a:latin typeface="맑은 고딕" charset="0"/>
-              <a:ea typeface="맑은 고딕" charset="0"/>
-            </a:endParaRPr>
-          </a:p>
-          <a:p>
-            <a:pPr marL="0" indent="0" rtl="0" algn="l" defTabSz="914400" eaLnBrk="1" latinLnBrk="0" hangingPunct="1">
-              <a:buFontTx/>
-              <a:buNone/>
-            </a:pPr>
-            <a:r>
-              <a:rPr lang="ko-KR" sz="1800">
-                <a:latin typeface="맑은 고딕" charset="0"/>
-                <a:ea typeface="맑은 고딕" charset="0"/>
-              </a:rPr>
-              <a:t>그</a:t>
-            </a:r>
-            <a:r>
-              <a:rPr lang="ko-KR" sz="1800">
-                <a:latin typeface="맑은 고딕" charset="0"/>
-                <a:ea typeface="맑은 고딕" charset="0"/>
-              </a:rPr>
-              <a:t>런 다음 서로 각각의 이름을 Floor와 Opposite Floor라는 정의합니다.</a:t>
-            </a:r>
-            <a:endParaRPr lang="ko-KR" altLang="en-US" sz="1800">
-              <a:latin typeface="맑은 고딕" charset="0"/>
-              <a:ea typeface="맑은 고딕" charset="0"/>
-            </a:endParaRPr>
-          </a:p>
-        </p:txBody>
-      </p:sp>
       <p:pic>
         <p:nvPicPr>
-          <p:cNvPr id="1191" name="그림 21" descr="C:/Users/Admin1/AppData/Roaming/PolarisOffice/ETemp/8136_15119280/fImage159532179169.png"/>
+          <p:cNvPr id="1196" name="그림 18" descr="C:/Users/Admin1/AppData/Roaming/PolarisOffice/ETemp/8580_20501592/fImage61122256334.png"/>
           <p:cNvPicPr>
             <a:picLocks noChangeAspect="1"/>
           </p:cNvPicPr>
           <p:nvPr/>
         </p:nvPicPr>
         <p:blipFill rotWithShape="1">
-          <a:blip r:embed="rId4" cstate="hqprint">
+          <a:blip r:embed="rId9" cstate="print">
+            <a:extLst>
+              <a:ext uri="{28A0092B-C50C-407E-A947-70E740481C1C}">
+                <a14:useLocalDpi xmlns:a14="http://schemas.microsoft.com/office/drawing/2010/main" val="0"/>
+              </a:ext>
+            </a:extLst>
+          </a:blip>
+          <a:stretch>
+            <a:fillRect/>
+          </a:stretch>
+        </p:blipFill>
+        <p:spPr>
+          <a:xfrm rot="0">
+            <a:off x="6804660" y="1446530"/>
+            <a:ext cx="1410335" cy="1022985"/>
+          </a:xfrm>
+          <a:prstGeom prst="roundRect"/>
+          <a:solidFill>
+            <a:srgbClr val="EDEDED"/>
+          </a:solidFill>
+        </p:spPr>
+      </p:pic>
+      <p:pic>
+        <p:nvPicPr>
+          <p:cNvPr id="1195" name="그림 17" descr="C:/Users/Admin1/AppData/Roaming/PolarisOffice/ETemp/8580_20501592/fImage2242172246500.png"/>
+          <p:cNvPicPr>
+            <a:picLocks noChangeAspect="1"/>
+          </p:cNvPicPr>
+          <p:nvPr/>
+        </p:nvPicPr>
+        <p:blipFill rotWithShape="1">
+          <a:blip r:embed="rId10" cstate="hqprint">
             <a:extLst>
               <a:ext uri="{28A0092B-C50C-407E-A947-70E740481C1C}">
                 <a14:useLocalDpi xmlns:a14="http://schemas.microsoft.com/office/drawing/2010/main"/>
@@ -11067,26 +11173,24 @@
           </a:stretch>
         </p:blipFill>
         <p:spPr>
-          <a:xfrm rot="0">
-            <a:off x="6823710" y="1428750"/>
-            <a:ext cx="2675890" cy="3169920"/>
-          </a:xfrm>
-          <a:prstGeom prst="roundRect"/>
-          <a:solidFill>
-            <a:srgbClr val="EDEDED"/>
-          </a:solidFill>
+          <a:xfrm rot="10800000">
+            <a:off x="7980680" y="1753870"/>
+            <a:ext cx="708025" cy="394970"/>
+          </a:xfrm>
+          <a:prstGeom prst="rect"/>
+          <a:noFill/>
         </p:spPr>
       </p:pic>
       <p:pic>
         <p:nvPicPr>
-          <p:cNvPr id="1192" name="그림 22" descr="C:/Users/Admin1/AppData/Roaming/PolarisOffice/ETemp/8136_15119280/fImage55552935724.png"/>
+          <p:cNvPr id="1197" name="그림 59" descr="C:/Users/Admin1/AppData/Roaming/PolarisOffice/ETemp/8580_20501592/fImage120322459169.png"/>
           <p:cNvPicPr>
             <a:picLocks noChangeAspect="1"/>
           </p:cNvPicPr>
           <p:nvPr/>
         </p:nvPicPr>
         <p:blipFill rotWithShape="1">
-          <a:blip r:embed="rId5" cstate="print">
+          <a:blip r:embed="rId11" cstate="print">
             <a:extLst>
               <a:ext uri="{28A0092B-C50C-407E-A947-70E740481C1C}">
                 <a14:useLocalDpi xmlns:a14="http://schemas.microsoft.com/office/drawing/2010/main" val="0"/>
@@ -11099,8 +11203,8 @@
         </p:blipFill>
         <p:spPr>
           <a:xfrm rot="0">
-            <a:off x="9680575" y="2028190"/>
-            <a:ext cx="1273810" cy="1972945"/>
+            <a:off x="1250315" y="3948430"/>
+            <a:ext cx="4102100" cy="1524635"/>
           </a:xfrm>
           <a:prstGeom prst="roundRect"/>
           <a:solidFill>
@@ -11132,7 +11236,7 @@
 </file>
 
 <file path=ppt/slides/slide3.xml><?xml version="1.0" encoding="utf-8"?>
-<p:sld xmlns:a="http://schemas.openxmlformats.org/drawingml/2006/main" xmlns:r="http://schemas.openxmlformats.org/officeDocument/2006/relationships" xmlns:p="http://schemas.openxmlformats.org/presentationml/2006/main">
+<p:sld xmlns:a="http://schemas.openxmlformats.org/drawingml/2006/main" xmlns:r="http://schemas.openxmlformats.org/officeDocument/2006/relationships" xmlns:p="http://schemas.openxmlformats.org/presentationml/2006/main" xmlns:p14="http://schemas.microsoft.com/office/powerpoint/2010/main">
   <p:cSld>
     <p:spTree>
       <p:nvGrpSpPr>
@@ -11218,7 +11322,7 @@
         </p:nvSpPr>
         <p:spPr>
           <a:xfrm rot="0">
-            <a:off x="1238250" y="5309870"/>
+            <a:off x="1222375" y="5309870"/>
             <a:ext cx="4148455" cy="923925"/>
           </a:xfrm>
           <a:prstGeom prst="rect"/>
@@ -11246,7 +11350,7 @@
                 <a:latin typeface="맑은 고딕" charset="0"/>
                 <a:ea typeface="맑은 고딕" charset="0"/>
               </a:rPr>
-              <a:t>7</a:t>
+              <a:t>9</a:t>
             </a:r>
             <a:r>
               <a:rPr sz="1800" b="1">
@@ -11270,7 +11374,21 @@
                 <a:latin typeface="맑은 고딕" charset="0"/>
                 <a:ea typeface="맑은 고딕" charset="0"/>
               </a:rPr>
-              <a:t>다음으로 Floor 오브젝트와 Opposite Floor 오브젝트의 위치를 설정합니다.</a:t>
+              <a:t>러고 나서</a:t>
+            </a:r>
+            <a:r>
+              <a:rPr lang="ko-KR" sz="1800">
+                <a:latin typeface="맑은 고딕" charset="0"/>
+                <a:ea typeface="맑은 고딕" charset="0"/>
+              </a:rPr>
+              <a:t> F</a:t>
+            </a:r>
+            <a:r>
+              <a:rPr lang="ko-KR" sz="1800">
+                <a:latin typeface="맑은 고딕" charset="0"/>
+                <a:ea typeface="맑은 고딕" charset="0"/>
+              </a:rPr>
+              <a:t>ront Rampart 오브젝트의 위치와 회전 값을 설정합니다.</a:t>
             </a:r>
             <a:endParaRPr lang="ko-KR" altLang="en-US" sz="1800">
               <a:latin typeface="맑은 고딕" charset="0"/>
@@ -11279,16 +11397,149 @@
           </a:p>
         </p:txBody>
       </p:sp>
+      <p:sp>
+        <p:nvSpPr>
+          <p:cNvPr id="1191" name="Rect 0"/>
+          <p:cNvSpPr txBox="1">
+            <a:spLocks/>
+          </p:cNvSpPr>
+          <p:nvPr/>
+        </p:nvSpPr>
+        <p:spPr>
+          <a:xfrm rot="0">
+            <a:off x="6814185" y="2851150"/>
+            <a:ext cx="4140200" cy="923925"/>
+          </a:xfrm>
+          <a:prstGeom prst="rect"/>
+          <a:noFill/>
+          <a:ln w="0">
+            <a:noFill/>
+            <a:prstDash/>
+          </a:ln>
+        </p:spPr>
+        <p:txBody>
+          <a:bodyPr wrap="square" lIns="89535" tIns="46355" rIns="89535" bIns="46355" numCol="1" vert="horz" anchor="t">
+            <a:spAutoFit/>
+          </a:bodyPr>
+          <a:lstStyle/>
+          <a:p>
+            <a:pPr marL="0" indent="0" rtl="0" algn="l" defTabSz="914400" eaLnBrk="1" latinLnBrk="0" hangingPunct="1">
+              <a:buFontTx/>
+              <a:buNone/>
+            </a:pPr>
+            <a:r>
+              <a:rPr lang="ko-KR" sz="1800" b="1">
+                <a:solidFill>
+                  <a:srgbClr val="0611F2"/>
+                </a:solidFill>
+                <a:latin typeface="맑은 고딕" charset="0"/>
+                <a:ea typeface="맑은 고딕" charset="0"/>
+              </a:rPr>
+              <a:t>10</a:t>
+            </a:r>
+            <a:r>
+              <a:rPr sz="1800" b="1">
+                <a:solidFill>
+                  <a:srgbClr val="0611F2"/>
+                </a:solidFill>
+                <a:latin typeface="맑은 고딕" charset="0"/>
+                <a:ea typeface="맑은 고딕" charset="0"/>
+              </a:rPr>
+              <a:t>.</a:t>
+            </a:r>
+            <a:r>
+              <a:rPr sz="1800">
+                <a:latin typeface="맑은 고딕" charset="0"/>
+                <a:ea typeface="맑은 고딕" charset="0"/>
+              </a:rPr>
+              <a:t> </a:t>
+            </a:r>
+            <a:r>
+              <a:rPr lang="ko-KR" sz="1800">
+                <a:latin typeface="맑은 고딕" charset="0"/>
+                <a:ea typeface="맑은 고딕" charset="0"/>
+              </a:rPr>
+              <a:t>이제 Project 폴더 아래에 있는 Texture 폴더에 Paint 텍스처를 Back Rampart 오브젝트에 넣어줍니다.</a:t>
+            </a:r>
+            <a:endParaRPr lang="ko-KR" altLang="en-US" sz="1800">
+              <a:latin typeface="맑은 고딕" charset="0"/>
+              <a:ea typeface="맑은 고딕" charset="0"/>
+            </a:endParaRPr>
+          </a:p>
+        </p:txBody>
+      </p:sp>
       <p:pic>
         <p:nvPicPr>
-          <p:cNvPr id="1189" name="Picture " descr="C:/Users/Admin1/AppData/Roaming/PolarisOffice/ETemp/8136_15119280/fImage39572401478.png"/>
+          <p:cNvPr id="1200" name="그림 15" descr="C:/Users/Admin1/AppData/Roaming/PolarisOffice/ETemp/8580_20501592/fImage86382215724.png"/>
           <p:cNvPicPr>
             <a:picLocks noChangeAspect="1"/>
           </p:cNvPicPr>
           <p:nvPr/>
         </p:nvPicPr>
         <p:blipFill rotWithShape="1">
-          <a:blip r:embed="rId2" cstate="hqprint">
+          <a:blip r:embed="rId8" cstate="print">
+            <a:extLst>
+              <a:ext uri="{28A0092B-C50C-407E-A947-70E740481C1C}">
+                <a14:useLocalDpi xmlns:a14="http://schemas.microsoft.com/office/drawing/2010/main" val="0"/>
+              </a:ext>
+            </a:extLst>
+          </a:blip>
+          <a:stretch>
+            <a:fillRect/>
+          </a:stretch>
+        </p:blipFill>
+        <p:spPr>
+          <a:xfrm rot="0">
+            <a:off x="2834640" y="1454785"/>
+            <a:ext cx="2536190" cy="998220"/>
+          </a:xfrm>
+          <a:prstGeom prst="roundRect"/>
+          <a:solidFill>
+            <a:srgbClr val="EDEDED"/>
+          </a:solidFill>
+        </p:spPr>
+      </p:pic>
+      <p:pic>
+        <p:nvPicPr>
+          <p:cNvPr id="1201" name="그림 22" descr="C:/Users/Admin1/AppData/Roaming/PolarisOffice/ETemp/8580_20501592/fImage66782261478.png"/>
+          <p:cNvPicPr>
+            <a:picLocks noChangeAspect="1"/>
+          </p:cNvPicPr>
+          <p:nvPr/>
+        </p:nvPicPr>
+        <p:blipFill rotWithShape="1">
+          <a:blip r:embed="rId9" cstate="print">
+            <a:extLst>
+              <a:ext uri="{28A0092B-C50C-407E-A947-70E740481C1C}">
+                <a14:useLocalDpi xmlns:a14="http://schemas.microsoft.com/office/drawing/2010/main" val="0"/>
+              </a:ext>
+            </a:extLst>
+          </a:blip>
+          <a:stretch>
+            <a:fillRect/>
+          </a:stretch>
+        </p:blipFill>
+        <p:spPr>
+          <a:xfrm rot="0">
+            <a:off x="1230630" y="1454785"/>
+            <a:ext cx="1397000" cy="989965"/>
+          </a:xfrm>
+          <a:prstGeom prst="roundRect"/>
+          <a:solidFill>
+            <a:srgbClr val="EDEDED"/>
+          </a:solidFill>
+        </p:spPr>
+      </p:pic>
+      <p:pic>
+        <p:nvPicPr>
+          <p:cNvPr id="1202" name="그림 25" descr="C:/Users/Admin1/AppData/Roaming/PolarisOffice/ETemp/8580_20501592/fImage2242172279358.png"/>
+          <p:cNvPicPr>
+            <a:picLocks noChangeAspect="1"/>
+          </p:cNvPicPr>
+          <p:nvPr/>
+        </p:nvPicPr>
+        <p:blipFill rotWithShape="1">
+          <a:blip r:embed="rId10" cstate="hqprint">
             <a:extLst>
               <a:ext uri="{28A0092B-C50C-407E-A947-70E740481C1C}">
                 <a14:useLocalDpi xmlns:a14="http://schemas.microsoft.com/office/drawing/2010/main"/>
@@ -11300,19 +11551,17 @@
           </a:stretch>
         </p:blipFill>
         <p:spPr>
-          <a:xfrm rot="0">
-            <a:off x="8226425" y="1359535"/>
-            <a:ext cx="2736850" cy="1325245"/>
-          </a:xfrm>
-          <a:prstGeom prst="roundRect"/>
-          <a:solidFill>
-            <a:srgbClr val="EDEDED"/>
-          </a:solidFill>
+          <a:xfrm rot="10800000">
+            <a:off x="2319655" y="1762125"/>
+            <a:ext cx="708025" cy="394970"/>
+          </a:xfrm>
+          <a:prstGeom prst="rect"/>
+          <a:noFill/>
         </p:spPr>
       </p:pic>
       <p:sp>
         <p:nvSpPr>
-          <p:cNvPr id="1191" name="Rect 0"/>
+          <p:cNvPr id="1203" name="텍스트 상자 26"/>
           <p:cNvSpPr txBox="1">
             <a:spLocks/>
           </p:cNvSpPr>
@@ -11320,8 +11569,8 @@
         </p:nvSpPr>
         <p:spPr>
           <a:xfrm rot="0">
-            <a:off x="6831965" y="5034280"/>
-            <a:ext cx="4131310" cy="1200785"/>
+            <a:off x="1238885" y="2577465"/>
+            <a:ext cx="4140200" cy="1200785"/>
           </a:xfrm>
           <a:prstGeom prst="rect"/>
           <a:noFill/>
@@ -11341,16 +11590,6 @@
               <a:buNone/>
             </a:pPr>
             <a:r>
-              <a:rPr lang="ko-KR" sz="1800" b="1">
-                <a:solidFill>
-                  <a:srgbClr val="0611F2"/>
-                </a:solidFill>
-                <a:latin typeface="맑은 고딕" charset="0"/>
-                <a:ea typeface="맑은 고딕" charset="0"/>
-              </a:rPr>
-              <a:t>8</a:t>
-            </a:r>
-            <a:r>
               <a:rPr sz="1800" b="1">
                 <a:solidFill>
                   <a:srgbClr val="0611F2"/>
@@ -11358,70 +11597,31 @@
                 <a:latin typeface="맑은 고딕" charset="0"/>
                 <a:ea typeface="맑은 고딕" charset="0"/>
               </a:rPr>
+              <a:t>8</a:t>
+            </a:r>
+            <a:r>
+              <a:rPr sz="1800" b="1">
+                <a:solidFill>
+                  <a:srgbClr val="0611F2"/>
+                </a:solidFill>
+                <a:latin typeface="맑은 고딕" charset="0"/>
+                <a:ea typeface="맑은 고딕" charset="0"/>
+              </a:rPr>
               <a:t>.</a:t>
             </a:r>
             <a:r>
-              <a:rPr sz="1800">
-                <a:latin typeface="맑은 고딕" charset="0"/>
-                <a:ea typeface="맑은 고딕" charset="0"/>
-              </a:rPr>
-              <a:t> </a:t>
-            </a:r>
-            <a:r>
               <a:rPr lang="ko-KR" sz="1800">
                 <a:latin typeface="맑은 고딕" charset="0"/>
                 <a:ea typeface="맑은 고딕" charset="0"/>
               </a:rPr>
-              <a:t>그러고 나서</a:t>
+              <a:t> 그</a:t>
             </a:r>
             <a:r>
               <a:rPr lang="ko-KR" sz="1800">
                 <a:latin typeface="맑은 고딕" charset="0"/>
                 <a:ea typeface="맑은 고딕" charset="0"/>
               </a:rPr>
-              <a:t> Project 폴더</a:t>
-            </a:r>
-            <a:r>
-              <a:rPr lang="ko-KR" sz="1800">
-                <a:latin typeface="맑은 고딕" charset="0"/>
-                <a:ea typeface="맑은 고딕" charset="0"/>
-              </a:rPr>
-              <a:t> 아래에 있는</a:t>
-            </a:r>
-            <a:r>
-              <a:rPr lang="ko-KR" sz="1800">
-                <a:latin typeface="맑은 고딕" charset="0"/>
-                <a:ea typeface="맑은 고딕" charset="0"/>
-              </a:rPr>
-              <a:t> Texture</a:t>
-            </a:r>
-            <a:r>
-              <a:rPr lang="ko-KR" sz="1800">
-                <a:latin typeface="맑은 고딕" charset="0"/>
-                <a:ea typeface="맑은 고딕" charset="0"/>
-              </a:rPr>
-              <a:t> 폴더</a:t>
-            </a:r>
-            <a:r>
-              <a:rPr lang="ko-KR" sz="1800">
-                <a:latin typeface="맑은 고딕" charset="0"/>
-                <a:ea typeface="맑은 고딕" charset="0"/>
-              </a:rPr>
-              <a:t>에 Ground 텍스처를 선택</a:t>
-            </a:r>
-            <a:r>
-              <a:rPr lang="ko-KR" sz="1800">
-                <a:latin typeface="맑은 고딕" charset="0"/>
-                <a:ea typeface="맑은 고딕" charset="0"/>
-              </a:rPr>
-              <a:t>하고</a:t>
-            </a:r>
-            <a:r>
-              <a:rPr lang="ko-KR" sz="1800">
-                <a:latin typeface="맑은 고딕" charset="0"/>
-                <a:ea typeface="맑은 고딕" charset="0"/>
-              </a:rPr>
-              <a:t> Floor 오브젝트와 Opposite Floor 오브젝트에 넣어줍니다.</a:t>
+              <a:t>다음 Project 폴더 아래에 있는 Model 폴더에 Rampart 모델을 월드 공간에 배치한 다음 Front Rampart 라는 이름으로 정의합니다.</a:t>
             </a:r>
             <a:endParaRPr lang="ko-KR" altLang="en-US" sz="1800">
               <a:latin typeface="맑은 고딕" charset="0"/>
@@ -11432,14 +11632,14 @@
       </p:sp>
       <p:pic>
         <p:nvPicPr>
-          <p:cNvPr id="1193" name="Picture " descr="C:/Users/Admin1/AppData/Roaming/PolarisOffice/ETemp/8136_15119280/fImage110983051478.png"/>
+          <p:cNvPr id="1204" name="그림 27" descr="C:/Users/Admin1/AppData/Roaming/PolarisOffice/ETemp/8580_20501592/fImage150742296962.png"/>
           <p:cNvPicPr>
             <a:picLocks noChangeAspect="1"/>
           </p:cNvPicPr>
           <p:nvPr/>
         </p:nvPicPr>
         <p:blipFill rotWithShape="1">
-          <a:blip r:embed="rId3" cstate="print">
+          <a:blip r:embed="rId11" cstate="print">
             <a:extLst>
               <a:ext uri="{28A0092B-C50C-407E-A947-70E740481C1C}">
                 <a14:useLocalDpi xmlns:a14="http://schemas.microsoft.com/office/drawing/2010/main" val="0"/>
@@ -11452,8 +11652,8 @@
         </p:blipFill>
         <p:spPr>
           <a:xfrm rot="0">
-            <a:off x="1238250" y="1358900"/>
-            <a:ext cx="4157345" cy="1758950"/>
+            <a:off x="1221740" y="3904615"/>
+            <a:ext cx="4147820" cy="1308100"/>
           </a:xfrm>
           <a:prstGeom prst="roundRect"/>
           <a:solidFill>
@@ -11463,14 +11663,14 @@
       </p:pic>
       <p:pic>
         <p:nvPicPr>
-          <p:cNvPr id="1194" name="Picture " descr="C:/Users/Admin1/AppData/Roaming/PolarisOffice/ETemp/8136_15119280/fImage120843069358.png"/>
+          <p:cNvPr id="1205" name="그림 30" descr="C:/Users/Admin1/AppData/Roaming/PolarisOffice/ETemp/8580_20501592/fImage37942304464.png"/>
           <p:cNvPicPr>
             <a:picLocks noChangeAspect="1"/>
           </p:cNvPicPr>
           <p:nvPr/>
         </p:nvPicPr>
         <p:blipFill rotWithShape="1">
-          <a:blip r:embed="rId4" cstate="print">
+          <a:blip r:embed="rId12" cstate="print">
             <a:extLst>
               <a:ext uri="{28A0092B-C50C-407E-A947-70E740481C1C}">
                 <a14:useLocalDpi xmlns:a14="http://schemas.microsoft.com/office/drawing/2010/main" val="0"/>
@@ -11483,8 +11683,8 @@
         </p:blipFill>
         <p:spPr>
           <a:xfrm rot="0">
-            <a:off x="1229995" y="3350895"/>
-            <a:ext cx="4165600" cy="1750060"/>
+            <a:off x="8217535" y="1437640"/>
+            <a:ext cx="2736850" cy="1264920"/>
           </a:xfrm>
           <a:prstGeom prst="roundRect"/>
           <a:solidFill>
@@ -11494,14 +11694,14 @@
       </p:pic>
       <p:pic>
         <p:nvPicPr>
-          <p:cNvPr id="1195" name="Picture " descr="C:/Users/Admin1/AppData/Roaming/PolarisOffice/ETemp/8136_15119280/fImage55553076962.png"/>
+          <p:cNvPr id="1206" name="그림 36" descr="C:/Users/Admin1/AppData/Roaming/PolarisOffice/ETemp/8580_20501592/fImage70202325705.png"/>
           <p:cNvPicPr>
             <a:picLocks noChangeAspect="1"/>
           </p:cNvPicPr>
           <p:nvPr/>
         </p:nvPicPr>
         <p:blipFill rotWithShape="1">
-          <a:blip r:embed="rId5" cstate="print">
+          <a:blip r:embed="rId13" cstate="print">
             <a:extLst>
               <a:ext uri="{28A0092B-C50C-407E-A947-70E740481C1C}">
                 <a14:useLocalDpi xmlns:a14="http://schemas.microsoft.com/office/drawing/2010/main" val="0"/>
@@ -11514,8 +11714,8 @@
         </p:blipFill>
         <p:spPr>
           <a:xfrm rot="0">
-            <a:off x="6831965" y="1359535"/>
-            <a:ext cx="1273810" cy="1315720"/>
+            <a:off x="6814185" y="1445895"/>
+            <a:ext cx="1239520" cy="1247775"/>
           </a:xfrm>
           <a:prstGeom prst="roundRect"/>
           <a:solidFill>
@@ -11523,47 +11723,16 @@
           </a:solidFill>
         </p:spPr>
       </p:pic>
-      <p:pic>
-        <p:nvPicPr>
-          <p:cNvPr id="1196" name="그림 32" descr="C:/Users/Admin1/AppData/Roaming/PolarisOffice/ETemp/8136_15119280/fImage304643114464.png"/>
-          <p:cNvPicPr>
-            <a:picLocks noChangeAspect="1"/>
-          </p:cNvPicPr>
-          <p:nvPr/>
-        </p:nvPicPr>
-        <p:blipFill rotWithShape="1">
-          <a:blip r:embed="rId6" cstate="print">
-            <a:extLst>
-              <a:ext uri="{28A0092B-C50C-407E-A947-70E740481C1C}">
-                <a14:useLocalDpi xmlns:a14="http://schemas.microsoft.com/office/drawing/2010/main" val="0"/>
-              </a:ext>
-            </a:extLst>
-          </a:blip>
-          <a:stretch>
-            <a:fillRect/>
-          </a:stretch>
-        </p:blipFill>
-        <p:spPr>
-          <a:xfrm rot="0">
-            <a:off x="6831965" y="2917825"/>
-            <a:ext cx="4131310" cy="1966595"/>
-          </a:xfrm>
-          <a:prstGeom prst="roundRect"/>
-          <a:solidFill>
-            <a:srgbClr val="EDEDED"/>
-          </a:solidFill>
-        </p:spPr>
-      </p:pic>
       <p:cxnSp>
         <p:nvCxnSpPr>
-          <p:cNvPr id="1197" name="도형 35"/>
+          <p:cNvPr id="1207" name="도형 39"/>
           <p:cNvCxnSpPr/>
           <p:nvPr/>
         </p:nvCxnSpPr>
         <p:spPr>
           <a:xfrm rot="0" flipH="1">
-            <a:off x="7931785" y="1965960"/>
-            <a:ext cx="442595" cy="580390"/>
+            <a:off x="7828280" y="2112645"/>
+            <a:ext cx="528320" cy="243205"/>
           </a:xfrm>
           <a:prstGeom prst="straightConnector1"/>
           <a:ln w="6350" cap="flat" cmpd="sng">
@@ -11587,16 +11756,78 @@
           </a:fontRef>
         </p:style>
       </p:cxnSp>
+      <p:pic>
+        <p:nvPicPr>
+          <p:cNvPr id="1208" name="그림 40" descr="C:/Users/Admin1/AppData/Roaming/PolarisOffice/ETemp/8580_20501592/fImage37942348145.png"/>
+          <p:cNvPicPr>
+            <a:picLocks noChangeAspect="1"/>
+          </p:cNvPicPr>
+          <p:nvPr/>
+        </p:nvPicPr>
+        <p:blipFill rotWithShape="1">
+          <a:blip r:embed="rId14" cstate="print">
+            <a:extLst>
+              <a:ext uri="{28A0092B-C50C-407E-A947-70E740481C1C}">
+                <a14:useLocalDpi xmlns:a14="http://schemas.microsoft.com/office/drawing/2010/main" val="0"/>
+              </a:ext>
+            </a:extLst>
+          </a:blip>
+          <a:stretch>
+            <a:fillRect/>
+          </a:stretch>
+        </p:blipFill>
+        <p:spPr>
+          <a:xfrm rot="0">
+            <a:off x="8220075" y="3924935"/>
+            <a:ext cx="2736850" cy="1254125"/>
+          </a:xfrm>
+          <a:prstGeom prst="roundRect"/>
+          <a:solidFill>
+            <a:srgbClr val="EDEDED"/>
+          </a:solidFill>
+        </p:spPr>
+      </p:pic>
+      <p:pic>
+        <p:nvPicPr>
+          <p:cNvPr id="1209" name="그림 41" descr="C:/Users/Admin1/AppData/Roaming/PolarisOffice/ETemp/8580_20501592/fImage68182353281.png"/>
+          <p:cNvPicPr>
+            <a:picLocks noChangeAspect="1"/>
+          </p:cNvPicPr>
+          <p:nvPr/>
+        </p:nvPicPr>
+        <p:blipFill rotWithShape="1">
+          <a:blip r:embed="rId15" cstate="print">
+            <a:extLst>
+              <a:ext uri="{28A0092B-C50C-407E-A947-70E740481C1C}">
+                <a14:useLocalDpi xmlns:a14="http://schemas.microsoft.com/office/drawing/2010/main" val="0"/>
+              </a:ext>
+            </a:extLst>
+          </a:blip>
+          <a:stretch>
+            <a:fillRect/>
+          </a:stretch>
+        </p:blipFill>
+        <p:spPr>
+          <a:xfrm rot="0">
+            <a:off x="6814820" y="3923030"/>
+            <a:ext cx="1256030" cy="1256030"/>
+          </a:xfrm>
+          <a:prstGeom prst="roundRect"/>
+          <a:solidFill>
+            <a:srgbClr val="EDEDED"/>
+          </a:solidFill>
+        </p:spPr>
+      </p:pic>
       <p:cxnSp>
         <p:nvCxnSpPr>
-          <p:cNvPr id="1198" name="도형 36"/>
+          <p:cNvPr id="1210" name="도형 44"/>
           <p:cNvCxnSpPr/>
           <p:nvPr/>
         </p:nvCxnSpPr>
         <p:spPr>
           <a:xfrm rot="0" flipH="1">
-            <a:off x="7481570" y="1965960"/>
-            <a:ext cx="883920" cy="363855"/>
+            <a:off x="7828280" y="4580890"/>
+            <a:ext cx="520065" cy="390525"/>
           </a:xfrm>
           <a:prstGeom prst="straightConnector1"/>
           <a:ln w="6350" cap="flat" cmpd="sng">
@@ -11620,6 +11851,77 @@
           </a:fontRef>
         </p:style>
       </p:cxnSp>
+      <p:sp>
+        <p:nvSpPr>
+          <p:cNvPr id="1211" name="텍스트 상자 45"/>
+          <p:cNvSpPr txBox="1">
+            <a:spLocks/>
+          </p:cNvSpPr>
+          <p:nvPr/>
+        </p:nvSpPr>
+        <p:spPr>
+          <a:xfrm rot="0">
+            <a:off x="6808470" y="5313045"/>
+            <a:ext cx="4137660" cy="923925"/>
+          </a:xfrm>
+          <a:prstGeom prst="rect"/>
+          <a:noFill/>
+          <a:ln w="0">
+            <a:noFill/>
+            <a:prstDash/>
+          </a:ln>
+        </p:spPr>
+        <p:txBody>
+          <a:bodyPr wrap="square" lIns="89535" tIns="46355" rIns="89535" bIns="46355" numCol="1" vert="horz" anchor="t">
+            <a:spAutoFit/>
+          </a:bodyPr>
+          <a:lstStyle/>
+          <a:p>
+            <a:pPr marL="0" indent="0" rtl="0" algn="l" defTabSz="914400" eaLnBrk="1" latinLnBrk="0" hangingPunct="1">
+              <a:buFontTx/>
+              <a:buNone/>
+            </a:pPr>
+            <a:r>
+              <a:rPr lang="ko-KR" sz="1800" b="1">
+                <a:solidFill>
+                  <a:srgbClr val="0611F2"/>
+                </a:solidFill>
+                <a:latin typeface="맑은 고딕" charset="0"/>
+                <a:ea typeface="맑은 고딕" charset="0"/>
+              </a:rPr>
+              <a:t>11</a:t>
+            </a:r>
+            <a:r>
+              <a:rPr sz="1800" b="1">
+                <a:solidFill>
+                  <a:srgbClr val="0611F2"/>
+                </a:solidFill>
+                <a:latin typeface="맑은 고딕" charset="0"/>
+                <a:ea typeface="맑은 고딕" charset="0"/>
+              </a:rPr>
+              <a:t>.</a:t>
+            </a:r>
+            <a:r>
+              <a:rPr sz="1800">
+                <a:latin typeface="맑은 고딕" charset="0"/>
+                <a:ea typeface="맑은 고딕" charset="0"/>
+              </a:rPr>
+              <a:t> </a:t>
+            </a:r>
+            <a:r>
+              <a:rPr lang="ko-KR" sz="1800">
+                <a:latin typeface="맑은 고딕" charset="0"/>
+                <a:ea typeface="맑은 고딕" charset="0"/>
+              </a:rPr>
+              <a:t>그리고 Project 폴더 아래에 있는 Texture 폴더에 Paint 텍스처를 Front Rampart 오브젝트에 넣어줍니다.</a:t>
+            </a:r>
+            <a:endParaRPr lang="ko-KR" altLang="en-US" sz="1800">
+              <a:latin typeface="맑은 고딕" charset="0"/>
+              <a:ea typeface="맑은 고딕" charset="0"/>
+            </a:endParaRPr>
+          </a:p>
+        </p:txBody>
+      </p:sp>
     </p:spTree>
   </p:cSld>
   <p:clrMapOvr>
@@ -11731,7 +12033,7 @@
         <p:spPr>
           <a:xfrm rot="0">
             <a:off x="1241425" y="5470525"/>
-            <a:ext cx="4128135" cy="647065"/>
+            <a:ext cx="4119245" cy="647065"/>
           </a:xfrm>
           <a:prstGeom prst="rect"/>
           <a:noFill/>
@@ -11758,7 +12060,7 @@
                 <a:latin typeface="맑은 고딕" charset="0"/>
                 <a:ea typeface="맑은 고딕" charset="0"/>
               </a:rPr>
-              <a:t>9</a:t>
+              <a:t>12</a:t>
             </a:r>
             <a:r>
               <a:rPr sz="1800" b="1">
@@ -11782,42 +12084,14 @@
                 <a:latin typeface="맑은 고딕" charset="0"/>
                 <a:ea typeface="맑은 고딕" charset="0"/>
               </a:rPr>
-              <a:t>이제</a:t>
+              <a:t>그런 다음</a:t>
             </a:r>
             <a:r>
               <a:rPr lang="ko-KR" sz="1800">
                 <a:latin typeface="맑은 고딕" charset="0"/>
                 <a:ea typeface="맑은 고딕" charset="0"/>
               </a:rPr>
-              <a:t> Window</a:t>
-            </a:r>
-            <a:r>
-              <a:rPr lang="ko-KR" sz="1800">
-                <a:latin typeface="맑은 고딕" charset="0"/>
-                <a:ea typeface="맑은 고딕" charset="0"/>
-              </a:rPr>
-              <a:t>를 선택한 다음</a:t>
-            </a:r>
-            <a:r>
-              <a:rPr lang="ko-KR" sz="1800">
-                <a:latin typeface="맑은 고딕" charset="0"/>
-                <a:ea typeface="맑은 고딕" charset="0"/>
-              </a:rPr>
-              <a:t> AI</a:t>
-            </a:r>
-            <a:r>
-              <a:rPr lang="ko-KR" sz="1800">
-                <a:latin typeface="맑은 고딕" charset="0"/>
-                <a:ea typeface="맑은 고딕" charset="0"/>
-              </a:rPr>
-              <a:t>에서</a:t>
-            </a:r>
-            <a:r>
-              <a:rPr lang="ko-KR" sz="1800">
-                <a:latin typeface="맑은 고딕" charset="0"/>
-                <a:ea typeface="맑은 고딕" charset="0"/>
-              </a:rPr>
-              <a:t> Navigation을 선택합니다.</a:t>
+              <a:t> Window를 선택한 다음 AI에서 Navigation을 선택합니다.</a:t>
             </a:r>
             <a:endParaRPr lang="ko-KR" altLang="en-US" sz="1800">
               <a:latin typeface="맑은 고딕" charset="0"/>
@@ -11828,7 +12102,7 @@
       </p:sp>
       <p:pic>
         <p:nvPicPr>
-          <p:cNvPr id="1187" name="그림 39" descr="C:/Users/Admin1/AppData/Roaming/PolarisOffice/ETemp/18668_20502736/fImage199543165705.png"/>
+          <p:cNvPr id="1187" name="그림 39" descr="C:/Users/Admin1/AppData/Roaming/PolarisOffice/ETemp/8580_20501592/fImage199543165705.png"/>
           <p:cNvPicPr>
             <a:picLocks noChangeAspect="1"/>
           </p:cNvPicPr>
@@ -11848,8 +12122,8 @@
         </p:blipFill>
         <p:spPr>
           <a:xfrm rot="0">
-            <a:off x="1238250" y="1402080"/>
-            <a:ext cx="4131945" cy="3846830"/>
+            <a:off x="1238250" y="1445895"/>
+            <a:ext cx="4132580" cy="3803650"/>
           </a:xfrm>
           <a:prstGeom prst="rect"/>
           <a:noFill/>
@@ -11857,14 +12131,174 @@
       </p:pic>
       <p:pic>
         <p:nvPicPr>
-          <p:cNvPr id="1188" name="그림 47"/>
+          <p:cNvPr id="1190" name="그림 53" descr="C:/Users/Admin1/AppData/Roaming/PolarisOffice/ETemp/8580_20501592/fImage68753206827.png"/>
           <p:cNvPicPr>
             <a:picLocks noChangeAspect="1"/>
           </p:cNvPicPr>
           <p:nvPr/>
         </p:nvPicPr>
         <p:blipFill rotWithShape="1">
-          <a:blip r:embed="rId10" cstate="print">
+          <a:blip r:embed="rId12" cstate="hqprint">
+            <a:extLst>
+              <a:ext uri="{28A0092B-C50C-407E-A947-70E740481C1C}">
+                <a14:useLocalDpi xmlns:a14="http://schemas.microsoft.com/office/drawing/2010/main"/>
+              </a:ext>
+            </a:extLst>
+          </a:blip>
+          <a:stretch>
+            <a:fillRect/>
+          </a:stretch>
+        </p:blipFill>
+        <p:spPr>
+          <a:xfrm rot="0">
+            <a:off x="6831965" y="1445895"/>
+            <a:ext cx="1481455" cy="2762885"/>
+          </a:xfrm>
+          <a:prstGeom prst="roundRect"/>
+          <a:solidFill>
+            <a:srgbClr val="EDEDED"/>
+          </a:solidFill>
+        </p:spPr>
+      </p:pic>
+      <p:sp>
+        <p:nvSpPr>
+          <p:cNvPr id="1191" name="텍스트 상자 56"/>
+          <p:cNvSpPr txBox="1">
+            <a:spLocks/>
+          </p:cNvSpPr>
+          <p:nvPr/>
+        </p:nvSpPr>
+        <p:spPr>
+          <a:xfrm rot="0">
+            <a:off x="6823075" y="4370705"/>
+            <a:ext cx="4131310" cy="1754505"/>
+          </a:xfrm>
+          <a:prstGeom prst="rect"/>
+          <a:noFill/>
+          <a:ln w="0">
+            <a:noFill/>
+            <a:prstDash/>
+          </a:ln>
+        </p:spPr>
+        <p:txBody>
+          <a:bodyPr wrap="square" lIns="89535" tIns="46355" rIns="89535" bIns="46355" numCol="1" vert="horz" anchor="t">
+            <a:spAutoFit/>
+          </a:bodyPr>
+          <a:lstStyle/>
+          <a:p>
+            <a:pPr marL="0" indent="0" rtl="0" algn="l" defTabSz="914400" eaLnBrk="1" latinLnBrk="0" hangingPunct="1">
+              <a:buFontTx/>
+              <a:buNone/>
+            </a:pPr>
+            <a:r>
+              <a:rPr lang="ko-KR" sz="1800" b="1">
+                <a:solidFill>
+                  <a:srgbClr val="0611F2"/>
+                </a:solidFill>
+                <a:latin typeface="맑은 고딕" charset="0"/>
+                <a:ea typeface="맑은 고딕" charset="0"/>
+              </a:rPr>
+              <a:t>1</a:t>
+            </a:r>
+            <a:r>
+              <a:rPr lang="ko-KR" sz="1800" b="1">
+                <a:solidFill>
+                  <a:srgbClr val="0611F2"/>
+                </a:solidFill>
+                <a:latin typeface="맑은 고딕" charset="0"/>
+                <a:ea typeface="맑은 고딕" charset="0"/>
+              </a:rPr>
+              <a:t>3</a:t>
+            </a:r>
+            <a:r>
+              <a:rPr sz="1800" b="1">
+                <a:solidFill>
+                  <a:srgbClr val="0611F2"/>
+                </a:solidFill>
+                <a:latin typeface="맑은 고딕" charset="0"/>
+                <a:ea typeface="맑은 고딕" charset="0"/>
+              </a:rPr>
+              <a:t>.</a:t>
+            </a:r>
+            <a:r>
+              <a:rPr sz="1800">
+                <a:latin typeface="맑은 고딕" charset="0"/>
+                <a:ea typeface="맑은 고딕" charset="0"/>
+              </a:rPr>
+              <a:t> 그</a:t>
+            </a:r>
+            <a:r>
+              <a:rPr lang="ko-KR" sz="1800">
+                <a:latin typeface="맑은 고딕" charset="0"/>
+                <a:ea typeface="맑은 고딕" charset="0"/>
+              </a:rPr>
+              <a:t>다음</a:t>
+            </a:r>
+            <a:r>
+              <a:rPr lang="ko-KR" sz="1800">
+                <a:latin typeface="맑은 고딕" charset="0"/>
+                <a:ea typeface="맑은 고딕" charset="0"/>
+              </a:rPr>
+              <a:t>으로</a:t>
+            </a:r>
+            <a:r>
+              <a:rPr lang="ko-KR" sz="1800">
+                <a:latin typeface="맑은 고딕" charset="0"/>
+                <a:ea typeface="맑은 고딕" charset="0"/>
+              </a:rPr>
+              <a:t> </a:t>
+            </a:r>
+            <a:r>
+              <a:rPr lang="ko-KR" sz="1800">
+                <a:latin typeface="맑은 고딕" charset="0"/>
+                <a:ea typeface="맑은 고딕" charset="0"/>
+              </a:rPr>
+              <a:t>Back Rampart 오브젝트와 Front Rampart 오브젝트에 Navigation Static을 설정합니다.</a:t>
+            </a:r>
+            <a:endParaRPr lang="ko-KR" altLang="en-US" sz="1800">
+              <a:latin typeface="맑은 고딕" charset="0"/>
+              <a:ea typeface="맑은 고딕" charset="0"/>
+            </a:endParaRPr>
+          </a:p>
+          <a:p>
+            <a:pPr marL="0" indent="0" rtl="0" algn="l" defTabSz="914400" eaLnBrk="1" latinLnBrk="0" hangingPunct="1">
+              <a:buFontTx/>
+              <a:buNone/>
+            </a:pPr>
+            <a:endParaRPr lang="ko-KR" altLang="en-US" sz="1800">
+              <a:latin typeface="맑은 고딕" charset="0"/>
+              <a:ea typeface="맑은 고딕" charset="0"/>
+            </a:endParaRPr>
+          </a:p>
+          <a:p>
+            <a:pPr marL="0" indent="0" rtl="0" algn="l" defTabSz="914400" eaLnBrk="1" latinLnBrk="0" hangingPunct="1">
+              <a:buFontTx/>
+              <a:buNone/>
+            </a:pPr>
+            <a:r>
+              <a:rPr lang="ko-KR" sz="1800">
+                <a:latin typeface="맑은 고딕" charset="0"/>
+                <a:ea typeface="맑은 고딕" charset="0"/>
+              </a:rPr>
+              <a:t>그러고 나서 Character 오브젝트에 Navigation Static도 설정합니다.</a:t>
+            </a:r>
+            <a:endParaRPr lang="ko-KR" altLang="en-US" sz="1800">
+              <a:latin typeface="맑은 고딕" charset="0"/>
+              <a:ea typeface="맑은 고딕" charset="0"/>
+            </a:endParaRPr>
+          </a:p>
+        </p:txBody>
+      </p:sp>
+      <p:pic>
+        <p:nvPicPr>
+          <p:cNvPr id="1192" name="그림 49" descr="C:/Users/Admin1/AppData/Roaming/PolarisOffice/ETemp/8580_20501592/fImage81702416827.png"/>
+          <p:cNvPicPr>
+            <a:picLocks noChangeAspect="1"/>
+          </p:cNvPicPr>
+          <p:nvPr/>
+        </p:nvPicPr>
+        <p:blipFill rotWithShape="1">
+          <a:blip r:embed="rId13" cstate="print">
             <a:extLst>
               <a:ext uri="{28A0092B-C50C-407E-A947-70E740481C1C}">
                 <a14:useLocalDpi xmlns:a14="http://schemas.microsoft.com/office/drawing/2010/main" val="0"/>
@@ -11877,8 +12311,8 @@
         </p:blipFill>
         <p:spPr>
           <a:xfrm rot="0">
-            <a:off x="6806565" y="2338705"/>
-            <a:ext cx="4147820" cy="761365"/>
+            <a:off x="8460105" y="1446530"/>
+            <a:ext cx="2486025" cy="779145"/>
           </a:xfrm>
           <a:prstGeom prst="roundRect"/>
           <a:solidFill>
@@ -11888,14 +12322,14 @@
       </p:pic>
       <p:pic>
         <p:nvPicPr>
-          <p:cNvPr id="1189" name="그림 48"/>
+          <p:cNvPr id="1193" name="그림 52" descr="C:/Users/Admin1/AppData/Roaming/PolarisOffice/ETemp/8580_20501592/fImage80372429961.png"/>
           <p:cNvPicPr>
             <a:picLocks noChangeAspect="1"/>
           </p:cNvPicPr>
           <p:nvPr/>
         </p:nvPicPr>
         <p:blipFill rotWithShape="1">
-          <a:blip r:embed="rId11" cstate="print">
+          <a:blip r:embed="rId14" cstate="print">
             <a:extLst>
               <a:ext uri="{28A0092B-C50C-407E-A947-70E740481C1C}">
                 <a14:useLocalDpi xmlns:a14="http://schemas.microsoft.com/office/drawing/2010/main" val="0"/>
@@ -11908,8 +12342,8 @@
         </p:blipFill>
         <p:spPr>
           <a:xfrm rot="0">
-            <a:off x="6806565" y="1405255"/>
-            <a:ext cx="4147820" cy="768985"/>
+            <a:off x="8460105" y="2430145"/>
+            <a:ext cx="2485390" cy="791845"/>
           </a:xfrm>
           <a:prstGeom prst="roundRect"/>
           <a:solidFill>
@@ -11919,14 +12353,14 @@
       </p:pic>
       <p:pic>
         <p:nvPicPr>
-          <p:cNvPr id="1190" name="그림 53"/>
+          <p:cNvPr id="1195" name="그림 63" descr="C:/Users/Admin1/AppData/Roaming/PolarisOffice/ETemp/8580_20501592/fImage5131248491.png"/>
           <p:cNvPicPr>
             <a:picLocks noChangeAspect="1"/>
           </p:cNvPicPr>
           <p:nvPr/>
         </p:nvPicPr>
         <p:blipFill rotWithShape="1">
-          <a:blip r:embed="rId12" cstate="print">
+          <a:blip r:embed="rId15" cstate="print">
             <a:extLst>
               <a:ext uri="{28A0092B-C50C-407E-A947-70E740481C1C}">
                 <a14:useLocalDpi xmlns:a14="http://schemas.microsoft.com/office/drawing/2010/main" val="0"/>
@@ -11939,8 +12373,8 @@
         </p:blipFill>
         <p:spPr>
           <a:xfrm rot="0">
-            <a:off x="6806565" y="3273425"/>
-            <a:ext cx="4147820" cy="1767205"/>
+            <a:off x="8468995" y="3429000"/>
+            <a:ext cx="2485390" cy="779780"/>
           </a:xfrm>
           <a:prstGeom prst="roundRect"/>
           <a:solidFill>
@@ -11948,105 +12382,6 @@
           </a:solidFill>
         </p:spPr>
       </p:pic>
-      <p:sp>
-        <p:nvSpPr>
-          <p:cNvPr id="1191" name="텍스트 상자 56"/>
-          <p:cNvSpPr txBox="1">
-            <a:spLocks/>
-          </p:cNvSpPr>
-          <p:nvPr/>
-        </p:nvSpPr>
-        <p:spPr>
-          <a:xfrm rot="0">
-            <a:off x="6795135" y="5193665"/>
-            <a:ext cx="4164965" cy="923925"/>
-          </a:xfrm>
-          <a:prstGeom prst="rect"/>
-          <a:noFill/>
-          <a:ln w="0">
-            <a:noFill/>
-            <a:prstDash/>
-          </a:ln>
-        </p:spPr>
-        <p:txBody>
-          <a:bodyPr wrap="square" lIns="89535" tIns="46355" rIns="89535" bIns="46355" numCol="1" vert="horz" anchor="t">
-            <a:spAutoFit/>
-          </a:bodyPr>
-          <a:lstStyle/>
-          <a:p>
-            <a:pPr marL="0" indent="0" rtl="0" algn="l" defTabSz="914400" eaLnBrk="1" latinLnBrk="0" hangingPunct="1">
-              <a:buFontTx/>
-              <a:buNone/>
-            </a:pPr>
-            <a:r>
-              <a:rPr lang="ko-KR" sz="1800" b="1">
-                <a:solidFill>
-                  <a:srgbClr val="0611F2"/>
-                </a:solidFill>
-                <a:latin typeface="맑은 고딕" charset="0"/>
-                <a:ea typeface="맑은 고딕" charset="0"/>
-              </a:rPr>
-              <a:t>10</a:t>
-            </a:r>
-            <a:r>
-              <a:rPr sz="1800" b="1">
-                <a:solidFill>
-                  <a:srgbClr val="0611F2"/>
-                </a:solidFill>
-                <a:latin typeface="맑은 고딕" charset="0"/>
-                <a:ea typeface="맑은 고딕" charset="0"/>
-              </a:rPr>
-              <a:t>.</a:t>
-            </a:r>
-            <a:r>
-              <a:rPr sz="1800">
-                <a:latin typeface="맑은 고딕" charset="0"/>
-                <a:ea typeface="맑은 고딕" charset="0"/>
-              </a:rPr>
-              <a:t> 그</a:t>
-            </a:r>
-            <a:r>
-              <a:rPr lang="ko-KR" sz="1800">
-                <a:latin typeface="맑은 고딕" charset="0"/>
-                <a:ea typeface="맑은 고딕" charset="0"/>
-              </a:rPr>
-              <a:t>다음 Floor</a:t>
-            </a:r>
-            <a:r>
-              <a:rPr lang="ko-KR" sz="1800">
-                <a:latin typeface="맑은 고딕" charset="0"/>
-                <a:ea typeface="맑은 고딕" charset="0"/>
-              </a:rPr>
-              <a:t> 오브젝트</a:t>
-            </a:r>
-            <a:r>
-              <a:rPr lang="ko-KR" sz="1800">
-                <a:latin typeface="맑은 고딕" charset="0"/>
-                <a:ea typeface="맑은 고딕" charset="0"/>
-              </a:rPr>
-              <a:t>와 Opposite Floor 오브젝트를 선택하고 Navigation Static을 </a:t>
-            </a:r>
-            <a:r>
-              <a:rPr lang="ko-KR" sz="1800">
-                <a:latin typeface="맑은 고딕" charset="0"/>
-                <a:ea typeface="맑은 고딕" charset="0"/>
-              </a:rPr>
-              <a:t>설정</a:t>
-            </a:r>
-            <a:r>
-              <a:rPr lang="ko-KR" sz="1800">
-                <a:latin typeface="맑은 고딕" charset="0"/>
-                <a:ea typeface="맑은 고딕" charset="0"/>
-              </a:rPr>
-              <a:t>합니다.</a:t>
-            </a:r>
-            <a:endParaRPr lang="ko-KR" altLang="en-US" sz="1800">
-              <a:latin typeface="맑은 고딕" charset="0"/>
-              <a:ea typeface="맑은 고딕" charset="0"/>
-            </a:endParaRPr>
-          </a:p>
-        </p:txBody>
-      </p:sp>
     </p:spTree>
   </p:cSld>
   <p:clrMapOvr>
@@ -12097,8 +12432,8 @@
         </p:nvSpPr>
         <p:spPr>
           <a:xfrm rot="0">
-            <a:off x="5144135" y="287655"/>
-            <a:ext cx="1901825" cy="554990"/>
+            <a:off x="5031740" y="330835"/>
+            <a:ext cx="2130425" cy="478155"/>
           </a:xfrm>
           <a:prstGeom prst="rect"/>
           <a:noFill/>
@@ -12108,31 +12443,31 @@
           </a:ln>
         </p:spPr>
         <p:txBody>
-          <a:bodyPr wrap="square" lIns="89535" tIns="46355" rIns="89535" bIns="46355" vert="horz" anchor="t">
+          <a:bodyPr wrap="square" lIns="89535" tIns="46355" rIns="89535" bIns="46355" numCol="1" vert="horz" anchor="t">
             <a:spAutoFit/>
           </a:bodyPr>
           <a:lstStyle/>
           <a:p>
-            <a:pPr marL="0" indent="0" rtl="0" algn="l" defTabSz="914400" eaLnBrk="1" latinLnBrk="0" hangingPunct="1">
-              <a:buFontTx/>
-              <a:buNone/>
-            </a:pPr>
-            <a:r>
-              <a:rPr sz="3000" b="1">
+            <a:pPr marL="0" indent="0" rtl="0" algn="ctr" defTabSz="914400" eaLnBrk="1" latinLnBrk="0" hangingPunct="1">
+              <a:buFontTx/>
+              <a:buNone/>
+            </a:pPr>
+            <a:r>
+              <a:rPr sz="2500" b="1">
                 <a:solidFill>
                   <a:schemeClr val="tx1"/>
                 </a:solidFill>
-                <a:latin typeface="맑은 고딕" charset="0"/>
-                <a:ea typeface="맑은 고딕" charset="0"/>
+                <a:latin typeface="나눔바른고딕" charset="0"/>
+                <a:ea typeface="나눔바른고딕" charset="0"/>
               </a:rPr>
               <a:t>NavMesh</a:t>
             </a:r>
-            <a:endParaRPr lang="ko-KR" altLang="en-US" sz="3000" b="1">
+            <a:endParaRPr lang="ko-KR" altLang="en-US" sz="2500" b="1">
               <a:solidFill>
                 <a:schemeClr val="tx1"/>
               </a:solidFill>
-              <a:latin typeface="맑은 고딕" charset="0"/>
-              <a:ea typeface="맑은 고딕" charset="0"/>
+              <a:latin typeface="나눔바른고딕" charset="0"/>
+              <a:ea typeface="나눔바른고딕" charset="0"/>
             </a:endParaRPr>
           </a:p>
         </p:txBody>
@@ -12147,8 +12482,8 @@
         </p:nvSpPr>
         <p:spPr>
           <a:xfrm rot="0">
-            <a:off x="1229360" y="1336040"/>
-            <a:ext cx="4149090" cy="923925"/>
+            <a:off x="1229995" y="1483360"/>
+            <a:ext cx="4236085" cy="923925"/>
           </a:xfrm>
           <a:prstGeom prst="rect"/>
           <a:noFill/>
@@ -12190,7 +12525,7 @@
       </p:sp>
       <p:pic>
         <p:nvPicPr>
-          <p:cNvPr id="14" name="그림 115" descr="C:/Users/Admin1/AppData/Roaming/PolarisOffice/ETemp/8136_15119280/fImage1849633341.png"/>
+          <p:cNvPr id="14" name="그림 115" descr="C:/Users/Admin1/AppData/Roaming/PolarisOffice/ETemp/8580_20501592/fImage1849633341.png"/>
           <p:cNvPicPr>
             <a:picLocks noChangeAspect="1"/>
           </p:cNvPicPr>
@@ -12210,8 +12545,8 @@
         </p:blipFill>
         <p:spPr>
           <a:xfrm rot="0">
-            <a:off x="1229995" y="2407285"/>
-            <a:ext cx="4156710" cy="2430145"/>
+            <a:off x="1238250" y="2639695"/>
+            <a:ext cx="4157980" cy="2131060"/>
           </a:xfrm>
           <a:prstGeom prst="roundRect"/>
           <a:solidFill>
@@ -12279,7 +12614,7 @@
       </p:sp>
       <p:pic>
         <p:nvPicPr>
-          <p:cNvPr id="16" name="그림 122" descr="C:/Users/Admin1/AppData/Roaming/PolarisOffice/ETemp/8136_15119280/fImage197313368467.png"/>
+          <p:cNvPr id="16" name="그림 122" descr="C:/Users/Admin1/AppData/Roaming/PolarisOffice/ETemp/8580_20501592/fImage197313368467.png"/>
           <p:cNvPicPr>
             <a:picLocks noChangeAspect="1"/>
           </p:cNvPicPr>
@@ -12299,8 +12634,8 @@
         </p:blipFill>
         <p:spPr>
           <a:xfrm rot="0">
-            <a:off x="6826250" y="2416175"/>
-            <a:ext cx="4126230" cy="2649855"/>
+            <a:off x="6835140" y="2597785"/>
+            <a:ext cx="4126865" cy="2468245"/>
           </a:xfrm>
           <a:prstGeom prst="roundRect"/>
           <a:solidFill>
@@ -12318,8 +12653,8 @@
         </p:nvSpPr>
         <p:spPr>
           <a:xfrm rot="0">
-            <a:off x="6823710" y="1337945"/>
-            <a:ext cx="4139565" cy="923925"/>
+            <a:off x="6823710" y="1485265"/>
+            <a:ext cx="4140200" cy="924560"/>
           </a:xfrm>
           <a:prstGeom prst="rect"/>
           <a:noFill/>
@@ -12506,8 +12841,8 @@
         </p:nvSpPr>
         <p:spPr>
           <a:xfrm rot="0">
-            <a:off x="1238250" y="4716145"/>
-            <a:ext cx="4131310" cy="1477645"/>
+            <a:off x="1247140" y="2655570"/>
+            <a:ext cx="4131310" cy="1200785"/>
           </a:xfrm>
           <a:prstGeom prst="rect"/>
           <a:noFill/>
@@ -12544,7 +12879,7 @@
                 <a:latin typeface="맑은 고딕" charset="0"/>
                 <a:ea typeface="맑은 고딕" charset="0"/>
               </a:rPr>
-              <a:t>1</a:t>
+              <a:t>4</a:t>
             </a:r>
             <a:r>
               <a:rPr sz="1800" b="1">
@@ -12568,66 +12903,87 @@
                 <a:latin typeface="맑은 고딕" charset="0"/>
                 <a:ea typeface="맑은 고딕" charset="0"/>
               </a:rPr>
-              <a:t>그런 다음 3D Object를 선택하고 Plane </a:t>
-            </a:r>
-            <a:r>
-              <a:rPr lang="ko-KR" sz="1800">
-                <a:latin typeface="맑은 고딕" charset="0"/>
-                <a:ea typeface="맑은 고딕" charset="0"/>
-              </a:rPr>
-              <a:t>오브젝트를 </a:t>
-            </a:r>
-            <a:r>
-              <a:rPr lang="ko-KR" sz="1800">
-                <a:latin typeface="맑은 고딕" charset="0"/>
-                <a:ea typeface="맑은 고딕" charset="0"/>
-              </a:rPr>
-              <a:t>2개 생성합니다.</a:t>
+              <a:t>이제 Project 폴더 아래에 있는 Model 폴더에 Bridge 모델을 월드 공간에 배치하고 Left Bridge 라는 이름으로 정의합니다.</a:t>
             </a:r>
             <a:endParaRPr lang="ko-KR" altLang="en-US" sz="1800">
               <a:latin typeface="맑은 고딕" charset="0"/>
               <a:ea typeface="맑은 고딕" charset="0"/>
             </a:endParaRPr>
           </a:p>
-          <a:p>
-            <a:pPr marL="0" indent="0" rtl="0" algn="l" defTabSz="914400" eaLnBrk="1" latinLnBrk="0" hangingPunct="1">
-              <a:buFontTx/>
-              <a:buNone/>
-            </a:pPr>
-            <a:endParaRPr lang="ko-KR" altLang="en-US" sz="1800">
-              <a:latin typeface="맑은 고딕" charset="0"/>
-              <a:ea typeface="맑은 고딕" charset="0"/>
-            </a:endParaRPr>
-          </a:p>
-          <a:p>
-            <a:pPr marL="0" indent="0" rtl="0" algn="l" defTabSz="914400" eaLnBrk="1" latinLnBrk="0" hangingPunct="1">
-              <a:buFontTx/>
-              <a:buNone/>
-            </a:pPr>
-            <a:r>
-              <a:rPr lang="ko-KR" sz="1800">
-                <a:latin typeface="맑은 고딕" charset="0"/>
-                <a:ea typeface="맑은 고딕" charset="0"/>
-              </a:rPr>
-              <a:t>그리고 서로 각각의 이름을 First Bridge와 Second Bridge로 정의합니다.</a:t>
-            </a:r>
-            <a:endParaRPr lang="ko-KR" altLang="en-US" sz="1800">
-              <a:latin typeface="맑은 고딕" charset="0"/>
-              <a:ea typeface="맑은 고딕" charset="0"/>
-            </a:endParaRPr>
-          </a:p>
         </p:txBody>
       </p:sp>
       <p:pic>
         <p:nvPicPr>
-          <p:cNvPr id="1190" name="그림 81" descr="C:/Users/Admin1/AppData/Roaming/PolarisOffice/ETemp/8136_15119280/fImage159532763281.png"/>
+          <p:cNvPr id="1195" name="그림 72" descr="C:/Users/Admin1/AppData/Roaming/PolarisOffice/ETemp/8580_20501592/fImage76982512995.png"/>
           <p:cNvPicPr>
             <a:picLocks noChangeAspect="1"/>
           </p:cNvPicPr>
           <p:nvPr/>
         </p:nvPicPr>
         <p:blipFill rotWithShape="1">
-          <a:blip r:embed="rId7" cstate="hqprint">
+          <a:blip r:embed="rId12" cstate="print">
+            <a:extLst>
+              <a:ext uri="{28A0092B-C50C-407E-A947-70E740481C1C}">
+                <a14:useLocalDpi xmlns:a14="http://schemas.microsoft.com/office/drawing/2010/main" val="0"/>
+              </a:ext>
+            </a:extLst>
+          </a:blip>
+          <a:stretch>
+            <a:fillRect/>
+          </a:stretch>
+        </p:blipFill>
+        <p:spPr>
+          <a:xfrm rot="0">
+            <a:off x="1247140" y="1454785"/>
+            <a:ext cx="1446530" cy="1066800"/>
+          </a:xfrm>
+          <a:prstGeom prst="roundRect"/>
+          <a:solidFill>
+            <a:srgbClr val="EDEDED"/>
+          </a:solidFill>
+        </p:spPr>
+      </p:pic>
+      <p:pic>
+        <p:nvPicPr>
+          <p:cNvPr id="1196" name="그림 75" descr="C:/Users/Admin1/AppData/Roaming/PolarisOffice/ETemp/8580_20501592/fImage86772521942.png"/>
+          <p:cNvPicPr>
+            <a:picLocks noChangeAspect="1"/>
+          </p:cNvPicPr>
+          <p:nvPr/>
+        </p:nvPicPr>
+        <p:blipFill rotWithShape="1">
+          <a:blip r:embed="rId13" cstate="print">
+            <a:extLst>
+              <a:ext uri="{28A0092B-C50C-407E-A947-70E740481C1C}">
+                <a14:useLocalDpi xmlns:a14="http://schemas.microsoft.com/office/drawing/2010/main" val="0"/>
+              </a:ext>
+            </a:extLst>
+          </a:blip>
+          <a:stretch>
+            <a:fillRect/>
+          </a:stretch>
+        </p:blipFill>
+        <p:spPr>
+          <a:xfrm rot="0">
+            <a:off x="2787650" y="1473200"/>
+            <a:ext cx="2590800" cy="1047115"/>
+          </a:xfrm>
+          <a:prstGeom prst="roundRect"/>
+          <a:solidFill>
+            <a:srgbClr val="EDEDED"/>
+          </a:solidFill>
+        </p:spPr>
+      </p:pic>
+      <p:pic>
+        <p:nvPicPr>
+          <p:cNvPr id="1197" name="그림 78" descr="C:/Users/Admin1/AppData/Roaming/PolarisOffice/ETemp/8580_20501592/fImage2242172534827.png"/>
+          <p:cNvPicPr>
+            <a:picLocks noChangeAspect="1"/>
+          </p:cNvPicPr>
+          <p:nvPr/>
+        </p:nvPicPr>
+        <p:blipFill rotWithShape="1">
+          <a:blip r:embed="rId14" cstate="hqprint">
             <a:extLst>
               <a:ext uri="{28A0092B-C50C-407E-A947-70E740481C1C}">
                 <a14:useLocalDpi xmlns:a14="http://schemas.microsoft.com/office/drawing/2010/main"/>
@@ -12639,26 +12995,24 @@
           </a:stretch>
         </p:blipFill>
         <p:spPr>
-          <a:xfrm rot="0">
-            <a:off x="1247140" y="1350645"/>
-            <a:ext cx="2630805" cy="3152775"/>
-          </a:xfrm>
-          <a:prstGeom prst="roundRect"/>
-          <a:solidFill>
-            <a:srgbClr val="EDEDED"/>
-          </a:solidFill>
+          <a:xfrm rot="10800000">
+            <a:off x="2336800" y="1788160"/>
+            <a:ext cx="708025" cy="394970"/>
+          </a:xfrm>
+          <a:prstGeom prst="rect"/>
+          <a:noFill/>
         </p:spPr>
       </p:pic>
       <p:pic>
         <p:nvPicPr>
-          <p:cNvPr id="1191" name="그림 60" descr="C:/Users/Admin1/AppData/Roaming/PolarisOffice/ETemp/8136_15119280/fImage69663269961.png"/>
+          <p:cNvPr id="1198" name="그림 79" descr="C:/Users/Admin1/AppData/Roaming/PolarisOffice/ETemp/8580_20501592/fImage152922545436.png"/>
           <p:cNvPicPr>
             <a:picLocks noChangeAspect="1"/>
           </p:cNvPicPr>
           <p:nvPr/>
         </p:nvPicPr>
         <p:blipFill rotWithShape="1">
-          <a:blip r:embed="rId9" cstate="print">
+          <a:blip r:embed="rId15" cstate="print">
             <a:extLst>
               <a:ext uri="{28A0092B-C50C-407E-A947-70E740481C1C}">
                 <a14:useLocalDpi xmlns:a14="http://schemas.microsoft.com/office/drawing/2010/main" val="0"/>
@@ -12671,8 +13025,8 @@
         </p:blipFill>
         <p:spPr>
           <a:xfrm rot="0">
-            <a:off x="4043680" y="1887855"/>
-            <a:ext cx="1325880" cy="2078990"/>
+            <a:off x="1247140" y="4009390"/>
+            <a:ext cx="4139565" cy="1429385"/>
           </a:xfrm>
           <a:prstGeom prst="roundRect"/>
           <a:solidFill>
@@ -12680,71 +13034,9 @@
           </a:solidFill>
         </p:spPr>
       </p:pic>
-      <p:pic>
-        <p:nvPicPr>
-          <p:cNvPr id="1192" name="그림 63" descr="C:/Users/Admin1/AppData/Roaming/PolarisOffice/ETemp/8136_15119280/fImage12751327491.png"/>
-          <p:cNvPicPr>
-            <a:picLocks noChangeAspect="1"/>
-          </p:cNvPicPr>
-          <p:nvPr/>
-        </p:nvPicPr>
-        <p:blipFill rotWithShape="1">
-          <a:blip r:embed="rId10" cstate="print">
-            <a:extLst>
-              <a:ext uri="{28A0092B-C50C-407E-A947-70E740481C1C}">
-                <a14:useLocalDpi xmlns:a14="http://schemas.microsoft.com/office/drawing/2010/main" val="0"/>
-              </a:ext>
-            </a:extLst>
-          </a:blip>
-          <a:stretch>
-            <a:fillRect/>
-          </a:stretch>
-        </p:blipFill>
-        <p:spPr>
-          <a:xfrm rot="0">
-            <a:off x="6831965" y="3359785"/>
-            <a:ext cx="4148455" cy="1758315"/>
-          </a:xfrm>
-          <a:prstGeom prst="roundRect"/>
-          <a:solidFill>
-            <a:srgbClr val="EDEDED"/>
-          </a:solidFill>
-        </p:spPr>
-      </p:pic>
-      <p:pic>
-        <p:nvPicPr>
-          <p:cNvPr id="1193" name="그림 64" descr="C:/Users/Admin1/AppData/Roaming/PolarisOffice/ETemp/8136_15119280/fImage125393282995.png"/>
-          <p:cNvPicPr>
-            <a:picLocks noChangeAspect="1"/>
-          </p:cNvPicPr>
-          <p:nvPr/>
-        </p:nvPicPr>
-        <p:blipFill rotWithShape="1">
-          <a:blip r:embed="rId11" cstate="print">
-            <a:extLst>
-              <a:ext uri="{28A0092B-C50C-407E-A947-70E740481C1C}">
-                <a14:useLocalDpi xmlns:a14="http://schemas.microsoft.com/office/drawing/2010/main" val="0"/>
-              </a:ext>
-            </a:extLst>
-          </a:blip>
-          <a:stretch>
-            <a:fillRect/>
-          </a:stretch>
-        </p:blipFill>
-        <p:spPr>
-          <a:xfrm rot="0">
-            <a:off x="6832600" y="1350645"/>
-            <a:ext cx="4148455" cy="1750060"/>
-          </a:xfrm>
-          <a:prstGeom prst="roundRect"/>
-          <a:solidFill>
-            <a:srgbClr val="EDEDED"/>
-          </a:solidFill>
-        </p:spPr>
-      </p:pic>
-      <p:sp>
-        <p:nvSpPr>
-          <p:cNvPr id="1194" name="텍스트 상자 67"/>
+      <p:sp>
+        <p:nvSpPr>
+          <p:cNvPr id="1199" name="텍스트 상자 82"/>
           <p:cNvSpPr txBox="1">
             <a:spLocks/>
           </p:cNvSpPr>
@@ -12752,8 +13044,8 @@
         </p:nvSpPr>
         <p:spPr>
           <a:xfrm rot="0">
-            <a:off x="6826250" y="5271770"/>
-            <a:ext cx="4154805" cy="923925"/>
+            <a:off x="1247140" y="5586730"/>
+            <a:ext cx="4131310" cy="647065"/>
           </a:xfrm>
           <a:prstGeom prst="rect"/>
           <a:noFill/>
@@ -12780,17 +13072,7 @@
                 <a:latin typeface="맑은 고딕" charset="0"/>
                 <a:ea typeface="맑은 고딕" charset="0"/>
               </a:rPr>
-              <a:t>1</a:t>
-            </a:r>
-            <a:r>
-              <a:rPr lang="ko-KR" sz="1800" b="1">
-                <a:solidFill>
-                  <a:srgbClr val="0611F2"/>
-                </a:solidFill>
-                <a:latin typeface="맑은 고딕" charset="0"/>
-                <a:ea typeface="맑은 고딕" charset="0"/>
-              </a:rPr>
-              <a:t>2</a:t>
+              <a:t>15</a:t>
             </a:r>
             <a:r>
               <a:rPr sz="1800" b="1">
@@ -12807,63 +13089,14 @@
                 <a:latin typeface="맑은 고딕" charset="0"/>
                 <a:ea typeface="맑은 고딕" charset="0"/>
               </a:rPr>
-              <a:t> </a:t>
+              <a:t> 그</a:t>
             </a:r>
             <a:r>
               <a:rPr lang="ko-KR" sz="1800">
                 <a:latin typeface="맑은 고딕" charset="0"/>
                 <a:ea typeface="맑은 고딕" charset="0"/>
               </a:rPr>
-              <a:t>마지막으로</a:t>
-            </a:r>
-            <a:r>
-              <a:rPr lang="ko-KR" sz="1800">
-                <a:latin typeface="맑은 고딕" charset="0"/>
-                <a:ea typeface="맑은 고딕" charset="0"/>
-              </a:rPr>
-              <a:t> First Bridge</a:t>
-            </a:r>
-            <a:r>
-              <a:rPr lang="ko-KR" sz="1800">
-                <a:latin typeface="맑은 고딕" charset="0"/>
-                <a:ea typeface="맑은 고딕" charset="0"/>
-              </a:rPr>
-              <a:t> 오브젝트</a:t>
-            </a:r>
-            <a:r>
-              <a:rPr lang="ko-KR" sz="1800">
-                <a:latin typeface="맑은 고딕" charset="0"/>
-                <a:ea typeface="맑은 고딕" charset="0"/>
-              </a:rPr>
-              <a:t>와 Second Bridge</a:t>
-            </a:r>
-            <a:r>
-              <a:rPr lang="ko-KR" sz="1800">
-                <a:latin typeface="맑은 고딕" charset="0"/>
-                <a:ea typeface="맑은 고딕" charset="0"/>
-              </a:rPr>
-              <a:t> 오브젝트의 위치와 크기 값을</a:t>
-            </a:r>
-            <a:r>
-              <a:rPr lang="ko-KR" sz="1800">
-                <a:latin typeface="맑은 고딕" charset="0"/>
-                <a:ea typeface="맑은 고딕" charset="0"/>
-              </a:rPr>
-              <a:t> </a:t>
-            </a:r>
-            <a:r>
-              <a:rPr lang="ko-KR" sz="1800">
-                <a:latin typeface="맑은 고딕" charset="0"/>
-                <a:ea typeface="맑은 고딕" charset="0"/>
-              </a:rPr>
-              <a:t>설정</a:t>
-            </a:r>
-            <a:r>
-              <a:rPr lang="ko-KR" sz="1800">
-                <a:latin typeface="맑은 고딕" charset="0"/>
-                <a:ea typeface="맑은 고딕" charset="0"/>
-              </a:rPr>
-              <a:t>합니다.</a:t>
+              <a:t>리고 Left Bridge 오브젝트의 위치와 회전 값을 설정합니다.</a:t>
             </a:r>
             <a:endParaRPr lang="ko-KR" altLang="en-US" sz="1800">
               <a:latin typeface="맑은 고딕" charset="0"/>
@@ -12973,7 +13206,7 @@
         <p:spPr>
           <a:xfrm rot="0">
             <a:off x="1238250" y="1445895"/>
-            <a:ext cx="4126865" cy="923925"/>
+            <a:ext cx="4127500" cy="923925"/>
           </a:xfrm>
           <a:prstGeom prst="rect"/>
           <a:noFill/>
@@ -13106,7 +13339,7 @@
       </p:sp>
       <p:pic>
         <p:nvPicPr>
-          <p:cNvPr id="5" name="그림 85" descr="C:/Users/Admin1/AppData/Roaming/PolarisOffice/ETemp/8136_15119280/fImage112102936827.png"/>
+          <p:cNvPr id="5" name="그림 85" descr="C:/Users/Admin1/AppData/Roaming/PolarisOffice/ETemp/8580_20501592/fImage112102936827.png"/>
           <p:cNvPicPr>
             <a:picLocks noChangeAspect="1"/>
           </p:cNvPicPr>
@@ -13126,8 +13359,8 @@
         </p:blipFill>
         <p:spPr>
           <a:xfrm rot="0">
-            <a:off x="1238250" y="2485390"/>
-            <a:ext cx="4126865" cy="1079500"/>
+            <a:off x="1238250" y="2511425"/>
+            <a:ext cx="4127500" cy="1080135"/>
           </a:xfrm>
           <a:prstGeom prst="roundRect"/>
           <a:solidFill>
@@ -13181,7 +13414,7 @@
       </p:sp>
       <p:pic>
         <p:nvPicPr>
-          <p:cNvPr id="10" name="그림 90" descr="C:/Users/Admin1/AppData/Roaming/PolarisOffice/ETemp/8136_15119280/fImage88752981942.png"/>
+          <p:cNvPr id="10" name="그림 90" descr="C:/Users/Admin1/AppData/Roaming/PolarisOffice/ETemp/8580_20501592/fImage88752981942.png"/>
           <p:cNvPicPr>
             <a:picLocks noChangeAspect="1"/>
           </p:cNvPicPr>
@@ -13201,8 +13434,8 @@
         </p:blipFill>
         <p:spPr>
           <a:xfrm rot="0">
-            <a:off x="6823710" y="2511425"/>
-            <a:ext cx="4122420" cy="1584325"/>
+            <a:off x="6823710" y="2589530"/>
+            <a:ext cx="4123055" cy="1472565"/>
           </a:xfrm>
           <a:prstGeom prst="roundRect"/>
           <a:solidFill>
@@ -13381,19 +13614,125 @@
           </a:p>
         </p:txBody>
       </p:sp>
+      <p:sp>
+        <p:nvSpPr>
+          <p:cNvPr id="1186" name="Rect 0"/>
+          <p:cNvSpPr txBox="1">
+            <a:spLocks/>
+          </p:cNvSpPr>
+          <p:nvPr/>
+        </p:nvSpPr>
+        <p:spPr>
+          <a:xfrm rot="0">
+            <a:off x="1238250" y="2921000"/>
+            <a:ext cx="4131310" cy="1200785"/>
+          </a:xfrm>
+          <a:prstGeom prst="rect"/>
+          <a:noFill/>
+          <a:ln w="0">
+            <a:noFill/>
+            <a:prstDash/>
+          </a:ln>
+        </p:spPr>
+        <p:txBody>
+          <a:bodyPr wrap="square" lIns="89535" tIns="46355" rIns="89535" bIns="46355" numCol="1" vert="horz" anchor="t">
+            <a:spAutoFit/>
+          </a:bodyPr>
+          <a:lstStyle/>
+          <a:p>
+            <a:pPr marL="0" indent="0" rtl="0" algn="l" defTabSz="914400" eaLnBrk="1" latinLnBrk="0" hangingPunct="1">
+              <a:buFontTx/>
+              <a:buNone/>
+            </a:pPr>
+            <a:r>
+              <a:rPr lang="ko-KR" sz="1800" b="1">
+                <a:solidFill>
+                  <a:srgbClr val="0611F2"/>
+                </a:solidFill>
+                <a:latin typeface="맑은 고딕" charset="0"/>
+                <a:ea typeface="맑은 고딕" charset="0"/>
+              </a:rPr>
+              <a:t>13</a:t>
+            </a:r>
+            <a:r>
+              <a:rPr sz="1800" b="1">
+                <a:solidFill>
+                  <a:srgbClr val="0611F2"/>
+                </a:solidFill>
+                <a:latin typeface="맑은 고딕" charset="0"/>
+                <a:ea typeface="맑은 고딕" charset="0"/>
+              </a:rPr>
+              <a:t>.</a:t>
+            </a:r>
+            <a:r>
+              <a:rPr sz="1800">
+                <a:latin typeface="맑은 고딕" charset="0"/>
+                <a:ea typeface="맑은 고딕" charset="0"/>
+              </a:rPr>
+              <a:t> </a:t>
+            </a:r>
+            <a:r>
+              <a:rPr lang="ko-KR" sz="1800">
+                <a:latin typeface="맑은 고딕" charset="0"/>
+                <a:ea typeface="맑은 고딕" charset="0"/>
+              </a:rPr>
+              <a:t>이제 Controller 스크립트에서 float 변수</a:t>
+            </a:r>
+            <a:r>
+              <a:rPr lang="ko-KR" sz="1800">
+                <a:latin typeface="맑은 고딕" charset="0"/>
+                <a:ea typeface="맑은 고딕" charset="0"/>
+              </a:rPr>
+              <a:t>와 int 변수를</a:t>
+            </a:r>
+            <a:r>
+              <a:rPr lang="ko-KR" sz="1800">
+                <a:latin typeface="맑은 고딕" charset="0"/>
+                <a:ea typeface="맑은 고딕" charset="0"/>
+              </a:rPr>
+              <a:t> 선언</a:t>
+            </a:r>
+            <a:r>
+              <a:rPr lang="ko-KR" sz="1800">
+                <a:latin typeface="맑은 고딕" charset="0"/>
+                <a:ea typeface="맑은 고딕" charset="0"/>
+              </a:rPr>
+              <a:t>한 다음</a:t>
+            </a:r>
+            <a:r>
+              <a:rPr lang="ko-KR" sz="1800">
+                <a:latin typeface="맑은 고딕" charset="0"/>
+                <a:ea typeface="맑은 고딕" charset="0"/>
+              </a:rPr>
+              <a:t> NavMeshAgent </a:t>
+            </a:r>
+            <a:r>
+              <a:rPr lang="ko-KR" sz="1800">
+                <a:latin typeface="맑은 고딕" charset="0"/>
+                <a:ea typeface="맑은 고딕" charset="0"/>
+              </a:rPr>
+              <a:t>변수와 Transform 변수를 배열로 선언합니다.</a:t>
+            </a:r>
+            <a:endParaRPr lang="ko-KR" altLang="en-US" sz="1800">
+              <a:latin typeface="맑은 고딕" charset="0"/>
+              <a:ea typeface="맑은 고딕" charset="0"/>
+            </a:endParaRPr>
+          </a:p>
+        </p:txBody>
+      </p:sp>
       <p:pic>
         <p:nvPicPr>
-          <p:cNvPr id="1181" name="Picture " descr="C:/Users/Admin1/AppData/Roaming/PolarisOffice/ETemp/8136_15119280/fImage163822954464.png"/>
+          <p:cNvPr id="1187" name="그림 69" descr="C:/Users/Admin1/AppData/Roaming/PolarisOffice/ETemp/8580_20501592/fImage598932502391.png"/>
           <p:cNvPicPr>
             <a:picLocks noChangeAspect="1"/>
           </p:cNvPicPr>
           <p:nvPr/>
         </p:nvPicPr>
         <p:blipFill rotWithShape="1">
-          <a:blip r:embed="rId2" cstate="hqprint">
+          <a:blip r:embed="rId6" cstate="print">
             <a:extLst>
               <a:ext uri="{28A0092B-C50C-407E-A947-70E740481C1C}">
-                <a14:useLocalDpi xmlns:a14="http://schemas.microsoft.com/office/drawing/2010/main"/>
+                <a14:useLocalDpi xmlns:a14="http://schemas.microsoft.com/office/drawing/2010/main" val="0"/>
               </a:ext>
             </a:extLst>
           </a:blip>
@@ -13403,152 +13742,8 @@
         </p:blipFill>
         <p:spPr>
           <a:xfrm rot="0">
-            <a:off x="6819900" y="1390650"/>
-            <a:ext cx="4144010" cy="2705735"/>
-          </a:xfrm>
-          <a:prstGeom prst="rect"/>
-          <a:noFill/>
-        </p:spPr>
-      </p:pic>
-      <p:sp>
-        <p:nvSpPr>
-          <p:cNvPr id="1184" name="Rect 0"/>
-          <p:cNvSpPr txBox="1">
-            <a:spLocks/>
-          </p:cNvSpPr>
-          <p:nvPr/>
-        </p:nvSpPr>
-        <p:spPr>
-          <a:xfrm rot="0">
-            <a:off x="6815455" y="4175760"/>
-            <a:ext cx="4148455" cy="2031365"/>
-          </a:xfrm>
-          <a:prstGeom prst="rect"/>
-          <a:noFill/>
-          <a:ln w="0">
-            <a:noFill/>
-            <a:prstDash/>
-          </a:ln>
-        </p:spPr>
-        <p:txBody>
-          <a:bodyPr wrap="square" lIns="89535" tIns="46355" rIns="89535" bIns="46355" numCol="1" vert="horz" anchor="t">
-            <a:spAutoFit/>
-          </a:bodyPr>
-          <a:lstStyle/>
-          <a:p>
-            <a:pPr marL="0" indent="0" rtl="0" algn="l" defTabSz="914400" eaLnBrk="1" latinLnBrk="0" hangingPunct="1">
-              <a:buFontTx/>
-              <a:buNone/>
-            </a:pPr>
-            <a:r>
-              <a:rPr sz="1800" b="1">
-                <a:solidFill>
-                  <a:srgbClr val="0611F2"/>
-                </a:solidFill>
-                <a:latin typeface="맑은 고딕" charset="0"/>
-                <a:ea typeface="맑은 고딕" charset="0"/>
-              </a:rPr>
-              <a:t>1</a:t>
-            </a:r>
-            <a:r>
-              <a:rPr sz="1800" b="1">
-                <a:solidFill>
-                  <a:srgbClr val="0611F2"/>
-                </a:solidFill>
-                <a:latin typeface="맑은 고딕" charset="0"/>
-                <a:ea typeface="맑은 고딕" charset="0"/>
-              </a:rPr>
-              <a:t>5</a:t>
-            </a:r>
-            <a:r>
-              <a:rPr sz="1800" b="1">
-                <a:solidFill>
-                  <a:srgbClr val="0611F2"/>
-                </a:solidFill>
-                <a:latin typeface="맑은 고딕" charset="0"/>
-                <a:ea typeface="맑은 고딕" charset="0"/>
-              </a:rPr>
-              <a:t>.</a:t>
-            </a:r>
-            <a:r>
-              <a:rPr sz="1800">
-                <a:latin typeface="맑은 고딕" charset="0"/>
-                <a:ea typeface="맑은 고딕" charset="0"/>
-              </a:rPr>
-              <a:t> </a:t>
-            </a:r>
-            <a:r>
-              <a:rPr lang="ko-KR" sz="1800">
-                <a:latin typeface="맑은 고딕" charset="0"/>
-                <a:ea typeface="맑은 고딕" charset="0"/>
-              </a:rPr>
-              <a:t>그다음</a:t>
-            </a:r>
-            <a:r>
-              <a:rPr lang="ko-KR" sz="1800">
-                <a:latin typeface="맑은 고딕" charset="0"/>
-                <a:ea typeface="맑은 고딕" charset="0"/>
-              </a:rPr>
-              <a:t> 마우스 왼쪽 버튼을 클릭했을 때 마우스로 클릭한 3D 공간의 위치 정보를 저장합니다.</a:t>
-            </a:r>
-            <a:endParaRPr lang="ko-KR" altLang="en-US" sz="1800">
-              <a:latin typeface="맑은 고딕" charset="0"/>
-              <a:ea typeface="맑은 고딕" charset="0"/>
-            </a:endParaRPr>
-          </a:p>
-          <a:p>
-            <a:pPr marL="0" indent="0" rtl="0" algn="l" defTabSz="914400" eaLnBrk="1" latinLnBrk="0" hangingPunct="1">
-              <a:buFontTx/>
-              <a:buNone/>
-            </a:pPr>
-            <a:endParaRPr lang="ko-KR" altLang="en-US" sz="1800">
-              <a:latin typeface="맑은 고딕" charset="0"/>
-              <a:ea typeface="맑은 고딕" charset="0"/>
-            </a:endParaRPr>
-          </a:p>
-          <a:p>
-            <a:pPr marL="0" indent="0" rtl="0" algn="l" defTabSz="914400" eaLnBrk="1" latinLnBrk="0" hangingPunct="1">
-              <a:buFontTx/>
-              <a:buNone/>
-            </a:pPr>
-            <a:r>
-              <a:rPr lang="ko-KR" sz="1800">
-                <a:latin typeface="맑은 고딕" charset="0"/>
-                <a:ea typeface="맑은 고딕" charset="0"/>
-              </a:rPr>
-              <a:t>그리고 충돌한 물체가 있을 때 충돌한 오브젝트의 위치 정보를 Move() 함수 매개변수로 넣어줍니다.  </a:t>
-            </a:r>
-            <a:endParaRPr lang="ko-KR" altLang="en-US" sz="1800">
-              <a:latin typeface="맑은 고딕" charset="0"/>
-              <a:ea typeface="맑은 고딕" charset="0"/>
-            </a:endParaRPr>
-          </a:p>
-        </p:txBody>
-      </p:sp>
-      <p:pic>
-        <p:nvPicPr>
-          <p:cNvPr id="1185" name="Picture " descr="C:/Users/Admin1/AppData/Roaming/PolarisOffice/ETemp/8136_15119280/fImage54652739358.png"/>
-          <p:cNvPicPr>
-            <a:picLocks noChangeAspect="1"/>
-          </p:cNvPicPr>
-          <p:nvPr/>
-        </p:nvPicPr>
-        <p:blipFill rotWithShape="1">
-          <a:blip r:embed="rId3" cstate="hqprint">
-            <a:extLst>
-              <a:ext uri="{28A0092B-C50C-407E-A947-70E740481C1C}">
-                <a14:useLocalDpi xmlns:a14="http://schemas.microsoft.com/office/drawing/2010/main"/>
-              </a:ext>
-            </a:extLst>
-          </a:blip>
-          <a:stretch>
-            <a:fillRect/>
-          </a:stretch>
-        </p:blipFill>
-        <p:spPr>
-          <a:xfrm rot="0">
-            <a:off x="1206500" y="1383030"/>
-            <a:ext cx="4181475" cy="1465580"/>
+            <a:off x="1236345" y="1454785"/>
+            <a:ext cx="4133215" cy="1308100"/>
           </a:xfrm>
           <a:prstGeom prst="roundRect"/>
           <a:solidFill>
@@ -13556,262 +13751,6 @@
           </a:solidFill>
         </p:spPr>
       </p:pic>
-      <p:sp>
-        <p:nvSpPr>
-          <p:cNvPr id="1186" name="Rect 0"/>
-          <p:cNvSpPr txBox="1">
-            <a:spLocks/>
-          </p:cNvSpPr>
-          <p:nvPr/>
-        </p:nvSpPr>
-        <p:spPr>
-          <a:xfrm rot="0">
-            <a:off x="1197610" y="2948305"/>
-            <a:ext cx="4191635" cy="923925"/>
-          </a:xfrm>
-          <a:prstGeom prst="rect"/>
-          <a:noFill/>
-          <a:ln w="0">
-            <a:noFill/>
-            <a:prstDash/>
-          </a:ln>
-        </p:spPr>
-        <p:txBody>
-          <a:bodyPr wrap="square" lIns="89535" tIns="46355" rIns="89535" bIns="46355" numCol="1" vert="horz" anchor="t">
-            <a:spAutoFit/>
-          </a:bodyPr>
-          <a:lstStyle/>
-          <a:p>
-            <a:pPr marL="0" indent="0" rtl="0" algn="l" defTabSz="914400" eaLnBrk="1" latinLnBrk="0" hangingPunct="1">
-              <a:buFontTx/>
-              <a:buNone/>
-            </a:pPr>
-            <a:r>
-              <a:rPr lang="ko-KR" sz="1800" b="1">
-                <a:solidFill>
-                  <a:srgbClr val="0611F2"/>
-                </a:solidFill>
-                <a:latin typeface="맑은 고딕" charset="0"/>
-                <a:ea typeface="맑은 고딕" charset="0"/>
-              </a:rPr>
-              <a:t>1</a:t>
-            </a:r>
-            <a:r>
-              <a:rPr lang="ko-KR" sz="1800" b="1">
-                <a:solidFill>
-                  <a:srgbClr val="0611F2"/>
-                </a:solidFill>
-                <a:latin typeface="맑은 고딕" charset="0"/>
-                <a:ea typeface="맑은 고딕" charset="0"/>
-              </a:rPr>
-              <a:t>3</a:t>
-            </a:r>
-            <a:r>
-              <a:rPr sz="1800" b="1">
-                <a:solidFill>
-                  <a:srgbClr val="0611F2"/>
-                </a:solidFill>
-                <a:latin typeface="맑은 고딕" charset="0"/>
-                <a:ea typeface="맑은 고딕" charset="0"/>
-              </a:rPr>
-              <a:t>.</a:t>
-            </a:r>
-            <a:r>
-              <a:rPr sz="1800">
-                <a:latin typeface="맑은 고딕" charset="0"/>
-                <a:ea typeface="맑은 고딕" charset="0"/>
-              </a:rPr>
-              <a:t> </a:t>
-            </a:r>
-            <a:r>
-              <a:rPr lang="ko-KR" sz="1800">
-                <a:latin typeface="맑은 고딕" charset="0"/>
-                <a:ea typeface="맑은 고딕" charset="0"/>
-              </a:rPr>
-              <a:t>이제</a:t>
-            </a:r>
-            <a:r>
-              <a:rPr lang="ko-KR" sz="1800">
-                <a:latin typeface="맑은 고딕" charset="0"/>
-                <a:ea typeface="맑은 고딕" charset="0"/>
-              </a:rPr>
-              <a:t> Controller 스크립트에서 </a:t>
-            </a:r>
-            <a:r>
-              <a:rPr lang="ko-KR" sz="1800">
-                <a:latin typeface="맑은 고딕" charset="0"/>
-                <a:ea typeface="맑은 고딕" charset="0"/>
-              </a:rPr>
-              <a:t>float</a:t>
-            </a:r>
-            <a:r>
-              <a:rPr lang="ko-KR" sz="1800">
-                <a:latin typeface="맑은 고딕" charset="0"/>
-                <a:ea typeface="맑은 고딕" charset="0"/>
-              </a:rPr>
-              <a:t> 변수를 선언하고 NavMeshAgent 컴포넌트를 가져옵니다.</a:t>
-            </a:r>
-            <a:endParaRPr lang="ko-KR" altLang="en-US" sz="1800">
-              <a:latin typeface="맑은 고딕" charset="0"/>
-              <a:ea typeface="맑은 고딕" charset="0"/>
-            </a:endParaRPr>
-          </a:p>
-        </p:txBody>
-      </p:sp>
-      <p:pic>
-        <p:nvPicPr>
-          <p:cNvPr id="1187" name="그림 69" descr="C:/Users/Admin1/AppData/Roaming/PolarisOffice/ETemp/8136_15119280/fImage31782965705.png"/>
-          <p:cNvPicPr>
-            <a:picLocks noChangeAspect="1"/>
-          </p:cNvPicPr>
-          <p:nvPr/>
-        </p:nvPicPr>
-        <p:blipFill rotWithShape="1">
-          <a:blip r:embed="rId4" cstate="hqprint">
-            <a:extLst>
-              <a:ext uri="{28A0092B-C50C-407E-A947-70E740481C1C}">
-                <a14:useLocalDpi xmlns:a14="http://schemas.microsoft.com/office/drawing/2010/main"/>
-              </a:ext>
-            </a:extLst>
-          </a:blip>
-          <a:stretch>
-            <a:fillRect/>
-          </a:stretch>
-        </p:blipFill>
-        <p:spPr>
-          <a:xfrm rot="0">
-            <a:off x="1210945" y="4010025"/>
-            <a:ext cx="4180840" cy="1210310"/>
-          </a:xfrm>
-          <a:prstGeom prst="roundRect"/>
-          <a:solidFill>
-            <a:srgbClr val="EDEDED"/>
-          </a:solidFill>
-        </p:spPr>
-      </p:pic>
-      <p:sp>
-        <p:nvSpPr>
-          <p:cNvPr id="1188" name="텍스트 상자 72"/>
-          <p:cNvSpPr txBox="1">
-            <a:spLocks/>
-          </p:cNvSpPr>
-          <p:nvPr/>
-        </p:nvSpPr>
-        <p:spPr>
-          <a:xfrm rot="0">
-            <a:off x="1206500" y="5290185"/>
-            <a:ext cx="4191000" cy="923925"/>
-          </a:xfrm>
-          <a:prstGeom prst="rect"/>
-          <a:noFill/>
-          <a:ln w="0">
-            <a:noFill/>
-            <a:prstDash/>
-          </a:ln>
-        </p:spPr>
-        <p:txBody>
-          <a:bodyPr wrap="square" lIns="89535" tIns="46355" rIns="89535" bIns="46355" numCol="1" vert="horz" anchor="t">
-            <a:spAutoFit/>
-          </a:bodyPr>
-          <a:lstStyle/>
-          <a:p>
-            <a:pPr marL="0" indent="0" rtl="0" algn="l" defTabSz="914400" eaLnBrk="1" latinLnBrk="0" hangingPunct="1">
-              <a:buFontTx/>
-              <a:buNone/>
-            </a:pPr>
-            <a:r>
-              <a:rPr sz="1800" b="1">
-                <a:solidFill>
-                  <a:srgbClr val="0611F2"/>
-                </a:solidFill>
-                <a:latin typeface="맑은 고딕" charset="0"/>
-                <a:ea typeface="맑은 고딕" charset="0"/>
-              </a:rPr>
-              <a:t>1</a:t>
-            </a:r>
-            <a:r>
-              <a:rPr sz="1800" b="1">
-                <a:solidFill>
-                  <a:srgbClr val="0611F2"/>
-                </a:solidFill>
-                <a:latin typeface="맑은 고딕" charset="0"/>
-                <a:ea typeface="맑은 고딕" charset="0"/>
-              </a:rPr>
-              <a:t>4</a:t>
-            </a:r>
-            <a:r>
-              <a:rPr sz="1800" b="1">
-                <a:solidFill>
-                  <a:srgbClr val="0611F2"/>
-                </a:solidFill>
-                <a:latin typeface="맑은 고딕" charset="0"/>
-                <a:ea typeface="맑은 고딕" charset="0"/>
-              </a:rPr>
-              <a:t>.</a:t>
-            </a:r>
-            <a:r>
-              <a:rPr sz="1800">
-                <a:latin typeface="맑은 고딕" charset="0"/>
-                <a:ea typeface="맑은 고딕" charset="0"/>
-              </a:rPr>
-              <a:t> </a:t>
-            </a:r>
-            <a:r>
-              <a:rPr lang="ko-KR" sz="1800">
-                <a:latin typeface="맑은 고딕" charset="0"/>
-                <a:ea typeface="맑은 고딕" charset="0"/>
-              </a:rPr>
-              <a:t>그</a:t>
-            </a:r>
-            <a:r>
-              <a:rPr lang="ko-KR" sz="1800">
-                <a:latin typeface="맑은 고딕" charset="0"/>
-                <a:ea typeface="맑은 고딕" charset="0"/>
-              </a:rPr>
-              <a:t>런 다음</a:t>
-            </a:r>
-            <a:r>
-              <a:rPr lang="ko-KR" sz="1800">
-                <a:latin typeface="맑은 고딕" charset="0"/>
-                <a:ea typeface="맑은 고딕" charset="0"/>
-              </a:rPr>
-              <a:t> Move</a:t>
-            </a:r>
-            <a:r>
-              <a:rPr lang="ko-KR" sz="1800">
-                <a:latin typeface="맑은 고딕" charset="0"/>
-                <a:ea typeface="맑은 고딕" charset="0"/>
-              </a:rPr>
-              <a:t>(Vector3)</a:t>
-            </a:r>
-            <a:r>
-              <a:rPr lang="ko-KR" sz="1800">
-                <a:latin typeface="맑은 고딕" charset="0"/>
-                <a:ea typeface="맑은 고딕" charset="0"/>
-              </a:rPr>
-              <a:t>라는 함수를 </a:t>
-            </a:r>
-            <a:r>
-              <a:rPr lang="ko-KR" sz="1800">
-                <a:latin typeface="맑은 고딕" charset="0"/>
-                <a:ea typeface="맑은 고딕" charset="0"/>
-              </a:rPr>
-              <a:t>선언</a:t>
-            </a:r>
-            <a:r>
-              <a:rPr lang="ko-KR" sz="1800">
-                <a:latin typeface="맑은 고딕" charset="0"/>
-                <a:ea typeface="맑은 고딕" charset="0"/>
-              </a:rPr>
-              <a:t>하고 속도와 도착지점을 설정합니다.</a:t>
-            </a:r>
-            <a:endParaRPr lang="ko-KR" altLang="en-US" sz="1800">
-              <a:latin typeface="맑은 고딕" charset="0"/>
-              <a:ea typeface="맑은 고딕" charset="0"/>
-            </a:endParaRPr>
-          </a:p>
-        </p:txBody>
-      </p:sp>
     </p:spTree>
   </p:cSld>
   <p:clrMapOvr>

--- a/Assets/Class/NavMesh Agent/PPT Data/NavMesh Agent Example.pptx
+++ b/Assets/Class/NavMesh Agent/PPT Data/NavMesh Agent Example.pptx
@@ -2,7 +2,7 @@
 <file path=ppt/presentation.xml><?xml version="1.0" encoding="utf-8"?>
 <p:presentation xmlns:a="http://schemas.openxmlformats.org/drawingml/2006/main" xmlns:r="http://schemas.openxmlformats.org/officeDocument/2006/relationships" xmlns:p="http://schemas.openxmlformats.org/presentationml/2006/main" xmlns:p14="http://schemas.microsoft.com/office/powerpoint/2010/main" saveSubsetFonts="1" firstSlideNum="0">
   <p:sldMasterIdLst>
-    <p:sldMasterId id="2147486223" r:id="rId12"/>
+    <p:sldMasterId id="2147486315" r:id="rId12"/>
   </p:sldMasterIdLst>
   <p:notesMasterIdLst>
     <p:notesMasterId r:id="rId14"/>
@@ -17,12 +17,15 @@
     <p:sldId id="303" r:id="rId22"/>
     <p:sldId id="302" r:id="rId23"/>
     <p:sldId id="298" r:id="rId24"/>
-    <p:sldId id="304" r:id="rId26"/>
-    <p:sldId id="305" r:id="rId27"/>
-    <p:sldId id="306" r:id="rId29"/>
-    <p:sldId id="311" r:id="rId31"/>
-    <p:sldId id="307" r:id="rId33"/>
-    <p:sldId id="308" r:id="rId35"/>
+    <p:sldId id="304" r:id="rId25"/>
+    <p:sldId id="305" r:id="rId26"/>
+    <p:sldId id="306" r:id="rId27"/>
+    <p:sldId id="312" r:id="rId28"/>
+    <p:sldId id="307" r:id="rId29"/>
+    <p:sldId id="313" r:id="rId30"/>
+    <p:sldId id="314" r:id="rId31"/>
+    <p:sldId id="315" r:id="rId32"/>
+    <p:sldId id="311" r:id="rId33"/>
   </p:sldIdLst>
   <p:sldSz cx="12192000" cy="6858000"/>
   <p:notesSz cx="6858000" cy="9144000"/>
@@ -1363,7 +1366,7 @@
         <p:spPr>
           <a:xfrm rot="0">
             <a:off x="685800" y="1143000"/>
-            <a:ext cx="5490210" cy="3089910"/>
+            <a:ext cx="5490845" cy="3090545"/>
           </a:xfrm>
           <a:prstGeom prst="rect"/>
           <a:noFill/>
@@ -1402,7 +1405,7 @@
         <p:spPr>
           <a:xfrm rot="0">
             <a:off x="685800" y="4400550"/>
-            <a:ext cx="5490210" cy="3604260"/>
+            <a:ext cx="5490845" cy="3604895"/>
           </a:xfrm>
           <a:prstGeom prst="rect"/>
         </p:spPr>
@@ -1432,7 +1435,433 @@
         <p:spPr>
           <a:xfrm rot="0">
             <a:off x="3884930" y="8685530"/>
-            <a:ext cx="2975610" cy="462280"/>
+            <a:ext cx="2976245" cy="462915"/>
+          </a:xfrm>
+          <a:prstGeom prst="rect"/>
+        </p:spPr>
+        <p:txBody>
+          <a:bodyPr wrap="square" lIns="91440" tIns="45720" rIns="91440" bIns="45720" numCol="1" vert="horz" anchor="b">
+            <a:noAutofit/>
+          </a:bodyPr>
+          <a:lstStyle>
+            <a:lvl1pPr marL="0" indent="0" algn="r" latinLnBrk="0">
+              <a:buFontTx/>
+              <a:buNone/>
+              <a:defRPr lang="en-GB" altLang="en-US" sz="1200"/>
+            </a:lvl1pPr>
+          </a:lstStyle>
+          <a:p>
+            <a:pPr marL="0" indent="0" latinLnBrk="0">
+              <a:buFontTx/>
+              <a:buNone/>
+            </a:pPr>
+            <a:fld id="{B9320F77-B9A0-41C5-862A-B4B631284C64}" type="slidenum">
+              <a:rPr lang="ko-KR" altLang="en-US"/>
+              <a:t>‹#›</a:t>
+            </a:fld>
+          </a:p>
+        </p:txBody>
+      </p:sp>
+    </p:spTree>
+  </p:cSld>
+  <p:clrMapOvr>
+    <a:masterClrMapping/>
+  </p:clrMapOvr>
+  <mc:AlternateContent xmlns:mc="http://schemas.openxmlformats.org/markup-compatibility/2006">
+    <mc:Choice xmlns:p14="http://schemas.microsoft.com/office/powerpoint/2010/main" Requires="p14">
+      <p:transition spd="slow" p14:dur="0"/>
+    </mc:Choice>
+    <mc:Fallback>
+      <p:transition spd="slow"/>
+    </mc:Fallback>
+  </mc:AlternateContent>
+</p:notes>
+</file>
+
+<file path=ppt/notesSlides/notesSlide16.xml><?xml version="1.0" encoding="utf-8"?>
+<p:notes xmlns:a="http://schemas.openxmlformats.org/drawingml/2006/main" xmlns:r="http://schemas.openxmlformats.org/officeDocument/2006/relationships" xmlns:p="http://schemas.openxmlformats.org/presentationml/2006/main">
+  <p:cSld>
+    <p:spTree>
+      <p:nvGrpSpPr>
+        <p:cNvPr id="1" name=""/>
+        <p:cNvGrpSpPr/>
+        <p:nvPr/>
+      </p:nvGrpSpPr>
+      <p:grpSpPr>
+        <a:xfrm>
+          <a:off x="0" y="0"/>
+          <a:ext cx="0" cy="0"/>
+          <a:chOff x="0" y="0"/>
+          <a:chExt cx="0" cy="0"/>
+        </a:xfrm>
+      </p:grpSpPr>
+      <p:sp>
+        <p:nvSpPr>
+          <p:cNvPr id="2" name="슬라이드 이미지 개체 틀 3"/>
+          <p:cNvSpPr>
+            <a:spLocks noChangeAspect="1"/>
+          </p:cNvSpPr>
+          <p:nvPr>
+            <p:ph type="sldImg" idx="2"/>
+          </p:nvPr>
+        </p:nvSpPr>
+        <p:spPr>
+          <a:xfrm rot="0">
+            <a:off x="685800" y="1143000"/>
+            <a:ext cx="5490845" cy="3090545"/>
+          </a:xfrm>
+          <a:prstGeom prst="rect"/>
+          <a:noFill/>
+          <a:ln w="12700" cap="flat" cmpd="sng">
+            <a:solidFill>
+              <a:srgbClr val="000000">
+                <a:alpha val="100000"/>
+              </a:srgbClr>
+            </a:solidFill>
+            <a:prstDash val="solid"/>
+          </a:ln>
+        </p:spPr>
+        <p:txBody>
+          <a:bodyPr wrap="square" lIns="91440" tIns="45720" rIns="91440" bIns="45720" numCol="1" vert="horz" anchor="ctr">
+            <a:noAutofit/>
+          </a:bodyPr>
+          <a:lstStyle/>
+          <a:p>
+            <a:pPr marL="0" indent="0" latinLnBrk="0">
+              <a:buFontTx/>
+              <a:buNone/>
+            </a:pPr>
+          </a:p>
+        </p:txBody>
+      </p:sp>
+      <p:sp>
+        <p:nvSpPr>
+          <p:cNvPr id="3" name="슬라이드 노트 개체 틀 4"/>
+          <p:cNvSpPr txBox="1">
+            <a:spLocks/>
+          </p:cNvSpPr>
+          <p:nvPr>
+            <p:ph type="body" idx="3"/>
+          </p:nvPr>
+        </p:nvSpPr>
+        <p:spPr>
+          <a:xfrm rot="0">
+            <a:off x="685800" y="4400550"/>
+            <a:ext cx="5490845" cy="3604895"/>
+          </a:xfrm>
+          <a:prstGeom prst="rect"/>
+        </p:spPr>
+        <p:txBody>
+          <a:bodyPr wrap="square" lIns="91440" tIns="45720" rIns="91440" bIns="45720" numCol="1" vert="horz" anchor="t">
+            <a:noAutofit/>
+          </a:bodyPr>
+          <a:lstStyle/>
+          <a:p>
+            <a:pPr marL="0" indent="0" latinLnBrk="0">
+              <a:buFontTx/>
+              <a:buNone/>
+            </a:pPr>
+          </a:p>
+        </p:txBody>
+      </p:sp>
+      <p:sp>
+        <p:nvSpPr>
+          <p:cNvPr id="4" name="슬라이드 번호 개체 틀 6"/>
+          <p:cNvSpPr txBox="1">
+            <a:spLocks/>
+          </p:cNvSpPr>
+          <p:nvPr>
+            <p:ph type="sldNum" idx="5"/>
+          </p:nvPr>
+        </p:nvSpPr>
+        <p:spPr>
+          <a:xfrm rot="0">
+            <a:off x="3884930" y="8685530"/>
+            <a:ext cx="2976245" cy="462915"/>
+          </a:xfrm>
+          <a:prstGeom prst="rect"/>
+        </p:spPr>
+        <p:txBody>
+          <a:bodyPr wrap="square" lIns="91440" tIns="45720" rIns="91440" bIns="45720" numCol="1" vert="horz" anchor="b">
+            <a:noAutofit/>
+          </a:bodyPr>
+          <a:lstStyle>
+            <a:lvl1pPr marL="0" indent="0" algn="r" latinLnBrk="0">
+              <a:buFontTx/>
+              <a:buNone/>
+              <a:defRPr lang="en-GB" altLang="en-US" sz="1200"/>
+            </a:lvl1pPr>
+          </a:lstStyle>
+          <a:p>
+            <a:pPr marL="0" indent="0" latinLnBrk="0">
+              <a:buFontTx/>
+              <a:buNone/>
+            </a:pPr>
+            <a:fld id="{B9320F77-B9A0-41C5-862A-B4B631284C64}" type="slidenum">
+              <a:rPr lang="ko-KR" altLang="en-US"/>
+              <a:t>‹#›</a:t>
+            </a:fld>
+          </a:p>
+        </p:txBody>
+      </p:sp>
+    </p:spTree>
+  </p:cSld>
+  <p:clrMapOvr>
+    <a:masterClrMapping/>
+  </p:clrMapOvr>
+  <mc:AlternateContent xmlns:mc="http://schemas.openxmlformats.org/markup-compatibility/2006">
+    <mc:Choice xmlns:p14="http://schemas.microsoft.com/office/powerpoint/2010/main" Requires="p14">
+      <p:transition spd="slow" p14:dur="0"/>
+    </mc:Choice>
+    <mc:Fallback>
+      <p:transition spd="slow"/>
+    </mc:Fallback>
+  </mc:AlternateContent>
+</p:notes>
+</file>
+
+<file path=ppt/notesSlides/notesSlide17.xml><?xml version="1.0" encoding="utf-8"?>
+<p:notes xmlns:a="http://schemas.openxmlformats.org/drawingml/2006/main" xmlns:r="http://schemas.openxmlformats.org/officeDocument/2006/relationships" xmlns:p="http://schemas.openxmlformats.org/presentationml/2006/main">
+  <p:cSld>
+    <p:spTree>
+      <p:nvGrpSpPr>
+        <p:cNvPr id="1" name=""/>
+        <p:cNvGrpSpPr/>
+        <p:nvPr/>
+      </p:nvGrpSpPr>
+      <p:grpSpPr>
+        <a:xfrm>
+          <a:off x="0" y="0"/>
+          <a:ext cx="0" cy="0"/>
+          <a:chOff x="0" y="0"/>
+          <a:chExt cx="0" cy="0"/>
+        </a:xfrm>
+      </p:grpSpPr>
+      <p:sp>
+        <p:nvSpPr>
+          <p:cNvPr id="2" name="슬라이드 이미지 개체 틀 3"/>
+          <p:cNvSpPr>
+            <a:spLocks noChangeAspect="1"/>
+          </p:cNvSpPr>
+          <p:nvPr>
+            <p:ph type="sldImg" idx="2"/>
+          </p:nvPr>
+        </p:nvSpPr>
+        <p:spPr>
+          <a:xfrm rot="0">
+            <a:off x="685800" y="1143000"/>
+            <a:ext cx="5490845" cy="3090545"/>
+          </a:xfrm>
+          <a:prstGeom prst="rect"/>
+          <a:noFill/>
+          <a:ln w="12700" cap="flat" cmpd="sng">
+            <a:solidFill>
+              <a:srgbClr val="000000">
+                <a:alpha val="100000"/>
+              </a:srgbClr>
+            </a:solidFill>
+            <a:prstDash val="solid"/>
+          </a:ln>
+        </p:spPr>
+        <p:txBody>
+          <a:bodyPr wrap="square" lIns="91440" tIns="45720" rIns="91440" bIns="45720" numCol="1" vert="horz" anchor="ctr">
+            <a:noAutofit/>
+          </a:bodyPr>
+          <a:lstStyle/>
+          <a:p>
+            <a:pPr marL="0" indent="0" latinLnBrk="0">
+              <a:buFontTx/>
+              <a:buNone/>
+            </a:pPr>
+          </a:p>
+        </p:txBody>
+      </p:sp>
+      <p:sp>
+        <p:nvSpPr>
+          <p:cNvPr id="3" name="슬라이드 노트 개체 틀 4"/>
+          <p:cNvSpPr txBox="1">
+            <a:spLocks/>
+          </p:cNvSpPr>
+          <p:nvPr>
+            <p:ph type="body" idx="3"/>
+          </p:nvPr>
+        </p:nvSpPr>
+        <p:spPr>
+          <a:xfrm rot="0">
+            <a:off x="685800" y="4400550"/>
+            <a:ext cx="5490845" cy="3604895"/>
+          </a:xfrm>
+          <a:prstGeom prst="rect"/>
+        </p:spPr>
+        <p:txBody>
+          <a:bodyPr wrap="square" lIns="91440" tIns="45720" rIns="91440" bIns="45720" numCol="1" vert="horz" anchor="t">
+            <a:noAutofit/>
+          </a:bodyPr>
+          <a:lstStyle/>
+          <a:p>
+            <a:pPr marL="0" indent="0" latinLnBrk="0">
+              <a:buFontTx/>
+              <a:buNone/>
+            </a:pPr>
+          </a:p>
+        </p:txBody>
+      </p:sp>
+      <p:sp>
+        <p:nvSpPr>
+          <p:cNvPr id="4" name="슬라이드 번호 개체 틀 6"/>
+          <p:cNvSpPr txBox="1">
+            <a:spLocks/>
+          </p:cNvSpPr>
+          <p:nvPr>
+            <p:ph type="sldNum" idx="5"/>
+          </p:nvPr>
+        </p:nvSpPr>
+        <p:spPr>
+          <a:xfrm rot="0">
+            <a:off x="3884930" y="8685530"/>
+            <a:ext cx="2976245" cy="462915"/>
+          </a:xfrm>
+          <a:prstGeom prst="rect"/>
+        </p:spPr>
+        <p:txBody>
+          <a:bodyPr wrap="square" lIns="91440" tIns="45720" rIns="91440" bIns="45720" numCol="1" vert="horz" anchor="b">
+            <a:noAutofit/>
+          </a:bodyPr>
+          <a:lstStyle>
+            <a:lvl1pPr marL="0" indent="0" algn="r" latinLnBrk="0">
+              <a:buFontTx/>
+              <a:buNone/>
+              <a:defRPr lang="en-GB" altLang="en-US" sz="1200"/>
+            </a:lvl1pPr>
+          </a:lstStyle>
+          <a:p>
+            <a:pPr marL="0" indent="0" latinLnBrk="0">
+              <a:buFontTx/>
+              <a:buNone/>
+            </a:pPr>
+            <a:fld id="{B9320F77-B9A0-41C5-862A-B4B631284C64}" type="slidenum">
+              <a:rPr lang="ko-KR" altLang="en-US"/>
+              <a:t>‹#›</a:t>
+            </a:fld>
+          </a:p>
+        </p:txBody>
+      </p:sp>
+    </p:spTree>
+  </p:cSld>
+  <p:clrMapOvr>
+    <a:masterClrMapping/>
+  </p:clrMapOvr>
+  <mc:AlternateContent xmlns:mc="http://schemas.openxmlformats.org/markup-compatibility/2006">
+    <mc:Choice xmlns:p14="http://schemas.microsoft.com/office/powerpoint/2010/main" Requires="p14">
+      <p:transition spd="slow" p14:dur="0"/>
+    </mc:Choice>
+    <mc:Fallback>
+      <p:transition spd="slow"/>
+    </mc:Fallback>
+  </mc:AlternateContent>
+</p:notes>
+</file>
+
+<file path=ppt/notesSlides/notesSlide18.xml><?xml version="1.0" encoding="utf-8"?>
+<p:notes xmlns:a="http://schemas.openxmlformats.org/drawingml/2006/main" xmlns:r="http://schemas.openxmlformats.org/officeDocument/2006/relationships" xmlns:p="http://schemas.openxmlformats.org/presentationml/2006/main">
+  <p:cSld>
+    <p:spTree>
+      <p:nvGrpSpPr>
+        <p:cNvPr id="1" name=""/>
+        <p:cNvGrpSpPr/>
+        <p:nvPr/>
+      </p:nvGrpSpPr>
+      <p:grpSpPr>
+        <a:xfrm>
+          <a:off x="0" y="0"/>
+          <a:ext cx="0" cy="0"/>
+          <a:chOff x="0" y="0"/>
+          <a:chExt cx="0" cy="0"/>
+        </a:xfrm>
+      </p:grpSpPr>
+      <p:sp>
+        <p:nvSpPr>
+          <p:cNvPr id="2" name="슬라이드 이미지 개체 틀 3"/>
+          <p:cNvSpPr>
+            <a:spLocks noChangeAspect="1"/>
+          </p:cNvSpPr>
+          <p:nvPr>
+            <p:ph type="sldImg" idx="2"/>
+          </p:nvPr>
+        </p:nvSpPr>
+        <p:spPr>
+          <a:xfrm rot="0">
+            <a:off x="685800" y="1143000"/>
+            <a:ext cx="5490845" cy="3090545"/>
+          </a:xfrm>
+          <a:prstGeom prst="rect"/>
+          <a:noFill/>
+          <a:ln w="12700" cap="flat" cmpd="sng">
+            <a:solidFill>
+              <a:srgbClr val="000000">
+                <a:alpha val="100000"/>
+              </a:srgbClr>
+            </a:solidFill>
+            <a:prstDash val="solid"/>
+          </a:ln>
+        </p:spPr>
+        <p:txBody>
+          <a:bodyPr wrap="square" lIns="91440" tIns="45720" rIns="91440" bIns="45720" numCol="1" vert="horz" anchor="ctr">
+            <a:noAutofit/>
+          </a:bodyPr>
+          <a:lstStyle/>
+          <a:p>
+            <a:pPr marL="0" indent="0" latinLnBrk="0">
+              <a:buFontTx/>
+              <a:buNone/>
+            </a:pPr>
+          </a:p>
+        </p:txBody>
+      </p:sp>
+      <p:sp>
+        <p:nvSpPr>
+          <p:cNvPr id="3" name="슬라이드 노트 개체 틀 4"/>
+          <p:cNvSpPr txBox="1">
+            <a:spLocks/>
+          </p:cNvSpPr>
+          <p:nvPr>
+            <p:ph type="body" idx="3"/>
+          </p:nvPr>
+        </p:nvSpPr>
+        <p:spPr>
+          <a:xfrm rot="0">
+            <a:off x="685800" y="4400550"/>
+            <a:ext cx="5490845" cy="3604895"/>
+          </a:xfrm>
+          <a:prstGeom prst="rect"/>
+        </p:spPr>
+        <p:txBody>
+          <a:bodyPr wrap="square" lIns="91440" tIns="45720" rIns="91440" bIns="45720" numCol="1" vert="horz" anchor="t">
+            <a:noAutofit/>
+          </a:bodyPr>
+          <a:lstStyle/>
+          <a:p>
+            <a:pPr marL="0" indent="0" latinLnBrk="0">
+              <a:buFontTx/>
+              <a:buNone/>
+            </a:pPr>
+          </a:p>
+        </p:txBody>
+      </p:sp>
+      <p:sp>
+        <p:nvSpPr>
+          <p:cNvPr id="4" name="슬라이드 번호 개체 틀 6"/>
+          <p:cNvSpPr txBox="1">
+            <a:spLocks/>
+          </p:cNvSpPr>
+          <p:nvPr>
+            <p:ph type="sldNum" idx="5"/>
+          </p:nvPr>
+        </p:nvSpPr>
+        <p:spPr>
+          <a:xfrm rot="0">
+            <a:off x="3884930" y="8685530"/>
+            <a:ext cx="2976245" cy="462915"/>
           </a:xfrm>
           <a:prstGeom prst="rect"/>
         </p:spPr>
@@ -7573,8 +8002,8 @@
         </p:nvSpPr>
         <p:spPr>
           <a:xfrm rot="0">
-            <a:off x="1231265" y="4233545"/>
-            <a:ext cx="4147820" cy="2031365"/>
+            <a:off x="1221740" y="4519295"/>
+            <a:ext cx="4148455" cy="1754505"/>
           </a:xfrm>
           <a:prstGeom prst="rect"/>
           <a:noFill/>
@@ -7615,56 +8044,35 @@
                 <a:latin typeface="맑은 고딕" charset="0"/>
                 <a:ea typeface="맑은 고딕" charset="0"/>
               </a:rPr>
-              <a:t>첫 번째로</a:t>
+              <a:t>첫</a:t>
+            </a:r>
+            <a:r>
+              <a:rPr lang="ko-KR" sz="1800">
+                <a:latin typeface="맑은 고딕" charset="0"/>
+                <a:ea typeface="맑은 고딕" charset="0"/>
+              </a:rPr>
+              <a:t> </a:t>
+            </a:r>
+            <a:r>
+              <a:rPr lang="ko-KR" sz="1800">
+                <a:latin typeface="맑은 고딕" charset="0"/>
+                <a:ea typeface="맑은 고딕" charset="0"/>
+              </a:rPr>
+              <a:t>번째로</a:t>
             </a:r>
             <a:r>
               <a:rPr sz="1800">
                 <a:latin typeface="맑은 고딕" charset="0"/>
                 <a:ea typeface="맑은 고딕" charset="0"/>
               </a:rPr>
-              <a:t> </a:t>
-            </a:r>
-            <a:r>
-              <a:rPr sz="1800">
-                <a:latin typeface="맑은 고딕" charset="0"/>
-                <a:ea typeface="맑은 고딕" charset="0"/>
-              </a:rPr>
-              <a:t>3D Object에서 </a:t>
-            </a:r>
-            <a:r>
-              <a:rPr sz="1800">
-                <a:latin typeface="맑은 고딕" charset="0"/>
-                <a:ea typeface="맑은 고딕" charset="0"/>
-              </a:rPr>
-              <a:t>Capsule</a:t>
-            </a:r>
-            <a:r>
-              <a:rPr sz="1800">
-                <a:latin typeface="맑은 고딕" charset="0"/>
-                <a:ea typeface="맑은 고딕" charset="0"/>
-              </a:rPr>
-              <a:t> </a:t>
-            </a:r>
-            <a:r>
-              <a:rPr sz="1800">
-                <a:latin typeface="맑은 고딕" charset="0"/>
-                <a:ea typeface="맑은 고딕" charset="0"/>
-              </a:rPr>
-              <a:t>오브젝트를 생성</a:t>
+              <a:t> 3D Object에서 Capsule 오브젝트를 생성</a:t>
             </a:r>
             <a:r>
               <a:rPr lang="ko-KR" sz="1800">
                 <a:latin typeface="맑은 고딕" charset="0"/>
                 <a:ea typeface="맑은 고딕" charset="0"/>
               </a:rPr>
-              <a:t>하고</a:t>
-            </a:r>
-            <a:r>
-              <a:rPr lang="ko-KR" sz="1800">
-                <a:latin typeface="맑은 고딕" charset="0"/>
-                <a:ea typeface="맑은 고딕" charset="0"/>
-              </a:rPr>
-              <a:t> Character라는 이름으로 정의합니다.</a:t>
+              <a:t>하고 Character라는 이름으로 정의합니다.</a:t>
             </a:r>
             <a:endParaRPr lang="ko-KR" altLang="en-US" sz="1800">
               <a:latin typeface="맑은 고딕" charset="0"/>
@@ -7691,14 +8099,7 @@
                 <a:latin typeface="맑은 고딕" charset="0"/>
                 <a:ea typeface="맑은 고딕" charset="0"/>
               </a:rPr>
-              <a:t>그</a:t>
-            </a:r>
-            <a:r>
-              <a:rPr lang="ko-KR" sz="1800">
-                <a:latin typeface="맑은 고딕" charset="0"/>
-                <a:ea typeface="맑은 고딕" charset="0"/>
-              </a:rPr>
-              <a:t>런 다음</a:t>
+              <a:t>이제</a:t>
             </a:r>
             <a:r>
               <a:rPr lang="ko-KR" sz="1800">
@@ -7811,8 +8212,8 @@
         </p:blipFill>
         <p:spPr>
           <a:xfrm rot="0">
-            <a:off x="4390390" y="3325495"/>
-            <a:ext cx="702310" cy="773430"/>
+            <a:off x="4380865" y="3525520"/>
+            <a:ext cx="702945" cy="774065"/>
           </a:xfrm>
           <a:prstGeom prst="roundRect"/>
           <a:solidFill>
@@ -7822,7 +8223,7 @@
       </p:pic>
       <p:pic>
         <p:nvPicPr>
-          <p:cNvPr id="1187" name="그림 2" descr="C:/Users/Admin1/AppData/Roaming/PolarisOffice/ETemp/8580_20501592/fImage1826228141.png"/>
+          <p:cNvPr id="1187" name="그림 2"/>
           <p:cNvPicPr>
             <a:picLocks noChangeAspect="1"/>
           </p:cNvPicPr>
@@ -7843,7 +8244,7 @@
         <p:spPr>
           <a:xfrm rot="0">
             <a:off x="1222375" y="1446530"/>
-            <a:ext cx="2686685" cy="2642870"/>
+            <a:ext cx="2687320" cy="2849880"/>
           </a:xfrm>
           <a:prstGeom prst="roundRect"/>
           <a:solidFill>
@@ -7853,7 +8254,7 @@
       </p:pic>
       <p:pic>
         <p:nvPicPr>
-          <p:cNvPr id="1188" name="그림 3" descr="C:/Users/Admin1/AppData/Roaming/PolarisOffice/ETemp/8580_20501592/fImage44892828467.png"/>
+          <p:cNvPr id="1188" name="그림 3"/>
           <p:cNvPicPr>
             <a:picLocks noChangeAspect="1"/>
           </p:cNvPicPr>
@@ -7873,8 +8274,8 @@
         </p:blipFill>
         <p:spPr>
           <a:xfrm rot="0">
-            <a:off x="4095750" y="1446530"/>
-            <a:ext cx="1283335" cy="1410970"/>
+            <a:off x="4095750" y="1438275"/>
+            <a:ext cx="1283970" cy="1610360"/>
           </a:xfrm>
           <a:prstGeom prst="roundRect"/>
           <a:solidFill>
@@ -7892,9 +8293,9 @@
           <p:nvPr/>
         </p:nvCxnSpPr>
         <p:spPr>
-          <a:xfrm rot="0" flipH="1" flipV="1">
-            <a:off x="4737100" y="2856865"/>
-            <a:ext cx="5080" cy="469265"/>
+          <a:xfrm rot="0" flipV="1">
+            <a:off x="4732020" y="3048000"/>
+            <a:ext cx="5715" cy="478155"/>
           </a:xfrm>
           <a:prstGeom prst="straightConnector1"/>
           <a:ln w="6350" cap="flat" cmpd="sng">
@@ -7919,7 +8320,7 @@
       </p:cxnSp>
       <p:pic>
         <p:nvPicPr>
-          <p:cNvPr id="1190" name="그림 7" descr="C:/Users/Admin1/AppData/Roaming/PolarisOffice/ETemp/8580_20501592/fImage48472616500.png"/>
+          <p:cNvPr id="1190" name="그림 7"/>
           <p:cNvPicPr>
             <a:picLocks noChangeAspect="1"/>
           </p:cNvPicPr>
@@ -7950,7 +8351,7 @@
       </p:pic>
       <p:pic>
         <p:nvPicPr>
-          <p:cNvPr id="1192" name="그림 9" descr="C:/Users/Admin1/AppData/Roaming/PolarisOffice/ETemp/8580_20501592/fImage48852649169.png"/>
+          <p:cNvPr id="1192" name="그림 9"/>
           <p:cNvPicPr>
             <a:picLocks noChangeAspect="1"/>
           </p:cNvPicPr>
@@ -8102,7 +8503,7 @@
       </p:sp>
       <p:pic>
         <p:nvPicPr>
-          <p:cNvPr id="1195" name="그림 59" descr="C:/Users/Admin1/AppData/Roaming/PolarisOffice/ETemp/8580_20501592/fImage53352906962.png"/>
+          <p:cNvPr id="1195" name="그림 59"/>
           <p:cNvPicPr>
             <a:picLocks noChangeAspect="1"/>
           </p:cNvPicPr>
@@ -8122,8 +8523,8 @@
         </p:blipFill>
         <p:spPr>
           <a:xfrm rot="0">
-            <a:off x="6841490" y="4405630"/>
-            <a:ext cx="4148455" cy="1075690"/>
+            <a:off x="6841490" y="4424045"/>
+            <a:ext cx="4149090" cy="1076325"/>
           </a:xfrm>
           <a:prstGeom prst="roundRect"/>
           <a:solidFill>
@@ -8383,7 +8784,7 @@
       </p:sp>
       <p:pic>
         <p:nvPicPr>
-          <p:cNvPr id="1041" name="그림 126" descr="C:/Users/Admin1/AppData/Roaming/PolarisOffice/ETemp/8580_20501592/fImage402163385436.png"/>
+          <p:cNvPr id="1041" name="그림 126"/>
           <p:cNvPicPr>
             <a:picLocks noChangeAspect="1"/>
           </p:cNvPicPr>
@@ -8414,7 +8815,7 @@
       </p:pic>
       <p:pic>
         <p:nvPicPr>
-          <p:cNvPr id="1042" name="그림 144" descr="C:/Users/Admin1/AppData/Roaming/PolarisOffice/ETemp/8580_20501592/fImage128043672391.png"/>
+          <p:cNvPr id="1042" name="그림 144"/>
           <p:cNvPicPr>
             <a:picLocks noChangeAspect="1"/>
           </p:cNvPicPr>
@@ -8587,8 +8988,8 @@
         </p:nvSpPr>
         <p:spPr>
           <a:xfrm rot="0">
-            <a:off x="1247775" y="4759325"/>
-            <a:ext cx="4124960" cy="1477645"/>
+            <a:off x="1247775" y="4675505"/>
+            <a:ext cx="4131310" cy="1478280"/>
           </a:xfrm>
           <a:prstGeom prst="rect"/>
           <a:noFill/>
@@ -8615,7 +9016,7 @@
                 <a:latin typeface="맑은 고딕" charset="0"/>
                 <a:ea typeface="맑은 고딕" charset="0"/>
               </a:rPr>
-              <a:t>1</a:t>
+              <a:t>2</a:t>
             </a:r>
             <a:r>
               <a:rPr lang="ko-KR" sz="1800" b="1">
@@ -8625,7 +9026,7 @@
                 <a:latin typeface="맑은 고딕" charset="0"/>
                 <a:ea typeface="맑은 고딕" charset="0"/>
               </a:rPr>
-              <a:t>8</a:t>
+              <a:t>2</a:t>
             </a:r>
             <a:r>
               <a:rPr sz="1800" b="1">
@@ -8676,21 +9077,7 @@
                 <a:latin typeface="맑은 고딕" charset="0"/>
                 <a:ea typeface="맑은 고딕" charset="0"/>
               </a:rPr>
-              <a:t>그</a:t>
-            </a:r>
-            <a:r>
-              <a:rPr lang="ko-KR" sz="1800">
-                <a:latin typeface="맑은 고딕" charset="0"/>
-                <a:ea typeface="맑은 고딕" charset="0"/>
-              </a:rPr>
-              <a:t>런 다음</a:t>
-            </a:r>
-            <a:r>
-              <a:rPr lang="ko-KR" sz="1800">
-                <a:latin typeface="맑은 고딕" charset="0"/>
-                <a:ea typeface="맑은 고딕" charset="0"/>
-              </a:rPr>
-              <a:t> User 3에 Danger를 추가하고 Cost를 5로 설정합니다.</a:t>
+              <a:t>그런 다음 User 3에 Danger를 추가하고 Cost를 5로 설정합니다.</a:t>
             </a:r>
             <a:endParaRPr lang="ko-KR" altLang="en-US" sz="1800">
               <a:latin typeface="맑은 고딕" charset="0"/>
@@ -8709,8 +9096,8 @@
         </p:nvSpPr>
         <p:spPr>
           <a:xfrm rot="0">
-            <a:off x="6819900" y="4482465"/>
-            <a:ext cx="4153535" cy="1754505"/>
+            <a:off x="6819900" y="4398645"/>
+            <a:ext cx="4144010" cy="1755140"/>
           </a:xfrm>
           <a:prstGeom prst="rect"/>
           <a:noFill/>
@@ -8737,7 +9124,17 @@
                 <a:latin typeface="맑은 고딕" charset="0"/>
                 <a:ea typeface="맑은 고딕" charset="0"/>
               </a:rPr>
-              <a:t>1</a:t>
+              <a:t>2</a:t>
+            </a:r>
+            <a:r>
+              <a:rPr lang="ko-KR" sz="1800" b="1">
+                <a:solidFill>
+                  <a:srgbClr val="0611F2"/>
+                </a:solidFill>
+                <a:latin typeface="맑은 고딕" charset="0"/>
+                <a:ea typeface="맑은 고딕" charset="0"/>
+              </a:rPr>
+              <a:t>3</a:t>
             </a:r>
             <a:r>
               <a:rPr sz="1800" b="1">
@@ -8747,16 +9144,6 @@
                 <a:latin typeface="맑은 고딕" charset="0"/>
                 <a:ea typeface="맑은 고딕" charset="0"/>
               </a:rPr>
-              <a:t>9</a:t>
-            </a:r>
-            <a:r>
-              <a:rPr sz="1800" b="1">
-                <a:solidFill>
-                  <a:srgbClr val="0611F2"/>
-                </a:solidFill>
-                <a:latin typeface="맑은 고딕" charset="0"/>
-                <a:ea typeface="맑은 고딕" charset="0"/>
-              </a:rPr>
               <a:t>.</a:t>
             </a:r>
             <a:r>
@@ -8764,42 +9151,14 @@
                 <a:latin typeface="맑은 고딕" charset="0"/>
                 <a:ea typeface="맑은 고딕" charset="0"/>
               </a:rPr>
-              <a:t> </a:t>
-            </a:r>
-            <a:r>
-              <a:rPr sz="1800">
-                <a:latin typeface="맑은 고딕" charset="0"/>
-                <a:ea typeface="맑은 고딕" charset="0"/>
-              </a:rPr>
-              <a:t>그러</a:t>
+              <a:t> 그</a:t>
             </a:r>
             <a:r>
               <a:rPr lang="ko-KR" sz="1800">
                 <a:latin typeface="맑은 고딕" charset="0"/>
                 <a:ea typeface="맑은 고딕" charset="0"/>
               </a:rPr>
-              <a:t>고 나서</a:t>
-            </a:r>
-            <a:r>
-              <a:rPr lang="ko-KR" sz="1800">
-                <a:latin typeface="맑은 고딕" charset="0"/>
-                <a:ea typeface="맑은 고딕" charset="0"/>
-              </a:rPr>
-              <a:t> Second Bridge 게임 오브젝트를 선택하고</a:t>
-            </a:r>
-            <a:r>
-              <a:rPr lang="ko-KR" sz="1800">
-                <a:latin typeface="맑은 고딕" charset="0"/>
-                <a:ea typeface="맑은 고딕" charset="0"/>
-              </a:rPr>
-              <a:t> </a:t>
-            </a:r>
-            <a:r>
-              <a:rPr lang="ko-KR" sz="1800">
-                <a:latin typeface="맑은 고딕" charset="0"/>
-                <a:ea typeface="맑은 고딕" charset="0"/>
-              </a:rPr>
-              <a:t>Navigation에서 Object를 선택합니다.</a:t>
+              <a:t>러고 나서 Right Bridge 오브젝트를 선택한 다음 Navigation에 있는 Object를 선택합니다.</a:t>
             </a:r>
             <a:endParaRPr lang="ko-KR" altLang="en-US" sz="1800">
               <a:latin typeface="맑은 고딕" charset="0"/>
@@ -8826,14 +9185,7 @@
                 <a:latin typeface="맑은 고딕" charset="0"/>
                 <a:ea typeface="맑은 고딕" charset="0"/>
               </a:rPr>
-              <a:t>이제</a:t>
-            </a:r>
-            <a:r>
-              <a:rPr lang="ko-KR" sz="1800">
-                <a:latin typeface="맑은 고딕" charset="0"/>
-                <a:ea typeface="맑은 고딕" charset="0"/>
-              </a:rPr>
-              <a:t> Navigation Area를 Danger로 변경하고 다시 Bake를 합니다.</a:t>
+              <a:t>이제 Navigation Area를 Danger로 설정합니다.</a:t>
             </a:r>
             <a:endParaRPr lang="ko-KR" altLang="en-US" sz="1800">
               <a:latin typeface="맑은 고딕" charset="0"/>
@@ -8842,35 +9194,6 @@
           </a:p>
         </p:txBody>
       </p:sp>
-      <p:pic>
-        <p:nvPicPr>
-          <p:cNvPr id="1202" name="그림 130"/>
-          <p:cNvPicPr>
-            <a:picLocks noChangeAspect="1"/>
-          </p:cNvPicPr>
-          <p:nvPr/>
-        </p:nvPicPr>
-        <p:blipFill rotWithShape="1">
-          <a:blip r:embed="rId2" cstate="hqprint">
-            <a:extLst>
-              <a:ext uri="{28A0092B-C50C-407E-A947-70E740481C1C}">
-                <a14:useLocalDpi xmlns:a14="http://schemas.microsoft.com/office/drawing/2010/main"/>
-              </a:ext>
-            </a:extLst>
-          </a:blip>
-          <a:stretch>
-            <a:fillRect/>
-          </a:stretch>
-        </p:blipFill>
-        <p:spPr>
-          <a:xfrm rot="0">
-            <a:off x="1238250" y="1344295"/>
-            <a:ext cx="4144010" cy="3256915"/>
-          </a:xfrm>
-          <a:prstGeom prst="rect"/>
-          <a:noFill/>
-        </p:spPr>
-      </p:pic>
       <p:pic>
         <p:nvPicPr>
           <p:cNvPr id="1205" name="그림 135"/>
@@ -8893,13 +9216,42 @@
         </p:blipFill>
         <p:spPr>
           <a:xfrm rot="0">
-            <a:off x="6829425" y="1333500"/>
-            <a:ext cx="4134485" cy="3010535"/>
+            <a:off x="6824980" y="1457325"/>
+            <a:ext cx="4140200" cy="2766060"/>
           </a:xfrm>
           <a:prstGeom prst="roundRect"/>
           <a:solidFill>
             <a:srgbClr val="EDEDED"/>
           </a:solidFill>
+        </p:spPr>
+      </p:pic>
+      <p:pic>
+        <p:nvPicPr>
+          <p:cNvPr id="1206" name="그림 38"/>
+          <p:cNvPicPr>
+            <a:picLocks noChangeAspect="1"/>
+          </p:cNvPicPr>
+          <p:nvPr/>
+        </p:nvPicPr>
+        <p:blipFill rotWithShape="1">
+          <a:blip r:embed="rId7" cstate="hqprint">
+            <a:extLst>
+              <a:ext uri="{28A0092B-C50C-407E-A947-70E740481C1C}">
+                <a14:useLocalDpi xmlns:a14="http://schemas.microsoft.com/office/drawing/2010/main"/>
+              </a:ext>
+            </a:extLst>
+          </a:blip>
+          <a:stretch>
+            <a:fillRect/>
+          </a:stretch>
+        </p:blipFill>
+        <p:spPr>
+          <a:xfrm rot="0">
+            <a:off x="1247775" y="1446530"/>
+            <a:ext cx="4131310" cy="3068320"/>
+          </a:xfrm>
+          <a:prstGeom prst="rect"/>
+          <a:noFill/>
         </p:spPr>
       </p:pic>
     </p:spTree>
@@ -9004,7 +9356,7 @@
       </p:sp>
       <p:sp>
         <p:nvSpPr>
-          <p:cNvPr id="1192" name="Rect 0"/>
+          <p:cNvPr id="1215" name="텍스트 상자 53"/>
           <p:cNvSpPr txBox="1">
             <a:spLocks/>
           </p:cNvSpPr>
@@ -9012,8 +9364,8 @@
         </p:nvSpPr>
         <p:spPr>
           <a:xfrm rot="0">
-            <a:off x="1238250" y="5229860"/>
-            <a:ext cx="4124960" cy="923925"/>
+            <a:off x="1247775" y="3088640"/>
+            <a:ext cx="4133850" cy="647700"/>
           </a:xfrm>
           <a:prstGeom prst="rect"/>
           <a:noFill/>
@@ -9033,6 +9385,16 @@
               <a:buNone/>
             </a:pPr>
             <a:r>
+              <a:rPr lang="ko-KR" sz="1800" b="1">
+                <a:solidFill>
+                  <a:srgbClr val="0611F2"/>
+                </a:solidFill>
+                <a:latin typeface="맑은 고딕" charset="0"/>
+                <a:ea typeface="맑은 고딕" charset="0"/>
+              </a:rPr>
+              <a:t>24</a:t>
+            </a:r>
+            <a:r>
               <a:rPr sz="1800" b="1">
                 <a:solidFill>
                   <a:srgbClr val="0611F2"/>
@@ -9040,38 +9402,14 @@
                 <a:latin typeface="맑은 고딕" charset="0"/>
                 <a:ea typeface="맑은 고딕" charset="0"/>
               </a:rPr>
-              <a:t>20</a:t>
-            </a:r>
-            <a:r>
-              <a:rPr sz="1800" b="1">
-                <a:solidFill>
-                  <a:srgbClr val="0611F2"/>
-                </a:solidFill>
-                <a:latin typeface="맑은 고딕" charset="0"/>
-                <a:ea typeface="맑은 고딕" charset="0"/>
-              </a:rPr>
               <a:t>.</a:t>
             </a:r>
             <a:r>
-              <a:rPr sz="1800">
-                <a:latin typeface="맑은 고딕" charset="0"/>
-                <a:ea typeface="맑은 고딕" charset="0"/>
-              </a:rPr>
-              <a:t> </a:t>
-            </a:r>
-            <a:r>
               <a:rPr lang="ko-KR" sz="1800">
                 <a:latin typeface="맑은 고딕" charset="0"/>
                 <a:ea typeface="맑은 고딕" charset="0"/>
               </a:rPr>
-              <a:t>그다음</a:t>
-            </a:r>
-            <a:r>
-              <a:rPr lang="ko-KR" sz="1800">
-                <a:latin typeface="맑은 고딕" charset="0"/>
-                <a:ea typeface="맑은 고딕" charset="0"/>
-              </a:rPr>
-              <a:t> 3D Object로 Cube를 생성한 다음 Pillar로 이름을 정의합니다.</a:t>
+              <a:t> 그런 다음 Character 오브젝트의 위치 값을 설정합니다.</a:t>
             </a:r>
             <a:endParaRPr lang="ko-KR" altLang="en-US" sz="1800">
               <a:latin typeface="맑은 고딕" charset="0"/>
@@ -9080,87 +9418,16 @@
           </a:p>
         </p:txBody>
       </p:sp>
-      <p:sp>
-        <p:nvSpPr>
-          <p:cNvPr id="1200" name="Rect 0"/>
-          <p:cNvSpPr txBox="1">
-            <a:spLocks/>
-          </p:cNvSpPr>
-          <p:nvPr/>
-        </p:nvSpPr>
-        <p:spPr>
-          <a:xfrm rot="0">
-            <a:off x="6829425" y="5225415"/>
-            <a:ext cx="4124960" cy="923925"/>
-          </a:xfrm>
-          <a:prstGeom prst="rect"/>
-          <a:noFill/>
-          <a:ln w="0">
-            <a:noFill/>
-            <a:prstDash/>
-          </a:ln>
-        </p:spPr>
-        <p:txBody>
-          <a:bodyPr wrap="square" lIns="89535" tIns="46355" rIns="89535" bIns="46355" numCol="1" vert="horz" anchor="t">
-            <a:spAutoFit/>
-          </a:bodyPr>
-          <a:lstStyle/>
-          <a:p>
-            <a:pPr marL="0" indent="0" rtl="0" algn="l" defTabSz="914400" eaLnBrk="1" latinLnBrk="0" hangingPunct="1">
-              <a:buFontTx/>
-              <a:buNone/>
-            </a:pPr>
-            <a:r>
-              <a:rPr sz="1800" b="1">
-                <a:solidFill>
-                  <a:srgbClr val="0611F2"/>
-                </a:solidFill>
-                <a:latin typeface="맑은 고딕" charset="0"/>
-                <a:ea typeface="맑은 고딕" charset="0"/>
-              </a:rPr>
-              <a:t>21</a:t>
-            </a:r>
-            <a:r>
-              <a:rPr sz="1800" b="1">
-                <a:solidFill>
-                  <a:srgbClr val="0611F2"/>
-                </a:solidFill>
-                <a:latin typeface="맑은 고딕" charset="0"/>
-                <a:ea typeface="맑은 고딕" charset="0"/>
-              </a:rPr>
-              <a:t>.</a:t>
-            </a:r>
-            <a:r>
-              <a:rPr sz="1800">
-                <a:latin typeface="맑은 고딕" charset="0"/>
-                <a:ea typeface="맑은 고딕" charset="0"/>
-              </a:rPr>
-              <a:t> </a:t>
-            </a:r>
-            <a:r>
-              <a:rPr lang="ko-KR" sz="1800">
-                <a:latin typeface="맑은 고딕" charset="0"/>
-                <a:ea typeface="맑은 고딕" charset="0"/>
-              </a:rPr>
-              <a:t>그리고 빈 게임 오브젝트를 생성하고 각각의 이름을 Start와 End로 정의합니다.</a:t>
-            </a:r>
-            <a:endParaRPr lang="ko-KR" altLang="en-US" sz="1800">
-              <a:latin typeface="맑은 고딕" charset="0"/>
-              <a:ea typeface="맑은 고딕" charset="0"/>
-            </a:endParaRPr>
-          </a:p>
-        </p:txBody>
-      </p:sp>
       <p:pic>
         <p:nvPicPr>
-          <p:cNvPr id="1207" name="그림 150" descr="C:/Users/Admin1/AppData/Roaming/PolarisOffice/ETemp/8136_15119280/fImage161053832382.png"/>
+          <p:cNvPr id="1216" name="그림 54"/>
           <p:cNvPicPr>
             <a:picLocks noChangeAspect="1"/>
           </p:cNvPicPr>
           <p:nvPr/>
         </p:nvPicPr>
         <p:blipFill rotWithShape="1">
-          <a:blip r:embed="rId2" cstate="hqprint">
+          <a:blip r:embed="rId10" cstate="hqprint">
             <a:extLst>
               <a:ext uri="{28A0092B-C50C-407E-A947-70E740481C1C}">
                 <a14:useLocalDpi xmlns:a14="http://schemas.microsoft.com/office/drawing/2010/main"/>
@@ -9173,8 +9440,8 @@
         </p:blipFill>
         <p:spPr>
           <a:xfrm rot="0">
-            <a:off x="1238250" y="1447165"/>
-            <a:ext cx="2581910" cy="3525520"/>
+            <a:off x="1238250" y="1454785"/>
+            <a:ext cx="4144645" cy="1513840"/>
           </a:xfrm>
           <a:prstGeom prst="roundRect"/>
           <a:solidFill>
@@ -9182,16 +9449,210 @@
           </a:solidFill>
         </p:spPr>
       </p:pic>
+      <p:sp>
+        <p:nvSpPr>
+          <p:cNvPr id="1219" name="텍스트 상자 66"/>
+          <p:cNvSpPr txBox="1">
+            <a:spLocks/>
+          </p:cNvSpPr>
+          <p:nvPr/>
+        </p:nvSpPr>
+        <p:spPr>
+          <a:xfrm rot="0">
+            <a:off x="1247140" y="5442585"/>
+            <a:ext cx="4131945" cy="647065"/>
+          </a:xfrm>
+          <a:prstGeom prst="rect"/>
+          <a:noFill/>
+          <a:ln w="0">
+            <a:noFill/>
+            <a:prstDash/>
+          </a:ln>
+        </p:spPr>
+        <p:txBody>
+          <a:bodyPr wrap="square" lIns="89535" tIns="46355" rIns="89535" bIns="46355" numCol="1" vert="horz" anchor="t">
+            <a:spAutoFit/>
+          </a:bodyPr>
+          <a:lstStyle/>
+          <a:p>
+            <a:pPr marL="0" indent="0" rtl="0" algn="l" defTabSz="914400" eaLnBrk="1" latinLnBrk="0" hangingPunct="1">
+              <a:buFontTx/>
+              <a:buNone/>
+            </a:pPr>
+            <a:r>
+              <a:rPr lang="ko-KR" sz="1800" b="1">
+                <a:solidFill>
+                  <a:srgbClr val="0611F2"/>
+                </a:solidFill>
+                <a:latin typeface="맑은 고딕" charset="0"/>
+                <a:ea typeface="맑은 고딕" charset="0"/>
+              </a:rPr>
+              <a:t>25</a:t>
+            </a:r>
+            <a:r>
+              <a:rPr sz="1800" b="1">
+                <a:solidFill>
+                  <a:srgbClr val="0611F2"/>
+                </a:solidFill>
+                <a:latin typeface="맑은 고딕" charset="0"/>
+                <a:ea typeface="맑은 고딕" charset="0"/>
+              </a:rPr>
+              <a:t>.</a:t>
+            </a:r>
+            <a:r>
+              <a:rPr lang="ko-KR" sz="1800">
+                <a:latin typeface="맑은 고딕" charset="0"/>
+                <a:ea typeface="맑은 고딕" charset="0"/>
+              </a:rPr>
+              <a:t> 그</a:t>
+            </a:r>
+            <a:r>
+              <a:rPr lang="ko-KR" sz="1800">
+                <a:latin typeface="맑은 고딕" charset="0"/>
+                <a:ea typeface="맑은 고딕" charset="0"/>
+              </a:rPr>
+              <a:t>다음</a:t>
+            </a:r>
+            <a:r>
+              <a:rPr lang="ko-KR" sz="1800">
+                <a:latin typeface="맑은 고딕" charset="0"/>
+                <a:ea typeface="맑은 고딕" charset="0"/>
+              </a:rPr>
+              <a:t> </a:t>
+            </a:r>
+            <a:r>
+              <a:rPr lang="ko-KR" sz="1800">
+                <a:latin typeface="맑은 고딕" charset="0"/>
+                <a:ea typeface="맑은 고딕" charset="0"/>
+              </a:rPr>
+              <a:t>Front Rampart 오브젝트에 Off Mesh Link 컴포넌트를 추가합니다.</a:t>
+            </a:r>
+            <a:r>
+              <a:rPr lang="ko-KR" sz="1800">
+                <a:latin typeface="맑은 고딕" charset="0"/>
+                <a:ea typeface="맑은 고딕" charset="0"/>
+              </a:rPr>
+              <a:t> </a:t>
+            </a:r>
+            <a:endParaRPr lang="ko-KR" altLang="en-US" sz="1800">
+              <a:latin typeface="맑은 고딕" charset="0"/>
+              <a:ea typeface="맑은 고딕" charset="0"/>
+            </a:endParaRPr>
+          </a:p>
+        </p:txBody>
+      </p:sp>
+      <p:sp>
+        <p:nvSpPr>
+          <p:cNvPr id="1223" name="텍스트 상자 76"/>
+          <p:cNvSpPr txBox="1">
+            <a:spLocks/>
+          </p:cNvSpPr>
+          <p:nvPr/>
+        </p:nvSpPr>
+        <p:spPr>
+          <a:xfrm rot="0">
+            <a:off x="6797675" y="5163820"/>
+            <a:ext cx="4150995" cy="923925"/>
+          </a:xfrm>
+          <a:prstGeom prst="rect"/>
+          <a:noFill/>
+          <a:ln w="0">
+            <a:noFill/>
+            <a:prstDash/>
+          </a:ln>
+        </p:spPr>
+        <p:txBody>
+          <a:bodyPr wrap="square" lIns="89535" tIns="46355" rIns="89535" bIns="46355" numCol="1" vert="horz" anchor="t">
+            <a:spAutoFit/>
+          </a:bodyPr>
+          <a:lstStyle/>
+          <a:p>
+            <a:pPr marL="0" indent="0" rtl="0" algn="l" defTabSz="914400" eaLnBrk="1" latinLnBrk="0" hangingPunct="1">
+              <a:buFontTx/>
+              <a:buNone/>
+            </a:pPr>
+            <a:r>
+              <a:rPr sz="1800" b="1">
+                <a:solidFill>
+                  <a:srgbClr val="0611F2"/>
+                </a:solidFill>
+                <a:latin typeface="맑은 고딕" charset="0"/>
+                <a:ea typeface="맑은 고딕" charset="0"/>
+              </a:rPr>
+              <a:t>2</a:t>
+            </a:r>
+            <a:r>
+              <a:rPr lang="ko-KR" sz="1800" b="1">
+                <a:solidFill>
+                  <a:srgbClr val="0611F2"/>
+                </a:solidFill>
+                <a:latin typeface="맑은 고딕" charset="0"/>
+                <a:ea typeface="맑은 고딕" charset="0"/>
+              </a:rPr>
+              <a:t>6</a:t>
+            </a:r>
+            <a:r>
+              <a:rPr sz="1800" b="1">
+                <a:solidFill>
+                  <a:srgbClr val="0611F2"/>
+                </a:solidFill>
+                <a:latin typeface="맑은 고딕" charset="0"/>
+                <a:ea typeface="맑은 고딕" charset="0"/>
+              </a:rPr>
+              <a:t>.</a:t>
+            </a:r>
+            <a:r>
+              <a:rPr sz="1800">
+                <a:latin typeface="맑은 고딕" charset="0"/>
+                <a:ea typeface="맑은 고딕" charset="0"/>
+              </a:rPr>
+              <a:t> </a:t>
+            </a:r>
+            <a:r>
+              <a:rPr lang="ko-KR" sz="1800">
+                <a:latin typeface="맑은 고딕" charset="0"/>
+                <a:ea typeface="맑은 고딕" charset="0"/>
+              </a:rPr>
+              <a:t>그</a:t>
+            </a:r>
+            <a:r>
+              <a:rPr lang="ko-KR" sz="1800">
+                <a:latin typeface="맑은 고딕" charset="0"/>
+                <a:ea typeface="맑은 고딕" charset="0"/>
+              </a:rPr>
+              <a:t>러고 나서</a:t>
+            </a:r>
+            <a:r>
+              <a:rPr lang="ko-KR" sz="1800">
+                <a:latin typeface="맑은 고딕" charset="0"/>
+                <a:ea typeface="맑은 고딕" charset="0"/>
+              </a:rPr>
+              <a:t> </a:t>
+            </a:r>
+            <a:r>
+              <a:rPr lang="ko-KR" sz="1800">
+                <a:latin typeface="맑은 고딕" charset="0"/>
+                <a:ea typeface="맑은 고딕" charset="0"/>
+              </a:rPr>
+              <a:t>빈 게임 오브젝트를 생성한 다음 Start Point 라는 이름으로 정의합니다.</a:t>
+            </a:r>
+            <a:endParaRPr lang="ko-KR" altLang="en-US" sz="1800">
+              <a:latin typeface="맑은 고딕" charset="0"/>
+              <a:ea typeface="맑은 고딕" charset="0"/>
+            </a:endParaRPr>
+          </a:p>
+        </p:txBody>
+      </p:sp>
       <p:pic>
         <p:nvPicPr>
-          <p:cNvPr id="1210" name="그림 158" descr="C:/Users/Admin1/AppData/Roaming/PolarisOffice/ETemp/8136_15119280/fImage85063979718.png"/>
+          <p:cNvPr id="1224" name="그림 77"/>
           <p:cNvPicPr>
             <a:picLocks noChangeAspect="1"/>
           </p:cNvPicPr>
           <p:nvPr/>
         </p:nvPicPr>
         <p:blipFill rotWithShape="1">
-          <a:blip r:embed="rId5" cstate="hqprint">
+          <a:blip r:embed="rId15" cstate="hqprint">
             <a:extLst>
               <a:ext uri="{28A0092B-C50C-407E-A947-70E740481C1C}">
                 <a14:useLocalDpi xmlns:a14="http://schemas.microsoft.com/office/drawing/2010/main"/>
@@ -9204,8 +9665,8 @@
         </p:blipFill>
         <p:spPr>
           <a:xfrm rot="0">
-            <a:off x="6819900" y="1447800"/>
-            <a:ext cx="2534285" cy="3534410"/>
+            <a:off x="1230630" y="3881755"/>
+            <a:ext cx="4148455" cy="1430655"/>
           </a:xfrm>
           <a:prstGeom prst="roundRect"/>
           <a:solidFill>
@@ -9215,14 +9676,45 @@
       </p:pic>
       <p:pic>
         <p:nvPicPr>
-          <p:cNvPr id="1212" name="그림 73" descr="C:/Users/Admin1/AppData/Roaming/PolarisOffice/ETemp/8136_15119280/fImage72483411942.png"/>
+          <p:cNvPr id="1225" name="그림 10"/>
           <p:cNvPicPr>
             <a:picLocks noChangeAspect="1"/>
           </p:cNvPicPr>
           <p:nvPr/>
         </p:nvPicPr>
         <p:blipFill rotWithShape="1">
-          <a:blip r:embed="rId8" cstate="print">
+          <a:blip r:embed="rId16" cstate="hqprint">
+            <a:extLst>
+              <a:ext uri="{28A0092B-C50C-407E-A947-70E740481C1C}">
+                <a14:useLocalDpi xmlns:a14="http://schemas.microsoft.com/office/drawing/2010/main"/>
+              </a:ext>
+            </a:extLst>
+          </a:blip>
+          <a:stretch>
+            <a:fillRect/>
+          </a:stretch>
+        </p:blipFill>
+        <p:spPr>
+          <a:xfrm rot="0">
+            <a:off x="6808470" y="1446530"/>
+            <a:ext cx="2546985" cy="3533775"/>
+          </a:xfrm>
+          <a:prstGeom prst="roundRect"/>
+          <a:solidFill>
+            <a:srgbClr val="EDEDED"/>
+          </a:solidFill>
+        </p:spPr>
+      </p:pic>
+      <p:pic>
+        <p:nvPicPr>
+          <p:cNvPr id="1226" name="그림 15"/>
+          <p:cNvPicPr>
+            <a:picLocks noChangeAspect="1"/>
+          </p:cNvPicPr>
+          <p:nvPr/>
+        </p:nvPicPr>
+        <p:blipFill rotWithShape="1">
+          <a:blip r:embed="rId17" cstate="print">
             <a:extLst>
               <a:ext uri="{28A0092B-C50C-407E-A947-70E740481C1C}">
                 <a14:useLocalDpi xmlns:a14="http://schemas.microsoft.com/office/drawing/2010/main" val="0"/>
@@ -9235,39 +9727,8 @@
         </p:blipFill>
         <p:spPr>
           <a:xfrm rot="0">
-            <a:off x="4004945" y="2095500"/>
-            <a:ext cx="1367790" cy="2219960"/>
-          </a:xfrm>
-          <a:prstGeom prst="roundRect"/>
-          <a:solidFill>
-            <a:srgbClr val="EDEDED"/>
-          </a:solidFill>
-        </p:spPr>
-      </p:pic>
-      <p:pic>
-        <p:nvPicPr>
-          <p:cNvPr id="1213" name="그림 81" descr="C:/Users/Admin1/AppData/Roaming/PolarisOffice/ETemp/8136_15119280/fImage78273434827.png"/>
-          <p:cNvPicPr>
-            <a:picLocks noChangeAspect="1"/>
-          </p:cNvPicPr>
-          <p:nvPr/>
-        </p:nvPicPr>
-        <p:blipFill rotWithShape="1">
-          <a:blip r:embed="rId9" cstate="print">
-            <a:extLst>
-              <a:ext uri="{28A0092B-C50C-407E-A947-70E740481C1C}">
-                <a14:useLocalDpi xmlns:a14="http://schemas.microsoft.com/office/drawing/2010/main" val="0"/>
-              </a:ext>
-            </a:extLst>
-          </a:blip>
-          <a:stretch>
-            <a:fillRect/>
-          </a:stretch>
-        </p:blipFill>
-        <p:spPr>
-          <a:xfrm rot="0">
-            <a:off x="9525000" y="2185670"/>
-            <a:ext cx="1429385" cy="2044065"/>
+            <a:off x="9526905" y="2094865"/>
+            <a:ext cx="1426210" cy="2236470"/>
           </a:xfrm>
           <a:prstGeom prst="roundRect"/>
           <a:solidFill>
@@ -9299,7 +9760,7 @@
 </file>
 
 <file path=ppt/slides/slide13.xml><?xml version="1.0" encoding="utf-8"?>
-<p:sld xmlns:a="http://schemas.openxmlformats.org/drawingml/2006/main" xmlns:r="http://schemas.openxmlformats.org/officeDocument/2006/relationships" xmlns:p="http://schemas.openxmlformats.org/presentationml/2006/main">
+<p:sld xmlns:a="http://schemas.openxmlformats.org/drawingml/2006/main" xmlns:r="http://schemas.openxmlformats.org/officeDocument/2006/relationships" xmlns:p="http://schemas.openxmlformats.org/presentationml/2006/main" xmlns:p14="http://schemas.microsoft.com/office/powerpoint/2010/main">
   <p:cSld>
     <p:spTree>
       <p:nvGrpSpPr>
@@ -9326,7 +9787,7 @@
         <p:spPr>
           <a:xfrm rot="0">
             <a:off x="4509770" y="354965"/>
-            <a:ext cx="3180080" cy="478155"/>
+            <a:ext cx="3180715" cy="478155"/>
           </a:xfrm>
           <a:prstGeom prst="rect"/>
           <a:noFill/>
@@ -9377,7 +9838,7 @@
       </p:sp>
       <p:sp>
         <p:nvSpPr>
-          <p:cNvPr id="1192" name="Rect 0"/>
+          <p:cNvPr id="1200" name="Rect 0"/>
           <p:cNvSpPr txBox="1">
             <a:spLocks/>
           </p:cNvSpPr>
@@ -9385,8 +9846,8 @@
         </p:nvSpPr>
         <p:spPr>
           <a:xfrm rot="0">
-            <a:off x="1228725" y="2991485"/>
-            <a:ext cx="4144010" cy="647065"/>
+            <a:off x="1226820" y="5200650"/>
+            <a:ext cx="4135755" cy="923925"/>
           </a:xfrm>
           <a:prstGeom prst="rect"/>
           <a:noFill/>
@@ -9413,17 +9874,7 @@
                 <a:latin typeface="맑은 고딕" charset="0"/>
                 <a:ea typeface="맑은 고딕" charset="0"/>
               </a:rPr>
-              <a:t>2</a:t>
-            </a:r>
-            <a:r>
-              <a:rPr lang="ko-KR" sz="1800" b="1">
-                <a:solidFill>
-                  <a:srgbClr val="0611F2"/>
-                </a:solidFill>
-                <a:latin typeface="맑은 고딕" charset="0"/>
-                <a:ea typeface="맑은 고딕" charset="0"/>
-              </a:rPr>
-              <a:t>2</a:t>
+              <a:t>27</a:t>
             </a:r>
             <a:r>
               <a:rPr sz="1800" b="1">
@@ -9447,35 +9898,21 @@
                 <a:latin typeface="맑은 고딕" charset="0"/>
                 <a:ea typeface="맑은 고딕" charset="0"/>
               </a:rPr>
-              <a:t>그런 다음 </a:t>
+              <a:t>그리고 빈 게임 오브젝트를 생성</a:t>
             </a:r>
             <a:r>
               <a:rPr lang="ko-KR" sz="1800">
                 <a:latin typeface="맑은 고딕" charset="0"/>
                 <a:ea typeface="맑은 고딕" charset="0"/>
               </a:rPr>
-              <a:t>Piller 오브젝트에 </a:t>
+              <a:t>한 다음 End Point 라는 이름으</a:t>
             </a:r>
             <a:r>
               <a:rPr lang="ko-KR" sz="1800">
                 <a:latin typeface="맑은 고딕" charset="0"/>
                 <a:ea typeface="맑은 고딕" charset="0"/>
               </a:rPr>
-              <a:t>Off Mesh Link 컴포넌트</a:t>
-            </a:r>
-            <a:r>
-              <a:rPr lang="ko-KR" sz="1800">
-                <a:latin typeface="맑은 고딕" charset="0"/>
-                <a:ea typeface="맑은 고딕" charset="0"/>
-              </a:rPr>
-              <a:t>를</a:t>
-            </a:r>
-            <a:r>
-              <a:rPr lang="ko-KR" sz="1800">
-                <a:latin typeface="맑은 고딕" charset="0"/>
-                <a:ea typeface="맑은 고딕" charset="0"/>
-              </a:rPr>
-              <a:t> 추가합니다.</a:t>
+              <a:t>로 정의합니다.</a:t>
             </a:r>
             <a:endParaRPr lang="ko-KR" altLang="en-US" sz="1800">
               <a:latin typeface="맑은 고딕" charset="0"/>
@@ -9484,125 +9921,9 @@
           </a:p>
         </p:txBody>
       </p:sp>
-      <p:sp>
-        <p:nvSpPr>
-          <p:cNvPr id="1200" name="Rect 0"/>
-          <p:cNvSpPr txBox="1">
-            <a:spLocks/>
-          </p:cNvSpPr>
-          <p:nvPr/>
-        </p:nvSpPr>
-        <p:spPr>
-          <a:xfrm rot="0">
-            <a:off x="6838950" y="5511165"/>
-            <a:ext cx="4144010" cy="647065"/>
-          </a:xfrm>
-          <a:prstGeom prst="rect"/>
-          <a:noFill/>
-          <a:ln w="0">
-            <a:noFill/>
-            <a:prstDash/>
-          </a:ln>
-        </p:spPr>
-        <p:txBody>
-          <a:bodyPr wrap="square" lIns="89535" tIns="46355" rIns="89535" bIns="46355" numCol="1" vert="horz" anchor="t">
-            <a:spAutoFit/>
-          </a:bodyPr>
-          <a:lstStyle/>
-          <a:p>
-            <a:pPr marL="0" indent="0" rtl="0" algn="l" defTabSz="914400" eaLnBrk="1" latinLnBrk="0" hangingPunct="1">
-              <a:buFontTx/>
-              <a:buNone/>
-            </a:pPr>
-            <a:r>
-              <a:rPr sz="1800" b="1">
-                <a:solidFill>
-                  <a:srgbClr val="0611F2"/>
-                </a:solidFill>
-                <a:latin typeface="맑은 고딕" charset="0"/>
-                <a:ea typeface="맑은 고딕" charset="0"/>
-              </a:rPr>
-              <a:t>2</a:t>
-            </a:r>
-            <a:r>
-              <a:rPr lang="ko-KR" sz="1800" b="1">
-                <a:solidFill>
-                  <a:srgbClr val="0611F2"/>
-                </a:solidFill>
-                <a:latin typeface="맑은 고딕" charset="0"/>
-                <a:ea typeface="맑은 고딕" charset="0"/>
-              </a:rPr>
-              <a:t>3</a:t>
-            </a:r>
-            <a:r>
-              <a:rPr sz="1800" b="1">
-                <a:solidFill>
-                  <a:srgbClr val="0611F2"/>
-                </a:solidFill>
-                <a:latin typeface="맑은 고딕" charset="0"/>
-                <a:ea typeface="맑은 고딕" charset="0"/>
-              </a:rPr>
-              <a:t>.</a:t>
-            </a:r>
-            <a:r>
-              <a:rPr sz="1800">
-                <a:latin typeface="맑은 고딕" charset="0"/>
-                <a:ea typeface="맑은 고딕" charset="0"/>
-              </a:rPr>
-              <a:t> </a:t>
-            </a:r>
-            <a:r>
-              <a:rPr lang="ko-KR" sz="1800">
-                <a:latin typeface="맑은 고딕" charset="0"/>
-                <a:ea typeface="맑은 고딕" charset="0"/>
-              </a:rPr>
-              <a:t>이제</a:t>
-            </a:r>
-            <a:r>
-              <a:rPr lang="ko-KR" sz="1800">
-                <a:latin typeface="맑은 고딕" charset="0"/>
-                <a:ea typeface="맑은 고딕" charset="0"/>
-              </a:rPr>
-              <a:t> </a:t>
-            </a:r>
-            <a:r>
-              <a:rPr lang="ko-KR" sz="1800">
-                <a:latin typeface="맑은 고딕" charset="0"/>
-                <a:ea typeface="맑은 고딕" charset="0"/>
-              </a:rPr>
-              <a:t>Piller 오브젝트를</a:t>
-            </a:r>
-            <a:r>
-              <a:rPr lang="ko-KR" sz="1800">
-                <a:latin typeface="맑은 고딕" charset="0"/>
-                <a:ea typeface="맑은 고딕" charset="0"/>
-              </a:rPr>
-              <a:t> 선택하고 Navigation Static을 </a:t>
-            </a:r>
-            <a:r>
-              <a:rPr lang="ko-KR" sz="1800">
-                <a:latin typeface="맑은 고딕" charset="0"/>
-                <a:ea typeface="맑은 고딕" charset="0"/>
-              </a:rPr>
-              <a:t>설정</a:t>
-            </a:r>
-            <a:r>
-              <a:rPr lang="ko-KR" sz="1800">
-                <a:latin typeface="맑은 고딕" charset="0"/>
-                <a:ea typeface="맑은 고딕" charset="0"/>
-              </a:rPr>
-              <a:t>합니다.</a:t>
-            </a:r>
-            <a:endParaRPr lang="ko-KR" altLang="en-US" sz="1800">
-              <a:latin typeface="맑은 고딕" charset="0"/>
-              <a:ea typeface="맑은 고딕" charset="0"/>
-            </a:endParaRPr>
-          </a:p>
-        </p:txBody>
-      </p:sp>
       <p:pic>
         <p:nvPicPr>
-          <p:cNvPr id="1209" name="Picture " descr="C:/Users/Admin1/AppData/Roaming/PolarisOffice/ETemp/8136_15119280/fImage49193858716.png"/>
+          <p:cNvPr id="1210" name="Picture "/>
           <p:cNvPicPr>
             <a:picLocks noChangeAspect="1"/>
           </p:cNvPicPr>
@@ -9622,8 +9943,8 @@
         </p:blipFill>
         <p:spPr>
           <a:xfrm rot="0">
-            <a:off x="1228725" y="1469390"/>
-            <a:ext cx="4144010" cy="1350645"/>
+            <a:off x="1230630" y="1454785"/>
+            <a:ext cx="2544445" cy="3566795"/>
           </a:xfrm>
           <a:prstGeom prst="roundRect"/>
           <a:solidFill>
@@ -9633,164 +9954,7 @@
       </p:pic>
       <p:pic>
         <p:nvPicPr>
-          <p:cNvPr id="1210" name="그림 84" descr="C:/Users/Admin1/AppData/Roaming/PolarisOffice/ETemp/8136_15119280/fImage115113445436.png"/>
-          <p:cNvPicPr>
-            <a:picLocks noChangeAspect="1"/>
-          </p:cNvPicPr>
-          <p:nvPr/>
-        </p:nvPicPr>
-        <p:blipFill rotWithShape="1">
-          <a:blip r:embed="rId3" cstate="print">
-            <a:extLst>
-              <a:ext uri="{28A0092B-C50C-407E-A947-70E740481C1C}">
-                <a14:useLocalDpi xmlns:a14="http://schemas.microsoft.com/office/drawing/2010/main" val="0"/>
-              </a:ext>
-            </a:extLst>
-          </a:blip>
-          <a:stretch>
-            <a:fillRect/>
-          </a:stretch>
-        </p:blipFill>
-        <p:spPr>
-          <a:xfrm rot="0">
-            <a:off x="1228725" y="3804920"/>
-            <a:ext cx="4144010" cy="1558290"/>
-          </a:xfrm>
-          <a:prstGeom prst="roundRect"/>
-          <a:solidFill>
-            <a:srgbClr val="EDEDED"/>
-          </a:solidFill>
-        </p:spPr>
-      </p:pic>
-      <p:sp>
-        <p:nvSpPr>
-          <p:cNvPr id="1211" name="텍스트 상자 87"/>
-          <p:cNvSpPr txBox="1">
-            <a:spLocks/>
-          </p:cNvSpPr>
-          <p:nvPr/>
-        </p:nvSpPr>
-        <p:spPr>
-          <a:xfrm rot="0">
-            <a:off x="1228725" y="5511165"/>
-            <a:ext cx="4139565" cy="647065"/>
-          </a:xfrm>
-          <a:prstGeom prst="rect"/>
-          <a:noFill/>
-          <a:ln w="0">
-            <a:noFill/>
-            <a:prstDash/>
-          </a:ln>
-        </p:spPr>
-        <p:txBody>
-          <a:bodyPr wrap="square" lIns="89535" tIns="46355" rIns="89535" bIns="46355" numCol="1" vert="horz" anchor="t">
-            <a:spAutoFit/>
-          </a:bodyPr>
-          <a:lstStyle/>
-          <a:p>
-            <a:pPr marL="0" indent="0" rtl="0" algn="l" defTabSz="914400" eaLnBrk="1" latinLnBrk="0" hangingPunct="1">
-              <a:buFontTx/>
-              <a:buNone/>
-            </a:pPr>
-            <a:r>
-              <a:rPr sz="1800" b="1">
-                <a:solidFill>
-                  <a:srgbClr val="0611F2"/>
-                </a:solidFill>
-                <a:latin typeface="맑은 고딕" charset="0"/>
-                <a:ea typeface="맑은 고딕" charset="0"/>
-              </a:rPr>
-              <a:t>2</a:t>
-            </a:r>
-            <a:r>
-              <a:rPr lang="ko-KR" sz="1800" b="1">
-                <a:solidFill>
-                  <a:srgbClr val="0611F2"/>
-                </a:solidFill>
-                <a:latin typeface="맑은 고딕" charset="0"/>
-                <a:ea typeface="맑은 고딕" charset="0"/>
-              </a:rPr>
-              <a:t>2</a:t>
-            </a:r>
-            <a:r>
-              <a:rPr sz="1800" b="1">
-                <a:solidFill>
-                  <a:srgbClr val="0611F2"/>
-                </a:solidFill>
-                <a:latin typeface="맑은 고딕" charset="0"/>
-                <a:ea typeface="맑은 고딕" charset="0"/>
-              </a:rPr>
-              <a:t>.</a:t>
-            </a:r>
-            <a:r>
-              <a:rPr sz="1800">
-                <a:latin typeface="맑은 고딕" charset="0"/>
-                <a:ea typeface="맑은 고딕" charset="0"/>
-              </a:rPr>
-              <a:t> </a:t>
-            </a:r>
-            <a:r>
-              <a:rPr lang="ko-KR" sz="1800">
-                <a:latin typeface="맑은 고딕" charset="0"/>
-                <a:ea typeface="맑은 고딕" charset="0"/>
-              </a:rPr>
-              <a:t>그러고 나서</a:t>
-            </a:r>
-            <a:r>
-              <a:rPr lang="ko-KR" sz="1800">
-                <a:latin typeface="맑은 고딕" charset="0"/>
-                <a:ea typeface="맑은 고딕" charset="0"/>
-              </a:rPr>
-              <a:t> </a:t>
-            </a:r>
-            <a:r>
-              <a:rPr lang="ko-KR" sz="1800">
-                <a:latin typeface="맑은 고딕" charset="0"/>
-                <a:ea typeface="맑은 고딕" charset="0"/>
-              </a:rPr>
-              <a:t>Piller 오브젝트의 위치와 크기를 설정합니다.</a:t>
-            </a:r>
-            <a:endParaRPr lang="ko-KR" altLang="en-US" sz="1800">
-              <a:latin typeface="맑은 고딕" charset="0"/>
-              <a:ea typeface="맑은 고딕" charset="0"/>
-            </a:endParaRPr>
-          </a:p>
-        </p:txBody>
-      </p:sp>
-      <p:pic>
-        <p:nvPicPr>
-          <p:cNvPr id="1212" name="그림 88" descr="C:/Users/Admin1/AppData/Roaming/PolarisOffice/ETemp/8136_15119280/fImage68753462391.png"/>
-          <p:cNvPicPr>
-            <a:picLocks noChangeAspect="1"/>
-          </p:cNvPicPr>
-          <p:nvPr/>
-        </p:nvPicPr>
-        <p:blipFill rotWithShape="1">
-          <a:blip r:embed="rId4" cstate="print">
-            <a:extLst>
-              <a:ext uri="{28A0092B-C50C-407E-A947-70E740481C1C}">
-                <a14:useLocalDpi xmlns:a14="http://schemas.microsoft.com/office/drawing/2010/main" val="0"/>
-              </a:ext>
-            </a:extLst>
-          </a:blip>
-          <a:stretch>
-            <a:fillRect/>
-          </a:stretch>
-        </p:blipFill>
-        <p:spPr>
-          <a:xfrm rot="0">
-            <a:off x="6825615" y="2657475"/>
-            <a:ext cx="4147820" cy="2705735"/>
-          </a:xfrm>
-          <a:prstGeom prst="roundRect"/>
-          <a:solidFill>
-            <a:srgbClr val="EDEDED"/>
-          </a:solidFill>
-        </p:spPr>
-      </p:pic>
-      <p:pic>
-        <p:nvPicPr>
-          <p:cNvPr id="1213" name="그림 89" descr="C:/Users/Admin1/AppData/Roaming/PolarisOffice/ETemp/8136_15119280/fImage47033474604.png"/>
+          <p:cNvPr id="1211" name="그림 18"/>
           <p:cNvPicPr>
             <a:picLocks noChangeAspect="1"/>
           </p:cNvPicPr>
@@ -9810,8 +9974,8 @@
         </p:blipFill>
         <p:spPr>
           <a:xfrm rot="0">
-            <a:off x="6833870" y="1466850"/>
-            <a:ext cx="4130040" cy="962660"/>
+            <a:off x="3973830" y="2078355"/>
+            <a:ext cx="1388745" cy="2294890"/>
           </a:xfrm>
           <a:prstGeom prst="roundRect"/>
           <a:solidFill>
@@ -9819,6 +9983,294 @@
           </a:solidFill>
         </p:spPr>
       </p:pic>
+      <p:pic>
+        <p:nvPicPr>
+          <p:cNvPr id="1212" name="그림 21"/>
+          <p:cNvPicPr>
+            <a:picLocks noChangeAspect="1"/>
+          </p:cNvPicPr>
+          <p:nvPr/>
+        </p:nvPicPr>
+        <p:blipFill rotWithShape="1">
+          <a:blip r:embed="rId6" cstate="print">
+            <a:extLst>
+              <a:ext uri="{28A0092B-C50C-407E-A947-70E740481C1C}">
+                <a14:useLocalDpi xmlns:a14="http://schemas.microsoft.com/office/drawing/2010/main" val="0"/>
+              </a:ext>
+            </a:extLst>
+          </a:blip>
+          <a:stretch>
+            <a:fillRect/>
+          </a:stretch>
+        </p:blipFill>
+        <p:spPr>
+          <a:xfrm rot="0">
+            <a:off x="6824980" y="1454785"/>
+            <a:ext cx="4132580" cy="1466850"/>
+          </a:xfrm>
+          <a:prstGeom prst="roundRect"/>
+          <a:solidFill>
+            <a:srgbClr val="EDEDED"/>
+          </a:solidFill>
+        </p:spPr>
+      </p:pic>
+      <p:sp>
+        <p:nvSpPr>
+          <p:cNvPr id="1213" name="텍스트 상자 24"/>
+          <p:cNvSpPr txBox="1">
+            <a:spLocks/>
+          </p:cNvSpPr>
+          <p:nvPr/>
+        </p:nvSpPr>
+        <p:spPr>
+          <a:xfrm rot="0">
+            <a:off x="6827520" y="3042920"/>
+            <a:ext cx="4121785" cy="647065"/>
+          </a:xfrm>
+          <a:prstGeom prst="rect"/>
+          <a:noFill/>
+          <a:ln w="0">
+            <a:noFill/>
+            <a:prstDash/>
+          </a:ln>
+        </p:spPr>
+        <p:txBody>
+          <a:bodyPr wrap="square" lIns="89535" tIns="46355" rIns="89535" bIns="46355" numCol="1" vert="horz" anchor="t">
+            <a:spAutoFit/>
+          </a:bodyPr>
+          <a:lstStyle/>
+          <a:p>
+            <a:pPr marL="0" indent="0" rtl="0" algn="l" defTabSz="914400" eaLnBrk="1" latinLnBrk="0" hangingPunct="1">
+              <a:buFontTx/>
+              <a:buNone/>
+            </a:pPr>
+            <a:r>
+              <a:rPr sz="1800" b="1">
+                <a:solidFill>
+                  <a:srgbClr val="0611F2"/>
+                </a:solidFill>
+                <a:latin typeface="맑은 고딕" charset="0"/>
+                <a:ea typeface="맑은 고딕" charset="0"/>
+              </a:rPr>
+              <a:t>2</a:t>
+            </a:r>
+            <a:r>
+              <a:rPr lang="ko-KR" sz="1800" b="1">
+                <a:solidFill>
+                  <a:srgbClr val="0611F2"/>
+                </a:solidFill>
+                <a:latin typeface="맑은 고딕" charset="0"/>
+                <a:ea typeface="맑은 고딕" charset="0"/>
+              </a:rPr>
+              <a:t>8</a:t>
+            </a:r>
+            <a:r>
+              <a:rPr sz="1800" b="1">
+                <a:solidFill>
+                  <a:srgbClr val="0611F2"/>
+                </a:solidFill>
+                <a:latin typeface="맑은 고딕" charset="0"/>
+                <a:ea typeface="맑은 고딕" charset="0"/>
+              </a:rPr>
+              <a:t>.</a:t>
+            </a:r>
+            <a:r>
+              <a:rPr sz="1800">
+                <a:latin typeface="맑은 고딕" charset="0"/>
+                <a:ea typeface="맑은 고딕" charset="0"/>
+              </a:rPr>
+              <a:t> </a:t>
+            </a:r>
+            <a:r>
+              <a:rPr lang="ko-KR" sz="1800">
+                <a:latin typeface="맑은 고딕" charset="0"/>
+                <a:ea typeface="맑은 고딕" charset="0"/>
+              </a:rPr>
+              <a:t>이제 Start Point 오브젝트의 위치를 설정합니다.</a:t>
+            </a:r>
+            <a:endParaRPr lang="ko-KR" altLang="en-US" sz="1800">
+              <a:latin typeface="맑은 고딕" charset="0"/>
+              <a:ea typeface="맑은 고딕" charset="0"/>
+            </a:endParaRPr>
+          </a:p>
+        </p:txBody>
+      </p:sp>
+      <p:sp>
+        <p:nvSpPr>
+          <p:cNvPr id="1216" name="텍스트 상자 31"/>
+          <p:cNvSpPr txBox="1">
+            <a:spLocks/>
+          </p:cNvSpPr>
+          <p:nvPr/>
+        </p:nvSpPr>
+        <p:spPr>
+          <a:xfrm rot="0">
+            <a:off x="6817995" y="5202555"/>
+            <a:ext cx="4136390" cy="923925"/>
+          </a:xfrm>
+          <a:prstGeom prst="rect"/>
+          <a:noFill/>
+          <a:ln w="0">
+            <a:noFill/>
+            <a:prstDash/>
+          </a:ln>
+        </p:spPr>
+        <p:txBody>
+          <a:bodyPr wrap="square" lIns="89535" tIns="46355" rIns="89535" bIns="46355" numCol="1" vert="horz" anchor="t">
+            <a:spAutoFit/>
+          </a:bodyPr>
+          <a:lstStyle/>
+          <a:p>
+            <a:pPr marL="0" indent="0" rtl="0" algn="l" defTabSz="914400" eaLnBrk="1" latinLnBrk="0" hangingPunct="1">
+              <a:buFontTx/>
+              <a:buNone/>
+            </a:pPr>
+            <a:r>
+              <a:rPr sz="1800" b="1">
+                <a:solidFill>
+                  <a:srgbClr val="0611F2"/>
+                </a:solidFill>
+                <a:latin typeface="맑은 고딕" charset="0"/>
+                <a:ea typeface="맑은 고딕" charset="0"/>
+              </a:rPr>
+              <a:t>2</a:t>
+            </a:r>
+            <a:r>
+              <a:rPr lang="ko-KR" sz="1800" b="1">
+                <a:solidFill>
+                  <a:srgbClr val="0611F2"/>
+                </a:solidFill>
+                <a:latin typeface="맑은 고딕" charset="0"/>
+                <a:ea typeface="맑은 고딕" charset="0"/>
+              </a:rPr>
+              <a:t>9</a:t>
+            </a:r>
+            <a:r>
+              <a:rPr sz="1800" b="1">
+                <a:solidFill>
+                  <a:srgbClr val="0611F2"/>
+                </a:solidFill>
+                <a:latin typeface="맑은 고딕" charset="0"/>
+                <a:ea typeface="맑은 고딕" charset="0"/>
+              </a:rPr>
+              <a:t>.</a:t>
+            </a:r>
+            <a:r>
+              <a:rPr sz="1800">
+                <a:latin typeface="맑은 고딕" charset="0"/>
+                <a:ea typeface="맑은 고딕" charset="0"/>
+              </a:rPr>
+              <a:t> </a:t>
+            </a:r>
+            <a:r>
+              <a:rPr lang="ko-KR" sz="1800">
+                <a:latin typeface="맑은 고딕" charset="0"/>
+                <a:ea typeface="맑은 고딕" charset="0"/>
+              </a:rPr>
+              <a:t>그다음 Front Rampart 오브젝트에 있는 Off Mesh Link의 Start에 Start Point 오브젝트를 넣어줍니다.</a:t>
+            </a:r>
+            <a:endParaRPr lang="ko-KR" altLang="en-US" sz="1800">
+              <a:latin typeface="맑은 고딕" charset="0"/>
+              <a:ea typeface="맑은 고딕" charset="0"/>
+            </a:endParaRPr>
+          </a:p>
+        </p:txBody>
+      </p:sp>
+      <p:pic>
+        <p:nvPicPr>
+          <p:cNvPr id="1217" name="그림 36"/>
+          <p:cNvPicPr>
+            <a:picLocks noChangeAspect="1"/>
+          </p:cNvPicPr>
+          <p:nvPr/>
+        </p:nvPicPr>
+        <p:blipFill rotWithShape="1">
+          <a:blip r:embed="rId7" cstate="print">
+            <a:extLst>
+              <a:ext uri="{28A0092B-C50C-407E-A947-70E740481C1C}">
+                <a14:useLocalDpi xmlns:a14="http://schemas.microsoft.com/office/drawing/2010/main" val="0"/>
+              </a:ext>
+            </a:extLst>
+          </a:blip>
+          <a:stretch>
+            <a:fillRect/>
+          </a:stretch>
+        </p:blipFill>
+        <p:spPr>
+          <a:xfrm rot="0">
+            <a:off x="6823075" y="3841750"/>
+            <a:ext cx="1273810" cy="1231265"/>
+          </a:xfrm>
+          <a:prstGeom prst="roundRect"/>
+          <a:solidFill>
+            <a:srgbClr val="EDEDED"/>
+          </a:solidFill>
+        </p:spPr>
+      </p:pic>
+      <p:pic>
+        <p:nvPicPr>
+          <p:cNvPr id="1218" name="그림 39"/>
+          <p:cNvPicPr>
+            <a:picLocks noChangeAspect="1"/>
+          </p:cNvPicPr>
+          <p:nvPr/>
+        </p:nvPicPr>
+        <p:blipFill rotWithShape="1">
+          <a:blip r:embed="rId8" cstate="print">
+            <a:extLst>
+              <a:ext uri="{28A0092B-C50C-407E-A947-70E740481C1C}">
+                <a14:useLocalDpi xmlns:a14="http://schemas.microsoft.com/office/drawing/2010/main" val="0"/>
+              </a:ext>
+            </a:extLst>
+          </a:blip>
+          <a:stretch>
+            <a:fillRect/>
+          </a:stretch>
+        </p:blipFill>
+        <p:spPr>
+          <a:xfrm rot="0">
+            <a:off x="8230870" y="3841750"/>
+            <a:ext cx="2723515" cy="1231265"/>
+          </a:xfrm>
+          <a:prstGeom prst="roundRect"/>
+          <a:solidFill>
+            <a:srgbClr val="EDEDED"/>
+          </a:solidFill>
+        </p:spPr>
+      </p:pic>
+      <p:cxnSp>
+        <p:nvCxnSpPr>
+          <p:cNvPr id="1219" name="도형 42"/>
+          <p:cNvCxnSpPr/>
+          <p:nvPr/>
+        </p:nvCxnSpPr>
+        <p:spPr>
+          <a:xfrm rot="0" flipV="1">
+            <a:off x="7754620" y="4104005"/>
+            <a:ext cx="3120390" cy="722630"/>
+          </a:xfrm>
+          <a:prstGeom prst="straightConnector1"/>
+          <a:ln w="6350" cap="flat" cmpd="sng">
+            <a:prstDash/>
+            <a:headEnd type="none" w="med" len="med"/>
+            <a:tailEnd type="triangle" w="med" len="med"/>
+          </a:ln>
+        </p:spPr>
+        <p:style>
+          <a:lnRef idx="1">
+            <a:schemeClr val="accent1"/>
+          </a:lnRef>
+          <a:fillRef idx="0">
+            <a:schemeClr val="accent1"/>
+          </a:fillRef>
+          <a:effectRef idx="0">
+            <a:schemeClr val="accent1"/>
+          </a:effectRef>
+          <a:fontRef idx="minor">
+            <a:schemeClr val="tx1"/>
+          </a:fontRef>
+        </p:style>
+      </p:cxnSp>
     </p:spTree>
   </p:cSld>
   <p:clrMapOvr>
@@ -9919,8 +10371,8 @@
         </p:nvSpPr>
         <p:spPr>
           <a:xfrm rot="0">
-            <a:off x="1238250" y="5422265"/>
-            <a:ext cx="4108450" cy="647065"/>
+            <a:off x="1238250" y="5240020"/>
+            <a:ext cx="4131310" cy="923925"/>
           </a:xfrm>
           <a:prstGeom prst="rect"/>
           <a:noFill/>
@@ -9947,7 +10399,7 @@
                 <a:latin typeface="맑은 고딕" charset="0"/>
                 <a:ea typeface="맑은 고딕" charset="0"/>
               </a:rPr>
-              <a:t>24</a:t>
+              <a:t>31</a:t>
             </a:r>
             <a:r>
               <a:rPr sz="1800" b="1">
@@ -9971,7 +10423,7 @@
                 <a:latin typeface="맑은 고딕" charset="0"/>
                 <a:ea typeface="맑은 고딕" charset="0"/>
               </a:rPr>
-              <a:t>그다음으로 Start 오브젝트와 End 오브젝트의 위치 값을 설정합니다.</a:t>
+              <a:t>그리고 Front Rampart 오브젝트에 있는 Off Mesh Link의 End에 End Point 오브젝트를 넣어줍니다.</a:t>
             </a:r>
             <a:endParaRPr lang="ko-KR" altLang="en-US" sz="1800">
               <a:latin typeface="맑은 고딕" charset="0"/>
@@ -9980,87 +10432,16 @@
           </a:p>
         </p:txBody>
       </p:sp>
-      <p:sp>
-        <p:nvSpPr>
-          <p:cNvPr id="1200" name="Rect 0"/>
-          <p:cNvSpPr txBox="1">
-            <a:spLocks/>
-          </p:cNvSpPr>
-          <p:nvPr/>
-        </p:nvSpPr>
-        <p:spPr>
-          <a:xfrm rot="0">
-            <a:off x="6816090" y="2820670"/>
-            <a:ext cx="4128770" cy="923925"/>
-          </a:xfrm>
-          <a:prstGeom prst="rect"/>
-          <a:noFill/>
-          <a:ln w="0">
-            <a:noFill/>
-            <a:prstDash/>
-          </a:ln>
-        </p:spPr>
-        <p:txBody>
-          <a:bodyPr wrap="square" lIns="89535" tIns="46355" rIns="89535" bIns="46355" numCol="1" vert="horz" anchor="t">
-            <a:spAutoFit/>
-          </a:bodyPr>
-          <a:lstStyle/>
-          <a:p>
-            <a:pPr marL="0" indent="0" rtl="0" algn="l" defTabSz="914400" eaLnBrk="1" latinLnBrk="0" hangingPunct="1">
-              <a:buFontTx/>
-              <a:buNone/>
-            </a:pPr>
-            <a:r>
-              <a:rPr sz="1800" b="1">
-                <a:solidFill>
-                  <a:srgbClr val="0611F2"/>
-                </a:solidFill>
-                <a:latin typeface="맑은 고딕" charset="0"/>
-                <a:ea typeface="맑은 고딕" charset="0"/>
-              </a:rPr>
-              <a:t>25</a:t>
-            </a:r>
-            <a:r>
-              <a:rPr sz="1800" b="1">
-                <a:solidFill>
-                  <a:srgbClr val="0611F2"/>
-                </a:solidFill>
-                <a:latin typeface="맑은 고딕" charset="0"/>
-                <a:ea typeface="맑은 고딕" charset="0"/>
-              </a:rPr>
-              <a:t>.</a:t>
-            </a:r>
-            <a:r>
-              <a:rPr sz="1800">
-                <a:latin typeface="맑은 고딕" charset="0"/>
-                <a:ea typeface="맑은 고딕" charset="0"/>
-              </a:rPr>
-              <a:t> </a:t>
-            </a:r>
-            <a:r>
-              <a:rPr lang="ko-KR" sz="1800">
-                <a:latin typeface="맑은 고딕" charset="0"/>
-                <a:ea typeface="맑은 고딕" charset="0"/>
-              </a:rPr>
-              <a:t>그런 다음 Pillar 오브젝트의 Off Mesh Link에 Start 오브젝트와 End 오브젝트를 넣어줍니다.</a:t>
-            </a:r>
-            <a:endParaRPr lang="ko-KR" altLang="en-US" sz="1800">
-              <a:latin typeface="맑은 고딕" charset="0"/>
-              <a:ea typeface="맑은 고딕" charset="0"/>
-            </a:endParaRPr>
-          </a:p>
-        </p:txBody>
-      </p:sp>
       <p:pic>
         <p:nvPicPr>
-          <p:cNvPr id="1212" name="그림 165"/>
+          <p:cNvPr id="1213" name="그림 43"/>
           <p:cNvPicPr>
             <a:picLocks noChangeAspect="1"/>
           </p:cNvPicPr>
           <p:nvPr/>
         </p:nvPicPr>
         <p:blipFill rotWithShape="1">
-          <a:blip r:embed="rId3" cstate="hqprint">
+          <a:blip r:embed="rId11" cstate="hqprint">
             <a:extLst>
               <a:ext uri="{28A0092B-C50C-407E-A947-70E740481C1C}">
                 <a14:useLocalDpi xmlns:a14="http://schemas.microsoft.com/office/drawing/2010/main"/>
@@ -10073,8 +10454,8 @@
         </p:blipFill>
         <p:spPr>
           <a:xfrm rot="0">
-            <a:off x="1238250" y="3452495"/>
-            <a:ext cx="4117975" cy="1774190"/>
+            <a:off x="1229995" y="1454785"/>
+            <a:ext cx="4149090" cy="1429385"/>
           </a:xfrm>
           <a:prstGeom prst="roundRect"/>
           <a:solidFill>
@@ -10082,16 +10463,87 @@
           </a:solidFill>
         </p:spPr>
       </p:pic>
+      <p:sp>
+        <p:nvSpPr>
+          <p:cNvPr id="1214" name="텍스트 상자 46"/>
+          <p:cNvSpPr txBox="1">
+            <a:spLocks/>
+          </p:cNvSpPr>
+          <p:nvPr/>
+        </p:nvSpPr>
+        <p:spPr>
+          <a:xfrm rot="0">
+            <a:off x="1242695" y="3008630"/>
+            <a:ext cx="4126865" cy="647065"/>
+          </a:xfrm>
+          <a:prstGeom prst="rect"/>
+          <a:noFill/>
+          <a:ln w="0">
+            <a:noFill/>
+            <a:prstDash/>
+          </a:ln>
+        </p:spPr>
+        <p:txBody>
+          <a:bodyPr wrap="square" lIns="89535" tIns="46355" rIns="89535" bIns="46355" numCol="1" vert="horz" anchor="t">
+            <a:spAutoFit/>
+          </a:bodyPr>
+          <a:lstStyle/>
+          <a:p>
+            <a:pPr marL="0" indent="0" rtl="0" algn="l" defTabSz="914400" eaLnBrk="1" latinLnBrk="0" hangingPunct="1">
+              <a:buFontTx/>
+              <a:buNone/>
+            </a:pPr>
+            <a:r>
+              <a:rPr lang="ko-KR" sz="1800" b="1">
+                <a:solidFill>
+                  <a:srgbClr val="0611F2"/>
+                </a:solidFill>
+                <a:latin typeface="맑은 고딕" charset="0"/>
+                <a:ea typeface="맑은 고딕" charset="0"/>
+              </a:rPr>
+              <a:t>30</a:t>
+            </a:r>
+            <a:r>
+              <a:rPr sz="1800" b="1">
+                <a:solidFill>
+                  <a:srgbClr val="0611F2"/>
+                </a:solidFill>
+                <a:latin typeface="맑은 고딕" charset="0"/>
+                <a:ea typeface="맑은 고딕" charset="0"/>
+              </a:rPr>
+              <a:t>.</a:t>
+            </a:r>
+            <a:r>
+              <a:rPr sz="1800">
+                <a:latin typeface="맑은 고딕" charset="0"/>
+                <a:ea typeface="맑은 고딕" charset="0"/>
+              </a:rPr>
+              <a:t> </a:t>
+            </a:r>
+            <a:r>
+              <a:rPr lang="ko-KR" sz="1800">
+                <a:latin typeface="맑은 고딕" charset="0"/>
+                <a:ea typeface="맑은 고딕" charset="0"/>
+              </a:rPr>
+              <a:t>그런 다음 End Point 오브젝트의 위치를 설정합니다.</a:t>
+            </a:r>
+            <a:endParaRPr lang="ko-KR" altLang="en-US" sz="1800">
+              <a:latin typeface="맑은 고딕" charset="0"/>
+              <a:ea typeface="맑은 고딕" charset="0"/>
+            </a:endParaRPr>
+          </a:p>
+        </p:txBody>
+      </p:sp>
       <p:pic>
         <p:nvPicPr>
-          <p:cNvPr id="1213" name="그림 166"/>
+          <p:cNvPr id="1215" name="그림 47"/>
           <p:cNvPicPr>
             <a:picLocks noChangeAspect="1"/>
           </p:cNvPicPr>
           <p:nvPr/>
         </p:nvPicPr>
         <p:blipFill rotWithShape="1">
-          <a:blip r:embed="rId4" cstate="hqprint">
+          <a:blip r:embed="rId12" cstate="hqprint">
             <a:extLst>
               <a:ext uri="{28A0092B-C50C-407E-A947-70E740481C1C}">
                 <a14:useLocalDpi xmlns:a14="http://schemas.microsoft.com/office/drawing/2010/main"/>
@@ -10104,8 +10556,8 @@
         </p:blipFill>
         <p:spPr>
           <a:xfrm rot="0">
-            <a:off x="1238250" y="1387475"/>
-            <a:ext cx="4115435" cy="1770380"/>
+            <a:off x="1238250" y="3809365"/>
+            <a:ext cx="1291590" cy="1289685"/>
           </a:xfrm>
           <a:prstGeom prst="roundRect"/>
           <a:solidFill>
@@ -10115,17 +10567,17 @@
       </p:pic>
       <p:pic>
         <p:nvPicPr>
-          <p:cNvPr id="1214" name="그림 92"/>
+          <p:cNvPr id="1216" name="그림 50" descr="C:/Users/Admin1/AppData/Roaming/PolarisOffice/ETemp/20768_20502728/fImage144112638145.png"/>
           <p:cNvPicPr>
             <a:picLocks noChangeAspect="1"/>
           </p:cNvPicPr>
           <p:nvPr/>
         </p:nvPicPr>
         <p:blipFill rotWithShape="1">
-          <a:blip r:embed="rId7" cstate="print">
+          <a:blip r:embed="rId13" cstate="hqprint">
             <a:extLst>
               <a:ext uri="{28A0092B-C50C-407E-A947-70E740481C1C}">
-                <a14:useLocalDpi xmlns:a14="http://schemas.microsoft.com/office/drawing/2010/main" val="0"/>
+                <a14:useLocalDpi xmlns:a14="http://schemas.microsoft.com/office/drawing/2010/main"/>
               </a:ext>
             </a:extLst>
           </a:blip>
@@ -10135,8 +10587,8 @@
         </p:blipFill>
         <p:spPr>
           <a:xfrm rot="0">
-            <a:off x="8191500" y="1390650"/>
-            <a:ext cx="2762885" cy="1267460"/>
+            <a:off x="2710815" y="3809365"/>
+            <a:ext cx="2660015" cy="1300480"/>
           </a:xfrm>
           <a:prstGeom prst="roundRect"/>
           <a:solidFill>
@@ -10144,52 +10596,20 @@
           </a:solidFill>
         </p:spPr>
       </p:pic>
-      <p:pic>
-        <p:nvPicPr>
-          <p:cNvPr id="1215" name="그림 95"/>
-          <p:cNvPicPr>
-            <a:picLocks noChangeAspect="1"/>
-          </p:cNvPicPr>
-          <p:nvPr/>
-        </p:nvPicPr>
-        <p:blipFill rotWithShape="1">
-          <a:blip r:embed="rId8" cstate="print">
-            <a:extLst>
-              <a:ext uri="{28A0092B-C50C-407E-A947-70E740481C1C}">
-                <a14:useLocalDpi xmlns:a14="http://schemas.microsoft.com/office/drawing/2010/main" val="0"/>
-              </a:ext>
-            </a:extLst>
-          </a:blip>
-          <a:stretch>
-            <a:fillRect/>
-          </a:stretch>
-        </p:blipFill>
-        <p:spPr>
-          <a:xfrm rot="0">
-            <a:off x="6819900" y="1385570"/>
-            <a:ext cx="1229360" cy="1282065"/>
-          </a:xfrm>
-          <a:prstGeom prst="roundRect"/>
-          <a:solidFill>
-            <a:srgbClr val="EDEDED"/>
-          </a:solidFill>
-        </p:spPr>
-      </p:pic>
       <p:cxnSp>
         <p:nvCxnSpPr>
-          <p:cNvPr id="1216" name="도형 96"/>
+          <p:cNvPr id="1217" name="도형 53"/>
           <p:cNvCxnSpPr/>
           <p:nvPr/>
         </p:nvCxnSpPr>
         <p:spPr>
           <a:xfrm rot="0" flipV="1">
-            <a:off x="7429500" y="1657350"/>
-            <a:ext cx="3439160" cy="762635"/>
+            <a:off x="2121535" y="4224655"/>
+            <a:ext cx="3153410" cy="798830"/>
           </a:xfrm>
           <a:prstGeom prst="straightConnector1"/>
           <a:ln w="6350" cap="flat" cmpd="sng">
             <a:prstDash/>
-            <a:headEnd type="none" w="med" len="med"/>
             <a:tailEnd type="triangle" w="med" len="med"/>
           </a:ln>
         </p:spPr>
@@ -10208,130 +10628,16 @@
           </a:fontRef>
         </p:style>
       </p:cxnSp>
-      <p:cxnSp>
-        <p:nvCxnSpPr>
-          <p:cNvPr id="1217" name="도형 97"/>
-          <p:cNvCxnSpPr/>
-          <p:nvPr/>
-        </p:nvCxnSpPr>
-        <p:spPr>
-          <a:xfrm rot="0" flipV="1">
-            <a:off x="7353300" y="1800225"/>
-            <a:ext cx="3515360" cy="762635"/>
-          </a:xfrm>
-          <a:prstGeom prst="straightConnector1"/>
-          <a:ln w="6350" cap="flat" cmpd="sng">
-            <a:prstDash/>
-            <a:headEnd type="none" w="med" len="med"/>
-            <a:tailEnd type="triangle" w="med" len="med"/>
-          </a:ln>
-        </p:spPr>
-        <p:style>
-          <a:lnRef idx="1">
-            <a:schemeClr val="accent1"/>
-          </a:lnRef>
-          <a:fillRef idx="0">
-            <a:schemeClr val="accent1"/>
-          </a:fillRef>
-          <a:effectRef idx="0">
-            <a:schemeClr val="accent1"/>
-          </a:effectRef>
-          <a:fontRef idx="minor">
-            <a:schemeClr val="tx1"/>
-          </a:fontRef>
-        </p:style>
-      </p:cxnSp>
-      <p:sp>
-        <p:nvSpPr>
-          <p:cNvPr id="1218" name="텍스트 상자 98"/>
-          <p:cNvSpPr txBox="1">
-            <a:spLocks/>
-          </p:cNvSpPr>
-          <p:nvPr/>
-        </p:nvSpPr>
-        <p:spPr>
-          <a:xfrm rot="0">
-            <a:off x="6810375" y="5423535"/>
-            <a:ext cx="4124960" cy="647065"/>
-          </a:xfrm>
-          <a:prstGeom prst="rect"/>
-          <a:noFill/>
-          <a:ln w="0">
-            <a:noFill/>
-            <a:prstDash/>
-          </a:ln>
-        </p:spPr>
-        <p:txBody>
-          <a:bodyPr wrap="square" lIns="89535" tIns="46355" rIns="89535" bIns="46355" numCol="1" vert="horz" anchor="t">
-            <a:spAutoFit/>
-          </a:bodyPr>
-          <a:lstStyle/>
-          <a:p>
-            <a:pPr marL="0" indent="0" rtl="0" algn="l" defTabSz="914400" eaLnBrk="1" latinLnBrk="0" hangingPunct="1">
-              <a:buFontTx/>
-              <a:buNone/>
-            </a:pPr>
-            <a:r>
-              <a:rPr sz="1800" b="1">
-                <a:solidFill>
-                  <a:srgbClr val="0611F2"/>
-                </a:solidFill>
-                <a:latin typeface="맑은 고딕" charset="0"/>
-                <a:ea typeface="맑은 고딕" charset="0"/>
-              </a:rPr>
-              <a:t>2</a:t>
-            </a:r>
-            <a:r>
-              <a:rPr sz="1800" b="1">
-                <a:solidFill>
-                  <a:srgbClr val="0611F2"/>
-                </a:solidFill>
-                <a:latin typeface="맑은 고딕" charset="0"/>
-                <a:ea typeface="맑은 고딕" charset="0"/>
-              </a:rPr>
-              <a:t>6</a:t>
-            </a:r>
-            <a:r>
-              <a:rPr sz="1800" b="1">
-                <a:solidFill>
-                  <a:srgbClr val="0611F2"/>
-                </a:solidFill>
-                <a:latin typeface="맑은 고딕" charset="0"/>
-                <a:ea typeface="맑은 고딕" charset="0"/>
-              </a:rPr>
-              <a:t>.</a:t>
-            </a:r>
-            <a:r>
-              <a:rPr sz="1800">
-                <a:latin typeface="맑은 고딕" charset="0"/>
-                <a:ea typeface="맑은 고딕" charset="0"/>
-              </a:rPr>
-              <a:t> </a:t>
-            </a:r>
-            <a:r>
-              <a:rPr lang="ko-KR" sz="1800">
-                <a:latin typeface="맑은 고딕" charset="0"/>
-                <a:ea typeface="맑은 고딕" charset="0"/>
-              </a:rPr>
-              <a:t>그리고 Pillar 오브젝트 Ground 텍스처를 넣어줍니다.</a:t>
-            </a:r>
-            <a:endParaRPr lang="ko-KR" altLang="en-US" sz="1800">
-              <a:latin typeface="맑은 고딕" charset="0"/>
-              <a:ea typeface="맑은 고딕" charset="0"/>
-            </a:endParaRPr>
-          </a:p>
-        </p:txBody>
-      </p:sp>
       <p:pic>
         <p:nvPicPr>
-          <p:cNvPr id="1219" name="그림 99"/>
+          <p:cNvPr id="1218" name="그림 1" descr="C:/Users/Admin1/AppData/Roaming/PolarisOffice/ETemp/20768_20502728/fImage85063979718.png"/>
           <p:cNvPicPr>
             <a:picLocks noChangeAspect="1"/>
           </p:cNvPicPr>
           <p:nvPr/>
         </p:nvPicPr>
         <p:blipFill rotWithShape="1">
-          <a:blip r:embed="rId9" cstate="hqprint">
+          <a:blip r:embed="rId14" cstate="hqprint">
             <a:extLst>
               <a:ext uri="{28A0092B-C50C-407E-A947-70E740481C1C}">
                 <a14:useLocalDpi xmlns:a14="http://schemas.microsoft.com/office/drawing/2010/main"/>
@@ -10344,8 +10650,8 @@
         </p:blipFill>
         <p:spPr>
           <a:xfrm rot="0">
-            <a:off x="8181975" y="3895725"/>
-            <a:ext cx="2781935" cy="1372235"/>
+            <a:off x="6808470" y="1454785"/>
+            <a:ext cx="2628265" cy="3550920"/>
           </a:xfrm>
           <a:prstGeom prst="roundRect"/>
           <a:solidFill>
@@ -10355,14 +10661,14 @@
       </p:pic>
       <p:pic>
         <p:nvPicPr>
-          <p:cNvPr id="1221" name="그림 101"/>
+          <p:cNvPr id="1219" name="그림 2"/>
           <p:cNvPicPr>
             <a:picLocks noChangeAspect="1"/>
           </p:cNvPicPr>
           <p:nvPr/>
         </p:nvPicPr>
         <p:blipFill rotWithShape="1">
-          <a:blip r:embed="rId10" cstate="print">
+          <a:blip r:embed="rId15" cstate="print">
             <a:extLst>
               <a:ext uri="{28A0092B-C50C-407E-A947-70E740481C1C}">
                 <a14:useLocalDpi xmlns:a14="http://schemas.microsoft.com/office/drawing/2010/main" val="0"/>
@@ -10375,8 +10681,8 @@
         </p:blipFill>
         <p:spPr>
           <a:xfrm rot="0">
-            <a:off x="6824345" y="3905250"/>
-            <a:ext cx="1224915" cy="1353185"/>
+            <a:off x="9634855" y="2169795"/>
+            <a:ext cx="1330960" cy="2120265"/>
           </a:xfrm>
           <a:prstGeom prst="roundRect"/>
           <a:solidFill>
@@ -10384,38 +10690,101 @@
           </a:solidFill>
         </p:spPr>
       </p:pic>
-      <p:cxnSp>
-        <p:nvCxnSpPr>
-          <p:cNvPr id="1220" name="도형 100"/>
-          <p:cNvCxnSpPr/>
-          <p:nvPr/>
-        </p:nvCxnSpPr>
-        <p:spPr>
-          <a:xfrm rot="0" flipH="1">
-            <a:off x="7429500" y="4753610"/>
-            <a:ext cx="1053465" cy="180975"/>
-          </a:xfrm>
-          <a:prstGeom prst="straightConnector1"/>
-          <a:ln w="6350" cap="flat" cmpd="sng">
+      <p:sp>
+        <p:nvSpPr>
+          <p:cNvPr id="1220" name="텍스트 상자 5"/>
+          <p:cNvSpPr txBox="1">
+            <a:spLocks/>
+          </p:cNvSpPr>
+          <p:nvPr/>
+        </p:nvSpPr>
+        <p:spPr>
+          <a:xfrm rot="0">
+            <a:off x="6804660" y="5236845"/>
+            <a:ext cx="4152900" cy="923925"/>
+          </a:xfrm>
+          <a:prstGeom prst="rect"/>
+          <a:noFill/>
+          <a:ln w="0">
+            <a:noFill/>
             <a:prstDash/>
-            <a:tailEnd type="triangle" w="med" len="med"/>
           </a:ln>
         </p:spPr>
-        <p:style>
-          <a:lnRef idx="1">
-            <a:schemeClr val="accent1"/>
-          </a:lnRef>
-          <a:fillRef idx="0">
-            <a:schemeClr val="accent1"/>
-          </a:fillRef>
-          <a:effectRef idx="0">
-            <a:schemeClr val="accent1"/>
-          </a:effectRef>
-          <a:fontRef idx="minor">
-            <a:schemeClr val="tx1"/>
-          </a:fontRef>
-        </p:style>
-      </p:cxnSp>
+        <p:txBody>
+          <a:bodyPr wrap="square" lIns="89535" tIns="46355" rIns="89535" bIns="46355" numCol="1" vert="horz" anchor="t">
+            <a:spAutoFit/>
+          </a:bodyPr>
+          <a:lstStyle/>
+          <a:p>
+            <a:pPr marL="0" indent="0" rtl="0" algn="l" defTabSz="914400" eaLnBrk="1" latinLnBrk="0" hangingPunct="1">
+              <a:buFontTx/>
+              <a:buNone/>
+            </a:pPr>
+            <a:r>
+              <a:rPr sz="1800" b="1">
+                <a:solidFill>
+                  <a:srgbClr val="0611F2"/>
+                </a:solidFill>
+                <a:latin typeface="맑은 고딕" charset="0"/>
+                <a:ea typeface="맑은 고딕" charset="0"/>
+              </a:rPr>
+              <a:t>3</a:t>
+            </a:r>
+            <a:r>
+              <a:rPr sz="1800" b="1">
+                <a:solidFill>
+                  <a:srgbClr val="0611F2"/>
+                </a:solidFill>
+                <a:latin typeface="맑은 고딕" charset="0"/>
+                <a:ea typeface="맑은 고딕" charset="0"/>
+              </a:rPr>
+              <a:t>2</a:t>
+            </a:r>
+            <a:r>
+              <a:rPr sz="1800" b="1">
+                <a:solidFill>
+                  <a:srgbClr val="0611F2"/>
+                </a:solidFill>
+                <a:latin typeface="맑은 고딕" charset="0"/>
+                <a:ea typeface="맑은 고딕" charset="0"/>
+              </a:rPr>
+              <a:t>.</a:t>
+            </a:r>
+            <a:r>
+              <a:rPr sz="1800">
+                <a:latin typeface="맑은 고딕" charset="0"/>
+                <a:ea typeface="맑은 고딕" charset="0"/>
+              </a:rPr>
+              <a:t> </a:t>
+            </a:r>
+            <a:r>
+              <a:rPr lang="ko-KR" sz="1800">
+                <a:latin typeface="맑은 고딕" charset="0"/>
+                <a:ea typeface="맑은 고딕" charset="0"/>
+              </a:rPr>
+              <a:t>그러고 나서</a:t>
+            </a:r>
+            <a:r>
+              <a:rPr lang="ko-KR" sz="1800">
+                <a:latin typeface="맑은 고딕" charset="0"/>
+                <a:ea typeface="맑은 고딕" charset="0"/>
+              </a:rPr>
+              <a:t> </a:t>
+            </a:r>
+            <a:r>
+              <a:rPr lang="ko-KR" sz="1800">
+                <a:latin typeface="맑은 고딕" charset="0"/>
+                <a:ea typeface="맑은 고딕" charset="0"/>
+              </a:rPr>
+              <a:t>빈 게임 오브젝트를 생성한 다음 First Position이라는 이름으로 정의합니다.</a:t>
+            </a:r>
+            <a:endParaRPr lang="ko-KR" altLang="en-US" sz="1800">
+              <a:latin typeface="맑은 고딕" charset="0"/>
+              <a:ea typeface="맑은 고딕" charset="0"/>
+            </a:endParaRPr>
+          </a:p>
+        </p:txBody>
+      </p:sp>
     </p:spTree>
   </p:cSld>
   <p:clrMapOvr>
@@ -10440,6 +10809,1774 @@
 </file>
 
 <file path=ppt/slides/slide15.xml><?xml version="1.0" encoding="utf-8"?>
+<p:sld xmlns:a="http://schemas.openxmlformats.org/drawingml/2006/main" xmlns:r="http://schemas.openxmlformats.org/officeDocument/2006/relationships" xmlns:p="http://schemas.openxmlformats.org/presentationml/2006/main">
+  <p:cSld>
+    <p:spTree>
+      <p:nvGrpSpPr>
+        <p:cNvPr id="1" name=""/>
+        <p:cNvGrpSpPr/>
+        <p:nvPr/>
+      </p:nvGrpSpPr>
+      <p:grpSpPr>
+        <a:xfrm>
+          <a:off x="0" y="0"/>
+          <a:ext cx="0" cy="0"/>
+          <a:chOff x="0" y="0"/>
+          <a:chExt cx="0" cy="0"/>
+        </a:xfrm>
+      </p:grpSpPr>
+      <p:sp>
+        <p:nvSpPr>
+          <p:cNvPr id="1031" name="Rect 0"/>
+          <p:cNvSpPr txBox="1">
+            <a:spLocks/>
+          </p:cNvSpPr>
+          <p:nvPr/>
+        </p:nvSpPr>
+        <p:spPr>
+          <a:xfrm rot="0">
+            <a:off x="4564380" y="370840"/>
+            <a:ext cx="3072130" cy="478155"/>
+          </a:xfrm>
+          <a:prstGeom prst="rect"/>
+          <a:noFill/>
+          <a:ln w="0">
+            <a:noFill/>
+            <a:prstDash/>
+          </a:ln>
+        </p:spPr>
+        <p:txBody>
+          <a:bodyPr wrap="square" lIns="89535" tIns="46355" rIns="89535" bIns="46355" numCol="1" vert="horz" anchor="t">
+            <a:spAutoFit/>
+          </a:bodyPr>
+          <a:lstStyle/>
+          <a:p>
+            <a:pPr marL="0" indent="0" algn="ctr" latinLnBrk="0">
+              <a:buFontTx/>
+              <a:buNone/>
+            </a:pPr>
+            <a:r>
+              <a:rPr lang="ko-KR" altLang="en-US" sz="2500" b="1">
+                <a:solidFill>
+                  <a:schemeClr val="tx1"/>
+                </a:solidFill>
+                <a:latin typeface="나눔바른고딕" charset="0"/>
+                <a:ea typeface="나눔바른고딕" charset="0"/>
+              </a:rPr>
+              <a:t>열</a:t>
+            </a:r>
+            <a:r>
+              <a:rPr lang="ko-KR" altLang="en-US" sz="2500" b="1">
+                <a:solidFill>
+                  <a:schemeClr val="tx1"/>
+                </a:solidFill>
+                <a:latin typeface="나눔바른고딕" charset="0"/>
+                <a:ea typeface="나눔바른고딕" charset="0"/>
+              </a:rPr>
+              <a:t>두</a:t>
+            </a:r>
+            <a:r>
+              <a:rPr lang="ko-KR" altLang="en-US" sz="2500" b="1">
+                <a:solidFill>
+                  <a:schemeClr val="tx1"/>
+                </a:solidFill>
+                <a:latin typeface="나눔바른고딕" charset="0"/>
+                <a:ea typeface="나눔바른고딕" charset="0"/>
+              </a:rPr>
+              <a:t> 번째 튜토리얼</a:t>
+            </a:r>
+            <a:endParaRPr lang="ko-KR" altLang="en-US" sz="2500" b="1">
+              <a:solidFill>
+                <a:schemeClr val="tx1"/>
+              </a:solidFill>
+              <a:latin typeface="나눔바른고딕" charset="0"/>
+              <a:ea typeface="나눔바른고딕" charset="0"/>
+            </a:endParaRPr>
+          </a:p>
+        </p:txBody>
+      </p:sp>
+      <p:sp>
+        <p:nvSpPr>
+          <p:cNvPr id="1192" name="Rect 0"/>
+          <p:cNvSpPr txBox="1">
+            <a:spLocks/>
+          </p:cNvSpPr>
+          <p:nvPr/>
+        </p:nvSpPr>
+        <p:spPr>
+          <a:xfrm rot="0">
+            <a:off x="6824345" y="2721610"/>
+            <a:ext cx="4133215" cy="1200785"/>
+          </a:xfrm>
+          <a:prstGeom prst="rect"/>
+          <a:noFill/>
+          <a:ln w="0">
+            <a:noFill/>
+            <a:prstDash/>
+          </a:ln>
+        </p:spPr>
+        <p:txBody>
+          <a:bodyPr wrap="square" lIns="89535" tIns="46355" rIns="89535" bIns="46355" numCol="1" vert="horz" anchor="t">
+            <a:spAutoFit/>
+          </a:bodyPr>
+          <a:lstStyle/>
+          <a:p>
+            <a:pPr marL="0" indent="0" rtl="0" algn="l" defTabSz="914400" eaLnBrk="1" latinLnBrk="0" hangingPunct="1">
+              <a:buFontTx/>
+              <a:buNone/>
+            </a:pPr>
+            <a:r>
+              <a:rPr sz="1800" b="1">
+                <a:solidFill>
+                  <a:srgbClr val="0611F2"/>
+                </a:solidFill>
+                <a:latin typeface="맑은 고딕" charset="0"/>
+                <a:ea typeface="맑은 고딕" charset="0"/>
+              </a:rPr>
+              <a:t>3</a:t>
+            </a:r>
+            <a:r>
+              <a:rPr lang="ko-KR" sz="1800" b="1">
+                <a:solidFill>
+                  <a:srgbClr val="0611F2"/>
+                </a:solidFill>
+                <a:latin typeface="맑은 고딕" charset="0"/>
+                <a:ea typeface="맑은 고딕" charset="0"/>
+              </a:rPr>
+              <a:t>4</a:t>
+            </a:r>
+            <a:r>
+              <a:rPr sz="1800" b="1">
+                <a:solidFill>
+                  <a:srgbClr val="0611F2"/>
+                </a:solidFill>
+                <a:latin typeface="맑은 고딕" charset="0"/>
+                <a:ea typeface="맑은 고딕" charset="0"/>
+              </a:rPr>
+              <a:t>.</a:t>
+            </a:r>
+            <a:r>
+              <a:rPr sz="1800">
+                <a:latin typeface="맑은 고딕" charset="0"/>
+                <a:ea typeface="맑은 고딕" charset="0"/>
+              </a:rPr>
+              <a:t> </a:t>
+            </a:r>
+            <a:r>
+              <a:rPr lang="ko-KR" sz="1800">
+                <a:latin typeface="맑은 고딕" charset="0"/>
+                <a:ea typeface="맑은 고딕" charset="0"/>
+              </a:rPr>
+              <a:t>그리고 </a:t>
+            </a:r>
+            <a:r>
+              <a:rPr lang="ko-KR" sz="1800">
+                <a:latin typeface="맑은 고딕" charset="0"/>
+                <a:ea typeface="맑은 고딕" charset="0"/>
+              </a:rPr>
+              <a:t>Controller 스크립트의 Point를 3으로 설정하고 Nav Mesh Agent에 Character 오브젝트를 넣어줍니다.</a:t>
+            </a:r>
+            <a:endParaRPr lang="ko-KR" altLang="en-US" sz="1800">
+              <a:latin typeface="맑은 고딕" charset="0"/>
+              <a:ea typeface="맑은 고딕" charset="0"/>
+            </a:endParaRPr>
+          </a:p>
+        </p:txBody>
+      </p:sp>
+      <p:sp>
+        <p:nvSpPr>
+          <p:cNvPr id="1220" name="Rect 0"/>
+          <p:cNvSpPr txBox="1">
+            <a:spLocks/>
+          </p:cNvSpPr>
+          <p:nvPr/>
+        </p:nvSpPr>
+        <p:spPr>
+          <a:xfrm rot="0">
+            <a:off x="6824980" y="5519420"/>
+            <a:ext cx="4132580" cy="647065"/>
+          </a:xfrm>
+          <a:prstGeom prst="rect"/>
+          <a:noFill/>
+          <a:ln w="0">
+            <a:noFill/>
+            <a:prstDash/>
+          </a:ln>
+        </p:spPr>
+        <p:txBody>
+          <a:bodyPr wrap="square" lIns="89535" tIns="46355" rIns="89535" bIns="46355" numCol="1" vert="horz" anchor="t">
+            <a:spAutoFit/>
+          </a:bodyPr>
+          <a:lstStyle/>
+          <a:p>
+            <a:pPr marL="0" indent="0" rtl="0" algn="l" defTabSz="914400" eaLnBrk="1" latinLnBrk="0" hangingPunct="1">
+              <a:buFontTx/>
+              <a:buNone/>
+            </a:pPr>
+            <a:r>
+              <a:rPr sz="1800" b="1">
+                <a:solidFill>
+                  <a:srgbClr val="0611F2"/>
+                </a:solidFill>
+                <a:latin typeface="맑은 고딕" charset="0"/>
+                <a:ea typeface="맑은 고딕" charset="0"/>
+              </a:rPr>
+              <a:t>3</a:t>
+            </a:r>
+            <a:r>
+              <a:rPr lang="ko-KR" sz="1800" b="1">
+                <a:solidFill>
+                  <a:srgbClr val="0611F2"/>
+                </a:solidFill>
+                <a:latin typeface="맑은 고딕" charset="0"/>
+                <a:ea typeface="맑은 고딕" charset="0"/>
+              </a:rPr>
+              <a:t>5</a:t>
+            </a:r>
+            <a:r>
+              <a:rPr sz="1800" b="1">
+                <a:solidFill>
+                  <a:srgbClr val="0611F2"/>
+                </a:solidFill>
+                <a:latin typeface="맑은 고딕" charset="0"/>
+                <a:ea typeface="맑은 고딕" charset="0"/>
+              </a:rPr>
+              <a:t>.</a:t>
+            </a:r>
+            <a:r>
+              <a:rPr sz="1800">
+                <a:latin typeface="맑은 고딕" charset="0"/>
+                <a:ea typeface="맑은 고딕" charset="0"/>
+              </a:rPr>
+              <a:t> </a:t>
+            </a:r>
+            <a:r>
+              <a:rPr lang="ko-KR" sz="1800">
+                <a:latin typeface="맑은 고딕" charset="0"/>
+                <a:ea typeface="맑은 고딕" charset="0"/>
+              </a:rPr>
+              <a:t>그다음 First Position</a:t>
+            </a:r>
+            <a:r>
+              <a:rPr lang="ko-KR" sz="1800">
+                <a:latin typeface="맑은 고딕" charset="0"/>
+                <a:ea typeface="맑은 고딕" charset="0"/>
+              </a:rPr>
+              <a:t> 오브젝트의 위치를 설정합니다.</a:t>
+            </a:r>
+            <a:endParaRPr lang="ko-KR" altLang="en-US" sz="1800">
+              <a:latin typeface="맑은 고딕" charset="0"/>
+              <a:ea typeface="맑은 고딕" charset="0"/>
+            </a:endParaRPr>
+          </a:p>
+        </p:txBody>
+      </p:sp>
+      <p:pic>
+        <p:nvPicPr>
+          <p:cNvPr id="1221" name="그림 5" descr="C:/Users/Admin1/AppData/Roaming/PolarisOffice/ETemp/20768_20502728/fImage1193931741.png"/>
+          <p:cNvPicPr>
+            <a:picLocks noChangeAspect="1"/>
+          </p:cNvPicPr>
+          <p:nvPr/>
+        </p:nvPicPr>
+        <p:blipFill rotWithShape="1">
+          <a:blip r:embed="rId2" cstate="print">
+            <a:extLst>
+              <a:ext uri="{28A0092B-C50C-407E-A947-70E740481C1C}">
+                <a14:useLocalDpi xmlns:a14="http://schemas.microsoft.com/office/drawing/2010/main" val="0"/>
+              </a:ext>
+            </a:extLst>
+          </a:blip>
+          <a:stretch>
+            <a:fillRect/>
+          </a:stretch>
+        </p:blipFill>
+        <p:spPr>
+          <a:xfrm rot="0">
+            <a:off x="6816725" y="4015105"/>
+            <a:ext cx="4131945" cy="1413510"/>
+          </a:xfrm>
+          <a:prstGeom prst="roundRect"/>
+          <a:solidFill>
+            <a:srgbClr val="EDEDED"/>
+          </a:solidFill>
+        </p:spPr>
+      </p:pic>
+      <p:pic>
+        <p:nvPicPr>
+          <p:cNvPr id="1222" name="그림 8" descr="C:/Users/Admin1/AppData/Roaming/PolarisOffice/ETemp/20768_20502728/fImage170643188467.png"/>
+          <p:cNvPicPr>
+            <a:picLocks noChangeAspect="1"/>
+          </p:cNvPicPr>
+          <p:nvPr/>
+        </p:nvPicPr>
+        <p:blipFill rotWithShape="1">
+          <a:blip r:embed="rId3" cstate="print">
+            <a:extLst>
+              <a:ext uri="{28A0092B-C50C-407E-A947-70E740481C1C}">
+                <a14:useLocalDpi xmlns:a14="http://schemas.microsoft.com/office/drawing/2010/main" val="0"/>
+              </a:ext>
+            </a:extLst>
+          </a:blip>
+          <a:stretch>
+            <a:fillRect/>
+          </a:stretch>
+        </p:blipFill>
+        <p:spPr>
+          <a:xfrm rot="0">
+            <a:off x="8313420" y="1454785"/>
+            <a:ext cx="2635250" cy="1181100"/>
+          </a:xfrm>
+          <a:prstGeom prst="roundRect"/>
+          <a:solidFill>
+            <a:srgbClr val="EDEDED"/>
+          </a:solidFill>
+        </p:spPr>
+      </p:pic>
+      <p:pic>
+        <p:nvPicPr>
+          <p:cNvPr id="1223" name="그림 11" descr="C:/Users/Admin1/AppData/Roaming/PolarisOffice/ETemp/20768_20502728/fImage97423196334.png"/>
+          <p:cNvPicPr>
+            <a:picLocks noChangeAspect="1"/>
+          </p:cNvPicPr>
+          <p:nvPr/>
+        </p:nvPicPr>
+        <p:blipFill rotWithShape="1">
+          <a:blip r:embed="rId4" cstate="print">
+            <a:extLst>
+              <a:ext uri="{28A0092B-C50C-407E-A947-70E740481C1C}">
+                <a14:useLocalDpi xmlns:a14="http://schemas.microsoft.com/office/drawing/2010/main" val="0"/>
+              </a:ext>
+            </a:extLst>
+          </a:blip>
+          <a:stretch>
+            <a:fillRect/>
+          </a:stretch>
+        </p:blipFill>
+        <p:spPr>
+          <a:xfrm rot="0">
+            <a:off x="6816725" y="1463040"/>
+            <a:ext cx="1264285" cy="1181100"/>
+          </a:xfrm>
+          <a:prstGeom prst="roundRect"/>
+          <a:solidFill>
+            <a:srgbClr val="EDEDED"/>
+          </a:solidFill>
+        </p:spPr>
+      </p:pic>
+      <p:cxnSp>
+        <p:nvCxnSpPr>
+          <p:cNvPr id="1224" name="도형 14"/>
+          <p:cNvCxnSpPr/>
+          <p:nvPr/>
+        </p:nvCxnSpPr>
+        <p:spPr>
+          <a:xfrm rot="0">
+            <a:off x="7631430" y="1745615"/>
+            <a:ext cx="3217545" cy="807085"/>
+          </a:xfrm>
+          <a:prstGeom prst="straightConnector1"/>
+          <a:ln w="6350" cap="flat" cmpd="sng">
+            <a:prstDash/>
+            <a:headEnd type="none" w="med" len="med"/>
+            <a:tailEnd type="triangle" w="med" len="med"/>
+          </a:ln>
+        </p:spPr>
+        <p:style>
+          <a:lnRef idx="1">
+            <a:schemeClr val="accent1"/>
+          </a:lnRef>
+          <a:fillRef idx="0">
+            <a:schemeClr val="accent1"/>
+          </a:fillRef>
+          <a:effectRef idx="0">
+            <a:schemeClr val="accent1"/>
+          </a:effectRef>
+          <a:fontRef idx="minor">
+            <a:schemeClr val="tx1"/>
+          </a:fontRef>
+        </p:style>
+      </p:cxnSp>
+      <p:pic>
+        <p:nvPicPr>
+          <p:cNvPr id="1225" name="그림 15" descr="C:/Users/Admin1/AppData/Roaming/PolarisOffice/ETemp/20768_20502728/fImage85063979718.png"/>
+          <p:cNvPicPr>
+            <a:picLocks noChangeAspect="1"/>
+          </p:cNvPicPr>
+          <p:nvPr/>
+        </p:nvPicPr>
+        <p:blipFill rotWithShape="1">
+          <a:blip r:embed="rId5" cstate="hqprint">
+            <a:extLst>
+              <a:ext uri="{28A0092B-C50C-407E-A947-70E740481C1C}">
+                <a14:useLocalDpi xmlns:a14="http://schemas.microsoft.com/office/drawing/2010/main"/>
+              </a:ext>
+            </a:extLst>
+          </a:blip>
+          <a:stretch>
+            <a:fillRect/>
+          </a:stretch>
+        </p:blipFill>
+        <p:spPr>
+          <a:xfrm rot="0">
+            <a:off x="1238885" y="1454785"/>
+            <a:ext cx="2636520" cy="3550920"/>
+          </a:xfrm>
+          <a:prstGeom prst="roundRect"/>
+          <a:solidFill>
+            <a:srgbClr val="EDEDED"/>
+          </a:solidFill>
+        </p:spPr>
+      </p:pic>
+      <p:sp>
+        <p:nvSpPr>
+          <p:cNvPr id="1226" name="텍스트 상자 16"/>
+          <p:cNvSpPr txBox="1">
+            <a:spLocks/>
+          </p:cNvSpPr>
+          <p:nvPr/>
+        </p:nvSpPr>
+        <p:spPr>
+          <a:xfrm rot="0">
+            <a:off x="1243330" y="5245100"/>
+            <a:ext cx="4135755" cy="923925"/>
+          </a:xfrm>
+          <a:prstGeom prst="rect"/>
+          <a:noFill/>
+          <a:ln w="0">
+            <a:noFill/>
+            <a:prstDash/>
+          </a:ln>
+        </p:spPr>
+        <p:txBody>
+          <a:bodyPr wrap="square" lIns="89535" tIns="46355" rIns="89535" bIns="46355" numCol="1" vert="horz" anchor="t">
+            <a:spAutoFit/>
+          </a:bodyPr>
+          <a:lstStyle/>
+          <a:p>
+            <a:pPr marL="0" indent="0" rtl="0" algn="l" defTabSz="914400" eaLnBrk="1" latinLnBrk="0" hangingPunct="1">
+              <a:buFontTx/>
+              <a:buNone/>
+            </a:pPr>
+            <a:r>
+              <a:rPr sz="1800" b="1">
+                <a:solidFill>
+                  <a:srgbClr val="0611F2"/>
+                </a:solidFill>
+                <a:latin typeface="맑은 고딕" charset="0"/>
+                <a:ea typeface="맑은 고딕" charset="0"/>
+              </a:rPr>
+              <a:t>3</a:t>
+            </a:r>
+            <a:r>
+              <a:rPr sz="1800" b="1">
+                <a:solidFill>
+                  <a:srgbClr val="0611F2"/>
+                </a:solidFill>
+                <a:latin typeface="맑은 고딕" charset="0"/>
+                <a:ea typeface="맑은 고딕" charset="0"/>
+              </a:rPr>
+              <a:t>3</a:t>
+            </a:r>
+            <a:r>
+              <a:rPr sz="1800" b="1">
+                <a:solidFill>
+                  <a:srgbClr val="0611F2"/>
+                </a:solidFill>
+                <a:latin typeface="맑은 고딕" charset="0"/>
+                <a:ea typeface="맑은 고딕" charset="0"/>
+              </a:rPr>
+              <a:t>.</a:t>
+            </a:r>
+            <a:r>
+              <a:rPr sz="1800">
+                <a:latin typeface="맑은 고딕" charset="0"/>
+                <a:ea typeface="맑은 고딕" charset="0"/>
+              </a:rPr>
+              <a:t> </a:t>
+            </a:r>
+            <a:r>
+              <a:rPr lang="ko-KR" sz="1800">
+                <a:latin typeface="맑은 고딕" charset="0"/>
+                <a:ea typeface="맑은 고딕" charset="0"/>
+              </a:rPr>
+              <a:t>이제</a:t>
+            </a:r>
+            <a:r>
+              <a:rPr lang="ko-KR" sz="1800">
+                <a:latin typeface="맑은 고딕" charset="0"/>
+                <a:ea typeface="맑은 고딕" charset="0"/>
+              </a:rPr>
+              <a:t> 빈 게임 오브젝트를 생성</a:t>
+            </a:r>
+            <a:r>
+              <a:rPr lang="ko-KR" sz="1800">
+                <a:latin typeface="맑은 고딕" charset="0"/>
+                <a:ea typeface="맑은 고딕" charset="0"/>
+              </a:rPr>
+              <a:t>하고</a:t>
+            </a:r>
+            <a:r>
+              <a:rPr lang="ko-KR" sz="1800">
+                <a:latin typeface="맑은 고딕" charset="0"/>
+                <a:ea typeface="맑은 고딕" charset="0"/>
+              </a:rPr>
+              <a:t> </a:t>
+            </a:r>
+            <a:r>
+              <a:rPr lang="ko-KR" sz="1800">
+                <a:latin typeface="맑은 고딕" charset="0"/>
+                <a:ea typeface="맑은 고딕" charset="0"/>
+              </a:rPr>
+              <a:t>Second </a:t>
+            </a:r>
+            <a:r>
+              <a:rPr lang="ko-KR" sz="1800">
+                <a:latin typeface="맑은 고딕" charset="0"/>
+                <a:ea typeface="맑은 고딕" charset="0"/>
+              </a:rPr>
+              <a:t>Position이라는 이름으로 정의합니다.</a:t>
+            </a:r>
+            <a:endParaRPr lang="ko-KR" altLang="en-US" sz="1800">
+              <a:latin typeface="맑은 고딕" charset="0"/>
+              <a:ea typeface="맑은 고딕" charset="0"/>
+            </a:endParaRPr>
+          </a:p>
+        </p:txBody>
+      </p:sp>
+      <p:pic>
+        <p:nvPicPr>
+          <p:cNvPr id="1227" name="그림 17" descr="C:/Users/Admin1/AppData/Roaming/PolarisOffice/ETemp/20768_20502728/fImage104963236500.png"/>
+          <p:cNvPicPr>
+            <a:picLocks noChangeAspect="1"/>
+          </p:cNvPicPr>
+          <p:nvPr/>
+        </p:nvPicPr>
+        <p:blipFill rotWithShape="1">
+          <a:blip r:embed="rId6" cstate="print">
+            <a:extLst>
+              <a:ext uri="{28A0092B-C50C-407E-A947-70E740481C1C}">
+                <a14:useLocalDpi xmlns:a14="http://schemas.microsoft.com/office/drawing/2010/main" val="0"/>
+              </a:ext>
+            </a:extLst>
+          </a:blip>
+          <a:stretch>
+            <a:fillRect/>
+          </a:stretch>
+        </p:blipFill>
+        <p:spPr>
+          <a:xfrm rot="0">
+            <a:off x="4031615" y="2194560"/>
+            <a:ext cx="1339215" cy="2062480"/>
+          </a:xfrm>
+          <a:prstGeom prst="roundRect"/>
+          <a:solidFill>
+            <a:srgbClr val="EDEDED"/>
+          </a:solidFill>
+        </p:spPr>
+      </p:pic>
+    </p:spTree>
+  </p:cSld>
+  <p:clrMapOvr>
+    <a:masterClrMapping/>
+  </p:clrMapOvr>
+  <mc:AlternateContent xmlns:mc="http://schemas.openxmlformats.org/markup-compatibility/2006">
+    <mc:Choice xmlns:p14="http://schemas.microsoft.com/office/powerpoint/2010/main" Requires="p14">
+      <p:transition spd="slow" p14:dur="2000"/>
+    </mc:Choice>
+    <mc:Fallback>
+      <p:transition spd="slow"/>
+    </mc:Fallback>
+  </mc:AlternateContent>
+  <p:timing>
+    <p:tnLst>
+      <p:par>
+        <p:cTn id="1" dur="indefinite" restart="never" nodeType="tmRoot"/>
+      </p:par>
+    </p:tnLst>
+  </p:timing>
+</p:sld>
+</file>
+
+<file path=ppt/slides/slide16.xml><?xml version="1.0" encoding="utf-8"?>
+<p:sld xmlns:a="http://schemas.openxmlformats.org/drawingml/2006/main" xmlns:r="http://schemas.openxmlformats.org/officeDocument/2006/relationships" xmlns:p="http://schemas.openxmlformats.org/presentationml/2006/main">
+  <p:cSld>
+    <p:spTree>
+      <p:nvGrpSpPr>
+        <p:cNvPr id="1" name=""/>
+        <p:cNvGrpSpPr/>
+        <p:nvPr/>
+      </p:nvGrpSpPr>
+      <p:grpSpPr>
+        <a:xfrm>
+          <a:off x="0" y="0"/>
+          <a:ext cx="0" cy="0"/>
+          <a:chOff x="0" y="0"/>
+          <a:chExt cx="0" cy="0"/>
+        </a:xfrm>
+      </p:grpSpPr>
+      <p:sp>
+        <p:nvSpPr>
+          <p:cNvPr id="1031" name="Rect 0"/>
+          <p:cNvSpPr txBox="1">
+            <a:spLocks/>
+          </p:cNvSpPr>
+          <p:nvPr/>
+        </p:nvSpPr>
+        <p:spPr>
+          <a:xfrm rot="0">
+            <a:off x="4564380" y="370840"/>
+            <a:ext cx="3072130" cy="478155"/>
+          </a:xfrm>
+          <a:prstGeom prst="rect"/>
+          <a:noFill/>
+          <a:ln w="0">
+            <a:noFill/>
+            <a:prstDash/>
+          </a:ln>
+        </p:spPr>
+        <p:txBody>
+          <a:bodyPr wrap="square" lIns="89535" tIns="46355" rIns="89535" bIns="46355" numCol="1" vert="horz" anchor="t">
+            <a:spAutoFit/>
+          </a:bodyPr>
+          <a:lstStyle/>
+          <a:p>
+            <a:pPr marL="0" indent="0" algn="ctr" latinLnBrk="0">
+              <a:buFontTx/>
+              <a:buNone/>
+            </a:pPr>
+            <a:r>
+              <a:rPr lang="ko-KR" altLang="en-US" sz="2500" b="1">
+                <a:solidFill>
+                  <a:schemeClr val="tx1"/>
+                </a:solidFill>
+                <a:latin typeface="나눔바른고딕" charset="0"/>
+                <a:ea typeface="나눔바른고딕" charset="0"/>
+              </a:rPr>
+              <a:t>열</a:t>
+            </a:r>
+            <a:r>
+              <a:rPr lang="ko-KR" altLang="en-US" sz="2500" b="1">
+                <a:solidFill>
+                  <a:schemeClr val="tx1"/>
+                </a:solidFill>
+                <a:latin typeface="나눔바른고딕" charset="0"/>
+                <a:ea typeface="나눔바른고딕" charset="0"/>
+              </a:rPr>
+              <a:t>세</a:t>
+            </a:r>
+            <a:r>
+              <a:rPr lang="ko-KR" altLang="en-US" sz="2500" b="1">
+                <a:solidFill>
+                  <a:schemeClr val="tx1"/>
+                </a:solidFill>
+                <a:latin typeface="나눔바른고딕" charset="0"/>
+                <a:ea typeface="나눔바른고딕" charset="0"/>
+              </a:rPr>
+              <a:t> 번째 튜토리얼</a:t>
+            </a:r>
+            <a:endParaRPr lang="ko-KR" altLang="en-US" sz="2500" b="1">
+              <a:solidFill>
+                <a:schemeClr val="tx1"/>
+              </a:solidFill>
+              <a:latin typeface="나눔바른고딕" charset="0"/>
+              <a:ea typeface="나눔바른고딕" charset="0"/>
+            </a:endParaRPr>
+          </a:p>
+        </p:txBody>
+      </p:sp>
+      <p:sp>
+        <p:nvSpPr>
+          <p:cNvPr id="1226" name="Rect 0"/>
+          <p:cNvSpPr txBox="1">
+            <a:spLocks/>
+          </p:cNvSpPr>
+          <p:nvPr/>
+        </p:nvSpPr>
+        <p:spPr>
+          <a:xfrm rot="0">
+            <a:off x="1235075" y="5519420"/>
+            <a:ext cx="4135755" cy="647065"/>
+          </a:xfrm>
+          <a:prstGeom prst="rect"/>
+          <a:noFill/>
+          <a:ln w="0">
+            <a:noFill/>
+            <a:prstDash/>
+          </a:ln>
+        </p:spPr>
+        <p:txBody>
+          <a:bodyPr wrap="square" lIns="89535" tIns="46355" rIns="89535" bIns="46355" numCol="1" vert="horz" anchor="t">
+            <a:spAutoFit/>
+          </a:bodyPr>
+          <a:lstStyle/>
+          <a:p>
+            <a:pPr marL="0" indent="0" rtl="0" algn="l" defTabSz="914400" eaLnBrk="1" latinLnBrk="0" hangingPunct="1">
+              <a:buFontTx/>
+              <a:buNone/>
+            </a:pPr>
+            <a:r>
+              <a:rPr sz="1800" b="1">
+                <a:solidFill>
+                  <a:srgbClr val="0611F2"/>
+                </a:solidFill>
+                <a:latin typeface="맑은 고딕" charset="0"/>
+                <a:ea typeface="맑은 고딕" charset="0"/>
+              </a:rPr>
+              <a:t>3</a:t>
+            </a:r>
+            <a:r>
+              <a:rPr lang="ko-KR" sz="1800" b="1">
+                <a:solidFill>
+                  <a:srgbClr val="0611F2"/>
+                </a:solidFill>
+                <a:latin typeface="맑은 고딕" charset="0"/>
+                <a:ea typeface="맑은 고딕" charset="0"/>
+              </a:rPr>
+              <a:t>7</a:t>
+            </a:r>
+            <a:r>
+              <a:rPr sz="1800" b="1">
+                <a:solidFill>
+                  <a:srgbClr val="0611F2"/>
+                </a:solidFill>
+                <a:latin typeface="맑은 고딕" charset="0"/>
+                <a:ea typeface="맑은 고딕" charset="0"/>
+              </a:rPr>
+              <a:t>.</a:t>
+            </a:r>
+            <a:r>
+              <a:rPr sz="1800">
+                <a:latin typeface="맑은 고딕" charset="0"/>
+                <a:ea typeface="맑은 고딕" charset="0"/>
+              </a:rPr>
+              <a:t> </a:t>
+            </a:r>
+            <a:r>
+              <a:rPr lang="ko-KR" sz="1800">
+                <a:latin typeface="맑은 고딕" charset="0"/>
+                <a:ea typeface="맑은 고딕" charset="0"/>
+              </a:rPr>
+              <a:t>그러고 나서 Second Position</a:t>
+            </a:r>
+            <a:r>
+              <a:rPr lang="ko-KR" sz="1800">
+                <a:latin typeface="맑은 고딕" charset="0"/>
+                <a:ea typeface="맑은 고딕" charset="0"/>
+              </a:rPr>
+              <a:t> 오브젝트의 위치를 설정합니다.</a:t>
+            </a:r>
+            <a:endParaRPr lang="ko-KR" altLang="en-US" sz="1800">
+              <a:latin typeface="맑은 고딕" charset="0"/>
+              <a:ea typeface="맑은 고딕" charset="0"/>
+            </a:endParaRPr>
+          </a:p>
+        </p:txBody>
+      </p:sp>
+      <p:pic>
+        <p:nvPicPr>
+          <p:cNvPr id="1227" name="그림 20" descr="C:/Users/Admin1/AppData/Roaming/PolarisOffice/ETemp/20768_20502728/fImage176213379169.png"/>
+          <p:cNvPicPr>
+            <a:picLocks noChangeAspect="1"/>
+          </p:cNvPicPr>
+          <p:nvPr/>
+        </p:nvPicPr>
+        <p:blipFill rotWithShape="1">
+          <a:blip r:embed="rId2" cstate="print">
+            <a:extLst>
+              <a:ext uri="{28A0092B-C50C-407E-A947-70E740481C1C}">
+                <a14:useLocalDpi xmlns:a14="http://schemas.microsoft.com/office/drawing/2010/main" val="0"/>
+              </a:ext>
+            </a:extLst>
+          </a:blip>
+          <a:stretch>
+            <a:fillRect/>
+          </a:stretch>
+        </p:blipFill>
+        <p:spPr>
+          <a:xfrm rot="0">
+            <a:off x="2734945" y="1454785"/>
+            <a:ext cx="2635885" cy="1239520"/>
+          </a:xfrm>
+          <a:prstGeom prst="roundRect"/>
+          <a:solidFill>
+            <a:srgbClr val="EDEDED"/>
+          </a:solidFill>
+        </p:spPr>
+      </p:pic>
+      <p:pic>
+        <p:nvPicPr>
+          <p:cNvPr id="1228" name="그림 23" descr="C:/Users/Admin1/AppData/Roaming/PolarisOffice/ETemp/20768_20502728/fImage104483385724.png"/>
+          <p:cNvPicPr>
+            <a:picLocks noChangeAspect="1"/>
+          </p:cNvPicPr>
+          <p:nvPr/>
+        </p:nvPicPr>
+        <p:blipFill rotWithShape="1">
+          <a:blip r:embed="rId3" cstate="print">
+            <a:extLst>
+              <a:ext uri="{28A0092B-C50C-407E-A947-70E740481C1C}">
+                <a14:useLocalDpi xmlns:a14="http://schemas.microsoft.com/office/drawing/2010/main" val="0"/>
+              </a:ext>
+            </a:extLst>
+          </a:blip>
+          <a:stretch>
+            <a:fillRect/>
+          </a:stretch>
+        </p:blipFill>
+        <p:spPr>
+          <a:xfrm rot="0">
+            <a:off x="1242695" y="1455420"/>
+            <a:ext cx="1360170" cy="1247140"/>
+          </a:xfrm>
+          <a:prstGeom prst="roundRect"/>
+          <a:solidFill>
+            <a:srgbClr val="EDEDED"/>
+          </a:solidFill>
+        </p:spPr>
+      </p:pic>
+      <p:cxnSp>
+        <p:nvCxnSpPr>
+          <p:cNvPr id="1229" name="도형 26"/>
+          <p:cNvCxnSpPr/>
+          <p:nvPr/>
+        </p:nvCxnSpPr>
+        <p:spPr>
+          <a:xfrm rot="0" flipV="1">
+            <a:off x="2219960" y="2061845"/>
+            <a:ext cx="3026410" cy="448945"/>
+          </a:xfrm>
+          <a:prstGeom prst="straightConnector1"/>
+          <a:ln w="6350" cap="flat" cmpd="sng">
+            <a:prstDash/>
+            <a:headEnd type="none" w="med" len="med"/>
+            <a:tailEnd type="triangle" w="med" len="med"/>
+          </a:ln>
+        </p:spPr>
+        <p:style>
+          <a:lnRef idx="1">
+            <a:schemeClr val="accent1"/>
+          </a:lnRef>
+          <a:fillRef idx="0">
+            <a:schemeClr val="accent1"/>
+          </a:fillRef>
+          <a:effectRef idx="0">
+            <a:schemeClr val="accent1"/>
+          </a:effectRef>
+          <a:fontRef idx="minor">
+            <a:schemeClr val="tx1"/>
+          </a:fontRef>
+        </p:style>
+      </p:cxnSp>
+      <p:sp>
+        <p:nvSpPr>
+          <p:cNvPr id="1230" name="텍스트 상자 27"/>
+          <p:cNvSpPr txBox="1">
+            <a:spLocks/>
+          </p:cNvSpPr>
+          <p:nvPr/>
+        </p:nvSpPr>
+        <p:spPr>
+          <a:xfrm rot="0">
+            <a:off x="1248410" y="2839085"/>
+            <a:ext cx="4122420" cy="923925"/>
+          </a:xfrm>
+          <a:prstGeom prst="rect"/>
+          <a:noFill/>
+          <a:ln w="0">
+            <a:noFill/>
+            <a:prstDash/>
+          </a:ln>
+        </p:spPr>
+        <p:txBody>
+          <a:bodyPr wrap="square" lIns="89535" tIns="46355" rIns="89535" bIns="46355" numCol="1" vert="horz" anchor="t">
+            <a:spAutoFit/>
+          </a:bodyPr>
+          <a:lstStyle/>
+          <a:p>
+            <a:pPr marL="0" indent="0" rtl="0" algn="l" defTabSz="914400" eaLnBrk="1" latinLnBrk="0" hangingPunct="1">
+              <a:buFontTx/>
+              <a:buNone/>
+            </a:pPr>
+            <a:r>
+              <a:rPr sz="1800" b="1">
+                <a:solidFill>
+                  <a:srgbClr val="0611F2"/>
+                </a:solidFill>
+                <a:latin typeface="맑은 고딕" charset="0"/>
+                <a:ea typeface="맑은 고딕" charset="0"/>
+              </a:rPr>
+              <a:t>3</a:t>
+            </a:r>
+            <a:r>
+              <a:rPr lang="ko-KR" sz="1800" b="1">
+                <a:solidFill>
+                  <a:srgbClr val="0611F2"/>
+                </a:solidFill>
+                <a:latin typeface="맑은 고딕" charset="0"/>
+                <a:ea typeface="맑은 고딕" charset="0"/>
+              </a:rPr>
+              <a:t>6</a:t>
+            </a:r>
+            <a:r>
+              <a:rPr sz="1800" b="1">
+                <a:solidFill>
+                  <a:srgbClr val="0611F2"/>
+                </a:solidFill>
+                <a:latin typeface="맑은 고딕" charset="0"/>
+                <a:ea typeface="맑은 고딕" charset="0"/>
+              </a:rPr>
+              <a:t>.</a:t>
+            </a:r>
+            <a:r>
+              <a:rPr sz="1800">
+                <a:latin typeface="맑은 고딕" charset="0"/>
+                <a:ea typeface="맑은 고딕" charset="0"/>
+              </a:rPr>
+              <a:t> </a:t>
+            </a:r>
+            <a:r>
+              <a:rPr lang="ko-KR" sz="1800">
+                <a:latin typeface="맑은 고딕" charset="0"/>
+                <a:ea typeface="맑은 고딕" charset="0"/>
+              </a:rPr>
+              <a:t>그런 다음</a:t>
+            </a:r>
+            <a:r>
+              <a:rPr lang="ko-KR" sz="1800">
+                <a:latin typeface="맑은 고딕" charset="0"/>
+                <a:ea typeface="맑은 고딕" charset="0"/>
+              </a:rPr>
+              <a:t> </a:t>
+            </a:r>
+            <a:r>
+              <a:rPr lang="ko-KR" sz="1800">
+                <a:latin typeface="맑은 고딕" charset="0"/>
+                <a:ea typeface="맑은 고딕" charset="0"/>
+              </a:rPr>
+              <a:t>Controller 스크립트의 Point 배열 Element 0에 First Position 오브젝트를 넣어줍니다.</a:t>
+            </a:r>
+            <a:endParaRPr lang="ko-KR" altLang="en-US" sz="1800">
+              <a:latin typeface="맑은 고딕" charset="0"/>
+              <a:ea typeface="맑은 고딕" charset="0"/>
+            </a:endParaRPr>
+          </a:p>
+        </p:txBody>
+      </p:sp>
+      <p:pic>
+        <p:nvPicPr>
+          <p:cNvPr id="1231" name="그림 28" descr="C:/Users/Admin1/AppData/Roaming/PolarisOffice/ETemp/20768_20502728/fImage121103411478.png"/>
+          <p:cNvPicPr>
+            <a:picLocks noChangeAspect="1"/>
+          </p:cNvPicPr>
+          <p:nvPr/>
+        </p:nvPicPr>
+        <p:blipFill rotWithShape="1">
+          <a:blip r:embed="rId4" cstate="print">
+            <a:extLst>
+              <a:ext uri="{28A0092B-C50C-407E-A947-70E740481C1C}">
+                <a14:useLocalDpi xmlns:a14="http://schemas.microsoft.com/office/drawing/2010/main" val="0"/>
+              </a:ext>
+            </a:extLst>
+          </a:blip>
+          <a:stretch>
+            <a:fillRect/>
+          </a:stretch>
+        </p:blipFill>
+        <p:spPr>
+          <a:xfrm rot="0">
+            <a:off x="1230630" y="3907155"/>
+            <a:ext cx="4148455" cy="1522095"/>
+          </a:xfrm>
+          <a:prstGeom prst="roundRect"/>
+          <a:solidFill>
+            <a:srgbClr val="EDEDED"/>
+          </a:solidFill>
+        </p:spPr>
+      </p:pic>
+      <p:pic>
+        <p:nvPicPr>
+          <p:cNvPr id="1232" name="그림 31" descr="C:/Users/Admin1/AppData/Roaming/PolarisOffice/ETemp/20768_20502728/fImage85063979718.png"/>
+          <p:cNvPicPr>
+            <a:picLocks noChangeAspect="1"/>
+          </p:cNvPicPr>
+          <p:nvPr/>
+        </p:nvPicPr>
+        <p:blipFill rotWithShape="1">
+          <a:blip r:embed="rId5" cstate="hqprint">
+            <a:extLst>
+              <a:ext uri="{28A0092B-C50C-407E-A947-70E740481C1C}">
+                <a14:useLocalDpi xmlns:a14="http://schemas.microsoft.com/office/drawing/2010/main"/>
+              </a:ext>
+            </a:extLst>
+          </a:blip>
+          <a:stretch>
+            <a:fillRect/>
+          </a:stretch>
+        </p:blipFill>
+        <p:spPr>
+          <a:xfrm rot="0">
+            <a:off x="6816725" y="1454785"/>
+            <a:ext cx="2620010" cy="3550920"/>
+          </a:xfrm>
+          <a:prstGeom prst="roundRect"/>
+          <a:solidFill>
+            <a:srgbClr val="EDEDED"/>
+          </a:solidFill>
+        </p:spPr>
+      </p:pic>
+      <p:sp>
+        <p:nvSpPr>
+          <p:cNvPr id="1234" name="텍스트 상자 33"/>
+          <p:cNvSpPr txBox="1">
+            <a:spLocks/>
+          </p:cNvSpPr>
+          <p:nvPr/>
+        </p:nvSpPr>
+        <p:spPr>
+          <a:xfrm rot="0">
+            <a:off x="6804660" y="5245100"/>
+            <a:ext cx="4152900" cy="923925"/>
+          </a:xfrm>
+          <a:prstGeom prst="rect"/>
+          <a:noFill/>
+          <a:ln w="0">
+            <a:noFill/>
+            <a:prstDash/>
+          </a:ln>
+        </p:spPr>
+        <p:txBody>
+          <a:bodyPr wrap="square" lIns="89535" tIns="46355" rIns="89535" bIns="46355" numCol="1" vert="horz" anchor="t">
+            <a:spAutoFit/>
+          </a:bodyPr>
+          <a:lstStyle/>
+          <a:p>
+            <a:pPr marL="0" indent="0" rtl="0" algn="l" defTabSz="914400" eaLnBrk="1" latinLnBrk="0" hangingPunct="1">
+              <a:buFontTx/>
+              <a:buNone/>
+            </a:pPr>
+            <a:r>
+              <a:rPr sz="1800" b="1">
+                <a:solidFill>
+                  <a:srgbClr val="0611F2"/>
+                </a:solidFill>
+                <a:latin typeface="맑은 고딕" charset="0"/>
+                <a:ea typeface="맑은 고딕" charset="0"/>
+              </a:rPr>
+              <a:t>3</a:t>
+            </a:r>
+            <a:r>
+              <a:rPr sz="1800" b="1">
+                <a:solidFill>
+                  <a:srgbClr val="0611F2"/>
+                </a:solidFill>
+                <a:latin typeface="맑은 고딕" charset="0"/>
+                <a:ea typeface="맑은 고딕" charset="0"/>
+              </a:rPr>
+              <a:t>8</a:t>
+            </a:r>
+            <a:r>
+              <a:rPr sz="1800" b="1">
+                <a:solidFill>
+                  <a:srgbClr val="0611F2"/>
+                </a:solidFill>
+                <a:latin typeface="맑은 고딕" charset="0"/>
+                <a:ea typeface="맑은 고딕" charset="0"/>
+              </a:rPr>
+              <a:t>.</a:t>
+            </a:r>
+            <a:r>
+              <a:rPr sz="1800">
+                <a:latin typeface="맑은 고딕" charset="0"/>
+                <a:ea typeface="맑은 고딕" charset="0"/>
+              </a:rPr>
+              <a:t> </a:t>
+            </a:r>
+            <a:r>
+              <a:rPr lang="ko-KR" sz="1800">
+                <a:latin typeface="맑은 고딕" charset="0"/>
+                <a:ea typeface="맑은 고딕" charset="0"/>
+              </a:rPr>
+              <a:t>이제</a:t>
+            </a:r>
+            <a:r>
+              <a:rPr lang="ko-KR" sz="1800">
+                <a:latin typeface="맑은 고딕" charset="0"/>
+                <a:ea typeface="맑은 고딕" charset="0"/>
+              </a:rPr>
+              <a:t> 빈 게임 오브젝트를 생성한 다음 </a:t>
+            </a:r>
+            <a:r>
+              <a:rPr lang="ko-KR" sz="1800">
+                <a:latin typeface="맑은 고딕" charset="0"/>
+                <a:ea typeface="맑은 고딕" charset="0"/>
+              </a:rPr>
+              <a:t>Third</a:t>
+            </a:r>
+            <a:r>
+              <a:rPr lang="ko-KR" sz="1800">
+                <a:latin typeface="맑은 고딕" charset="0"/>
+                <a:ea typeface="맑은 고딕" charset="0"/>
+              </a:rPr>
+              <a:t> Position이라는 이름으로 정의합니다.</a:t>
+            </a:r>
+            <a:endParaRPr lang="ko-KR" altLang="en-US" sz="1800">
+              <a:latin typeface="맑은 고딕" charset="0"/>
+              <a:ea typeface="맑은 고딕" charset="0"/>
+            </a:endParaRPr>
+          </a:p>
+        </p:txBody>
+      </p:sp>
+      <p:pic>
+        <p:nvPicPr>
+          <p:cNvPr id="1235" name="그림 34" descr="C:/Users/Admin1/AppData/Roaming/PolarisOffice/ETemp/20768_20502728/fImage106793459358.png"/>
+          <p:cNvPicPr>
+            <a:picLocks noChangeAspect="1"/>
+          </p:cNvPicPr>
+          <p:nvPr/>
+        </p:nvPicPr>
+        <p:blipFill rotWithShape="1">
+          <a:blip r:embed="rId6" cstate="print">
+            <a:extLst>
+              <a:ext uri="{28A0092B-C50C-407E-A947-70E740481C1C}">
+                <a14:useLocalDpi xmlns:a14="http://schemas.microsoft.com/office/drawing/2010/main" val="0"/>
+              </a:ext>
+            </a:extLst>
+          </a:blip>
+          <a:stretch>
+            <a:fillRect/>
+          </a:stretch>
+        </p:blipFill>
+        <p:spPr>
+          <a:xfrm rot="0">
+            <a:off x="9585325" y="2219325"/>
+            <a:ext cx="1363980" cy="2095500"/>
+          </a:xfrm>
+          <a:prstGeom prst="roundRect"/>
+          <a:solidFill>
+            <a:srgbClr val="EDEDED"/>
+          </a:solidFill>
+        </p:spPr>
+      </p:pic>
+    </p:spTree>
+  </p:cSld>
+  <p:clrMapOvr>
+    <a:masterClrMapping/>
+  </p:clrMapOvr>
+  <mc:AlternateContent xmlns:mc="http://schemas.openxmlformats.org/markup-compatibility/2006">
+    <mc:Choice xmlns:p14="http://schemas.microsoft.com/office/powerpoint/2010/main" Requires="p14">
+      <p:transition spd="slow" p14:dur="2000"/>
+    </mc:Choice>
+    <mc:Fallback>
+      <p:transition spd="slow"/>
+    </mc:Fallback>
+  </mc:AlternateContent>
+  <p:timing>
+    <p:tnLst>
+      <p:par>
+        <p:cTn id="1" dur="indefinite" restart="never" nodeType="tmRoot"/>
+      </p:par>
+    </p:tnLst>
+  </p:timing>
+</p:sld>
+</file>
+
+<file path=ppt/slides/slide17.xml><?xml version="1.0" encoding="utf-8"?>
+<p:sld xmlns:a="http://schemas.openxmlformats.org/drawingml/2006/main" xmlns:r="http://schemas.openxmlformats.org/officeDocument/2006/relationships" xmlns:p="http://schemas.openxmlformats.org/presentationml/2006/main">
+  <p:cSld>
+    <p:spTree>
+      <p:nvGrpSpPr>
+        <p:cNvPr id="1" name=""/>
+        <p:cNvGrpSpPr/>
+        <p:nvPr/>
+      </p:nvGrpSpPr>
+      <p:grpSpPr>
+        <a:xfrm>
+          <a:off x="0" y="0"/>
+          <a:ext cx="0" cy="0"/>
+          <a:chOff x="0" y="0"/>
+          <a:chExt cx="0" cy="0"/>
+        </a:xfrm>
+      </p:grpSpPr>
+      <p:sp>
+        <p:nvSpPr>
+          <p:cNvPr id="1031" name="Rect 0"/>
+          <p:cNvSpPr txBox="1">
+            <a:spLocks/>
+          </p:cNvSpPr>
+          <p:nvPr/>
+        </p:nvSpPr>
+        <p:spPr>
+          <a:xfrm rot="0">
+            <a:off x="4564380" y="370840"/>
+            <a:ext cx="3072130" cy="478155"/>
+          </a:xfrm>
+          <a:prstGeom prst="rect"/>
+          <a:noFill/>
+          <a:ln w="0">
+            <a:noFill/>
+            <a:prstDash/>
+          </a:ln>
+        </p:spPr>
+        <p:txBody>
+          <a:bodyPr wrap="square" lIns="89535" tIns="46355" rIns="89535" bIns="46355" numCol="1" vert="horz" anchor="t">
+            <a:spAutoFit/>
+          </a:bodyPr>
+          <a:lstStyle/>
+          <a:p>
+            <a:pPr marL="0" indent="0" algn="ctr" latinLnBrk="0">
+              <a:buFontTx/>
+              <a:buNone/>
+            </a:pPr>
+            <a:r>
+              <a:rPr lang="ko-KR" altLang="en-US" sz="2500" b="1">
+                <a:solidFill>
+                  <a:schemeClr val="tx1"/>
+                </a:solidFill>
+                <a:latin typeface="나눔바른고딕" charset="0"/>
+                <a:ea typeface="나눔바른고딕" charset="0"/>
+              </a:rPr>
+              <a:t>열</a:t>
+            </a:r>
+            <a:r>
+              <a:rPr lang="ko-KR" altLang="en-US" sz="2500" b="1">
+                <a:solidFill>
+                  <a:schemeClr val="tx1"/>
+                </a:solidFill>
+                <a:latin typeface="나눔바른고딕" charset="0"/>
+                <a:ea typeface="나눔바른고딕" charset="0"/>
+              </a:rPr>
+              <a:t>네</a:t>
+            </a:r>
+            <a:r>
+              <a:rPr lang="ko-KR" altLang="en-US" sz="2500" b="1">
+                <a:solidFill>
+                  <a:schemeClr val="tx1"/>
+                </a:solidFill>
+                <a:latin typeface="나눔바른고딕" charset="0"/>
+                <a:ea typeface="나눔바른고딕" charset="0"/>
+              </a:rPr>
+              <a:t> 번째 튜토리얼</a:t>
+            </a:r>
+            <a:endParaRPr lang="ko-KR" altLang="en-US" sz="2500" b="1">
+              <a:solidFill>
+                <a:schemeClr val="tx1"/>
+              </a:solidFill>
+              <a:latin typeface="나눔바른고딕" charset="0"/>
+              <a:ea typeface="나눔바른고딕" charset="0"/>
+            </a:endParaRPr>
+          </a:p>
+        </p:txBody>
+      </p:sp>
+      <p:sp>
+        <p:nvSpPr>
+          <p:cNvPr id="1226" name="Rect 0"/>
+          <p:cNvSpPr txBox="1">
+            <a:spLocks/>
+          </p:cNvSpPr>
+          <p:nvPr/>
+        </p:nvSpPr>
+        <p:spPr>
+          <a:xfrm rot="0">
+            <a:off x="1235075" y="5511165"/>
+            <a:ext cx="4135755" cy="647065"/>
+          </a:xfrm>
+          <a:prstGeom prst="rect"/>
+          <a:noFill/>
+          <a:ln w="0">
+            <a:noFill/>
+            <a:prstDash/>
+          </a:ln>
+        </p:spPr>
+        <p:txBody>
+          <a:bodyPr wrap="square" lIns="89535" tIns="46355" rIns="89535" bIns="46355" numCol="1" vert="horz" anchor="t">
+            <a:spAutoFit/>
+          </a:bodyPr>
+          <a:lstStyle/>
+          <a:p>
+            <a:pPr marL="0" indent="0" rtl="0" algn="l" defTabSz="914400" eaLnBrk="1" latinLnBrk="0" hangingPunct="1">
+              <a:buFontTx/>
+              <a:buNone/>
+            </a:pPr>
+            <a:r>
+              <a:rPr sz="1800" b="1">
+                <a:solidFill>
+                  <a:srgbClr val="0611F2"/>
+                </a:solidFill>
+                <a:latin typeface="맑은 고딕" charset="0"/>
+                <a:ea typeface="맑은 고딕" charset="0"/>
+              </a:rPr>
+              <a:t>40</a:t>
+            </a:r>
+            <a:r>
+              <a:rPr sz="1800" b="1">
+                <a:solidFill>
+                  <a:srgbClr val="0611F2"/>
+                </a:solidFill>
+                <a:latin typeface="맑은 고딕" charset="0"/>
+                <a:ea typeface="맑은 고딕" charset="0"/>
+              </a:rPr>
+              <a:t>.</a:t>
+            </a:r>
+            <a:r>
+              <a:rPr sz="1800">
+                <a:latin typeface="맑은 고딕" charset="0"/>
+                <a:ea typeface="맑은 고딕" charset="0"/>
+              </a:rPr>
+              <a:t> </a:t>
+            </a:r>
+            <a:r>
+              <a:rPr lang="ko-KR" sz="1800">
+                <a:latin typeface="맑은 고딕" charset="0"/>
+                <a:ea typeface="맑은 고딕" charset="0"/>
+              </a:rPr>
+              <a:t>그러고 나서 Third Position</a:t>
+            </a:r>
+            <a:r>
+              <a:rPr lang="ko-KR" sz="1800">
+                <a:latin typeface="맑은 고딕" charset="0"/>
+                <a:ea typeface="맑은 고딕" charset="0"/>
+              </a:rPr>
+              <a:t> 오브젝트의 위치를 설정합니다.</a:t>
+            </a:r>
+            <a:endParaRPr lang="ko-KR" altLang="en-US" sz="1800">
+              <a:latin typeface="맑은 고딕" charset="0"/>
+              <a:ea typeface="맑은 고딕" charset="0"/>
+            </a:endParaRPr>
+          </a:p>
+        </p:txBody>
+      </p:sp>
+      <p:sp>
+        <p:nvSpPr>
+          <p:cNvPr id="1230" name="Rect 0"/>
+          <p:cNvSpPr txBox="1">
+            <a:spLocks/>
+          </p:cNvSpPr>
+          <p:nvPr/>
+        </p:nvSpPr>
+        <p:spPr>
+          <a:xfrm rot="0">
+            <a:off x="1238885" y="2855595"/>
+            <a:ext cx="4131945" cy="923925"/>
+          </a:xfrm>
+          <a:prstGeom prst="rect"/>
+          <a:noFill/>
+          <a:ln w="0">
+            <a:noFill/>
+            <a:prstDash/>
+          </a:ln>
+        </p:spPr>
+        <p:txBody>
+          <a:bodyPr wrap="square" lIns="89535" tIns="46355" rIns="89535" bIns="46355" numCol="1" vert="horz" anchor="t">
+            <a:spAutoFit/>
+          </a:bodyPr>
+          <a:lstStyle/>
+          <a:p>
+            <a:pPr marL="0" indent="0" rtl="0" algn="l" defTabSz="914400" eaLnBrk="1" latinLnBrk="0" hangingPunct="1">
+              <a:buFontTx/>
+              <a:buNone/>
+            </a:pPr>
+            <a:r>
+              <a:rPr sz="1800" b="1">
+                <a:solidFill>
+                  <a:srgbClr val="0611F2"/>
+                </a:solidFill>
+                <a:latin typeface="맑은 고딕" charset="0"/>
+                <a:ea typeface="맑은 고딕" charset="0"/>
+              </a:rPr>
+              <a:t>39</a:t>
+            </a:r>
+            <a:r>
+              <a:rPr sz="1800" b="1">
+                <a:solidFill>
+                  <a:srgbClr val="0611F2"/>
+                </a:solidFill>
+                <a:latin typeface="맑은 고딕" charset="0"/>
+                <a:ea typeface="맑은 고딕" charset="0"/>
+              </a:rPr>
+              <a:t>.</a:t>
+            </a:r>
+            <a:r>
+              <a:rPr sz="1800">
+                <a:latin typeface="맑은 고딕" charset="0"/>
+                <a:ea typeface="맑은 고딕" charset="0"/>
+              </a:rPr>
+              <a:t> </a:t>
+            </a:r>
+            <a:r>
+              <a:rPr lang="ko-KR" sz="1800">
+                <a:latin typeface="맑은 고딕" charset="0"/>
+                <a:ea typeface="맑은 고딕" charset="0"/>
+              </a:rPr>
+              <a:t>그다음</a:t>
+            </a:r>
+            <a:r>
+              <a:rPr lang="ko-KR" sz="1800">
+                <a:latin typeface="맑은 고딕" charset="0"/>
+                <a:ea typeface="맑은 고딕" charset="0"/>
+              </a:rPr>
+              <a:t> </a:t>
+            </a:r>
+            <a:r>
+              <a:rPr lang="ko-KR" sz="1800">
+                <a:latin typeface="맑은 고딕" charset="0"/>
+                <a:ea typeface="맑은 고딕" charset="0"/>
+              </a:rPr>
+              <a:t>Controller 스크립트의 Point 배열 Element 1에 Sceond Position 오브젝트를 넣어줍니다.</a:t>
+            </a:r>
+            <a:endParaRPr lang="ko-KR" altLang="en-US" sz="1800">
+              <a:latin typeface="맑은 고딕" charset="0"/>
+              <a:ea typeface="맑은 고딕" charset="0"/>
+            </a:endParaRPr>
+          </a:p>
+        </p:txBody>
+      </p:sp>
+      <p:pic>
+        <p:nvPicPr>
+          <p:cNvPr id="1236" name="그림 37" descr="C:/Users/Admin1/AppData/Roaming/PolarisOffice/ETemp/20768_20502728/fImage118723596962.png"/>
+          <p:cNvPicPr>
+            <a:picLocks noChangeAspect="1"/>
+          </p:cNvPicPr>
+          <p:nvPr/>
+        </p:nvPicPr>
+        <p:blipFill rotWithShape="1">
+          <a:blip r:embed="rId2" cstate="print">
+            <a:extLst>
+              <a:ext uri="{28A0092B-C50C-407E-A947-70E740481C1C}">
+                <a14:useLocalDpi xmlns:a14="http://schemas.microsoft.com/office/drawing/2010/main" val="0"/>
+              </a:ext>
+            </a:extLst>
+          </a:blip>
+          <a:stretch>
+            <a:fillRect/>
+          </a:stretch>
+        </p:blipFill>
+        <p:spPr>
+          <a:xfrm rot="0">
+            <a:off x="1230630" y="3915410"/>
+            <a:ext cx="4148455" cy="1505585"/>
+          </a:xfrm>
+          <a:prstGeom prst="roundRect"/>
+          <a:solidFill>
+            <a:srgbClr val="EDEDED"/>
+          </a:solidFill>
+        </p:spPr>
+      </p:pic>
+      <p:pic>
+        <p:nvPicPr>
+          <p:cNvPr id="1237" name="그림 43" descr="C:/Users/Admin1/AppData/Roaming/PolarisOffice/ETemp/20768_20502728/fImage107033614464.png"/>
+          <p:cNvPicPr>
+            <a:picLocks noChangeAspect="1"/>
+          </p:cNvPicPr>
+          <p:nvPr/>
+        </p:nvPicPr>
+        <p:blipFill rotWithShape="1">
+          <a:blip r:embed="rId3" cstate="print">
+            <a:extLst>
+              <a:ext uri="{28A0092B-C50C-407E-A947-70E740481C1C}">
+                <a14:useLocalDpi xmlns:a14="http://schemas.microsoft.com/office/drawing/2010/main" val="0"/>
+              </a:ext>
+            </a:extLst>
+          </a:blip>
+          <a:stretch>
+            <a:fillRect/>
+          </a:stretch>
+        </p:blipFill>
+        <p:spPr>
+          <a:xfrm rot="0">
+            <a:off x="1240155" y="1454785"/>
+            <a:ext cx="1387475" cy="1288415"/>
+          </a:xfrm>
+          <a:prstGeom prst="roundRect"/>
+          <a:solidFill>
+            <a:srgbClr val="EDEDED"/>
+          </a:solidFill>
+        </p:spPr>
+      </p:pic>
+      <p:pic>
+        <p:nvPicPr>
+          <p:cNvPr id="1238" name="그림 46" descr="C:/Users/Admin1/AppData/Roaming/PolarisOffice/ETemp/20768_20502728/fImage183963625705.png"/>
+          <p:cNvPicPr>
+            <a:picLocks noChangeAspect="1"/>
+          </p:cNvPicPr>
+          <p:nvPr/>
+        </p:nvPicPr>
+        <p:blipFill rotWithShape="1">
+          <a:blip r:embed="rId4" cstate="print">
+            <a:extLst>
+              <a:ext uri="{28A0092B-C50C-407E-A947-70E740481C1C}">
+                <a14:useLocalDpi xmlns:a14="http://schemas.microsoft.com/office/drawing/2010/main" val="0"/>
+              </a:ext>
+            </a:extLst>
+          </a:blip>
+          <a:stretch>
+            <a:fillRect/>
+          </a:stretch>
+        </p:blipFill>
+        <p:spPr>
+          <a:xfrm rot="0">
+            <a:off x="2768600" y="1454785"/>
+            <a:ext cx="2610485" cy="1280795"/>
+          </a:xfrm>
+          <a:prstGeom prst="roundRect"/>
+          <a:solidFill>
+            <a:srgbClr val="EDEDED"/>
+          </a:solidFill>
+        </p:spPr>
+      </p:pic>
+      <p:cxnSp>
+        <p:nvCxnSpPr>
+          <p:cNvPr id="1229" name="Rect 0"/>
+          <p:cNvCxnSpPr/>
+          <p:nvPr/>
+        </p:nvCxnSpPr>
+        <p:spPr>
+          <a:xfrm rot="0" flipV="1">
+            <a:off x="2419350" y="2211070"/>
+            <a:ext cx="2835275" cy="350520"/>
+          </a:xfrm>
+          <a:prstGeom prst="straightConnector1"/>
+          <a:ln w="6350" cap="flat" cmpd="sng">
+            <a:prstDash/>
+            <a:headEnd type="none" w="med" len="med"/>
+            <a:tailEnd type="triangle" w="med" len="med"/>
+          </a:ln>
+        </p:spPr>
+        <p:style>
+          <a:lnRef idx="1">
+            <a:schemeClr val="accent1"/>
+          </a:lnRef>
+          <a:fillRef idx="0">
+            <a:schemeClr val="accent1"/>
+          </a:fillRef>
+          <a:effectRef idx="0">
+            <a:schemeClr val="accent1"/>
+          </a:effectRef>
+          <a:fontRef idx="minor">
+            <a:schemeClr val="tx1"/>
+          </a:fontRef>
+        </p:style>
+      </p:cxnSp>
+      <p:sp>
+        <p:nvSpPr>
+          <p:cNvPr id="1239" name="텍스트 상자 49"/>
+          <p:cNvSpPr txBox="1">
+            <a:spLocks/>
+          </p:cNvSpPr>
+          <p:nvPr/>
+        </p:nvSpPr>
+        <p:spPr>
+          <a:xfrm rot="0">
+            <a:off x="6816725" y="4957445"/>
+            <a:ext cx="4165600" cy="1200785"/>
+          </a:xfrm>
+          <a:prstGeom prst="rect"/>
+          <a:noFill/>
+          <a:ln w="0">
+            <a:noFill/>
+            <a:prstDash/>
+          </a:ln>
+        </p:spPr>
+        <p:txBody>
+          <a:bodyPr wrap="square" lIns="89535" tIns="46355" rIns="89535" bIns="46355" vert="horz" anchor="t">
+            <a:spAutoFit/>
+          </a:bodyPr>
+          <a:lstStyle/>
+          <a:p>
+            <a:pPr marL="0" indent="0" rtl="0" algn="l" defTabSz="914400" eaLnBrk="1" latinLnBrk="0" hangingPunct="1">
+              <a:buFontTx/>
+              <a:buNone/>
+            </a:pPr>
+            <a:r>
+              <a:rPr sz="1800" b="1">
+                <a:solidFill>
+                  <a:srgbClr val="0611F2"/>
+                </a:solidFill>
+                <a:latin typeface="맑은 고딕" charset="0"/>
+                <a:ea typeface="맑은 고딕" charset="0"/>
+              </a:rPr>
+              <a:t>41</a:t>
+            </a:r>
+            <a:r>
+              <a:rPr sz="1800" b="1">
+                <a:solidFill>
+                  <a:srgbClr val="0611F2"/>
+                </a:solidFill>
+                <a:latin typeface="맑은 고딕" charset="0"/>
+                <a:ea typeface="맑은 고딕" charset="0"/>
+              </a:rPr>
+              <a:t>.</a:t>
+            </a:r>
+            <a:r>
+              <a:rPr sz="1800">
+                <a:latin typeface="맑은 고딕" charset="0"/>
+                <a:ea typeface="맑은 고딕" charset="0"/>
+              </a:rPr>
+              <a:t> </a:t>
+            </a:r>
+            <a:r>
+              <a:rPr sz="1800">
+                <a:latin typeface="맑은 고딕" charset="0"/>
+                <a:ea typeface="맑은 고딕" charset="0"/>
+              </a:rPr>
+              <a:t>그</a:t>
+            </a:r>
+            <a:r>
+              <a:rPr lang="ko-KR" sz="1800">
+                <a:latin typeface="맑은 고딕" charset="0"/>
+                <a:ea typeface="맑은 고딕" charset="0"/>
+              </a:rPr>
+              <a:t>런 다음</a:t>
+            </a:r>
+            <a:r>
+              <a:rPr sz="1800">
+                <a:latin typeface="맑은 고딕" charset="0"/>
+                <a:ea typeface="맑은 고딕" charset="0"/>
+              </a:rPr>
+              <a:t> First P</a:t>
+            </a:r>
+            <a:r>
+              <a:rPr sz="1800">
+                <a:latin typeface="맑은 고딕" charset="0"/>
+                <a:ea typeface="맑은 고딕" charset="0"/>
+              </a:rPr>
+              <a:t>osition </a:t>
+            </a:r>
+            <a:r>
+              <a:rPr sz="1800">
+                <a:latin typeface="맑은 고딕" charset="0"/>
+                <a:ea typeface="맑은 고딕" charset="0"/>
+              </a:rPr>
+              <a:t>오브젝트와 Second P</a:t>
+            </a:r>
+            <a:r>
+              <a:rPr sz="1800">
+                <a:latin typeface="맑은 고딕" charset="0"/>
+                <a:ea typeface="맑은 고딕" charset="0"/>
+              </a:rPr>
+              <a:t>osition</a:t>
+            </a:r>
+            <a:r>
+              <a:rPr sz="1800">
+                <a:latin typeface="맑은 고딕" charset="0"/>
+                <a:ea typeface="맑은 고딕" charset="0"/>
+              </a:rPr>
+              <a:t> 오브젝트 그리고 Third P</a:t>
+            </a:r>
+            <a:r>
+              <a:rPr sz="1800">
+                <a:latin typeface="맑은 고딕" charset="0"/>
+                <a:ea typeface="맑은 고딕" charset="0"/>
+              </a:rPr>
+              <a:t>osition 오브젝트</a:t>
+            </a:r>
+            <a:r>
+              <a:rPr lang="ko-KR" sz="1800">
+                <a:latin typeface="맑은 고딕" charset="0"/>
+                <a:ea typeface="맑은 고딕" charset="0"/>
+              </a:rPr>
+              <a:t>에</a:t>
+            </a:r>
+            <a:r>
+              <a:rPr sz="1800">
+                <a:latin typeface="맑은 고딕" charset="0"/>
+                <a:ea typeface="맑은 고딕" charset="0"/>
+              </a:rPr>
+              <a:t> Select Icon을 설정합니다.</a:t>
+            </a:r>
+            <a:endParaRPr lang="ko-KR" altLang="en-US" sz="1800">
+              <a:latin typeface="맑은 고딕" charset="0"/>
+              <a:ea typeface="맑은 고딕" charset="0"/>
+            </a:endParaRPr>
+          </a:p>
+        </p:txBody>
+      </p:sp>
+      <p:pic>
+        <p:nvPicPr>
+          <p:cNvPr id="1240" name="그림 50" descr="C:/Users/Admin1/AppData/Roaming/PolarisOffice/ETemp/20768_20502728/fImage70123648145.png"/>
+          <p:cNvPicPr>
+            <a:picLocks noChangeAspect="1"/>
+          </p:cNvPicPr>
+          <p:nvPr/>
+        </p:nvPicPr>
+        <p:blipFill rotWithShape="1">
+          <a:blip r:embed="rId5" cstate="hqprint">
+            <a:extLst>
+              <a:ext uri="{28A0092B-C50C-407E-A947-70E740481C1C}">
+                <a14:useLocalDpi xmlns:a14="http://schemas.microsoft.com/office/drawing/2010/main"/>
+              </a:ext>
+            </a:extLst>
+          </a:blip>
+          <a:stretch>
+            <a:fillRect/>
+          </a:stretch>
+        </p:blipFill>
+        <p:spPr>
+          <a:xfrm rot="0">
+            <a:off x="9401810" y="1961515"/>
+            <a:ext cx="1580515" cy="2313940"/>
+          </a:xfrm>
+          <a:prstGeom prst="roundRect"/>
+          <a:solidFill>
+            <a:srgbClr val="EDEDED"/>
+          </a:solidFill>
+        </p:spPr>
+      </p:pic>
+      <p:pic>
+        <p:nvPicPr>
+          <p:cNvPr id="1241" name="그림 51" descr="C:/Users/Admin1/AppData/Roaming/PolarisOffice/ETemp/20768_20502728/fImage111653653281.png"/>
+          <p:cNvPicPr>
+            <a:picLocks noChangeAspect="1"/>
+          </p:cNvPicPr>
+          <p:nvPr/>
+        </p:nvPicPr>
+        <p:blipFill rotWithShape="1">
+          <a:blip r:embed="rId6" cstate="print">
+            <a:extLst>
+              <a:ext uri="{28A0092B-C50C-407E-A947-70E740481C1C}">
+                <a14:useLocalDpi xmlns:a14="http://schemas.microsoft.com/office/drawing/2010/main" val="0"/>
+              </a:ext>
+            </a:extLst>
+          </a:blip>
+          <a:stretch>
+            <a:fillRect/>
+          </a:stretch>
+        </p:blipFill>
+        <p:spPr>
+          <a:xfrm rot="0">
+            <a:off x="6816725" y="1446530"/>
+            <a:ext cx="2353310" cy="3359150"/>
+          </a:xfrm>
+          <a:prstGeom prst="roundRect"/>
+          <a:solidFill>
+            <a:srgbClr val="EDEDED"/>
+          </a:solidFill>
+        </p:spPr>
+      </p:pic>
+    </p:spTree>
+  </p:cSld>
+  <p:clrMapOvr>
+    <a:masterClrMapping/>
+  </p:clrMapOvr>
+  <mc:AlternateContent xmlns:mc="http://schemas.openxmlformats.org/markup-compatibility/2006">
+    <mc:Choice xmlns:p14="http://schemas.microsoft.com/office/powerpoint/2010/main" Requires="p14">
+      <p:transition spd="slow" p14:dur="2000"/>
+    </mc:Choice>
+    <mc:Fallback>
+      <p:transition spd="slow"/>
+    </mc:Fallback>
+  </mc:AlternateContent>
+  <p:timing>
+    <p:tnLst>
+      <p:par>
+        <p:cTn id="1" dur="indefinite" restart="never" nodeType="tmRoot"/>
+      </p:par>
+    </p:tnLst>
+  </p:timing>
+</p:sld>
+</file>
+
+<file path=ppt/slides/slide18.xml><?xml version="1.0" encoding="utf-8"?>
 <p:sld xmlns:a="http://schemas.openxmlformats.org/drawingml/2006/main" xmlns:r="http://schemas.openxmlformats.org/officeDocument/2006/relationships" xmlns:p="http://schemas.openxmlformats.org/presentationml/2006/main" xmlns:p14="http://schemas.microsoft.com/office/powerpoint/2010/main">
   <p:cSld>
     <p:spTree>
@@ -10466,8 +12603,8 @@
         </p:nvSpPr>
         <p:spPr>
           <a:xfrm rot="0">
-            <a:off x="4596765" y="363220"/>
-            <a:ext cx="3006725" cy="478155"/>
+            <a:off x="4377055" y="354965"/>
+            <a:ext cx="3437890" cy="478155"/>
           </a:xfrm>
           <a:prstGeom prst="rect"/>
           <a:noFill/>
@@ -10494,7 +12631,27 @@
                 <a:latin typeface="나눔바른고딕" charset="0"/>
                 <a:ea typeface="나눔바른고딕" charset="0"/>
               </a:rPr>
-              <a:t>Off Mesh Link</a:t>
+              <a:t>열</a:t>
+            </a:r>
+            <a:r>
+              <a:rPr lang="ko-KR" altLang="en-US" sz="2500" b="1">
+                <a:solidFill>
+                  <a:schemeClr val="tx1"/>
+                </a:solidFill>
+                <a:latin typeface="나눔바른고딕" charset="0"/>
+                <a:ea typeface="나눔바른고딕" charset="0"/>
+              </a:rPr>
+              <a:t>다섯</a:t>
+            </a:r>
+            <a:r>
+              <a:rPr lang="ko-KR" altLang="en-US" sz="2500" b="1">
+                <a:solidFill>
+                  <a:schemeClr val="tx1"/>
+                </a:solidFill>
+                <a:latin typeface="나눔바른고딕" charset="0"/>
+                <a:ea typeface="나눔바른고딕" charset="0"/>
+              </a:rPr>
+              <a:t> 번째 튜토리얼</a:t>
             </a:r>
             <a:endParaRPr lang="ko-KR" altLang="en-US" sz="2500" b="1">
               <a:solidFill>
@@ -10506,40 +12663,9 @@
           </a:p>
         </p:txBody>
       </p:sp>
-      <p:pic>
-        <p:nvPicPr>
-          <p:cNvPr id="1221" name="그림 180" descr="C:/Users/Admin1/AppData/Roaming/PolarisOffice/ETemp/2556_16958208/fImage175004216299.png"/>
-          <p:cNvPicPr>
-            <a:picLocks noChangeAspect="1"/>
-          </p:cNvPicPr>
-          <p:nvPr/>
-        </p:nvPicPr>
-        <p:blipFill rotWithShape="1">
-          <a:blip r:embed="rId5" cstate="hqprint">
-            <a:extLst>
-              <a:ext uri="{28A0092B-C50C-407E-A947-70E740481C1C}">
-                <a14:useLocalDpi xmlns:a14="http://schemas.microsoft.com/office/drawing/2010/main"/>
-              </a:ext>
-            </a:extLst>
-          </a:blip>
-          <a:stretch>
-            <a:fillRect/>
-          </a:stretch>
-        </p:blipFill>
-        <p:spPr>
-          <a:xfrm rot="0">
-            <a:off x="1247140" y="2581275"/>
-            <a:ext cx="4140200" cy="2149475"/>
-          </a:xfrm>
-          <a:prstGeom prst="roundRect"/>
-          <a:solidFill>
-            <a:srgbClr val="EDEDED"/>
-          </a:solidFill>
-        </p:spPr>
-      </p:pic>
-      <p:sp>
-        <p:nvSpPr>
-          <p:cNvPr id="1222" name="텍스트 상자 184"/>
+      <p:sp>
+        <p:nvSpPr>
+          <p:cNvPr id="1214" name="텍스트 상자 78"/>
           <p:cNvSpPr txBox="1">
             <a:spLocks/>
           </p:cNvSpPr>
@@ -10547,8 +12673,8 @@
         </p:nvSpPr>
         <p:spPr>
           <a:xfrm rot="0">
-            <a:off x="1247775" y="1477010"/>
-            <a:ext cx="4144645" cy="923925"/>
+            <a:off x="6815455" y="5303520"/>
+            <a:ext cx="4140835" cy="647065"/>
           </a:xfrm>
           <a:prstGeom prst="rect"/>
           <a:noFill/>
@@ -10568,18 +12694,76 @@
               <a:buNone/>
             </a:pPr>
             <a:r>
+              <a:rPr sz="1800" b="1">
+                <a:solidFill>
+                  <a:srgbClr val="0611F2"/>
+                </a:solidFill>
+                <a:latin typeface="맑은 고딕" charset="0"/>
+                <a:ea typeface="맑은 고딕" charset="0"/>
+              </a:rPr>
+              <a:t>4</a:t>
+            </a:r>
+            <a:r>
+              <a:rPr lang="ko-KR" sz="1800" b="1">
+                <a:solidFill>
+                  <a:srgbClr val="0611F2"/>
+                </a:solidFill>
+                <a:latin typeface="맑은 고딕" charset="0"/>
+                <a:ea typeface="맑은 고딕" charset="0"/>
+              </a:rPr>
+              <a:t>4</a:t>
+            </a:r>
+            <a:r>
+              <a:rPr sz="1800" b="1">
+                <a:solidFill>
+                  <a:srgbClr val="0611F2"/>
+                </a:solidFill>
+                <a:latin typeface="맑은 고딕" charset="0"/>
+                <a:ea typeface="맑은 고딕" charset="0"/>
+              </a:rPr>
+              <a:t>.</a:t>
+            </a:r>
+            <a:r>
+              <a:rPr sz="1800">
+                <a:latin typeface="맑은 고딕" charset="0"/>
+                <a:ea typeface="맑은 고딕" charset="0"/>
+              </a:rPr>
+              <a:t> </a:t>
+            </a:r>
+            <a:r>
               <a:rPr lang="ko-KR" sz="1800">
                 <a:latin typeface="맑은 고딕" charset="0"/>
                 <a:ea typeface="맑은 고딕" charset="0"/>
               </a:rPr>
-              <a:t>오프 메쉬 링크는 </a:t>
+              <a:t>마지막으로</a:t>
+            </a:r>
+            <a:r>
+              <a:rPr sz="1800">
+                <a:latin typeface="맑은 고딕" charset="0"/>
+                <a:ea typeface="맑은 고딕" charset="0"/>
+              </a:rPr>
+              <a:t> Agent</a:t>
+            </a:r>
+            <a:r>
+              <a:rPr sz="1800">
+                <a:latin typeface="맑은 고딕" charset="0"/>
+                <a:ea typeface="맑은 고딕" charset="0"/>
+              </a:rPr>
+              <a:t> </a:t>
             </a:r>
             <a:r>
               <a:rPr lang="ko-KR" sz="1800">
                 <a:latin typeface="맑은 고딕" charset="0"/>
                 <a:ea typeface="맑은 고딕" charset="0"/>
               </a:rPr>
-              <a:t>내비게이션 경로가 끊어진 영역을 이동할 수 있도록 설정하는 컴포넌트입니다. </a:t>
+              <a:t>Radius의 크기를 설정하고</a:t>
+            </a:r>
+            <a:r>
+              <a:rPr sz="1800">
+                <a:latin typeface="맑은 고딕" charset="0"/>
+                <a:ea typeface="맑은 고딕" charset="0"/>
+              </a:rPr>
+              <a:t> Bake를 선택합니다.</a:t>
             </a:r>
             <a:endParaRPr lang="ko-KR" altLang="en-US" sz="1800">
               <a:latin typeface="맑은 고딕" charset="0"/>
@@ -10590,14 +12774,14 @@
       </p:sp>
       <p:pic>
         <p:nvPicPr>
-          <p:cNvPr id="1223" name="그림 1" descr="C:/Users/Admin1/AppData/Roaming/PolarisOffice/ETemp/2556_16958208/fImage420221441.png"/>
+          <p:cNvPr id="1215" name="그림 54" descr="C:/Users/Admin1/AppData/Roaming/PolarisOffice/ETemp/20768_20502728/fImage209703666827.png"/>
           <p:cNvPicPr>
             <a:picLocks noChangeAspect="1"/>
           </p:cNvPicPr>
           <p:nvPr/>
         </p:nvPicPr>
         <p:blipFill rotWithShape="1">
-          <a:blip r:embed="rId7" cstate="print">
+          <a:blip r:embed="rId8" cstate="print">
             <a:extLst>
               <a:ext uri="{28A0092B-C50C-407E-A947-70E740481C1C}">
                 <a14:useLocalDpi xmlns:a14="http://schemas.microsoft.com/office/drawing/2010/main" val="0"/>
@@ -10610,8 +12794,8 @@
         </p:blipFill>
         <p:spPr>
           <a:xfrm rot="0">
-            <a:off x="6816725" y="2582545"/>
-            <a:ext cx="4140200" cy="1266825"/>
+            <a:off x="6817360" y="1454785"/>
+            <a:ext cx="4148455" cy="3674745"/>
           </a:xfrm>
           <a:prstGeom prst="roundRect"/>
           <a:solidFill>
@@ -10619,6 +12803,203 @@
           </a:solidFill>
         </p:spPr>
       </p:pic>
+      <p:pic>
+        <p:nvPicPr>
+          <p:cNvPr id="1216" name="그림 57" descr="C:/Users/Admin1/AppData/Roaming/PolarisOffice/ETemp/20768_20502728/fImage187953679961.png"/>
+          <p:cNvPicPr>
+            <a:picLocks noChangeAspect="1"/>
+          </p:cNvPicPr>
+          <p:nvPr/>
+        </p:nvPicPr>
+        <p:blipFill rotWithShape="1">
+          <a:blip r:embed="rId9" cstate="print">
+            <a:extLst>
+              <a:ext uri="{28A0092B-C50C-407E-A947-70E740481C1C}">
+                <a14:useLocalDpi xmlns:a14="http://schemas.microsoft.com/office/drawing/2010/main" val="0"/>
+              </a:ext>
+            </a:extLst>
+          </a:blip>
+          <a:stretch>
+            <a:fillRect/>
+          </a:stretch>
+        </p:blipFill>
+        <p:spPr>
+          <a:xfrm rot="0">
+            <a:off x="2726690" y="1454785"/>
+            <a:ext cx="2644140" cy="1380490"/>
+          </a:xfrm>
+          <a:prstGeom prst="roundRect"/>
+          <a:solidFill>
+            <a:srgbClr val="EDEDED"/>
+          </a:solidFill>
+        </p:spPr>
+      </p:pic>
+      <p:pic>
+        <p:nvPicPr>
+          <p:cNvPr id="1217" name="그림 60" descr="C:/Users/Admin1/AppData/Roaming/PolarisOffice/ETemp/20768_20502728/fImage10774368491.png"/>
+          <p:cNvPicPr>
+            <a:picLocks noChangeAspect="1"/>
+          </p:cNvPicPr>
+          <p:nvPr/>
+        </p:nvPicPr>
+        <p:blipFill rotWithShape="1">
+          <a:blip r:embed="rId10" cstate="print">
+            <a:extLst>
+              <a:ext uri="{28A0092B-C50C-407E-A947-70E740481C1C}">
+                <a14:useLocalDpi xmlns:a14="http://schemas.microsoft.com/office/drawing/2010/main" val="0"/>
+              </a:ext>
+            </a:extLst>
+          </a:blip>
+          <a:stretch>
+            <a:fillRect/>
+          </a:stretch>
+        </p:blipFill>
+        <p:spPr>
+          <a:xfrm rot="0">
+            <a:off x="1222375" y="1454785"/>
+            <a:ext cx="1346835" cy="1388745"/>
+          </a:xfrm>
+          <a:prstGeom prst="roundRect"/>
+          <a:solidFill>
+            <a:srgbClr val="EDEDED"/>
+          </a:solidFill>
+        </p:spPr>
+      </p:pic>
+      <p:cxnSp>
+        <p:nvCxnSpPr>
+          <p:cNvPr id="1218" name="도형 63"/>
+          <p:cNvCxnSpPr/>
+          <p:nvPr/>
+        </p:nvCxnSpPr>
+        <p:spPr>
+          <a:xfrm rot="0" flipV="1">
+            <a:off x="2252980" y="2419350"/>
+            <a:ext cx="3001645" cy="332740"/>
+          </a:xfrm>
+          <a:prstGeom prst="straightConnector1"/>
+          <a:ln w="6350" cap="flat" cmpd="sng">
+            <a:prstDash/>
+            <a:headEnd type="none" w="med" len="med"/>
+            <a:tailEnd type="triangle" w="med" len="med"/>
+          </a:ln>
+        </p:spPr>
+        <p:style>
+          <a:lnRef idx="1">
+            <a:schemeClr val="accent1"/>
+          </a:lnRef>
+          <a:fillRef idx="0">
+            <a:schemeClr val="accent1"/>
+          </a:fillRef>
+          <a:effectRef idx="0">
+            <a:schemeClr val="accent1"/>
+          </a:effectRef>
+          <a:fontRef idx="minor">
+            <a:schemeClr val="tx1"/>
+          </a:fontRef>
+        </p:style>
+      </p:cxnSp>
+      <p:sp>
+        <p:nvSpPr>
+          <p:cNvPr id="1219" name="텍스트 상자 64"/>
+          <p:cNvSpPr txBox="1">
+            <a:spLocks/>
+          </p:cNvSpPr>
+          <p:nvPr/>
+        </p:nvSpPr>
+        <p:spPr>
+          <a:xfrm rot="0">
+            <a:off x="1226185" y="2956560"/>
+            <a:ext cx="4152900" cy="923925"/>
+          </a:xfrm>
+          <a:prstGeom prst="rect"/>
+          <a:noFill/>
+          <a:ln w="0">
+            <a:noFill/>
+            <a:prstDash/>
+          </a:ln>
+        </p:spPr>
+        <p:txBody>
+          <a:bodyPr wrap="square" lIns="89535" tIns="46355" rIns="89535" bIns="46355" numCol="1" vert="horz" anchor="t">
+            <a:spAutoFit/>
+          </a:bodyPr>
+          <a:lstStyle/>
+          <a:p>
+            <a:pPr marL="0" indent="0" rtl="0" algn="l" defTabSz="914400" eaLnBrk="1" latinLnBrk="0" hangingPunct="1">
+              <a:buFontTx/>
+              <a:buNone/>
+            </a:pPr>
+            <a:r>
+              <a:rPr sz="1800" b="1">
+                <a:solidFill>
+                  <a:srgbClr val="0611F2"/>
+                </a:solidFill>
+                <a:latin typeface="맑은 고딕" charset="0"/>
+                <a:ea typeface="맑은 고딕" charset="0"/>
+              </a:rPr>
+              <a:t>4</a:t>
+            </a:r>
+            <a:r>
+              <a:rPr lang="ko-KR" sz="1800" b="1">
+                <a:solidFill>
+                  <a:srgbClr val="0611F2"/>
+                </a:solidFill>
+                <a:latin typeface="맑은 고딕" charset="0"/>
+                <a:ea typeface="맑은 고딕" charset="0"/>
+              </a:rPr>
+              <a:t>2</a:t>
+            </a:r>
+            <a:r>
+              <a:rPr sz="1800" b="1">
+                <a:solidFill>
+                  <a:srgbClr val="0611F2"/>
+                </a:solidFill>
+                <a:latin typeface="맑은 고딕" charset="0"/>
+                <a:ea typeface="맑은 고딕" charset="0"/>
+              </a:rPr>
+              <a:t>.</a:t>
+            </a:r>
+            <a:r>
+              <a:rPr sz="1800">
+                <a:latin typeface="맑은 고딕" charset="0"/>
+                <a:ea typeface="맑은 고딕" charset="0"/>
+              </a:rPr>
+              <a:t> </a:t>
+            </a:r>
+            <a:r>
+              <a:rPr sz="1800">
+                <a:latin typeface="맑은 고딕" charset="0"/>
+                <a:ea typeface="맑은 고딕" charset="0"/>
+              </a:rPr>
+              <a:t>이</a:t>
+            </a:r>
+            <a:r>
+              <a:rPr lang="ko-KR" sz="1800">
+                <a:latin typeface="맑은 고딕" charset="0"/>
+                <a:ea typeface="맑은 고딕" charset="0"/>
+              </a:rPr>
+              <a:t>제</a:t>
+            </a:r>
+            <a:r>
+              <a:rPr sz="1800">
+                <a:latin typeface="맑은 고딕" charset="0"/>
+                <a:ea typeface="맑은 고딕" charset="0"/>
+              </a:rPr>
+              <a:t> </a:t>
+            </a:r>
+            <a:r>
+              <a:rPr lang="ko-KR" sz="1800">
+                <a:latin typeface="맑은 고딕" charset="0"/>
+                <a:ea typeface="맑은 고딕" charset="0"/>
+              </a:rPr>
+              <a:t>Controller 스크립트의 Point 배열 Element 2에 Sceond Position 오브젝트를 넣어줍니다.</a:t>
+            </a:r>
+            <a:endParaRPr lang="ko-KR" altLang="en-US" sz="1800">
+              <a:latin typeface="맑은 고딕" charset="0"/>
+              <a:ea typeface="맑은 고딕" charset="0"/>
+            </a:endParaRPr>
+          </a:p>
+        </p:txBody>
+      </p:sp>
     </p:spTree>
   </p:cSld>
   <p:clrMapOvr>
@@ -10721,7 +13102,7 @@
       </p:sp>
       <p:sp>
         <p:nvSpPr>
-          <p:cNvPr id="1173" name="Rect 0"/>
+          <p:cNvPr id="1190" name="텍스트 상자 20"/>
           <p:cNvSpPr txBox="1">
             <a:spLocks/>
           </p:cNvSpPr>
@@ -10729,8 +13110,8 @@
         </p:nvSpPr>
         <p:spPr>
           <a:xfrm rot="0">
-            <a:off x="1246505" y="3179445"/>
-            <a:ext cx="4114165" cy="647065"/>
+            <a:off x="6806565" y="2584450"/>
+            <a:ext cx="4150995" cy="1200785"/>
           </a:xfrm>
           <a:prstGeom prst="rect"/>
           <a:noFill/>
@@ -10757,59 +13138,14 @@
                 <a:latin typeface="맑은 고딕" charset="0"/>
                 <a:ea typeface="맑은 고딕" charset="0"/>
               </a:rPr>
-              <a:t>4</a:t>
-            </a:r>
-            <a:r>
-              <a:rPr sz="1800" b="1">
-                <a:solidFill>
-                  <a:srgbClr val="0611F2"/>
-                </a:solidFill>
-                <a:latin typeface="맑은 고딕" charset="0"/>
-                <a:ea typeface="맑은 고딕" charset="0"/>
-              </a:rPr>
-              <a:t>.</a:t>
-            </a:r>
-            <a:r>
-              <a:rPr sz="1800">
-                <a:latin typeface="맑은 고딕" charset="0"/>
-                <a:ea typeface="맑은 고딕" charset="0"/>
-              </a:rPr>
-              <a:t> </a:t>
+              <a:t>5.</a:t>
             </a:r>
             <a:r>
               <a:rPr lang="ko-KR" sz="1800">
                 <a:latin typeface="맑은 고딕" charset="0"/>
                 <a:ea typeface="맑은 고딕" charset="0"/>
               </a:rPr>
-              <a:t>그</a:t>
-            </a:r>
-            <a:r>
-              <a:rPr lang="ko-KR" sz="1800">
-                <a:latin typeface="맑은 고딕" charset="0"/>
-                <a:ea typeface="맑은 고딕" charset="0"/>
-              </a:rPr>
-              <a:t>러고 나서</a:t>
-            </a:r>
-            <a:r>
-              <a:rPr lang="ko-KR" sz="1800">
-                <a:latin typeface="맑은 고딕" charset="0"/>
-                <a:ea typeface="맑은 고딕" charset="0"/>
-              </a:rPr>
-              <a:t> Main Camera</a:t>
-            </a:r>
-            <a:r>
-              <a:rPr lang="ko-KR" sz="1800">
-                <a:latin typeface="맑은 고딕" charset="0"/>
-                <a:ea typeface="맑은 고딕" charset="0"/>
-              </a:rPr>
-              <a:t>의 </a:t>
-            </a:r>
-            <a:r>
-              <a:rPr lang="ko-KR" sz="1800">
-                <a:latin typeface="맑은 고딕" charset="0"/>
-                <a:ea typeface="맑은 고딕" charset="0"/>
-              </a:rPr>
-              <a:t>위치와 회전 값을 설정합니다.</a:t>
+              <a:t> 그러고 나서 Project 폴더 아래에 있는 Model 폴더에 Rampart 모델을 월드 공간에 배치한 다음 Back Rampart 라는 이름으로 정의합니다.</a:t>
             </a:r>
             <a:endParaRPr lang="ko-KR" altLang="en-US" sz="1800">
               <a:latin typeface="맑은 고딕" charset="0"/>
@@ -10820,14 +13156,14 @@
       </p:sp>
       <p:pic>
         <p:nvPicPr>
-          <p:cNvPr id="1187" name="그림 13" descr="C:/Users/Admin1/AppData/Roaming/PolarisOffice/ETemp/8580_20501592/fImage121712886500.png"/>
+          <p:cNvPr id="1193" name="그림 8"/>
           <p:cNvPicPr>
             <a:picLocks noChangeAspect="1"/>
           </p:cNvPicPr>
           <p:nvPr/>
         </p:nvPicPr>
         <p:blipFill rotWithShape="1">
-          <a:blip r:embed="rId2" cstate="hqprint">
+          <a:blip r:embed="rId8" cstate="hqprint">
             <a:extLst>
               <a:ext uri="{28A0092B-C50C-407E-A947-70E740481C1C}">
                 <a14:useLocalDpi xmlns:a14="http://schemas.microsoft.com/office/drawing/2010/main"/>
@@ -10840,8 +13176,8 @@
         </p:blipFill>
         <p:spPr>
           <a:xfrm rot="0">
-            <a:off x="1238885" y="1437640"/>
-            <a:ext cx="4122420" cy="1646555"/>
+            <a:off x="6805930" y="3931920"/>
+            <a:ext cx="4151630" cy="1454785"/>
           </a:xfrm>
           <a:prstGeom prst="roundRect"/>
           <a:solidFill>
@@ -10851,7 +13187,7 @@
       </p:pic>
       <p:sp>
         <p:nvSpPr>
-          <p:cNvPr id="1189" name="텍스트 상자 19"/>
+          <p:cNvPr id="1194" name="텍스트 상자 11"/>
           <p:cNvSpPr txBox="1">
             <a:spLocks/>
           </p:cNvSpPr>
@@ -10859,8 +13195,8 @@
         </p:nvSpPr>
         <p:spPr>
           <a:xfrm rot="0">
-            <a:off x="1249045" y="5599430"/>
-            <a:ext cx="4114800" cy="647700"/>
+            <a:off x="6807200" y="5480050"/>
+            <a:ext cx="4150995" cy="647065"/>
           </a:xfrm>
           <a:prstGeom prst="rect"/>
           <a:noFill/>
@@ -10887,7 +13223,7 @@
                 <a:latin typeface="맑은 고딕" charset="0"/>
                 <a:ea typeface="맑은 고딕" charset="0"/>
               </a:rPr>
-              <a:t>5</a:t>
+              <a:t>6</a:t>
             </a:r>
             <a:r>
               <a:rPr sz="1800" b="1">
@@ -10904,7 +13240,7 @@
                 <a:latin typeface="맑은 고딕" charset="0"/>
                 <a:ea typeface="맑은 고딕" charset="0"/>
               </a:rPr>
-              <a:t> 이제 Character 오브젝트의 위치 값을 설정합니다.</a:t>
+              <a:t> 이제 Back Rampart 오브젝트의 회전 값을 설정합니다.</a:t>
             </a:r>
             <a:endParaRPr lang="ko-KR" altLang="en-US" sz="1800">
               <a:latin typeface="맑은 고딕" charset="0"/>
@@ -10913,217 +13249,9 @@
           </a:p>
         </p:txBody>
       </p:sp>
-      <p:sp>
-        <p:nvSpPr>
-          <p:cNvPr id="1190" name="텍스트 상자 20"/>
-          <p:cNvSpPr txBox="1">
-            <a:spLocks/>
-          </p:cNvSpPr>
-          <p:nvPr/>
-        </p:nvSpPr>
-        <p:spPr>
-          <a:xfrm rot="0">
-            <a:off x="6806565" y="2602865"/>
-            <a:ext cx="4150995" cy="1200785"/>
-          </a:xfrm>
-          <a:prstGeom prst="rect"/>
-          <a:noFill/>
-          <a:ln w="0">
-            <a:noFill/>
-            <a:prstDash/>
-          </a:ln>
-        </p:spPr>
-        <p:txBody>
-          <a:bodyPr wrap="square" lIns="89535" tIns="46355" rIns="89535" bIns="46355" numCol="1" vert="horz" anchor="t">
-            <a:spAutoFit/>
-          </a:bodyPr>
-          <a:lstStyle/>
-          <a:p>
-            <a:pPr marL="0" indent="0" rtl="0" algn="l" defTabSz="914400" eaLnBrk="1" latinLnBrk="0" hangingPunct="1">
-              <a:buFontTx/>
-              <a:buNone/>
-            </a:pPr>
-            <a:r>
-              <a:rPr sz="1800" b="1">
-                <a:solidFill>
-                  <a:srgbClr val="0611F2"/>
-                </a:solidFill>
-                <a:latin typeface="맑은 고딕" charset="0"/>
-                <a:ea typeface="맑은 고딕" charset="0"/>
-              </a:rPr>
-              <a:t>6.</a:t>
-            </a:r>
-            <a:r>
-              <a:rPr lang="ko-KR" sz="1800">
-                <a:latin typeface="맑은 고딕" charset="0"/>
-                <a:ea typeface="맑은 고딕" charset="0"/>
-              </a:rPr>
-              <a:t> 그리</a:t>
-            </a:r>
-            <a:r>
-              <a:rPr lang="ko-KR" sz="1800">
-                <a:latin typeface="맑은 고딕" charset="0"/>
-                <a:ea typeface="맑은 고딕" charset="0"/>
-              </a:rPr>
-              <a:t>고 Project 폴더 아래에 있는 Model 폴더에 Rampart 모델을 월드 공간에 배치한 다음 Back Rampart 라는 이름으로 정의합니다.</a:t>
-            </a:r>
-            <a:endParaRPr lang="ko-KR" altLang="en-US" sz="1800">
-              <a:latin typeface="맑은 고딕" charset="0"/>
-              <a:ea typeface="맑은 고딕" charset="0"/>
-            </a:endParaRPr>
-          </a:p>
-        </p:txBody>
-      </p:sp>
       <p:pic>
         <p:nvPicPr>
-          <p:cNvPr id="1192" name="그림 3" descr="C:/Users/Admin1/AppData/Roaming/PolarisOffice/ETemp/8580_20501592/fImage863821741.png"/>
-          <p:cNvPicPr>
-            <a:picLocks noChangeAspect="1"/>
-          </p:cNvPicPr>
-          <p:nvPr/>
-        </p:nvPicPr>
-        <p:blipFill rotWithShape="1">
-          <a:blip r:embed="rId7" cstate="print">
-            <a:extLst>
-              <a:ext uri="{28A0092B-C50C-407E-A947-70E740481C1C}">
-                <a14:useLocalDpi xmlns:a14="http://schemas.microsoft.com/office/drawing/2010/main" val="0"/>
-              </a:ext>
-            </a:extLst>
-          </a:blip>
-          <a:stretch>
-            <a:fillRect/>
-          </a:stretch>
-        </p:blipFill>
-        <p:spPr>
-          <a:xfrm rot="0">
-            <a:off x="8479155" y="1446530"/>
-            <a:ext cx="2478405" cy="998220"/>
-          </a:xfrm>
-          <a:prstGeom prst="roundRect"/>
-          <a:solidFill>
-            <a:srgbClr val="EDEDED"/>
-          </a:solidFill>
-        </p:spPr>
-      </p:pic>
-      <p:pic>
-        <p:nvPicPr>
-          <p:cNvPr id="1193" name="그림 8" descr="C:/Users/Admin1/AppData/Roaming/PolarisOffice/ETemp/8580_20501592/fImage147462188467.png"/>
-          <p:cNvPicPr>
-            <a:picLocks noChangeAspect="1"/>
-          </p:cNvPicPr>
-          <p:nvPr/>
-        </p:nvPicPr>
-        <p:blipFill rotWithShape="1">
-          <a:blip r:embed="rId8" cstate="print">
-            <a:extLst>
-              <a:ext uri="{28A0092B-C50C-407E-A947-70E740481C1C}">
-                <a14:useLocalDpi xmlns:a14="http://schemas.microsoft.com/office/drawing/2010/main" val="0"/>
-              </a:ext>
-            </a:extLst>
-          </a:blip>
-          <a:stretch>
-            <a:fillRect/>
-          </a:stretch>
-        </p:blipFill>
-        <p:spPr>
-          <a:xfrm rot="0">
-            <a:off x="6805930" y="3931920"/>
-            <a:ext cx="4142740" cy="1563370"/>
-          </a:xfrm>
-          <a:prstGeom prst="roundRect"/>
-          <a:solidFill>
-            <a:srgbClr val="EDEDED"/>
-          </a:solidFill>
-        </p:spPr>
-      </p:pic>
-      <p:sp>
-        <p:nvSpPr>
-          <p:cNvPr id="1194" name="텍스트 상자 11"/>
-          <p:cNvSpPr txBox="1">
-            <a:spLocks/>
-          </p:cNvSpPr>
-          <p:nvPr/>
-        </p:nvSpPr>
-        <p:spPr>
-          <a:xfrm rot="0">
-            <a:off x="6798945" y="5596255"/>
-            <a:ext cx="4149725" cy="647065"/>
-          </a:xfrm>
-          <a:prstGeom prst="rect"/>
-          <a:noFill/>
-          <a:ln w="0">
-            <a:noFill/>
-            <a:prstDash/>
-          </a:ln>
-        </p:spPr>
-        <p:txBody>
-          <a:bodyPr wrap="square" lIns="89535" tIns="46355" rIns="89535" bIns="46355" numCol="1" vert="horz" anchor="t">
-            <a:spAutoFit/>
-          </a:bodyPr>
-          <a:lstStyle/>
-          <a:p>
-            <a:pPr marL="0" indent="0" rtl="0" algn="l" defTabSz="914400" eaLnBrk="1" latinLnBrk="0" hangingPunct="1">
-              <a:buFontTx/>
-              <a:buNone/>
-            </a:pPr>
-            <a:r>
-              <a:rPr lang="ko-KR" sz="1800" b="1">
-                <a:solidFill>
-                  <a:srgbClr val="0611F2"/>
-                </a:solidFill>
-                <a:latin typeface="맑은 고딕" charset="0"/>
-                <a:ea typeface="맑은 고딕" charset="0"/>
-              </a:rPr>
-              <a:t>7</a:t>
-            </a:r>
-            <a:r>
-              <a:rPr sz="1800" b="1">
-                <a:solidFill>
-                  <a:srgbClr val="0611F2"/>
-                </a:solidFill>
-                <a:latin typeface="맑은 고딕" charset="0"/>
-                <a:ea typeface="맑은 고딕" charset="0"/>
-              </a:rPr>
-              <a:t>.</a:t>
-            </a:r>
-            <a:r>
-              <a:rPr lang="ko-KR" sz="1800">
-                <a:latin typeface="맑은 고딕" charset="0"/>
-                <a:ea typeface="맑은 고딕" charset="0"/>
-              </a:rPr>
-              <a:t> </a:t>
-            </a:r>
-            <a:r>
-              <a:rPr lang="ko-KR" sz="1800">
-                <a:latin typeface="맑은 고딕" charset="0"/>
-                <a:ea typeface="맑은 고딕" charset="0"/>
-              </a:rPr>
-              <a:t>그런 다음</a:t>
-            </a:r>
-            <a:r>
-              <a:rPr lang="ko-KR" sz="1800">
-                <a:latin typeface="맑은 고딕" charset="0"/>
-                <a:ea typeface="맑은 고딕" charset="0"/>
-              </a:rPr>
-              <a:t> </a:t>
-            </a:r>
-            <a:r>
-              <a:rPr lang="ko-KR" sz="1800">
-                <a:latin typeface="맑은 고딕" charset="0"/>
-                <a:ea typeface="맑은 고딕" charset="0"/>
-              </a:rPr>
-              <a:t>Back Rampart 오브젝트의 회전 값을 설정합니다.</a:t>
-            </a:r>
-            <a:endParaRPr lang="ko-KR" altLang="en-US" sz="1800">
-              <a:latin typeface="맑은 고딕" charset="0"/>
-              <a:ea typeface="맑은 고딕" charset="0"/>
-            </a:endParaRPr>
-          </a:p>
-        </p:txBody>
-      </p:sp>
-      <p:pic>
-        <p:nvPicPr>
-          <p:cNvPr id="1196" name="그림 18" descr="C:/Users/Admin1/AppData/Roaming/PolarisOffice/ETemp/8580_20501592/fImage61122256334.png"/>
+          <p:cNvPr id="1196" name="그림 18"/>
           <p:cNvPicPr>
             <a:picLocks noChangeAspect="1"/>
           </p:cNvPicPr>
@@ -11152,9 +13280,130 @@
           </a:solidFill>
         </p:spPr>
       </p:pic>
+      <p:sp>
+        <p:nvSpPr>
+          <p:cNvPr id="1197" name="텍스트 상자 55"/>
+          <p:cNvSpPr txBox="1">
+            <a:spLocks/>
+          </p:cNvSpPr>
+          <p:nvPr/>
+        </p:nvSpPr>
+        <p:spPr>
+          <a:xfrm rot="0">
+            <a:off x="1241425" y="5470525"/>
+            <a:ext cx="4119880" cy="647065"/>
+          </a:xfrm>
+          <a:prstGeom prst="rect"/>
+          <a:noFill/>
+          <a:ln w="0">
+            <a:noFill/>
+            <a:prstDash/>
+          </a:ln>
+        </p:spPr>
+        <p:txBody>
+          <a:bodyPr wrap="square" lIns="89535" tIns="46355" rIns="89535" bIns="46355" numCol="1" vert="horz" anchor="t">
+            <a:spAutoFit/>
+          </a:bodyPr>
+          <a:lstStyle/>
+          <a:p>
+            <a:pPr marL="0" indent="0" rtl="0" algn="l" defTabSz="914400" eaLnBrk="1" latinLnBrk="0" hangingPunct="1">
+              <a:buFontTx/>
+              <a:buNone/>
+            </a:pPr>
+            <a:r>
+              <a:rPr lang="ko-KR" sz="1800" b="1">
+                <a:solidFill>
+                  <a:srgbClr val="0611F2"/>
+                </a:solidFill>
+                <a:latin typeface="맑은 고딕" charset="0"/>
+                <a:ea typeface="맑은 고딕" charset="0"/>
+              </a:rPr>
+              <a:t>4.</a:t>
+            </a:r>
+            <a:r>
+              <a:rPr sz="1800">
+                <a:latin typeface="맑은 고딕" charset="0"/>
+                <a:ea typeface="맑은 고딕" charset="0"/>
+              </a:rPr>
+              <a:t> </a:t>
+            </a:r>
+            <a:r>
+              <a:rPr lang="ko-KR" sz="1800">
+                <a:latin typeface="맑은 고딕" charset="0"/>
+                <a:ea typeface="맑은 고딕" charset="0"/>
+              </a:rPr>
+              <a:t>그런 다음 Window를 선택한 다음 AI에서 Navigation을 선택합니다.</a:t>
+            </a:r>
+            <a:endParaRPr lang="ko-KR" altLang="en-US" sz="1800">
+              <a:latin typeface="맑은 고딕" charset="0"/>
+              <a:ea typeface="맑은 고딕" charset="0"/>
+            </a:endParaRPr>
+          </a:p>
+        </p:txBody>
+      </p:sp>
       <p:pic>
         <p:nvPicPr>
-          <p:cNvPr id="1195" name="그림 17" descr="C:/Users/Admin1/AppData/Roaming/PolarisOffice/ETemp/8580_20501592/fImage2242172246500.png"/>
+          <p:cNvPr id="1198" name="그림 56"/>
+          <p:cNvPicPr>
+            <a:picLocks noChangeAspect="1"/>
+          </p:cNvPicPr>
+          <p:nvPr/>
+        </p:nvPicPr>
+        <p:blipFill rotWithShape="1">
+          <a:blip r:embed="rId12" cstate="hqprint">
+            <a:extLst>
+              <a:ext uri="{28A0092B-C50C-407E-A947-70E740481C1C}">
+                <a14:useLocalDpi xmlns:a14="http://schemas.microsoft.com/office/drawing/2010/main"/>
+              </a:ext>
+            </a:extLst>
+          </a:blip>
+          <a:stretch>
+            <a:fillRect/>
+          </a:stretch>
+        </p:blipFill>
+        <p:spPr>
+          <a:xfrm rot="0">
+            <a:off x="1238250" y="1447800"/>
+            <a:ext cx="4133215" cy="3802380"/>
+          </a:xfrm>
+          <a:prstGeom prst="rect"/>
+          <a:noFill/>
+        </p:spPr>
+      </p:pic>
+      <p:pic>
+        <p:nvPicPr>
+          <p:cNvPr id="1199" name="그림 2"/>
+          <p:cNvPicPr>
+            <a:picLocks noChangeAspect="1"/>
+          </p:cNvPicPr>
+          <p:nvPr/>
+        </p:nvPicPr>
+        <p:blipFill rotWithShape="1">
+          <a:blip r:embed="rId13" cstate="print">
+            <a:extLst>
+              <a:ext uri="{28A0092B-C50C-407E-A947-70E740481C1C}">
+                <a14:useLocalDpi xmlns:a14="http://schemas.microsoft.com/office/drawing/2010/main" val="0"/>
+              </a:ext>
+            </a:extLst>
+          </a:blip>
+          <a:stretch>
+            <a:fillRect/>
+          </a:stretch>
+        </p:blipFill>
+        <p:spPr>
+          <a:xfrm rot="0">
+            <a:off x="8413115" y="1454785"/>
+            <a:ext cx="2552700" cy="1006475"/>
+          </a:xfrm>
+          <a:prstGeom prst="roundRect"/>
+          <a:solidFill>
+            <a:srgbClr val="EDEDED"/>
+          </a:solidFill>
+        </p:spPr>
+      </p:pic>
+      <p:pic>
+        <p:nvPicPr>
+          <p:cNvPr id="1195" name="그림 17"/>
           <p:cNvPicPr>
             <a:picLocks noChangeAspect="1"/>
           </p:cNvPicPr>
@@ -11179,37 +13428,6 @@
           </a:xfrm>
           <a:prstGeom prst="rect"/>
           <a:noFill/>
-        </p:spPr>
-      </p:pic>
-      <p:pic>
-        <p:nvPicPr>
-          <p:cNvPr id="1197" name="그림 59" descr="C:/Users/Admin1/AppData/Roaming/PolarisOffice/ETemp/8580_20501592/fImage120322459169.png"/>
-          <p:cNvPicPr>
-            <a:picLocks noChangeAspect="1"/>
-          </p:cNvPicPr>
-          <p:nvPr/>
-        </p:nvPicPr>
-        <p:blipFill rotWithShape="1">
-          <a:blip r:embed="rId11" cstate="print">
-            <a:extLst>
-              <a:ext uri="{28A0092B-C50C-407E-A947-70E740481C1C}">
-                <a14:useLocalDpi xmlns:a14="http://schemas.microsoft.com/office/drawing/2010/main" val="0"/>
-              </a:ext>
-            </a:extLst>
-          </a:blip>
-          <a:stretch>
-            <a:fillRect/>
-          </a:stretch>
-        </p:blipFill>
-        <p:spPr>
-          <a:xfrm rot="0">
-            <a:off x="1250315" y="3948430"/>
-            <a:ext cx="4102100" cy="1524635"/>
-          </a:xfrm>
-          <a:prstGeom prst="roundRect"/>
-          <a:solidFill>
-            <a:srgbClr val="EDEDED"/>
-          </a:solidFill>
         </p:spPr>
       </p:pic>
     </p:spTree>
@@ -11322,8 +13540,8 @@
         </p:nvSpPr>
         <p:spPr>
           <a:xfrm rot="0">
-            <a:off x="1222375" y="5309870"/>
-            <a:ext cx="4148455" cy="923925"/>
+            <a:off x="1222375" y="5586095"/>
+            <a:ext cx="4140835" cy="647065"/>
           </a:xfrm>
           <a:prstGeom prst="rect"/>
           <a:noFill/>
@@ -11350,7 +13568,7 @@
                 <a:latin typeface="맑은 고딕" charset="0"/>
                 <a:ea typeface="맑은 고딕" charset="0"/>
               </a:rPr>
-              <a:t>9</a:t>
+              <a:t>8</a:t>
             </a:r>
             <a:r>
               <a:rPr sz="1800" b="1">
@@ -11374,21 +13592,14 @@
                 <a:latin typeface="맑은 고딕" charset="0"/>
                 <a:ea typeface="맑은 고딕" charset="0"/>
               </a:rPr>
-              <a:t>러고 나서</a:t>
+              <a:t>다음</a:t>
             </a:r>
             <a:r>
               <a:rPr lang="ko-KR" sz="1800">
                 <a:latin typeface="맑은 고딕" charset="0"/>
                 <a:ea typeface="맑은 고딕" charset="0"/>
               </a:rPr>
-              <a:t> F</a:t>
-            </a:r>
-            <a:r>
-              <a:rPr lang="ko-KR" sz="1800">
-                <a:latin typeface="맑은 고딕" charset="0"/>
-                <a:ea typeface="맑은 고딕" charset="0"/>
-              </a:rPr>
-              <a:t>ront Rampart 오브젝트의 위치와 회전 값을 설정합니다.</a:t>
+              <a:t> Front Rampart 오브젝트의 위치와 회전 값을 설정합니다.</a:t>
             </a:r>
             <a:endParaRPr lang="ko-KR" altLang="en-US" sz="1800">
               <a:latin typeface="맑은 고딕" charset="0"/>
@@ -11407,8 +13618,8 @@
         </p:nvSpPr>
         <p:spPr>
           <a:xfrm rot="0">
-            <a:off x="6814185" y="2851150"/>
-            <a:ext cx="4140200" cy="923925"/>
+            <a:off x="6819900" y="2689225"/>
+            <a:ext cx="4144010" cy="1200785"/>
           </a:xfrm>
           <a:prstGeom prst="rect"/>
           <a:noFill/>
@@ -11435,7 +13646,7 @@
                 <a:latin typeface="맑은 고딕" charset="0"/>
                 <a:ea typeface="맑은 고딕" charset="0"/>
               </a:rPr>
-              <a:t>10</a:t>
+              <a:t>9</a:t>
             </a:r>
             <a:r>
               <a:rPr sz="1800" b="1">
@@ -11459,7 +13670,42 @@
                 <a:latin typeface="맑은 고딕" charset="0"/>
                 <a:ea typeface="맑은 고딕" charset="0"/>
               </a:rPr>
-              <a:t>이제 Project 폴더 아래에 있는 Texture 폴더에 Paint 텍스처를 Back Rampart 오브젝트에 넣어줍니다.</a:t>
+              <a:t>그리고</a:t>
+            </a:r>
+            <a:r>
+              <a:rPr lang="ko-KR" sz="1800">
+                <a:latin typeface="맑은 고딕" charset="0"/>
+                <a:ea typeface="맑은 고딕" charset="0"/>
+              </a:rPr>
+              <a:t> Project 폴더 아래에 있는 Texture 폴더에 </a:t>
+            </a:r>
+            <a:r>
+              <a:rPr lang="ko-KR" sz="1800">
+                <a:latin typeface="맑은 고딕" charset="0"/>
+                <a:ea typeface="맑은 고딕" charset="0"/>
+              </a:rPr>
+              <a:t>Stone Wall</a:t>
+            </a:r>
+            <a:r>
+              <a:rPr lang="ko-KR" sz="1800">
+                <a:latin typeface="맑은 고딕" charset="0"/>
+                <a:ea typeface="맑은 고딕" charset="0"/>
+              </a:rPr>
+              <a:t> 텍스처를 Back Rampart 오브젝트</a:t>
+            </a:r>
+            <a:r>
+              <a:rPr lang="ko-KR" sz="1800">
+                <a:latin typeface="맑은 고딕" charset="0"/>
+                <a:ea typeface="맑은 고딕" charset="0"/>
+              </a:rPr>
+              <a:t>와 </a:t>
+            </a:r>
+            <a:r>
+              <a:rPr lang="ko-KR" sz="1800">
+                <a:latin typeface="맑은 고딕" charset="0"/>
+                <a:ea typeface="맑은 고딕" charset="0"/>
+              </a:rPr>
+              <a:t>Front Rampart 오브젝트에 넣어줍니다.</a:t>
             </a:r>
             <a:endParaRPr lang="ko-KR" altLang="en-US" sz="1800">
               <a:latin typeface="맑은 고딕" charset="0"/>
@@ -11470,14 +13716,154 @@
       </p:sp>
       <p:pic>
         <p:nvPicPr>
-          <p:cNvPr id="1200" name="그림 15" descr="C:/Users/Admin1/AppData/Roaming/PolarisOffice/ETemp/8580_20501592/fImage86382215724.png"/>
+          <p:cNvPr id="1201" name="그림 22"/>
           <p:cNvPicPr>
             <a:picLocks noChangeAspect="1"/>
           </p:cNvPicPr>
           <p:nvPr/>
         </p:nvPicPr>
         <p:blipFill rotWithShape="1">
-          <a:blip r:embed="rId8" cstate="print">
+          <a:blip r:embed="rId9" cstate="hqprint">
+            <a:extLst>
+              <a:ext uri="{28A0092B-C50C-407E-A947-70E740481C1C}">
+                <a14:useLocalDpi xmlns:a14="http://schemas.microsoft.com/office/drawing/2010/main"/>
+              </a:ext>
+            </a:extLst>
+          </a:blip>
+          <a:stretch>
+            <a:fillRect/>
+          </a:stretch>
+        </p:blipFill>
+        <p:spPr>
+          <a:xfrm rot="0">
+            <a:off x="1214120" y="1454785"/>
+            <a:ext cx="1414145" cy="990600"/>
+          </a:xfrm>
+          <a:prstGeom prst="roundRect"/>
+          <a:solidFill>
+            <a:srgbClr val="EDEDED"/>
+          </a:solidFill>
+        </p:spPr>
+      </p:pic>
+      <p:sp>
+        <p:nvSpPr>
+          <p:cNvPr id="1203" name="텍스트 상자 26"/>
+          <p:cNvSpPr txBox="1">
+            <a:spLocks/>
+          </p:cNvSpPr>
+          <p:nvPr/>
+        </p:nvSpPr>
+        <p:spPr>
+          <a:xfrm rot="0">
+            <a:off x="1238885" y="2596515"/>
+            <a:ext cx="4140835" cy="1200785"/>
+          </a:xfrm>
+          <a:prstGeom prst="rect"/>
+          <a:noFill/>
+          <a:ln w="0">
+            <a:noFill/>
+            <a:prstDash/>
+          </a:ln>
+        </p:spPr>
+        <p:txBody>
+          <a:bodyPr wrap="square" lIns="89535" tIns="46355" rIns="89535" bIns="46355" numCol="1" vert="horz" anchor="t">
+            <a:spAutoFit/>
+          </a:bodyPr>
+          <a:lstStyle/>
+          <a:p>
+            <a:pPr marL="0" indent="0" rtl="0" algn="l" defTabSz="914400" eaLnBrk="1" latinLnBrk="0" hangingPunct="1">
+              <a:buFontTx/>
+              <a:buNone/>
+            </a:pPr>
+            <a:r>
+              <a:rPr sz="1800" b="1">
+                <a:solidFill>
+                  <a:srgbClr val="0611F2"/>
+                </a:solidFill>
+                <a:latin typeface="맑은 고딕" charset="0"/>
+                <a:ea typeface="맑은 고딕" charset="0"/>
+              </a:rPr>
+              <a:t>7</a:t>
+            </a:r>
+            <a:r>
+              <a:rPr sz="1800" b="1">
+                <a:solidFill>
+                  <a:srgbClr val="0611F2"/>
+                </a:solidFill>
+                <a:latin typeface="맑은 고딕" charset="0"/>
+                <a:ea typeface="맑은 고딕" charset="0"/>
+              </a:rPr>
+              <a:t>.</a:t>
+            </a:r>
+            <a:r>
+              <a:rPr lang="ko-KR" sz="1800">
+                <a:latin typeface="맑은 고딕" charset="0"/>
+                <a:ea typeface="맑은 고딕" charset="0"/>
+              </a:rPr>
+              <a:t> 그</a:t>
+            </a:r>
+            <a:r>
+              <a:rPr lang="ko-KR" sz="1800">
+                <a:latin typeface="맑은 고딕" charset="0"/>
+                <a:ea typeface="맑은 고딕" charset="0"/>
+              </a:rPr>
+              <a:t>런 </a:t>
+            </a:r>
+            <a:r>
+              <a:rPr lang="ko-KR" sz="1800">
+                <a:latin typeface="맑은 고딕" charset="0"/>
+                <a:ea typeface="맑은 고딕" charset="0"/>
+              </a:rPr>
+              <a:t>다음 Project 폴더 아래에 있는 Model 폴더에 Rampart 모델을 월드 공간에 배치한 다음 Front Rampart 라는 이름으로 정의합니다.</a:t>
+            </a:r>
+            <a:endParaRPr lang="ko-KR" altLang="en-US" sz="1800">
+              <a:latin typeface="맑은 고딕" charset="0"/>
+              <a:ea typeface="맑은 고딕" charset="0"/>
+            </a:endParaRPr>
+          </a:p>
+        </p:txBody>
+      </p:sp>
+      <p:pic>
+        <p:nvPicPr>
+          <p:cNvPr id="1204" name="그림 27"/>
+          <p:cNvPicPr>
+            <a:picLocks noChangeAspect="1"/>
+          </p:cNvPicPr>
+          <p:nvPr/>
+        </p:nvPicPr>
+        <p:blipFill rotWithShape="1">
+          <a:blip r:embed="rId11" cstate="hqprint">
+            <a:extLst>
+              <a:ext uri="{28A0092B-C50C-407E-A947-70E740481C1C}">
+                <a14:useLocalDpi xmlns:a14="http://schemas.microsoft.com/office/drawing/2010/main"/>
+              </a:ext>
+            </a:extLst>
+          </a:blip>
+          <a:stretch>
+            <a:fillRect/>
+          </a:stretch>
+        </p:blipFill>
+        <p:spPr>
+          <a:xfrm rot="0">
+            <a:off x="1221740" y="3933825"/>
+            <a:ext cx="4141470" cy="1562735"/>
+          </a:xfrm>
+          <a:prstGeom prst="roundRect"/>
+          <a:solidFill>
+            <a:srgbClr val="EDEDED"/>
+          </a:solidFill>
+        </p:spPr>
+      </p:pic>
+      <p:pic>
+        <p:nvPicPr>
+          <p:cNvPr id="1212" name="그림 39"/>
+          <p:cNvPicPr>
+            <a:picLocks noChangeAspect="1"/>
+          </p:cNvPicPr>
+          <p:nvPr/>
+        </p:nvPicPr>
+        <p:blipFill rotWithShape="1">
+          <a:blip r:embed="rId16" cstate="print">
             <a:extLst>
               <a:ext uri="{28A0092B-C50C-407E-A947-70E740481C1C}">
                 <a14:useLocalDpi xmlns:a14="http://schemas.microsoft.com/office/drawing/2010/main" val="0"/>
@@ -11490,8 +13876,8 @@
         </p:blipFill>
         <p:spPr>
           <a:xfrm rot="0">
-            <a:off x="2834640" y="1454785"/>
-            <a:ext cx="2536190" cy="998220"/>
+            <a:off x="8253095" y="1447800"/>
+            <a:ext cx="2701290" cy="1115060"/>
           </a:xfrm>
           <a:prstGeom prst="roundRect"/>
           <a:solidFill>
@@ -11501,45 +13887,14 @@
       </p:pic>
       <p:pic>
         <p:nvPicPr>
-          <p:cNvPr id="1201" name="그림 22" descr="C:/Users/Admin1/AppData/Roaming/PolarisOffice/ETemp/8580_20501592/fImage66782261478.png"/>
+          <p:cNvPr id="1213" name="그림 43"/>
           <p:cNvPicPr>
             <a:picLocks noChangeAspect="1"/>
           </p:cNvPicPr>
           <p:nvPr/>
         </p:nvPicPr>
         <p:blipFill rotWithShape="1">
-          <a:blip r:embed="rId9" cstate="print">
-            <a:extLst>
-              <a:ext uri="{28A0092B-C50C-407E-A947-70E740481C1C}">
-                <a14:useLocalDpi xmlns:a14="http://schemas.microsoft.com/office/drawing/2010/main" val="0"/>
-              </a:ext>
-            </a:extLst>
-          </a:blip>
-          <a:stretch>
-            <a:fillRect/>
-          </a:stretch>
-        </p:blipFill>
-        <p:spPr>
-          <a:xfrm rot="0">
-            <a:off x="1230630" y="1454785"/>
-            <a:ext cx="1397000" cy="989965"/>
-          </a:xfrm>
-          <a:prstGeom prst="roundRect"/>
-          <a:solidFill>
-            <a:srgbClr val="EDEDED"/>
-          </a:solidFill>
-        </p:spPr>
-      </p:pic>
-      <p:pic>
-        <p:nvPicPr>
-          <p:cNvPr id="1202" name="그림 25" descr="C:/Users/Admin1/AppData/Roaming/PolarisOffice/ETemp/8580_20501592/fImage2242172279358.png"/>
-          <p:cNvPicPr>
-            <a:picLocks noChangeAspect="1"/>
-          </p:cNvPicPr>
-          <p:nvPr/>
-        </p:nvPicPr>
-        <p:blipFill rotWithShape="1">
-          <a:blip r:embed="rId10" cstate="hqprint">
+          <a:blip r:embed="rId17" cstate="hqprint">
             <a:extLst>
               <a:ext uri="{28A0092B-C50C-407E-A947-70E740481C1C}">
                 <a14:useLocalDpi xmlns:a14="http://schemas.microsoft.com/office/drawing/2010/main"/>
@@ -11551,171 +13906,9 @@
           </a:stretch>
         </p:blipFill>
         <p:spPr>
-          <a:xfrm rot="10800000">
-            <a:off x="2319655" y="1762125"/>
-            <a:ext cx="708025" cy="394970"/>
-          </a:xfrm>
-          <a:prstGeom prst="rect"/>
-          <a:noFill/>
-        </p:spPr>
-      </p:pic>
-      <p:sp>
-        <p:nvSpPr>
-          <p:cNvPr id="1203" name="텍스트 상자 26"/>
-          <p:cNvSpPr txBox="1">
-            <a:spLocks/>
-          </p:cNvSpPr>
-          <p:nvPr/>
-        </p:nvSpPr>
-        <p:spPr>
-          <a:xfrm rot="0">
-            <a:off x="1238885" y="2577465"/>
-            <a:ext cx="4140200" cy="1200785"/>
-          </a:xfrm>
-          <a:prstGeom prst="rect"/>
-          <a:noFill/>
-          <a:ln w="0">
-            <a:noFill/>
-            <a:prstDash/>
-          </a:ln>
-        </p:spPr>
-        <p:txBody>
-          <a:bodyPr wrap="square" lIns="89535" tIns="46355" rIns="89535" bIns="46355" numCol="1" vert="horz" anchor="t">
-            <a:spAutoFit/>
-          </a:bodyPr>
-          <a:lstStyle/>
-          <a:p>
-            <a:pPr marL="0" indent="0" rtl="0" algn="l" defTabSz="914400" eaLnBrk="1" latinLnBrk="0" hangingPunct="1">
-              <a:buFontTx/>
-              <a:buNone/>
-            </a:pPr>
-            <a:r>
-              <a:rPr sz="1800" b="1">
-                <a:solidFill>
-                  <a:srgbClr val="0611F2"/>
-                </a:solidFill>
-                <a:latin typeface="맑은 고딕" charset="0"/>
-                <a:ea typeface="맑은 고딕" charset="0"/>
-              </a:rPr>
-              <a:t>8</a:t>
-            </a:r>
-            <a:r>
-              <a:rPr sz="1800" b="1">
-                <a:solidFill>
-                  <a:srgbClr val="0611F2"/>
-                </a:solidFill>
-                <a:latin typeface="맑은 고딕" charset="0"/>
-                <a:ea typeface="맑은 고딕" charset="0"/>
-              </a:rPr>
-              <a:t>.</a:t>
-            </a:r>
-            <a:r>
-              <a:rPr lang="ko-KR" sz="1800">
-                <a:latin typeface="맑은 고딕" charset="0"/>
-                <a:ea typeface="맑은 고딕" charset="0"/>
-              </a:rPr>
-              <a:t> 그</a:t>
-            </a:r>
-            <a:r>
-              <a:rPr lang="ko-KR" sz="1800">
-                <a:latin typeface="맑은 고딕" charset="0"/>
-                <a:ea typeface="맑은 고딕" charset="0"/>
-              </a:rPr>
-              <a:t>다음 Project 폴더 아래에 있는 Model 폴더에 Rampart 모델을 월드 공간에 배치한 다음 Front Rampart 라는 이름으로 정의합니다.</a:t>
-            </a:r>
-            <a:endParaRPr lang="ko-KR" altLang="en-US" sz="1800">
-              <a:latin typeface="맑은 고딕" charset="0"/>
-              <a:ea typeface="맑은 고딕" charset="0"/>
-            </a:endParaRPr>
-          </a:p>
-        </p:txBody>
-      </p:sp>
-      <p:pic>
-        <p:nvPicPr>
-          <p:cNvPr id="1204" name="그림 27" descr="C:/Users/Admin1/AppData/Roaming/PolarisOffice/ETemp/8580_20501592/fImage150742296962.png"/>
-          <p:cNvPicPr>
-            <a:picLocks noChangeAspect="1"/>
-          </p:cNvPicPr>
-          <p:nvPr/>
-        </p:nvPicPr>
-        <p:blipFill rotWithShape="1">
-          <a:blip r:embed="rId11" cstate="print">
-            <a:extLst>
-              <a:ext uri="{28A0092B-C50C-407E-A947-70E740481C1C}">
-                <a14:useLocalDpi xmlns:a14="http://schemas.microsoft.com/office/drawing/2010/main" val="0"/>
-              </a:ext>
-            </a:extLst>
-          </a:blip>
-          <a:stretch>
-            <a:fillRect/>
-          </a:stretch>
-        </p:blipFill>
-        <p:spPr>
-          <a:xfrm rot="0">
-            <a:off x="1221740" y="3904615"/>
-            <a:ext cx="4147820" cy="1308100"/>
-          </a:xfrm>
-          <a:prstGeom prst="roundRect"/>
-          <a:solidFill>
-            <a:srgbClr val="EDEDED"/>
-          </a:solidFill>
-        </p:spPr>
-      </p:pic>
-      <p:pic>
-        <p:nvPicPr>
-          <p:cNvPr id="1205" name="그림 30" descr="C:/Users/Admin1/AppData/Roaming/PolarisOffice/ETemp/8580_20501592/fImage37942304464.png"/>
-          <p:cNvPicPr>
-            <a:picLocks noChangeAspect="1"/>
-          </p:cNvPicPr>
-          <p:nvPr/>
-        </p:nvPicPr>
-        <p:blipFill rotWithShape="1">
-          <a:blip r:embed="rId12" cstate="print">
-            <a:extLst>
-              <a:ext uri="{28A0092B-C50C-407E-A947-70E740481C1C}">
-                <a14:useLocalDpi xmlns:a14="http://schemas.microsoft.com/office/drawing/2010/main" val="0"/>
-              </a:ext>
-            </a:extLst>
-          </a:blip>
-          <a:stretch>
-            <a:fillRect/>
-          </a:stretch>
-        </p:blipFill>
-        <p:spPr>
-          <a:xfrm rot="0">
-            <a:off x="8217535" y="1437640"/>
-            <a:ext cx="2736850" cy="1264920"/>
-          </a:xfrm>
-          <a:prstGeom prst="roundRect"/>
-          <a:solidFill>
-            <a:srgbClr val="EDEDED"/>
-          </a:solidFill>
-        </p:spPr>
-      </p:pic>
-      <p:pic>
-        <p:nvPicPr>
-          <p:cNvPr id="1206" name="그림 36" descr="C:/Users/Admin1/AppData/Roaming/PolarisOffice/ETemp/8580_20501592/fImage70202325705.png"/>
-          <p:cNvPicPr>
-            <a:picLocks noChangeAspect="1"/>
-          </p:cNvPicPr>
-          <p:nvPr/>
-        </p:nvPicPr>
-        <p:blipFill rotWithShape="1">
-          <a:blip r:embed="rId13" cstate="print">
-            <a:extLst>
-              <a:ext uri="{28A0092B-C50C-407E-A947-70E740481C1C}">
-                <a14:useLocalDpi xmlns:a14="http://schemas.microsoft.com/office/drawing/2010/main" val="0"/>
-              </a:ext>
-            </a:extLst>
-          </a:blip>
-          <a:stretch>
-            <a:fillRect/>
-          </a:stretch>
-        </p:blipFill>
-        <p:spPr>
-          <a:xfrm rot="0">
-            <a:off x="6814185" y="1445895"/>
-            <a:ext cx="1239520" cy="1247775"/>
+          <a:xfrm rot="0">
+            <a:off x="6810375" y="1446530"/>
+            <a:ext cx="1249045" cy="1124585"/>
           </a:xfrm>
           <a:prstGeom prst="roundRect"/>
           <a:solidFill>
@@ -11731,13 +13924,12 @@
         </p:nvCxnSpPr>
         <p:spPr>
           <a:xfrm rot="0" flipH="1">
-            <a:off x="7828280" y="2112645"/>
-            <a:ext cx="528320" cy="243205"/>
+            <a:off x="7820025" y="2112645"/>
+            <a:ext cx="537210" cy="116840"/>
           </a:xfrm>
           <a:prstGeom prst="straightConnector1"/>
           <a:ln w="6350" cap="flat" cmpd="sng">
             <a:prstDash/>
-            <a:headEnd type="none" w="med" len="med"/>
             <a:tailEnd type="triangle" w="med" len="med"/>
           </a:ln>
         </p:spPr>
@@ -11756,83 +13948,20 @@
           </a:fontRef>
         </p:style>
       </p:cxnSp>
-      <p:pic>
-        <p:nvPicPr>
-          <p:cNvPr id="1208" name="그림 40" descr="C:/Users/Admin1/AppData/Roaming/PolarisOffice/ETemp/8580_20501592/fImage37942348145.png"/>
-          <p:cNvPicPr>
-            <a:picLocks noChangeAspect="1"/>
-          </p:cNvPicPr>
-          <p:nvPr/>
-        </p:nvPicPr>
-        <p:blipFill rotWithShape="1">
-          <a:blip r:embed="rId14" cstate="print">
-            <a:extLst>
-              <a:ext uri="{28A0092B-C50C-407E-A947-70E740481C1C}">
-                <a14:useLocalDpi xmlns:a14="http://schemas.microsoft.com/office/drawing/2010/main" val="0"/>
-              </a:ext>
-            </a:extLst>
-          </a:blip>
-          <a:stretch>
-            <a:fillRect/>
-          </a:stretch>
-        </p:blipFill>
-        <p:spPr>
-          <a:xfrm rot="0">
-            <a:off x="8220075" y="3924935"/>
-            <a:ext cx="2736850" cy="1254125"/>
-          </a:xfrm>
-          <a:prstGeom prst="roundRect"/>
-          <a:solidFill>
-            <a:srgbClr val="EDEDED"/>
-          </a:solidFill>
-        </p:spPr>
-      </p:pic>
-      <p:pic>
-        <p:nvPicPr>
-          <p:cNvPr id="1209" name="그림 41" descr="C:/Users/Admin1/AppData/Roaming/PolarisOffice/ETemp/8580_20501592/fImage68182353281.png"/>
-          <p:cNvPicPr>
-            <a:picLocks noChangeAspect="1"/>
-          </p:cNvPicPr>
-          <p:nvPr/>
-        </p:nvPicPr>
-        <p:blipFill rotWithShape="1">
-          <a:blip r:embed="rId15" cstate="print">
-            <a:extLst>
-              <a:ext uri="{28A0092B-C50C-407E-A947-70E740481C1C}">
-                <a14:useLocalDpi xmlns:a14="http://schemas.microsoft.com/office/drawing/2010/main" val="0"/>
-              </a:ext>
-            </a:extLst>
-          </a:blip>
-          <a:stretch>
-            <a:fillRect/>
-          </a:stretch>
-        </p:blipFill>
-        <p:spPr>
-          <a:xfrm rot="0">
-            <a:off x="6814820" y="3923030"/>
-            <a:ext cx="1256030" cy="1256030"/>
-          </a:xfrm>
-          <a:prstGeom prst="roundRect"/>
-          <a:solidFill>
-            <a:srgbClr val="EDEDED"/>
-          </a:solidFill>
-        </p:spPr>
-      </p:pic>
       <p:cxnSp>
         <p:nvCxnSpPr>
-          <p:cNvPr id="1210" name="도형 44"/>
+          <p:cNvPr id="1214" name="도형 46"/>
           <p:cNvCxnSpPr/>
           <p:nvPr/>
         </p:nvCxnSpPr>
         <p:spPr>
           <a:xfrm rot="0" flipH="1">
-            <a:off x="7828280" y="4580890"/>
-            <a:ext cx="520065" cy="390525"/>
+            <a:off x="7820025" y="2105025"/>
+            <a:ext cx="543560" cy="353060"/>
           </a:xfrm>
           <a:prstGeom prst="straightConnector1"/>
           <a:ln w="6350" cap="flat" cmpd="sng">
             <a:prstDash/>
-            <a:headEnd type="none" w="med" len="med"/>
             <a:tailEnd type="triangle" w="med" len="med"/>
           </a:ln>
         </p:spPr>
@@ -11853,7 +13982,7 @@
       </p:cxnSp>
       <p:sp>
         <p:nvSpPr>
-          <p:cNvPr id="1211" name="텍스트 상자 45"/>
+          <p:cNvPr id="1215" name="텍스트 상자 49"/>
           <p:cNvSpPr txBox="1">
             <a:spLocks/>
           </p:cNvSpPr>
@@ -11861,8 +13990,8 @@
         </p:nvSpPr>
         <p:spPr>
           <a:xfrm rot="0">
-            <a:off x="6808470" y="5313045"/>
-            <a:ext cx="4137660" cy="923925"/>
+            <a:off x="6828155" y="5577840"/>
+            <a:ext cx="4135755" cy="647065"/>
           </a:xfrm>
           <a:prstGeom prst="rect"/>
           <a:noFill/>
@@ -11882,6 +14011,16 @@
               <a:buNone/>
             </a:pPr>
             <a:r>
+              <a:rPr sz="1800" b="1">
+                <a:solidFill>
+                  <a:srgbClr val="0611F2"/>
+                </a:solidFill>
+                <a:latin typeface="맑은 고딕" charset="0"/>
+                <a:ea typeface="맑은 고딕" charset="0"/>
+              </a:rPr>
+              <a:t>1</a:t>
+            </a:r>
+            <a:r>
               <a:rPr lang="ko-KR" sz="1800" b="1">
                 <a:solidFill>
                   <a:srgbClr val="0611F2"/>
@@ -11889,7 +14028,7 @@
                 <a:latin typeface="맑은 고딕" charset="0"/>
                 <a:ea typeface="맑은 고딕" charset="0"/>
               </a:rPr>
-              <a:t>11</a:t>
+              <a:t>0</a:t>
             </a:r>
             <a:r>
               <a:rPr sz="1800" b="1">
@@ -11913,7 +14052,7 @@
                 <a:latin typeface="맑은 고딕" charset="0"/>
                 <a:ea typeface="맑은 고딕" charset="0"/>
               </a:rPr>
-              <a:t>그리고 Project 폴더 아래에 있는 Texture 폴더에 Paint 텍스처를 Front Rampart 오브젝트에 넣어줍니다.</a:t>
+              <a:t>그러고 나서 Main Camera의 위치와 회전 값을 설정합니다.</a:t>
             </a:r>
             <a:endParaRPr lang="ko-KR" altLang="en-US" sz="1800">
               <a:latin typeface="맑은 고딕" charset="0"/>
@@ -11922,6 +14061,97 @@
           </a:p>
         </p:txBody>
       </p:sp>
+      <p:pic>
+        <p:nvPicPr>
+          <p:cNvPr id="1216" name="그림 50"/>
+          <p:cNvPicPr>
+            <a:picLocks noChangeAspect="1"/>
+          </p:cNvPicPr>
+          <p:nvPr/>
+        </p:nvPicPr>
+        <p:blipFill rotWithShape="1">
+          <a:blip r:embed="rId18" cstate="hqprint">
+            <a:extLst>
+              <a:ext uri="{28A0092B-C50C-407E-A947-70E740481C1C}">
+                <a14:useLocalDpi xmlns:a14="http://schemas.microsoft.com/office/drawing/2010/main"/>
+              </a:ext>
+            </a:extLst>
+          </a:blip>
+          <a:stretch>
+            <a:fillRect/>
+          </a:stretch>
+        </p:blipFill>
+        <p:spPr>
+          <a:xfrm rot="0">
+            <a:off x="6810375" y="4019550"/>
+            <a:ext cx="4144010" cy="1446530"/>
+          </a:xfrm>
+          <a:prstGeom prst="roundRect"/>
+          <a:solidFill>
+            <a:srgbClr val="EDEDED"/>
+          </a:solidFill>
+        </p:spPr>
+      </p:pic>
+      <p:pic>
+        <p:nvPicPr>
+          <p:cNvPr id="1217" name="그림 5"/>
+          <p:cNvPicPr>
+            <a:picLocks noChangeAspect="1"/>
+          </p:cNvPicPr>
+          <p:nvPr/>
+        </p:nvPicPr>
+        <p:blipFill rotWithShape="1">
+          <a:blip r:embed="rId19" cstate="print">
+            <a:extLst>
+              <a:ext uri="{28A0092B-C50C-407E-A947-70E740481C1C}">
+                <a14:useLocalDpi xmlns:a14="http://schemas.microsoft.com/office/drawing/2010/main" val="0"/>
+              </a:ext>
+            </a:extLst>
+          </a:blip>
+          <a:stretch>
+            <a:fillRect/>
+          </a:stretch>
+        </p:blipFill>
+        <p:spPr>
+          <a:xfrm rot="0">
+            <a:off x="2809875" y="1446530"/>
+            <a:ext cx="2544445" cy="989965"/>
+          </a:xfrm>
+          <a:prstGeom prst="roundRect"/>
+          <a:solidFill>
+            <a:srgbClr val="EDEDED"/>
+          </a:solidFill>
+        </p:spPr>
+      </p:pic>
+      <p:pic>
+        <p:nvPicPr>
+          <p:cNvPr id="1202" name="그림 25"/>
+          <p:cNvPicPr>
+            <a:picLocks noChangeAspect="1"/>
+          </p:cNvPicPr>
+          <p:nvPr/>
+        </p:nvPicPr>
+        <p:blipFill rotWithShape="1">
+          <a:blip r:embed="rId10" cstate="hqprint">
+            <a:extLst>
+              <a:ext uri="{28A0092B-C50C-407E-A947-70E740481C1C}">
+                <a14:useLocalDpi xmlns:a14="http://schemas.microsoft.com/office/drawing/2010/main"/>
+              </a:ext>
+            </a:extLst>
+          </a:blip>
+          <a:stretch>
+            <a:fillRect/>
+          </a:stretch>
+        </p:blipFill>
+        <p:spPr>
+          <a:xfrm rot="10800000">
+            <a:off x="2319655" y="1762125"/>
+            <a:ext cx="708025" cy="394970"/>
+          </a:xfrm>
+          <a:prstGeom prst="rect"/>
+          <a:noFill/>
+        </p:spPr>
+      </p:pic>
     </p:spTree>
   </p:cSld>
   <p:clrMapOvr>
@@ -12022,116 +14252,9 @@
           </a:p>
         </p:txBody>
       </p:sp>
-      <p:sp>
-        <p:nvSpPr>
-          <p:cNvPr id="1186" name="텍스트 상자 38"/>
-          <p:cNvSpPr txBox="1">
-            <a:spLocks/>
-          </p:cNvSpPr>
-          <p:nvPr/>
-        </p:nvSpPr>
-        <p:spPr>
-          <a:xfrm rot="0">
-            <a:off x="1241425" y="5470525"/>
-            <a:ext cx="4119245" cy="647065"/>
-          </a:xfrm>
-          <a:prstGeom prst="rect"/>
-          <a:noFill/>
-          <a:ln w="0">
-            <a:noFill/>
-            <a:prstDash/>
-          </a:ln>
-        </p:spPr>
-        <p:txBody>
-          <a:bodyPr wrap="square" lIns="89535" tIns="46355" rIns="89535" bIns="46355" numCol="1" vert="horz" anchor="t">
-            <a:spAutoFit/>
-          </a:bodyPr>
-          <a:lstStyle/>
-          <a:p>
-            <a:pPr marL="0" indent="0" rtl="0" algn="l" defTabSz="914400" eaLnBrk="1" latinLnBrk="0" hangingPunct="1">
-              <a:buFontTx/>
-              <a:buNone/>
-            </a:pPr>
-            <a:r>
-              <a:rPr lang="ko-KR" sz="1800" b="1">
-                <a:solidFill>
-                  <a:srgbClr val="0611F2"/>
-                </a:solidFill>
-                <a:latin typeface="맑은 고딕" charset="0"/>
-                <a:ea typeface="맑은 고딕" charset="0"/>
-              </a:rPr>
-              <a:t>12</a:t>
-            </a:r>
-            <a:r>
-              <a:rPr sz="1800" b="1">
-                <a:solidFill>
-                  <a:srgbClr val="0611F2"/>
-                </a:solidFill>
-                <a:latin typeface="맑은 고딕" charset="0"/>
-                <a:ea typeface="맑은 고딕" charset="0"/>
-              </a:rPr>
-              <a:t>.</a:t>
-            </a:r>
-            <a:r>
-              <a:rPr sz="1800">
-                <a:latin typeface="맑은 고딕" charset="0"/>
-                <a:ea typeface="맑은 고딕" charset="0"/>
-              </a:rPr>
-              <a:t> </a:t>
-            </a:r>
-            <a:r>
-              <a:rPr lang="ko-KR" sz="1800">
-                <a:latin typeface="맑은 고딕" charset="0"/>
-                <a:ea typeface="맑은 고딕" charset="0"/>
-              </a:rPr>
-              <a:t>그런 다음</a:t>
-            </a:r>
-            <a:r>
-              <a:rPr lang="ko-KR" sz="1800">
-                <a:latin typeface="맑은 고딕" charset="0"/>
-                <a:ea typeface="맑은 고딕" charset="0"/>
-              </a:rPr>
-              <a:t> Window를 선택한 다음 AI에서 Navigation을 선택합니다.</a:t>
-            </a:r>
-            <a:endParaRPr lang="ko-KR" altLang="en-US" sz="1800">
-              <a:latin typeface="맑은 고딕" charset="0"/>
-              <a:ea typeface="맑은 고딕" charset="0"/>
-            </a:endParaRPr>
-          </a:p>
-        </p:txBody>
-      </p:sp>
       <p:pic>
         <p:nvPicPr>
-          <p:cNvPr id="1187" name="그림 39" descr="C:/Users/Admin1/AppData/Roaming/PolarisOffice/ETemp/8580_20501592/fImage199543165705.png"/>
-          <p:cNvPicPr>
-            <a:picLocks noChangeAspect="1"/>
-          </p:cNvPicPr>
-          <p:nvPr/>
-        </p:nvPicPr>
-        <p:blipFill rotWithShape="1">
-          <a:blip r:embed="rId9" cstate="hqprint">
-            <a:extLst>
-              <a:ext uri="{28A0092B-C50C-407E-A947-70E740481C1C}">
-                <a14:useLocalDpi xmlns:a14="http://schemas.microsoft.com/office/drawing/2010/main"/>
-              </a:ext>
-            </a:extLst>
-          </a:blip>
-          <a:stretch>
-            <a:fillRect/>
-          </a:stretch>
-        </p:blipFill>
-        <p:spPr>
-          <a:xfrm rot="0">
-            <a:off x="1238250" y="1445895"/>
-            <a:ext cx="4132580" cy="3803650"/>
-          </a:xfrm>
-          <a:prstGeom prst="rect"/>
-          <a:noFill/>
-        </p:spPr>
-      </p:pic>
-      <p:pic>
-        <p:nvPicPr>
-          <p:cNvPr id="1190" name="그림 53" descr="C:/Users/Admin1/AppData/Roaming/PolarisOffice/ETemp/8580_20501592/fImage68753206827.png"/>
+          <p:cNvPr id="1190" name="그림 53"/>
           <p:cNvPicPr>
             <a:picLocks noChangeAspect="1"/>
           </p:cNvPicPr>
@@ -12151,8 +14274,8 @@
         </p:blipFill>
         <p:spPr>
           <a:xfrm rot="0">
-            <a:off x="6831965" y="1445895"/>
-            <a:ext cx="1481455" cy="2762885"/>
+            <a:off x="6823710" y="3157220"/>
+            <a:ext cx="4130675" cy="1891665"/>
           </a:xfrm>
           <a:prstGeom prst="roundRect"/>
           <a:solidFill>
@@ -12170,8 +14293,8 @@
         </p:nvSpPr>
         <p:spPr>
           <a:xfrm rot="0">
-            <a:off x="6823075" y="4370705"/>
-            <a:ext cx="4131310" cy="1754505"/>
+            <a:off x="6823710" y="5193030"/>
+            <a:ext cx="4130675" cy="923925"/>
           </a:xfrm>
           <a:prstGeom prst="rect"/>
           <a:noFill/>
@@ -12208,7 +14331,7 @@
                 <a:latin typeface="맑은 고딕" charset="0"/>
                 <a:ea typeface="맑은 고딕" charset="0"/>
               </a:rPr>
-              <a:t>3</a:t>
+              <a:t>2</a:t>
             </a:r>
             <a:r>
               <a:rPr sz="1800" b="1">
@@ -12225,83 +14348,49 @@
                 <a:latin typeface="맑은 고딕" charset="0"/>
                 <a:ea typeface="맑은 고딕" charset="0"/>
               </a:rPr>
-              <a:t> 그</a:t>
+              <a:t> </a:t>
+            </a:r>
+            <a:r>
+              <a:rPr sz="1800">
+                <a:latin typeface="맑은 고딕" charset="0"/>
+                <a:ea typeface="맑은 고딕" charset="0"/>
+              </a:rPr>
+              <a:t>그</a:t>
             </a:r>
             <a:r>
               <a:rPr lang="ko-KR" sz="1800">
                 <a:latin typeface="맑은 고딕" charset="0"/>
                 <a:ea typeface="맑은 고딕" charset="0"/>
               </a:rPr>
-              <a:t>다음</a:t>
+              <a:t>리고</a:t>
             </a:r>
             <a:r>
               <a:rPr lang="ko-KR" sz="1800">
                 <a:latin typeface="맑은 고딕" charset="0"/>
                 <a:ea typeface="맑은 고딕" charset="0"/>
               </a:rPr>
-              <a:t>으로</a:t>
-            </a:r>
-            <a:r>
-              <a:rPr lang="ko-KR" sz="1800">
-                <a:latin typeface="맑은 고딕" charset="0"/>
-                <a:ea typeface="맑은 고딕" charset="0"/>
-              </a:rPr>
-              <a:t> </a:t>
-            </a:r>
-            <a:r>
-              <a:rPr lang="ko-KR" sz="1800">
-                <a:latin typeface="맑은 고딕" charset="0"/>
-                <a:ea typeface="맑은 고딕" charset="0"/>
-              </a:rPr>
-              <a:t>Back Rampart 오브젝트와 Front Rampart 오브젝트에 Navigation Static을 설정합니다.</a:t>
+              <a:t> Back Rampart 오브젝트와 Front Rampart 오브젝트에 Navigation Static을 설정합니다.</a:t>
             </a:r>
             <a:endParaRPr lang="ko-KR" altLang="en-US" sz="1800">
               <a:latin typeface="맑은 고딕" charset="0"/>
               <a:ea typeface="맑은 고딕" charset="0"/>
             </a:endParaRPr>
           </a:p>
-          <a:p>
-            <a:pPr marL="0" indent="0" rtl="0" algn="l" defTabSz="914400" eaLnBrk="1" latinLnBrk="0" hangingPunct="1">
-              <a:buFontTx/>
-              <a:buNone/>
-            </a:pPr>
-            <a:endParaRPr lang="ko-KR" altLang="en-US" sz="1800">
-              <a:latin typeface="맑은 고딕" charset="0"/>
-              <a:ea typeface="맑은 고딕" charset="0"/>
-            </a:endParaRPr>
-          </a:p>
-          <a:p>
-            <a:pPr marL="0" indent="0" rtl="0" algn="l" defTabSz="914400" eaLnBrk="1" latinLnBrk="0" hangingPunct="1">
-              <a:buFontTx/>
-              <a:buNone/>
-            </a:pPr>
-            <a:r>
-              <a:rPr lang="ko-KR" sz="1800">
-                <a:latin typeface="맑은 고딕" charset="0"/>
-                <a:ea typeface="맑은 고딕" charset="0"/>
-              </a:rPr>
-              <a:t>그러고 나서 Character 오브젝트에 Navigation Static도 설정합니다.</a:t>
-            </a:r>
-            <a:endParaRPr lang="ko-KR" altLang="en-US" sz="1800">
-              <a:latin typeface="맑은 고딕" charset="0"/>
-              <a:ea typeface="맑은 고딕" charset="0"/>
-            </a:endParaRPr>
-          </a:p>
         </p:txBody>
       </p:sp>
       <p:pic>
         <p:nvPicPr>
-          <p:cNvPr id="1192" name="그림 49" descr="C:/Users/Admin1/AppData/Roaming/PolarisOffice/ETemp/8580_20501592/fImage81702416827.png"/>
+          <p:cNvPr id="1192" name="그림 49"/>
           <p:cNvPicPr>
             <a:picLocks noChangeAspect="1"/>
           </p:cNvPicPr>
           <p:nvPr/>
         </p:nvPicPr>
         <p:blipFill rotWithShape="1">
-          <a:blip r:embed="rId13" cstate="print">
+          <a:blip r:embed="rId13" cstate="hqprint">
             <a:extLst>
               <a:ext uri="{28A0092B-C50C-407E-A947-70E740481C1C}">
-                <a14:useLocalDpi xmlns:a14="http://schemas.microsoft.com/office/drawing/2010/main" val="0"/>
+                <a14:useLocalDpi xmlns:a14="http://schemas.microsoft.com/office/drawing/2010/main"/>
               </a:ext>
             </a:extLst>
           </a:blip>
@@ -12311,8 +14400,8 @@
         </p:blipFill>
         <p:spPr>
           <a:xfrm rot="0">
-            <a:off x="8460105" y="1446530"/>
-            <a:ext cx="2486025" cy="779145"/>
+            <a:off x="6831965" y="1446530"/>
+            <a:ext cx="4114800" cy="684530"/>
           </a:xfrm>
           <a:prstGeom prst="roundRect"/>
           <a:solidFill>
@@ -12322,17 +14411,17 @@
       </p:pic>
       <p:pic>
         <p:nvPicPr>
-          <p:cNvPr id="1193" name="그림 52" descr="C:/Users/Admin1/AppData/Roaming/PolarisOffice/ETemp/8580_20501592/fImage80372429961.png"/>
+          <p:cNvPr id="1193" name="그림 52"/>
           <p:cNvPicPr>
             <a:picLocks noChangeAspect="1"/>
           </p:cNvPicPr>
           <p:nvPr/>
         </p:nvPicPr>
         <p:blipFill rotWithShape="1">
-          <a:blip r:embed="rId14" cstate="print">
+          <a:blip r:embed="rId14" cstate="hqprint">
             <a:extLst>
               <a:ext uri="{28A0092B-C50C-407E-A947-70E740481C1C}">
-                <a14:useLocalDpi xmlns:a14="http://schemas.microsoft.com/office/drawing/2010/main" val="0"/>
+                <a14:useLocalDpi xmlns:a14="http://schemas.microsoft.com/office/drawing/2010/main"/>
               </a:ext>
             </a:extLst>
           </a:blip>
@@ -12342,8 +14431,8 @@
         </p:blipFill>
         <p:spPr>
           <a:xfrm rot="0">
-            <a:off x="8460105" y="2430145"/>
-            <a:ext cx="2485390" cy="791845"/>
+            <a:off x="6823075" y="2303780"/>
+            <a:ext cx="4123055" cy="679450"/>
           </a:xfrm>
           <a:prstGeom prst="roundRect"/>
           <a:solidFill>
@@ -12351,19 +14440,90 @@
           </a:solidFill>
         </p:spPr>
       </p:pic>
+      <p:sp>
+        <p:nvSpPr>
+          <p:cNvPr id="1194" name="텍스트 상자 57"/>
+          <p:cNvSpPr txBox="1">
+            <a:spLocks/>
+          </p:cNvSpPr>
+          <p:nvPr/>
+        </p:nvSpPr>
+        <p:spPr>
+          <a:xfrm rot="0">
+            <a:off x="1247140" y="5469890"/>
+            <a:ext cx="4106545" cy="647065"/>
+          </a:xfrm>
+          <a:prstGeom prst="rect"/>
+          <a:noFill/>
+          <a:ln w="0">
+            <a:noFill/>
+            <a:prstDash/>
+          </a:ln>
+        </p:spPr>
+        <p:txBody>
+          <a:bodyPr wrap="square" lIns="89535" tIns="46355" rIns="89535" bIns="46355" numCol="1" vert="horz" anchor="t">
+            <a:spAutoFit/>
+          </a:bodyPr>
+          <a:lstStyle/>
+          <a:p>
+            <a:pPr marL="0" indent="0" rtl="0" algn="l" defTabSz="914400" eaLnBrk="1" latinLnBrk="0" hangingPunct="1">
+              <a:buFontTx/>
+              <a:buNone/>
+            </a:pPr>
+            <a:r>
+              <a:rPr lang="ko-KR" sz="1800" b="1">
+                <a:solidFill>
+                  <a:srgbClr val="0611F2"/>
+                </a:solidFill>
+                <a:latin typeface="맑은 고딕" charset="0"/>
+                <a:ea typeface="맑은 고딕" charset="0"/>
+              </a:rPr>
+              <a:t>11</a:t>
+            </a:r>
+            <a:r>
+              <a:rPr sz="1800" b="1">
+                <a:solidFill>
+                  <a:srgbClr val="0611F2"/>
+                </a:solidFill>
+                <a:latin typeface="맑은 고딕" charset="0"/>
+                <a:ea typeface="맑은 고딕" charset="0"/>
+              </a:rPr>
+              <a:t>.</a:t>
+            </a:r>
+            <a:r>
+              <a:rPr sz="1800">
+                <a:latin typeface="맑은 고딕" charset="0"/>
+                <a:ea typeface="맑은 고딕" charset="0"/>
+              </a:rPr>
+              <a:t> </a:t>
+            </a:r>
+            <a:r>
+              <a:rPr lang="ko-KR" sz="1800">
+                <a:latin typeface="맑은 고딕" charset="0"/>
+                <a:ea typeface="맑은 고딕" charset="0"/>
+              </a:rPr>
+              <a:t>이제 Character 오브젝트의 Navigation Static를 설정합니다.</a:t>
+            </a:r>
+            <a:endParaRPr lang="ko-KR" altLang="en-US" sz="1800">
+              <a:latin typeface="맑은 고딕" charset="0"/>
+              <a:ea typeface="맑은 고딕" charset="0"/>
+            </a:endParaRPr>
+          </a:p>
+        </p:txBody>
+      </p:sp>
       <p:pic>
         <p:nvPicPr>
-          <p:cNvPr id="1195" name="그림 63" descr="C:/Users/Admin1/AppData/Roaming/PolarisOffice/ETemp/8580_20501592/fImage5131248491.png"/>
+          <p:cNvPr id="1195" name="그림 58"/>
           <p:cNvPicPr>
             <a:picLocks noChangeAspect="1"/>
           </p:cNvPicPr>
           <p:nvPr/>
         </p:nvPicPr>
         <p:blipFill rotWithShape="1">
-          <a:blip r:embed="rId15" cstate="print">
+          <a:blip r:embed="rId15" cstate="hqprint">
             <a:extLst>
               <a:ext uri="{28A0092B-C50C-407E-A947-70E740481C1C}">
-                <a14:useLocalDpi xmlns:a14="http://schemas.microsoft.com/office/drawing/2010/main" val="0"/>
+                <a14:useLocalDpi xmlns:a14="http://schemas.microsoft.com/office/drawing/2010/main"/>
               </a:ext>
             </a:extLst>
           </a:blip>
@@ -12373,8 +14533,39 @@
         </p:blipFill>
         <p:spPr>
           <a:xfrm rot="0">
-            <a:off x="8468995" y="3429000"/>
-            <a:ext cx="2485390" cy="779780"/>
+            <a:off x="1238250" y="1447800"/>
+            <a:ext cx="4124960" cy="871855"/>
+          </a:xfrm>
+          <a:prstGeom prst="roundRect"/>
+          <a:solidFill>
+            <a:srgbClr val="EDEDED"/>
+          </a:solidFill>
+        </p:spPr>
+      </p:pic>
+      <p:pic>
+        <p:nvPicPr>
+          <p:cNvPr id="1196" name="그림 59"/>
+          <p:cNvPicPr>
+            <a:picLocks noChangeAspect="1"/>
+          </p:cNvPicPr>
+          <p:nvPr/>
+        </p:nvPicPr>
+        <p:blipFill rotWithShape="1">
+          <a:blip r:embed="rId12" cstate="hqprint">
+            <a:extLst>
+              <a:ext uri="{28A0092B-C50C-407E-A947-70E740481C1C}">
+                <a14:useLocalDpi xmlns:a14="http://schemas.microsoft.com/office/drawing/2010/main"/>
+              </a:ext>
+            </a:extLst>
+          </a:blip>
+          <a:stretch>
+            <a:fillRect/>
+          </a:stretch>
+        </p:blipFill>
+        <p:spPr>
+          <a:xfrm rot="0">
+            <a:off x="1247775" y="2533650"/>
+            <a:ext cx="4105910" cy="2762885"/>
           </a:xfrm>
           <a:prstGeom prst="roundRect"/>
           <a:solidFill>
@@ -12525,7 +14716,7 @@
       </p:sp>
       <p:pic>
         <p:nvPicPr>
-          <p:cNvPr id="14" name="그림 115" descr="C:/Users/Admin1/AppData/Roaming/PolarisOffice/ETemp/8580_20501592/fImage1849633341.png"/>
+          <p:cNvPr id="14" name="그림 115"/>
           <p:cNvPicPr>
             <a:picLocks noChangeAspect="1"/>
           </p:cNvPicPr>
@@ -12545,8 +14736,8 @@
         </p:blipFill>
         <p:spPr>
           <a:xfrm rot="0">
-            <a:off x="1238250" y="2639695"/>
-            <a:ext cx="4157980" cy="2131060"/>
+            <a:off x="1238250" y="2660015"/>
+            <a:ext cx="4158615" cy="2111375"/>
           </a:xfrm>
           <a:prstGeom prst="roundRect"/>
           <a:solidFill>
@@ -12614,7 +14805,7 @@
       </p:sp>
       <p:pic>
         <p:nvPicPr>
-          <p:cNvPr id="16" name="그림 122" descr="C:/Users/Admin1/AppData/Roaming/PolarisOffice/ETemp/8580_20501592/fImage197313368467.png"/>
+          <p:cNvPr id="16" name="그림 122"/>
           <p:cNvPicPr>
             <a:picLocks noChangeAspect="1"/>
           </p:cNvPicPr>
@@ -12841,8 +15032,8 @@
         </p:nvSpPr>
         <p:spPr>
           <a:xfrm rot="0">
-            <a:off x="1247140" y="2655570"/>
-            <a:ext cx="4131310" cy="1200785"/>
+            <a:off x="1247140" y="2672080"/>
+            <a:ext cx="4132580" cy="1201420"/>
           </a:xfrm>
           <a:prstGeom prst="rect"/>
           <a:noFill/>
@@ -12869,17 +15060,7 @@
                 <a:latin typeface="맑은 고딕" charset="0"/>
                 <a:ea typeface="맑은 고딕" charset="0"/>
               </a:rPr>
-              <a:t>1</a:t>
-            </a:r>
-            <a:r>
-              <a:rPr lang="ko-KR" sz="1800" b="1">
-                <a:solidFill>
-                  <a:srgbClr val="0611F2"/>
-                </a:solidFill>
-                <a:latin typeface="맑은 고딕" charset="0"/>
-                <a:ea typeface="맑은 고딕" charset="0"/>
-              </a:rPr>
-              <a:t>4</a:t>
+              <a:t>13</a:t>
             </a:r>
             <a:r>
               <a:rPr sz="1800" b="1">
@@ -12903,7 +15084,7 @@
                 <a:latin typeface="맑은 고딕" charset="0"/>
                 <a:ea typeface="맑은 고딕" charset="0"/>
               </a:rPr>
-              <a:t>이제 Project 폴더 아래에 있는 Model 폴더에 Bridge 모델을 월드 공간에 배치하고 Left Bridge 라는 이름으로 정의합니다.</a:t>
+              <a:t>그런 다음 Project 폴더 아래에 있는 Model 폴더에 Bridge 모델을 월드 공간에 배치하고 Left Bridge 라는 이름으로 정의합니다.</a:t>
             </a:r>
             <a:endParaRPr lang="ko-KR" altLang="en-US" sz="1800">
               <a:latin typeface="맑은 고딕" charset="0"/>
@@ -12914,7 +15095,7 @@
       </p:sp>
       <p:pic>
         <p:nvPicPr>
-          <p:cNvPr id="1195" name="그림 72" descr="C:/Users/Admin1/AppData/Roaming/PolarisOffice/ETemp/8580_20501592/fImage76982512995.png"/>
+          <p:cNvPr id="1195" name="그림 72"/>
           <p:cNvPicPr>
             <a:picLocks noChangeAspect="1"/>
           </p:cNvPicPr>
@@ -12945,14 +15126,123 @@
       </p:pic>
       <p:pic>
         <p:nvPicPr>
-          <p:cNvPr id="1196" name="그림 75" descr="C:/Users/Admin1/AppData/Roaming/PolarisOffice/ETemp/8580_20501592/fImage86772521942.png"/>
+          <p:cNvPr id="1198" name="그림 79"/>
           <p:cNvPicPr>
             <a:picLocks noChangeAspect="1"/>
           </p:cNvPicPr>
           <p:nvPr/>
         </p:nvPicPr>
         <p:blipFill rotWithShape="1">
-          <a:blip r:embed="rId13" cstate="print">
+          <a:blip r:embed="rId15" cstate="hqprint">
+            <a:extLst>
+              <a:ext uri="{28A0092B-C50C-407E-A947-70E740481C1C}">
+                <a14:useLocalDpi xmlns:a14="http://schemas.microsoft.com/office/drawing/2010/main"/>
+              </a:ext>
+            </a:extLst>
+          </a:blip>
+          <a:stretch>
+            <a:fillRect/>
+          </a:stretch>
+        </p:blipFill>
+        <p:spPr>
+          <a:xfrm rot="0">
+            <a:off x="1247140" y="4025900"/>
+            <a:ext cx="4140200" cy="1430020"/>
+          </a:xfrm>
+          <a:prstGeom prst="roundRect"/>
+          <a:solidFill>
+            <a:srgbClr val="EDEDED"/>
+          </a:solidFill>
+        </p:spPr>
+      </p:pic>
+      <p:sp>
+        <p:nvSpPr>
+          <p:cNvPr id="1199" name="텍스트 상자 82"/>
+          <p:cNvSpPr txBox="1">
+            <a:spLocks/>
+          </p:cNvSpPr>
+          <p:nvPr/>
+        </p:nvSpPr>
+        <p:spPr>
+          <a:xfrm rot="0">
+            <a:off x="1247140" y="5586730"/>
+            <a:ext cx="4131945" cy="647065"/>
+          </a:xfrm>
+          <a:prstGeom prst="rect"/>
+          <a:noFill/>
+          <a:ln w="0">
+            <a:noFill/>
+            <a:prstDash/>
+          </a:ln>
+        </p:spPr>
+        <p:txBody>
+          <a:bodyPr wrap="square" lIns="89535" tIns="46355" rIns="89535" bIns="46355" numCol="1" vert="horz" anchor="t">
+            <a:spAutoFit/>
+          </a:bodyPr>
+          <a:lstStyle/>
+          <a:p>
+            <a:pPr marL="0" indent="0" rtl="0" algn="l" defTabSz="914400" eaLnBrk="1" latinLnBrk="0" hangingPunct="1">
+              <a:buFontTx/>
+              <a:buNone/>
+            </a:pPr>
+            <a:r>
+              <a:rPr lang="ko-KR" sz="1800" b="1">
+                <a:solidFill>
+                  <a:srgbClr val="0611F2"/>
+                </a:solidFill>
+                <a:latin typeface="맑은 고딕" charset="0"/>
+                <a:ea typeface="맑은 고딕" charset="0"/>
+              </a:rPr>
+              <a:t>14</a:t>
+            </a:r>
+            <a:r>
+              <a:rPr sz="1800" b="1">
+                <a:solidFill>
+                  <a:srgbClr val="0611F2"/>
+                </a:solidFill>
+                <a:latin typeface="맑은 고딕" charset="0"/>
+                <a:ea typeface="맑은 고딕" charset="0"/>
+              </a:rPr>
+              <a:t>.</a:t>
+            </a:r>
+            <a:r>
+              <a:rPr sz="1800">
+                <a:latin typeface="맑은 고딕" charset="0"/>
+                <a:ea typeface="맑은 고딕" charset="0"/>
+              </a:rPr>
+              <a:t> </a:t>
+            </a:r>
+            <a:r>
+              <a:rPr lang="ko-KR" sz="1800">
+                <a:latin typeface="맑은 고딕" charset="0"/>
+                <a:ea typeface="맑은 고딕" charset="0"/>
+              </a:rPr>
+              <a:t>그다음</a:t>
+            </a:r>
+            <a:r>
+              <a:rPr lang="ko-KR" sz="1800">
+                <a:latin typeface="맑은 고딕" charset="0"/>
+                <a:ea typeface="맑은 고딕" charset="0"/>
+              </a:rPr>
+              <a:t> Left Bridge 오브젝트의 위치와 회전 값을 설정합니다.</a:t>
+            </a:r>
+            <a:endParaRPr lang="ko-KR" altLang="en-US" sz="1800">
+              <a:latin typeface="맑은 고딕" charset="0"/>
+              <a:ea typeface="맑은 고딕" charset="0"/>
+            </a:endParaRPr>
+          </a:p>
+        </p:txBody>
+      </p:sp>
+      <p:pic>
+        <p:nvPicPr>
+          <p:cNvPr id="1200" name="그림 1"/>
+          <p:cNvPicPr>
+            <a:picLocks noChangeAspect="1"/>
+          </p:cNvPicPr>
+          <p:nvPr/>
+        </p:nvPicPr>
+        <p:blipFill rotWithShape="1">
+          <a:blip r:embed="rId16" cstate="print">
             <a:extLst>
               <a:ext uri="{28A0092B-C50C-407E-A947-70E740481C1C}">
                 <a14:useLocalDpi xmlns:a14="http://schemas.microsoft.com/office/drawing/2010/main" val="0"/>
@@ -12965,8 +15255,8 @@
         </p:blipFill>
         <p:spPr>
           <a:xfrm rot="0">
-            <a:off x="2787650" y="1473200"/>
-            <a:ext cx="2590800" cy="1047115"/>
+            <a:off x="6824980" y="1454785"/>
+            <a:ext cx="1363980" cy="1065530"/>
           </a:xfrm>
           <a:prstGeom prst="roundRect"/>
           <a:solidFill>
@@ -12974,9 +15264,223 @@
           </a:solidFill>
         </p:spPr>
       </p:pic>
+      <p:sp>
+        <p:nvSpPr>
+          <p:cNvPr id="1202" name="텍스트 상자 5"/>
+          <p:cNvSpPr txBox="1">
+            <a:spLocks/>
+          </p:cNvSpPr>
+          <p:nvPr/>
+        </p:nvSpPr>
+        <p:spPr>
+          <a:xfrm rot="0">
+            <a:off x="6830695" y="2677160"/>
+            <a:ext cx="4127500" cy="1201420"/>
+          </a:xfrm>
+          <a:prstGeom prst="rect"/>
+          <a:noFill/>
+          <a:ln w="0">
+            <a:noFill/>
+            <a:prstDash/>
+          </a:ln>
+        </p:spPr>
+        <p:txBody>
+          <a:bodyPr wrap="square" lIns="89535" tIns="46355" rIns="89535" bIns="46355" numCol="1" vert="horz" anchor="t">
+            <a:spAutoFit/>
+          </a:bodyPr>
+          <a:lstStyle/>
+          <a:p>
+            <a:pPr marL="0" indent="0" rtl="0" algn="l" defTabSz="914400" eaLnBrk="1" latinLnBrk="0" hangingPunct="1">
+              <a:buFontTx/>
+              <a:buNone/>
+            </a:pPr>
+            <a:r>
+              <a:rPr lang="ko-KR" sz="1800" b="1">
+                <a:solidFill>
+                  <a:srgbClr val="0611F2"/>
+                </a:solidFill>
+                <a:latin typeface="맑은 고딕" charset="0"/>
+                <a:ea typeface="맑은 고딕" charset="0"/>
+              </a:rPr>
+              <a:t>15</a:t>
+            </a:r>
+            <a:r>
+              <a:rPr sz="1800" b="1">
+                <a:solidFill>
+                  <a:srgbClr val="0611F2"/>
+                </a:solidFill>
+                <a:latin typeface="맑은 고딕" charset="0"/>
+                <a:ea typeface="맑은 고딕" charset="0"/>
+              </a:rPr>
+              <a:t>.</a:t>
+            </a:r>
+            <a:r>
+              <a:rPr sz="1800">
+                <a:latin typeface="맑은 고딕" charset="0"/>
+                <a:ea typeface="맑은 고딕" charset="0"/>
+              </a:rPr>
+              <a:t> </a:t>
+            </a:r>
+            <a:r>
+              <a:rPr lang="ko-KR" sz="1800">
+                <a:latin typeface="맑은 고딕" charset="0"/>
+                <a:ea typeface="맑은 고딕" charset="0"/>
+              </a:rPr>
+              <a:t>그러고 나서 Project 폴더 아래에 있는 Model 폴더에 Bridge 모델을 월드 공간에 배치하고 Right Bridge 라는 이름으로 정의합니다.</a:t>
+            </a:r>
+            <a:endParaRPr lang="ko-KR" altLang="en-US" sz="1800">
+              <a:latin typeface="맑은 고딕" charset="0"/>
+              <a:ea typeface="맑은 고딕" charset="0"/>
+            </a:endParaRPr>
+          </a:p>
+        </p:txBody>
+      </p:sp>
       <p:pic>
         <p:nvPicPr>
-          <p:cNvPr id="1197" name="그림 78" descr="C:/Users/Admin1/AppData/Roaming/PolarisOffice/ETemp/8580_20501592/fImage2242172534827.png"/>
+          <p:cNvPr id="1203" name="그림 6"/>
+          <p:cNvPicPr>
+            <a:picLocks noChangeAspect="1"/>
+          </p:cNvPicPr>
+          <p:nvPr/>
+        </p:nvPicPr>
+        <p:blipFill rotWithShape="1">
+          <a:blip r:embed="rId17" cstate="hqprint">
+            <a:extLst>
+              <a:ext uri="{28A0092B-C50C-407E-A947-70E740481C1C}">
+                <a14:useLocalDpi xmlns:a14="http://schemas.microsoft.com/office/drawing/2010/main"/>
+              </a:ext>
+            </a:extLst>
+          </a:blip>
+          <a:stretch>
+            <a:fillRect/>
+          </a:stretch>
+        </p:blipFill>
+        <p:spPr>
+          <a:xfrm rot="0">
+            <a:off x="6825615" y="4017010"/>
+            <a:ext cx="4132580" cy="1438910"/>
+          </a:xfrm>
+          <a:prstGeom prst="roundRect"/>
+          <a:solidFill>
+            <a:srgbClr val="EDEDED"/>
+          </a:solidFill>
+        </p:spPr>
+      </p:pic>
+      <p:sp>
+        <p:nvSpPr>
+          <p:cNvPr id="1204" name="텍스트 상자 9"/>
+          <p:cNvSpPr txBox="1">
+            <a:spLocks/>
+          </p:cNvSpPr>
+          <p:nvPr/>
+        </p:nvSpPr>
+        <p:spPr>
+          <a:xfrm>
+            <a:off x="6821805" y="5583555"/>
+            <a:ext cx="4127500" cy="647065"/>
+          </a:xfrm>
+          <a:prstGeom prst="rect"/>
+          <a:noFill/>
+          <a:ln w="0">
+            <a:noFill/>
+            <a:prstDash/>
+          </a:ln>
+        </p:spPr>
+        <p:txBody>
+          <a:bodyPr wrap="square" lIns="89535" tIns="46355" rIns="89535" bIns="46355" numCol="1" vert="horz" anchor="t">
+            <a:spAutoFit/>
+          </a:bodyPr>
+          <a:lstStyle/>
+          <a:p>
+            <a:pPr marL="0" indent="0" rtl="0" algn="l" defTabSz="914400" eaLnBrk="1" latinLnBrk="0" hangingPunct="1">
+              <a:buFontTx/>
+              <a:buNone/>
+            </a:pPr>
+            <a:r>
+              <a:rPr lang="ko-KR" sz="1800" b="1">
+                <a:solidFill>
+                  <a:srgbClr val="0611F2"/>
+                </a:solidFill>
+                <a:latin typeface="맑은 고딕" charset="0"/>
+                <a:ea typeface="맑은 고딕" charset="0"/>
+              </a:rPr>
+              <a:t>1</a:t>
+            </a:r>
+            <a:r>
+              <a:rPr lang="ko-KR" sz="1800" b="1">
+                <a:solidFill>
+                  <a:srgbClr val="0611F2"/>
+                </a:solidFill>
+                <a:latin typeface="맑은 고딕" charset="0"/>
+                <a:ea typeface="맑은 고딕" charset="0"/>
+              </a:rPr>
+              <a:t>6</a:t>
+            </a:r>
+            <a:r>
+              <a:rPr sz="1800" b="1">
+                <a:solidFill>
+                  <a:srgbClr val="0611F2"/>
+                </a:solidFill>
+                <a:latin typeface="맑은 고딕" charset="0"/>
+                <a:ea typeface="맑은 고딕" charset="0"/>
+              </a:rPr>
+              <a:t>.</a:t>
+            </a:r>
+            <a:r>
+              <a:rPr sz="1800">
+                <a:latin typeface="맑은 고딕" charset="0"/>
+                <a:ea typeface="맑은 고딕" charset="0"/>
+              </a:rPr>
+              <a:t> </a:t>
+            </a:r>
+            <a:r>
+              <a:rPr lang="ko-KR" sz="1800">
+                <a:latin typeface="맑은 고딕" charset="0"/>
+                <a:ea typeface="맑은 고딕" charset="0"/>
+              </a:rPr>
+              <a:t>이제 Right Bridge 오브젝트의 위치와 회전 값을 설정합니다.</a:t>
+            </a:r>
+            <a:endParaRPr lang="ko-KR" altLang="en-US" sz="1800">
+              <a:latin typeface="맑은 고딕" charset="0"/>
+              <a:ea typeface="맑은 고딕" charset="0"/>
+            </a:endParaRPr>
+          </a:p>
+        </p:txBody>
+      </p:sp>
+      <p:pic>
+        <p:nvPicPr>
+          <p:cNvPr id="1206" name="그림 6"/>
+          <p:cNvPicPr>
+            <a:picLocks noChangeAspect="1"/>
+          </p:cNvPicPr>
+          <p:nvPr/>
+        </p:nvPicPr>
+        <p:blipFill rotWithShape="1">
+          <a:blip r:embed="rId18" cstate="print">
+            <a:extLst>
+              <a:ext uri="{28A0092B-C50C-407E-A947-70E740481C1C}">
+                <a14:useLocalDpi xmlns:a14="http://schemas.microsoft.com/office/drawing/2010/main" val="0"/>
+              </a:ext>
+            </a:extLst>
+          </a:blip>
+          <a:stretch>
+            <a:fillRect/>
+          </a:stretch>
+        </p:blipFill>
+        <p:spPr>
+          <a:xfrm rot="0">
+            <a:off x="2872740" y="1446530"/>
+            <a:ext cx="2498090" cy="1076325"/>
+          </a:xfrm>
+          <a:prstGeom prst="roundRect"/>
+          <a:solidFill>
+            <a:srgbClr val="EDEDED"/>
+          </a:solidFill>
+        </p:spPr>
+      </p:pic>
+      <p:pic>
+        <p:nvPicPr>
+          <p:cNvPr id="1197" name="그림 78"/>
           <p:cNvPicPr>
             <a:picLocks noChangeAspect="1"/>
           </p:cNvPicPr>
@@ -12996,8 +15500,8 @@
         </p:blipFill>
         <p:spPr>
           <a:xfrm rot="10800000">
-            <a:off x="2336800" y="1788160"/>
-            <a:ext cx="708025" cy="394970"/>
+            <a:off x="2345055" y="1788160"/>
+            <a:ext cx="708660" cy="395605"/>
           </a:xfrm>
           <a:prstGeom prst="rect"/>
           <a:noFill/>
@@ -13005,14 +15509,14 @@
       </p:pic>
       <p:pic>
         <p:nvPicPr>
-          <p:cNvPr id="1198" name="그림 79" descr="C:/Users/Admin1/AppData/Roaming/PolarisOffice/ETemp/8580_20501592/fImage152922545436.png"/>
+          <p:cNvPr id="1207" name="그림 9"/>
           <p:cNvPicPr>
             <a:picLocks noChangeAspect="1"/>
           </p:cNvPicPr>
           <p:nvPr/>
         </p:nvPicPr>
         <p:blipFill rotWithShape="1">
-          <a:blip r:embed="rId15" cstate="print">
+          <a:blip r:embed="rId19" cstate="print">
             <a:extLst>
               <a:ext uri="{28A0092B-C50C-407E-A947-70E740481C1C}">
                 <a14:useLocalDpi xmlns:a14="http://schemas.microsoft.com/office/drawing/2010/main" val="0"/>
@@ -13025,8 +15529,8 @@
         </p:blipFill>
         <p:spPr>
           <a:xfrm rot="0">
-            <a:off x="1247140" y="4009390"/>
-            <a:ext cx="4139565" cy="1429385"/>
+            <a:off x="8362950" y="1443355"/>
+            <a:ext cx="2577465" cy="1076325"/>
           </a:xfrm>
           <a:prstGeom prst="roundRect"/>
           <a:solidFill>
@@ -13034,77 +15538,35 @@
           </a:solidFill>
         </p:spPr>
       </p:pic>
-      <p:sp>
-        <p:nvSpPr>
-          <p:cNvPr id="1199" name="텍스트 상자 82"/>
-          <p:cNvSpPr txBox="1">
-            <a:spLocks/>
-          </p:cNvSpPr>
-          <p:nvPr/>
-        </p:nvSpPr>
-        <p:spPr>
-          <a:xfrm rot="0">
-            <a:off x="1247140" y="5586730"/>
-            <a:ext cx="4131310" cy="647065"/>
+      <p:pic>
+        <p:nvPicPr>
+          <p:cNvPr id="1205" name="그림 10"/>
+          <p:cNvPicPr>
+            <a:picLocks noChangeAspect="1"/>
+          </p:cNvPicPr>
+          <p:nvPr/>
+        </p:nvPicPr>
+        <p:blipFill rotWithShape="1">
+          <a:blip r:embed="rId14" cstate="hqprint">
+            <a:extLst>
+              <a:ext uri="{28A0092B-C50C-407E-A947-70E740481C1C}">
+                <a14:useLocalDpi xmlns:a14="http://schemas.microsoft.com/office/drawing/2010/main"/>
+              </a:ext>
+            </a:extLst>
+          </a:blip>
+          <a:stretch>
+            <a:fillRect/>
+          </a:stretch>
+        </p:blipFill>
+        <p:spPr>
+          <a:xfrm rot="10800000">
+            <a:off x="7889875" y="1790700"/>
+            <a:ext cx="708660" cy="395605"/>
           </a:xfrm>
           <a:prstGeom prst="rect"/>
           <a:noFill/>
-          <a:ln w="0">
-            <a:noFill/>
-            <a:prstDash/>
-          </a:ln>
-        </p:spPr>
-        <p:txBody>
-          <a:bodyPr wrap="square" lIns="89535" tIns="46355" rIns="89535" bIns="46355" numCol="1" vert="horz" anchor="t">
-            <a:spAutoFit/>
-          </a:bodyPr>
-          <a:lstStyle/>
-          <a:p>
-            <a:pPr marL="0" indent="0" rtl="0" algn="l" defTabSz="914400" eaLnBrk="1" latinLnBrk="0" hangingPunct="1">
-              <a:buFontTx/>
-              <a:buNone/>
-            </a:pPr>
-            <a:r>
-              <a:rPr lang="ko-KR" sz="1800" b="1">
-                <a:solidFill>
-                  <a:srgbClr val="0611F2"/>
-                </a:solidFill>
-                <a:latin typeface="맑은 고딕" charset="0"/>
-                <a:ea typeface="맑은 고딕" charset="0"/>
-              </a:rPr>
-              <a:t>15</a:t>
-            </a:r>
-            <a:r>
-              <a:rPr sz="1800" b="1">
-                <a:solidFill>
-                  <a:srgbClr val="0611F2"/>
-                </a:solidFill>
-                <a:latin typeface="맑은 고딕" charset="0"/>
-                <a:ea typeface="맑은 고딕" charset="0"/>
-              </a:rPr>
-              <a:t>.</a:t>
-            </a:r>
-            <a:r>
-              <a:rPr sz="1800">
-                <a:latin typeface="맑은 고딕" charset="0"/>
-                <a:ea typeface="맑은 고딕" charset="0"/>
-              </a:rPr>
-              <a:t> 그</a:t>
-            </a:r>
-            <a:r>
-              <a:rPr lang="ko-KR" sz="1800">
-                <a:latin typeface="맑은 고딕" charset="0"/>
-                <a:ea typeface="맑은 고딕" charset="0"/>
-              </a:rPr>
-              <a:t>리고 Left Bridge 오브젝트의 위치와 회전 값을 설정합니다.</a:t>
-            </a:r>
-            <a:endParaRPr lang="ko-KR" altLang="en-US" sz="1800">
-              <a:latin typeface="맑은 고딕" charset="0"/>
-              <a:ea typeface="맑은 고딕" charset="0"/>
-            </a:endParaRPr>
-          </a:p>
-        </p:txBody>
-      </p:sp>
+        </p:spPr>
+      </p:pic>
     </p:spTree>
   </p:cSld>
   <p:clrMapOvr>
@@ -13339,7 +15801,7 @@
       </p:sp>
       <p:pic>
         <p:nvPicPr>
-          <p:cNvPr id="5" name="그림 85" descr="C:/Users/Admin1/AppData/Roaming/PolarisOffice/ETemp/8580_20501592/fImage112102936827.png"/>
+          <p:cNvPr id="5" name="그림 85"/>
           <p:cNvPicPr>
             <a:picLocks noChangeAspect="1"/>
           </p:cNvPicPr>
@@ -13414,7 +15876,7 @@
       </p:sp>
       <p:pic>
         <p:nvPicPr>
-          <p:cNvPr id="10" name="그림 90" descr="C:/Users/Admin1/AppData/Roaming/PolarisOffice/ETemp/8580_20501592/fImage88752981942.png"/>
+          <p:cNvPr id="10" name="그림 90"/>
           <p:cNvPicPr>
             <a:picLocks noChangeAspect="1"/>
           </p:cNvPicPr>
@@ -13624,8 +16086,8 @@
         </p:nvSpPr>
         <p:spPr>
           <a:xfrm rot="0">
-            <a:off x="1238250" y="2921000"/>
-            <a:ext cx="4131310" cy="1200785"/>
+            <a:off x="1247140" y="3044190"/>
+            <a:ext cx="4131945" cy="1201420"/>
           </a:xfrm>
           <a:prstGeom prst="rect"/>
           <a:noFill/>
@@ -13652,7 +16114,7 @@
                 <a:latin typeface="맑은 고딕" charset="0"/>
                 <a:ea typeface="맑은 고딕" charset="0"/>
               </a:rPr>
-              <a:t>13</a:t>
+              <a:t>17</a:t>
             </a:r>
             <a:r>
               <a:rPr sz="1800" b="1">
@@ -13676,42 +16138,7 @@
                 <a:latin typeface="맑은 고딕" charset="0"/>
                 <a:ea typeface="맑은 고딕" charset="0"/>
               </a:rPr>
-              <a:t>이제 Controller 스크립트에서 float 변수</a:t>
-            </a:r>
-            <a:r>
-              <a:rPr lang="ko-KR" sz="1800">
-                <a:latin typeface="맑은 고딕" charset="0"/>
-                <a:ea typeface="맑은 고딕" charset="0"/>
-              </a:rPr>
-              <a:t>와 int 변수를</a:t>
-            </a:r>
-            <a:r>
-              <a:rPr lang="ko-KR" sz="1800">
-                <a:latin typeface="맑은 고딕" charset="0"/>
-                <a:ea typeface="맑은 고딕" charset="0"/>
-              </a:rPr>
-              <a:t> 선언</a:t>
-            </a:r>
-            <a:r>
-              <a:rPr lang="ko-KR" sz="1800">
-                <a:latin typeface="맑은 고딕" charset="0"/>
-                <a:ea typeface="맑은 고딕" charset="0"/>
-              </a:rPr>
-              <a:t>한 다음</a:t>
-            </a:r>
-            <a:r>
-              <a:rPr lang="ko-KR" sz="1800">
-                <a:latin typeface="맑은 고딕" charset="0"/>
-                <a:ea typeface="맑은 고딕" charset="0"/>
-              </a:rPr>
-              <a:t> NavMeshAgent </a:t>
-            </a:r>
-            <a:r>
-              <a:rPr lang="ko-KR" sz="1800">
-                <a:latin typeface="맑은 고딕" charset="0"/>
-                <a:ea typeface="맑은 고딕" charset="0"/>
-              </a:rPr>
-              <a:t>변수와 Transform 변수를 배열로 선언합니다.</a:t>
+              <a:t>그리고 Controller 스크립트에서 int 변수와 NavMeshAgent 변수 그리고 Transform 변수를 배열로 선언합니다.</a:t>
             </a:r>
             <a:endParaRPr lang="ko-KR" altLang="en-US" sz="1800">
               <a:latin typeface="맑은 고딕" charset="0"/>
@@ -13722,14 +16149,45 @@
       </p:sp>
       <p:pic>
         <p:nvPicPr>
-          <p:cNvPr id="1187" name="그림 69" descr="C:/Users/Admin1/AppData/Roaming/PolarisOffice/ETemp/8580_20501592/fImage598932502391.png"/>
+          <p:cNvPr id="1187" name="그림 11"/>
           <p:cNvPicPr>
             <a:picLocks noChangeAspect="1"/>
           </p:cNvPicPr>
           <p:nvPr/>
         </p:nvPicPr>
         <p:blipFill rotWithShape="1">
-          <a:blip r:embed="rId6" cstate="print">
+          <a:blip r:embed="rId7" cstate="hqprint">
+            <a:extLst>
+              <a:ext uri="{28A0092B-C50C-407E-A947-70E740481C1C}">
+                <a14:useLocalDpi xmlns:a14="http://schemas.microsoft.com/office/drawing/2010/main"/>
+              </a:ext>
+            </a:extLst>
+          </a:blip>
+          <a:stretch>
+            <a:fillRect/>
+          </a:stretch>
+        </p:blipFill>
+        <p:spPr>
+          <a:xfrm rot="0">
+            <a:off x="1247140" y="1454785"/>
+            <a:ext cx="4107180" cy="1461135"/>
+          </a:xfrm>
+          <a:prstGeom prst="roundRect"/>
+          <a:solidFill>
+            <a:srgbClr val="EDEDED"/>
+          </a:solidFill>
+        </p:spPr>
+      </p:pic>
+      <p:pic>
+        <p:nvPicPr>
+          <p:cNvPr id="1188" name="그림 14"/>
+          <p:cNvPicPr>
+            <a:picLocks noChangeAspect="1"/>
+          </p:cNvPicPr>
+          <p:nvPr/>
+        </p:nvPicPr>
+        <p:blipFill rotWithShape="1">
+          <a:blip r:embed="rId8" cstate="print">
             <a:extLst>
               <a:ext uri="{28A0092B-C50C-407E-A947-70E740481C1C}">
                 <a14:useLocalDpi xmlns:a14="http://schemas.microsoft.com/office/drawing/2010/main" val="0"/>
@@ -13742,8 +16200,8 @@
         </p:blipFill>
         <p:spPr>
           <a:xfrm rot="0">
-            <a:off x="1236345" y="1454785"/>
-            <a:ext cx="4133215" cy="1308100"/>
+            <a:off x="1238250" y="4410075"/>
+            <a:ext cx="4134485" cy="905510"/>
           </a:xfrm>
           <a:prstGeom prst="roundRect"/>
           <a:solidFill>
@@ -13751,6 +16209,206 @@
           </a:solidFill>
         </p:spPr>
       </p:pic>
+      <p:sp>
+        <p:nvSpPr>
+          <p:cNvPr id="1189" name="텍스트 상자 17"/>
+          <p:cNvSpPr txBox="1">
+            <a:spLocks/>
+          </p:cNvSpPr>
+          <p:nvPr/>
+        </p:nvSpPr>
+        <p:spPr>
+          <a:xfrm rot="0">
+            <a:off x="1249680" y="5456555"/>
+            <a:ext cx="4123055" cy="647065"/>
+          </a:xfrm>
+          <a:prstGeom prst="rect"/>
+          <a:noFill/>
+          <a:ln w="0">
+            <a:noFill/>
+            <a:prstDash/>
+          </a:ln>
+        </p:spPr>
+        <p:txBody>
+          <a:bodyPr wrap="square" lIns="89535" tIns="46355" rIns="89535" bIns="46355" numCol="1" vert="horz" anchor="t">
+            <a:spAutoFit/>
+          </a:bodyPr>
+          <a:lstStyle/>
+          <a:p>
+            <a:pPr marL="0" indent="0" rtl="0" algn="l" defTabSz="914400" eaLnBrk="1" latinLnBrk="0" hangingPunct="1">
+              <a:buFontTx/>
+              <a:buNone/>
+            </a:pPr>
+            <a:r>
+              <a:rPr lang="ko-KR" sz="1800" b="1">
+                <a:solidFill>
+                  <a:srgbClr val="0611F2"/>
+                </a:solidFill>
+                <a:latin typeface="맑은 고딕" charset="0"/>
+                <a:ea typeface="맑은 고딕" charset="0"/>
+              </a:rPr>
+              <a:t>18</a:t>
+            </a:r>
+            <a:r>
+              <a:rPr sz="1800" b="1">
+                <a:solidFill>
+                  <a:srgbClr val="0611F2"/>
+                </a:solidFill>
+                <a:latin typeface="맑은 고딕" charset="0"/>
+                <a:ea typeface="맑은 고딕" charset="0"/>
+              </a:rPr>
+              <a:t>.</a:t>
+            </a:r>
+            <a:r>
+              <a:rPr sz="1800">
+                <a:latin typeface="맑은 고딕" charset="0"/>
+                <a:ea typeface="맑은 고딕" charset="0"/>
+              </a:rPr>
+              <a:t> </a:t>
+            </a:r>
+            <a:r>
+              <a:rPr lang="ko-KR" sz="1800">
+                <a:latin typeface="맑은 고딕" charset="0"/>
+                <a:ea typeface="맑은 고딕" charset="0"/>
+              </a:rPr>
+              <a:t>그러고 나서 Start( ) 함수에서 InvokeRepeating( ) 함수를 선언합니다.</a:t>
+            </a:r>
+            <a:endParaRPr lang="ko-KR" altLang="en-US" sz="1800">
+              <a:latin typeface="맑은 고딕" charset="0"/>
+              <a:ea typeface="맑은 고딕" charset="0"/>
+            </a:endParaRPr>
+          </a:p>
+        </p:txBody>
+      </p:sp>
+      <p:pic>
+        <p:nvPicPr>
+          <p:cNvPr id="1190" name="그림 18"/>
+          <p:cNvPicPr>
+            <a:picLocks noChangeAspect="1"/>
+          </p:cNvPicPr>
+          <p:nvPr/>
+        </p:nvPicPr>
+        <p:blipFill rotWithShape="1">
+          <a:blip r:embed="rId9" cstate="print">
+            <a:extLst>
+              <a:ext uri="{28A0092B-C50C-407E-A947-70E740481C1C}">
+                <a14:useLocalDpi xmlns:a14="http://schemas.microsoft.com/office/drawing/2010/main" val="0"/>
+              </a:ext>
+            </a:extLst>
+          </a:blip>
+          <a:stretch>
+            <a:fillRect/>
+          </a:stretch>
+        </p:blipFill>
+        <p:spPr>
+          <a:xfrm rot="0">
+            <a:off x="6819900" y="1452880"/>
+            <a:ext cx="4124960" cy="2151380"/>
+          </a:xfrm>
+          <a:prstGeom prst="roundRect"/>
+          <a:solidFill>
+            <a:srgbClr val="EDEDED"/>
+          </a:solidFill>
+        </p:spPr>
+      </p:pic>
+      <p:sp>
+        <p:nvSpPr>
+          <p:cNvPr id="1191" name="텍스트 상자 21"/>
+          <p:cNvSpPr txBox="1">
+            <a:spLocks/>
+          </p:cNvSpPr>
+          <p:nvPr/>
+        </p:nvSpPr>
+        <p:spPr>
+          <a:xfrm rot="0">
+            <a:off x="6810375" y="3797935"/>
+            <a:ext cx="4126865" cy="2308225"/>
+          </a:xfrm>
+          <a:prstGeom prst="rect"/>
+          <a:noFill/>
+          <a:ln w="0">
+            <a:noFill/>
+            <a:prstDash/>
+          </a:ln>
+        </p:spPr>
+        <p:txBody>
+          <a:bodyPr wrap="square" lIns="89535" tIns="46355" rIns="89535" bIns="46355" numCol="1" vert="horz" anchor="t">
+            <a:spAutoFit/>
+          </a:bodyPr>
+          <a:lstStyle/>
+          <a:p>
+            <a:pPr marL="0" indent="0" rtl="0" algn="l" defTabSz="914400" eaLnBrk="1" latinLnBrk="0" hangingPunct="1">
+              <a:buFontTx/>
+              <a:buNone/>
+            </a:pPr>
+            <a:r>
+              <a:rPr lang="ko-KR" sz="1800" b="1">
+                <a:solidFill>
+                  <a:srgbClr val="0611F2"/>
+                </a:solidFill>
+                <a:latin typeface="맑은 고딕" charset="0"/>
+                <a:ea typeface="맑은 고딕" charset="0"/>
+              </a:rPr>
+              <a:t>19</a:t>
+            </a:r>
+            <a:r>
+              <a:rPr sz="1800" b="1">
+                <a:solidFill>
+                  <a:srgbClr val="0611F2"/>
+                </a:solidFill>
+                <a:latin typeface="맑은 고딕" charset="0"/>
+                <a:ea typeface="맑은 고딕" charset="0"/>
+              </a:rPr>
+              <a:t>.</a:t>
+            </a:r>
+            <a:r>
+              <a:rPr sz="1800">
+                <a:latin typeface="맑은 고딕" charset="0"/>
+                <a:ea typeface="맑은 고딕" charset="0"/>
+              </a:rPr>
+              <a:t> </a:t>
+            </a:r>
+            <a:r>
+              <a:rPr lang="ko-KR" sz="1800">
+                <a:latin typeface="맑은 고딕" charset="0"/>
+                <a:ea typeface="맑은 고딕" charset="0"/>
+              </a:rPr>
+              <a:t>그런 다음 Move( ) 함수를 선언하고 navMeshAgent의 속도가 0 과 같아졌다면 navMeshAgent 도착 지점을 설정합니다.</a:t>
+            </a:r>
+            <a:endParaRPr lang="ko-KR" altLang="en-US" sz="1800">
+              <a:latin typeface="맑은 고딕" charset="0"/>
+              <a:ea typeface="맑은 고딕" charset="0"/>
+            </a:endParaRPr>
+          </a:p>
+          <a:p>
+            <a:pPr marL="0" indent="0" rtl="0" algn="l" defTabSz="914400" eaLnBrk="1" latinLnBrk="0" hangingPunct="1">
+              <a:buFontTx/>
+              <a:buNone/>
+            </a:pPr>
+            <a:endParaRPr lang="ko-KR" altLang="en-US" sz="1800">
+              <a:latin typeface="맑은 고딕" charset="0"/>
+              <a:ea typeface="맑은 고딕" charset="0"/>
+            </a:endParaRPr>
+          </a:p>
+          <a:p>
+            <a:pPr marL="0" indent="0" rtl="0" algn="l" defTabSz="914400" eaLnBrk="1" latinLnBrk="0" hangingPunct="1">
+              <a:buFontTx/>
+              <a:buNone/>
+            </a:pPr>
+            <a:r>
+              <a:rPr lang="ko-KR" sz="1800">
+                <a:latin typeface="맑은 고딕" charset="0"/>
+                <a:ea typeface="맑은 고딕" charset="0"/>
+              </a:rPr>
+              <a:t>그다음 Move( ) 함수가 호출될 때 count의 값을 증가시켜 도착 위치가 계속 변경되도록 설정합니다.</a:t>
+            </a:r>
+            <a:endParaRPr lang="ko-KR" altLang="en-US" sz="1800">
+              <a:latin typeface="맑은 고딕" charset="0"/>
+              <a:ea typeface="맑은 고딕" charset="0"/>
+            </a:endParaRPr>
+          </a:p>
+        </p:txBody>
+      </p:sp>
     </p:spTree>
   </p:cSld>
   <p:clrMapOvr>
@@ -13861,8 +16519,8 @@
         </p:nvSpPr>
         <p:spPr>
           <a:xfrm rot="0">
-            <a:off x="1238250" y="5306695"/>
-            <a:ext cx="4145280" cy="923925"/>
+            <a:off x="6823710" y="5488940"/>
+            <a:ext cx="4130675" cy="647065"/>
           </a:xfrm>
           <a:prstGeom prst="rect"/>
           <a:noFill/>
@@ -13882,6 +16540,16 @@
               <a:buNone/>
             </a:pPr>
             <a:r>
+              <a:rPr lang="ko-KR" sz="1800" b="1">
+                <a:solidFill>
+                  <a:srgbClr val="0611F2"/>
+                </a:solidFill>
+                <a:latin typeface="맑은 고딕" charset="0"/>
+                <a:ea typeface="맑은 고딕" charset="0"/>
+              </a:rPr>
+              <a:t>21</a:t>
+            </a:r>
+            <a:r>
               <a:rPr sz="1800" b="1">
                 <a:solidFill>
                   <a:srgbClr val="0611F2"/>
@@ -13889,26 +16557,6 @@
                 <a:latin typeface="맑은 고딕" charset="0"/>
                 <a:ea typeface="맑은 고딕" charset="0"/>
               </a:rPr>
-              <a:t>1</a:t>
-            </a:r>
-            <a:r>
-              <a:rPr sz="1800" b="1">
-                <a:solidFill>
-                  <a:srgbClr val="0611F2"/>
-                </a:solidFill>
-                <a:latin typeface="맑은 고딕" charset="0"/>
-                <a:ea typeface="맑은 고딕" charset="0"/>
-              </a:rPr>
-              <a:t>6</a:t>
-            </a:r>
-            <a:r>
-              <a:rPr sz="1800" b="1">
-                <a:solidFill>
-                  <a:srgbClr val="0611F2"/>
-                </a:solidFill>
-                <a:latin typeface="맑은 고딕" charset="0"/>
-                <a:ea typeface="맑은 고딕" charset="0"/>
-              </a:rPr>
               <a:t>.</a:t>
             </a:r>
             <a:r>
@@ -13916,42 +16564,14 @@
                 <a:latin typeface="맑은 고딕" charset="0"/>
                 <a:ea typeface="맑은 고딕" charset="0"/>
               </a:rPr>
-              <a:t> 그</a:t>
-            </a:r>
-            <a:r>
-              <a:rPr sz="1800">
-                <a:latin typeface="맑은 고딕" charset="0"/>
-                <a:ea typeface="맑은 고딕" charset="0"/>
-              </a:rPr>
-              <a:t>러</a:t>
+              <a:t> </a:t>
             </a:r>
             <a:r>
               <a:rPr lang="ko-KR" sz="1800">
                 <a:latin typeface="맑은 고딕" charset="0"/>
                 <a:ea typeface="맑은 고딕" charset="0"/>
               </a:rPr>
-              <a:t>고 나서</a:t>
-            </a:r>
-            <a:r>
-              <a:rPr sz="1800">
-                <a:latin typeface="맑은 고딕" charset="0"/>
-                <a:ea typeface="맑은 고딕" charset="0"/>
-              </a:rPr>
-              <a:t> NavMeshAgent가 이동할 수 있는 범위를 설정하</a:t>
-            </a:r>
-            <a:r>
-              <a:rPr lang="ko-KR" sz="1800">
-                <a:latin typeface="맑은 고딕" charset="0"/>
-                <a:ea typeface="맑은 고딕" charset="0"/>
-              </a:rPr>
-              <a:t>고</a:t>
-            </a:r>
-            <a:r>
-              <a:rPr sz="1800">
-                <a:latin typeface="맑은 고딕" charset="0"/>
-                <a:ea typeface="맑은 고딕" charset="0"/>
-              </a:rPr>
-              <a:t> Bake를 선택합니다.</a:t>
+              <a:t>그리고 Character 오브젝트의 Navigation Static를 설정합니다.</a:t>
             </a:r>
             <a:endParaRPr lang="ko-KR" altLang="en-US" sz="1800">
               <a:latin typeface="맑은 고딕" charset="0"/>
@@ -13962,14 +16582,76 @@
       </p:sp>
       <p:pic>
         <p:nvPicPr>
-          <p:cNvPr id="1199" name="그림 127" descr="C:/Users/Admin1/AppData/Roaming/PolarisOffice/ETemp/8136_15119280/fImage243783454827.png"/>
+          <p:cNvPr id="1200" name="그림 24"/>
           <p:cNvPicPr>
             <a:picLocks noChangeAspect="1"/>
           </p:cNvPicPr>
           <p:nvPr/>
         </p:nvPicPr>
         <p:blipFill rotWithShape="1">
-          <a:blip r:embed="rId3" cstate="hqprint">
+          <a:blip r:embed="rId7" cstate="print">
+            <a:extLst>
+              <a:ext uri="{28A0092B-C50C-407E-A947-70E740481C1C}">
+                <a14:useLocalDpi xmlns:a14="http://schemas.microsoft.com/office/drawing/2010/main" val="0"/>
+              </a:ext>
+            </a:extLst>
+          </a:blip>
+          <a:stretch>
+            <a:fillRect/>
+          </a:stretch>
+        </p:blipFill>
+        <p:spPr>
+          <a:xfrm rot="0">
+            <a:off x="1237615" y="2395220"/>
+            <a:ext cx="4149090" cy="767715"/>
+          </a:xfrm>
+          <a:prstGeom prst="roundRect"/>
+          <a:solidFill>
+            <a:srgbClr val="EDEDED"/>
+          </a:solidFill>
+        </p:spPr>
+      </p:pic>
+      <p:pic>
+        <p:nvPicPr>
+          <p:cNvPr id="1201" name="그림 25"/>
+          <p:cNvPicPr>
+            <a:picLocks noChangeAspect="1"/>
+          </p:cNvPicPr>
+          <p:nvPr/>
+        </p:nvPicPr>
+        <p:blipFill rotWithShape="1">
+          <a:blip r:embed="rId8" cstate="print">
+            <a:extLst>
+              <a:ext uri="{28A0092B-C50C-407E-A947-70E740481C1C}">
+                <a14:useLocalDpi xmlns:a14="http://schemas.microsoft.com/office/drawing/2010/main" val="0"/>
+              </a:ext>
+            </a:extLst>
+          </a:blip>
+          <a:stretch>
+            <a:fillRect/>
+          </a:stretch>
+        </p:blipFill>
+        <p:spPr>
+          <a:xfrm rot="0">
+            <a:off x="1238250" y="1457325"/>
+            <a:ext cx="4140200" cy="772160"/>
+          </a:xfrm>
+          <a:prstGeom prst="roundRect"/>
+          <a:solidFill>
+            <a:srgbClr val="EDEDED"/>
+          </a:solidFill>
+        </p:spPr>
+      </p:pic>
+      <p:pic>
+        <p:nvPicPr>
+          <p:cNvPr id="1202" name="그림 30"/>
+          <p:cNvPicPr>
+            <a:picLocks noChangeAspect="1"/>
+          </p:cNvPicPr>
+          <p:nvPr/>
+        </p:nvPicPr>
+        <p:blipFill rotWithShape="1">
+          <a:blip r:embed="rId9" cstate="hqprint">
             <a:extLst>
               <a:ext uri="{28A0092B-C50C-407E-A947-70E740481C1C}">
                 <a14:useLocalDpi xmlns:a14="http://schemas.microsoft.com/office/drawing/2010/main"/>
@@ -13982,8 +16664,8 @@
         </p:blipFill>
         <p:spPr>
           <a:xfrm rot="0">
-            <a:off x="1238250" y="1333500"/>
-            <a:ext cx="4151630" cy="3784600"/>
+            <a:off x="1238250" y="3324860"/>
+            <a:ext cx="4148455" cy="1762125"/>
           </a:xfrm>
           <a:prstGeom prst="roundRect"/>
           <a:solidFill>
@@ -13993,7 +16675,7 @@
       </p:pic>
       <p:sp>
         <p:nvSpPr>
-          <p:cNvPr id="1200" name="텍스트 상자 128"/>
+          <p:cNvPr id="1203" name="텍스트 상자 31"/>
           <p:cNvSpPr txBox="1">
             <a:spLocks/>
           </p:cNvSpPr>
@@ -14001,8 +16683,8 @@
         </p:nvSpPr>
         <p:spPr>
           <a:xfrm rot="0">
-            <a:off x="6823710" y="3924935"/>
-            <a:ext cx="4130675" cy="2308225"/>
+            <a:off x="1240790" y="5213985"/>
+            <a:ext cx="4154805" cy="923925"/>
           </a:xfrm>
           <a:prstGeom prst="rect"/>
           <a:noFill/>
@@ -14029,7 +16711,17 @@
                 <a:latin typeface="맑은 고딕" charset="0"/>
                 <a:ea typeface="맑은 고딕" charset="0"/>
               </a:rPr>
-              <a:t>1</a:t>
+              <a:t>2</a:t>
+            </a:r>
+            <a:r>
+              <a:rPr lang="ko-KR" sz="1800" b="1">
+                <a:solidFill>
+                  <a:srgbClr val="0611F2"/>
+                </a:solidFill>
+                <a:latin typeface="맑은 고딕" charset="0"/>
+                <a:ea typeface="맑은 고딕" charset="0"/>
+              </a:rPr>
+              <a:t>0</a:t>
             </a:r>
             <a:r>
               <a:rPr sz="1800" b="1">
@@ -14039,16 +16731,6 @@
                 <a:latin typeface="맑은 고딕" charset="0"/>
                 <a:ea typeface="맑은 고딕" charset="0"/>
               </a:rPr>
-              <a:t>7</a:t>
-            </a:r>
-            <a:r>
-              <a:rPr sz="1800" b="1">
-                <a:solidFill>
-                  <a:srgbClr val="0611F2"/>
-                </a:solidFill>
-                <a:latin typeface="맑은 고딕" charset="0"/>
-                <a:ea typeface="맑은 고딕" charset="0"/>
-              </a:rPr>
               <a:t>.</a:t>
             </a:r>
             <a:r>
@@ -14059,70 +16741,50 @@
               <a:t> </a:t>
             </a:r>
             <a:r>
-              <a:rPr sz="1800">
-                <a:latin typeface="맑은 고딕" charset="0"/>
-                <a:ea typeface="맑은 고딕" charset="0"/>
-              </a:rPr>
-              <a:t>이</a:t>
-            </a:r>
-            <a:r>
               <a:rPr lang="ko-KR" sz="1800">
                 <a:latin typeface="맑은 고딕" charset="0"/>
                 <a:ea typeface="맑은 고딕" charset="0"/>
               </a:rPr>
-              <a:t>제 </a:t>
+              <a:t>이제 Right Bridge</a:t>
             </a:r>
             <a:r>
               <a:rPr lang="ko-KR" sz="1800">
                 <a:latin typeface="맑은 고딕" charset="0"/>
                 <a:ea typeface="맑은 고딕" charset="0"/>
               </a:rPr>
-              <a:t>Bake가 되는 순간 Agent가 이동할 수 있는 영역과 이동할 수 없는 영역이 정해지게 됩니다.</a:t>
+              <a:t> 오브젝트와 </a:t>
+            </a:r>
+            <a:r>
+              <a:rPr lang="ko-KR" sz="1800">
+                <a:latin typeface="맑은 고딕" charset="0"/>
+                <a:ea typeface="맑은 고딕" charset="0"/>
+              </a:rPr>
+              <a:t>Left Bridge</a:t>
+            </a:r>
+            <a:r>
+              <a:rPr lang="ko-KR" sz="1800">
+                <a:latin typeface="맑은 고딕" charset="0"/>
+                <a:ea typeface="맑은 고딕" charset="0"/>
+              </a:rPr>
+              <a:t> 오브젝트에 Navigation Static을 설정합니다.</a:t>
             </a:r>
             <a:endParaRPr lang="ko-KR" altLang="en-US" sz="1800">
               <a:latin typeface="맑은 고딕" charset="0"/>
               <a:ea typeface="맑은 고딕" charset="0"/>
             </a:endParaRPr>
           </a:p>
-          <a:p>
-            <a:pPr marL="0" indent="0" rtl="0" algn="l" defTabSz="914400" eaLnBrk="1" latinLnBrk="0" hangingPunct="1">
-              <a:buFontTx/>
-              <a:buNone/>
-            </a:pPr>
-            <a:endParaRPr lang="ko-KR" altLang="en-US" sz="1800">
-              <a:latin typeface="맑은 고딕" charset="0"/>
-              <a:ea typeface="맑은 고딕" charset="0"/>
-            </a:endParaRPr>
-          </a:p>
-          <a:p>
-            <a:pPr marL="0" indent="0" rtl="0" algn="l" defTabSz="914400" eaLnBrk="1" latinLnBrk="0" hangingPunct="1">
-              <a:buFontTx/>
-              <a:buNone/>
-            </a:pPr>
-            <a:r>
-              <a:rPr lang="ko-KR" sz="1800">
-                <a:latin typeface="맑은 고딕" charset="0"/>
-                <a:ea typeface="맑은 고딕" charset="0"/>
-              </a:rPr>
-              <a:t>그리고 마우스로 위치 정보를 선택했을 때 현재 파란색으로 설정된 영역 이외에 다른 영역으로는 이동할 수 없습니다.</a:t>
-            </a:r>
-            <a:endParaRPr lang="ko-KR" altLang="en-US" sz="1800">
-              <a:latin typeface="맑은 고딕" charset="0"/>
-              <a:ea typeface="맑은 고딕" charset="0"/>
-            </a:endParaRPr>
-          </a:p>
         </p:txBody>
       </p:sp>
       <p:pic>
         <p:nvPicPr>
-          <p:cNvPr id="1201" name="그림 93" descr="C:/Users/Admin1/AppData/Roaming/PolarisOffice/ETemp/8136_15119280/fImage930023004827.png"/>
+          <p:cNvPr id="1204" name="그림 32"/>
           <p:cNvPicPr>
             <a:picLocks noChangeAspect="1"/>
           </p:cNvPicPr>
           <p:nvPr/>
         </p:nvPicPr>
         <p:blipFill rotWithShape="1">
-          <a:blip r:embed="rId6" cstate="hqprint">
+          <a:blip r:embed="rId10" cstate="hqprint">
             <a:extLst>
               <a:ext uri="{28A0092B-C50C-407E-A947-70E740481C1C}">
                 <a14:useLocalDpi xmlns:a14="http://schemas.microsoft.com/office/drawing/2010/main"/>
@@ -14135,8 +16797,39 @@
         </p:blipFill>
         <p:spPr>
           <a:xfrm rot="0">
-            <a:off x="6823710" y="1324610"/>
-            <a:ext cx="4130675" cy="2380615"/>
+            <a:off x="6814820" y="1463675"/>
+            <a:ext cx="4139565" cy="875030"/>
+          </a:xfrm>
+          <a:prstGeom prst="roundRect"/>
+          <a:solidFill>
+            <a:srgbClr val="EDEDED"/>
+          </a:solidFill>
+        </p:spPr>
+      </p:pic>
+      <p:pic>
+        <p:nvPicPr>
+          <p:cNvPr id="1205" name="그림 35"/>
+          <p:cNvPicPr>
+            <a:picLocks noChangeAspect="1"/>
+          </p:cNvPicPr>
+          <p:nvPr/>
+        </p:nvPicPr>
+        <p:blipFill rotWithShape="1">
+          <a:blip r:embed="rId9" cstate="hqprint">
+            <a:extLst>
+              <a:ext uri="{28A0092B-C50C-407E-A947-70E740481C1C}">
+                <a14:useLocalDpi xmlns:a14="http://schemas.microsoft.com/office/drawing/2010/main"/>
+              </a:ext>
+            </a:extLst>
+          </a:blip>
+          <a:stretch>
+            <a:fillRect/>
+          </a:stretch>
+        </p:blipFill>
+        <p:spPr>
+          <a:xfrm rot="0">
+            <a:off x="6826250" y="2553970"/>
+            <a:ext cx="4120515" cy="2781300"/>
           </a:xfrm>
           <a:prstGeom prst="roundRect"/>
           <a:solidFill>

--- a/Assets/Class/NavMesh Agent/PPT Data/NavMesh Agent Example.pptx
+++ b/Assets/Class/NavMesh Agent/PPT Data/NavMesh Agent Example.pptx
@@ -2,30 +2,30 @@
 <file path=ppt/presentation.xml><?xml version="1.0" encoding="utf-8"?>
 <p:presentation xmlns:a="http://schemas.openxmlformats.org/drawingml/2006/main" xmlns:r="http://schemas.openxmlformats.org/officeDocument/2006/relationships" xmlns:p="http://schemas.openxmlformats.org/presentationml/2006/main" xmlns:p14="http://schemas.microsoft.com/office/powerpoint/2010/main" saveSubsetFonts="1" firstSlideNum="0">
   <p:sldMasterIdLst>
-    <p:sldMasterId id="2147486315" r:id="rId12"/>
+    <p:sldMasterId id="2147486317" r:id="rId12"/>
   </p:sldMasterIdLst>
   <p:notesMasterIdLst>
     <p:notesMasterId r:id="rId14"/>
   </p:notesMasterIdLst>
   <p:sldIdLst>
     <p:sldId id="287" r:id="rId16"/>
-    <p:sldId id="309" r:id="rId17"/>
-    <p:sldId id="310" r:id="rId18"/>
-    <p:sldId id="300" r:id="rId19"/>
-    <p:sldId id="299" r:id="rId20"/>
-    <p:sldId id="301" r:id="rId21"/>
-    <p:sldId id="303" r:id="rId22"/>
-    <p:sldId id="302" r:id="rId23"/>
-    <p:sldId id="298" r:id="rId24"/>
-    <p:sldId id="304" r:id="rId25"/>
-    <p:sldId id="305" r:id="rId26"/>
-    <p:sldId id="306" r:id="rId27"/>
-    <p:sldId id="312" r:id="rId28"/>
-    <p:sldId id="307" r:id="rId29"/>
-    <p:sldId id="313" r:id="rId30"/>
-    <p:sldId id="314" r:id="rId31"/>
-    <p:sldId id="315" r:id="rId32"/>
-    <p:sldId id="311" r:id="rId33"/>
+    <p:sldId id="309" r:id="rId18"/>
+    <p:sldId id="310" r:id="rId20"/>
+    <p:sldId id="300" r:id="rId22"/>
+    <p:sldId id="299" r:id="rId24"/>
+    <p:sldId id="301" r:id="rId26"/>
+    <p:sldId id="303" r:id="rId28"/>
+    <p:sldId id="302" r:id="rId30"/>
+    <p:sldId id="298" r:id="rId32"/>
+    <p:sldId id="304" r:id="rId34"/>
+    <p:sldId id="305" r:id="rId36"/>
+    <p:sldId id="306" r:id="rId38"/>
+    <p:sldId id="312" r:id="rId40"/>
+    <p:sldId id="307" r:id="rId42"/>
+    <p:sldId id="313" r:id="rId44"/>
+    <p:sldId id="314" r:id="rId46"/>
+    <p:sldId id="315" r:id="rId48"/>
+    <p:sldId id="311" r:id="rId50"/>
   </p:sldIdLst>
   <p:sldSz cx="12192000" cy="6858000"/>
   <p:notesSz cx="6858000" cy="9144000"/>
@@ -12673,8 +12673,8 @@
         </p:nvSpPr>
         <p:spPr>
           <a:xfrm rot="0">
-            <a:off x="6815455" y="5303520"/>
-            <a:ext cx="4140835" cy="647065"/>
+            <a:off x="6815455" y="5407660"/>
+            <a:ext cx="4141470" cy="647700"/>
           </a:xfrm>
           <a:prstGeom prst="rect"/>
           <a:noFill/>
@@ -12742,14 +12742,7 @@
                 <a:latin typeface="맑은 고딕" charset="0"/>
                 <a:ea typeface="맑은 고딕" charset="0"/>
               </a:rPr>
-              <a:t> Agent</a:t>
-            </a:r>
-            <a:r>
-              <a:rPr sz="1800">
-                <a:latin typeface="맑은 고딕" charset="0"/>
-                <a:ea typeface="맑은 고딕" charset="0"/>
-              </a:rPr>
-              <a:t> </a:t>
+              <a:t> Agent </a:t>
             </a:r>
             <a:r>
               <a:rPr lang="ko-KR" sz="1800">
@@ -12774,17 +12767,17 @@
       </p:sp>
       <p:pic>
         <p:nvPicPr>
-          <p:cNvPr id="1215" name="그림 54" descr="C:/Users/Admin1/AppData/Roaming/PolarisOffice/ETemp/20768_20502728/fImage209703666827.png"/>
+          <p:cNvPr id="1215" name="그림 54" descr="C:/Users/Admin1/AppData/Roaming/PolarisOffice/ETemp/17932_7196128/fImage209703666827.png"/>
           <p:cNvPicPr>
             <a:picLocks noChangeAspect="1"/>
           </p:cNvPicPr>
           <p:nvPr/>
         </p:nvPicPr>
         <p:blipFill rotWithShape="1">
-          <a:blip r:embed="rId8" cstate="print">
+          <a:blip r:embed="rId8" cstate="hqprint">
             <a:extLst>
               <a:ext uri="{28A0092B-C50C-407E-A947-70E740481C1C}">
-                <a14:useLocalDpi xmlns:a14="http://schemas.microsoft.com/office/drawing/2010/main" val="0"/>
+                <a14:useLocalDpi xmlns:a14="http://schemas.microsoft.com/office/drawing/2010/main"/>
               </a:ext>
             </a:extLst>
           </a:blip>
@@ -12795,7 +12788,7 @@
         <p:spPr>
           <a:xfrm rot="0">
             <a:off x="6817360" y="1454785"/>
-            <a:ext cx="4148455" cy="3674745"/>
+            <a:ext cx="4149090" cy="3793490"/>
           </a:xfrm>
           <a:prstGeom prst="roundRect"/>
           <a:solidFill>
@@ -12805,7 +12798,7 @@
       </p:pic>
       <p:pic>
         <p:nvPicPr>
-          <p:cNvPr id="1216" name="그림 57" descr="C:/Users/Admin1/AppData/Roaming/PolarisOffice/ETemp/20768_20502728/fImage187953679961.png"/>
+          <p:cNvPr id="1216" name="그림 57"/>
           <p:cNvPicPr>
             <a:picLocks noChangeAspect="1"/>
           </p:cNvPicPr>
@@ -12836,7 +12829,7 @@
       </p:pic>
       <p:pic>
         <p:nvPicPr>
-          <p:cNvPr id="1217" name="그림 60" descr="C:/Users/Admin1/AppData/Roaming/PolarisOffice/ETemp/20768_20502728/fImage10774368491.png"/>
+          <p:cNvPr id="1217" name="그림 60"/>
           <p:cNvPicPr>
             <a:picLocks noChangeAspect="1"/>
           </p:cNvPicPr>
@@ -12909,7 +12902,7 @@
         <p:spPr>
           <a:xfrm rot="0">
             <a:off x="1226185" y="2956560"/>
-            <a:ext cx="4152900" cy="923925"/>
+            <a:ext cx="4153535" cy="924560"/>
           </a:xfrm>
           <a:prstGeom prst="rect"/>
           <a:noFill/>
@@ -12963,14 +12956,7 @@
                 <a:latin typeface="맑은 고딕" charset="0"/>
                 <a:ea typeface="맑은 고딕" charset="0"/>
               </a:rPr>
-              <a:t> </a:t>
-            </a:r>
-            <a:r>
-              <a:rPr sz="1800">
-                <a:latin typeface="맑은 고딕" charset="0"/>
-                <a:ea typeface="맑은 고딕" charset="0"/>
-              </a:rPr>
-              <a:t>이</a:t>
+              <a:t> 이</a:t>
             </a:r>
             <a:r>
               <a:rPr lang="ko-KR" sz="1800">
@@ -13000,6 +12986,139 @@
           </a:p>
         </p:txBody>
       </p:sp>
+      <p:sp>
+        <p:nvSpPr>
+          <p:cNvPr id="1221" name="텍스트 상자 6"/>
+          <p:cNvSpPr txBox="1">
+            <a:spLocks/>
+          </p:cNvSpPr>
+          <p:nvPr/>
+        </p:nvSpPr>
+        <p:spPr>
+          <a:xfrm rot="0">
+            <a:off x="1223645" y="5400040"/>
+            <a:ext cx="4154805" cy="647065"/>
+          </a:xfrm>
+          <a:prstGeom prst="rect"/>
+          <a:noFill/>
+          <a:ln w="0">
+            <a:noFill/>
+            <a:prstDash/>
+          </a:ln>
+        </p:spPr>
+        <p:txBody>
+          <a:bodyPr wrap="square" lIns="89535" tIns="46355" rIns="89535" bIns="46355" numCol="1" vert="horz" anchor="t">
+            <a:spAutoFit/>
+          </a:bodyPr>
+          <a:lstStyle/>
+          <a:p>
+            <a:pPr marL="0" indent="0" rtl="0" algn="l" defTabSz="914400" eaLnBrk="1" latinLnBrk="0" hangingPunct="1">
+              <a:buFontTx/>
+              <a:buNone/>
+            </a:pPr>
+            <a:r>
+              <a:rPr sz="1800" b="1">
+                <a:solidFill>
+                  <a:srgbClr val="0611F2"/>
+                </a:solidFill>
+                <a:latin typeface="맑은 고딕" charset="0"/>
+                <a:ea typeface="맑은 고딕" charset="0"/>
+              </a:rPr>
+              <a:t>4</a:t>
+            </a:r>
+            <a:r>
+              <a:rPr lang="ko-KR" sz="1800" b="1">
+                <a:solidFill>
+                  <a:srgbClr val="0611F2"/>
+                </a:solidFill>
+                <a:latin typeface="맑은 고딕" charset="0"/>
+                <a:ea typeface="맑은 고딕" charset="0"/>
+              </a:rPr>
+              <a:t>3</a:t>
+            </a:r>
+            <a:r>
+              <a:rPr sz="1800" b="1">
+                <a:solidFill>
+                  <a:srgbClr val="0611F2"/>
+                </a:solidFill>
+                <a:latin typeface="맑은 고딕" charset="0"/>
+                <a:ea typeface="맑은 고딕" charset="0"/>
+              </a:rPr>
+              <a:t>.</a:t>
+            </a:r>
+            <a:r>
+              <a:rPr sz="1800">
+                <a:latin typeface="맑은 고딕" charset="0"/>
+                <a:ea typeface="맑은 고딕" charset="0"/>
+              </a:rPr>
+              <a:t> </a:t>
+            </a:r>
+            <a:r>
+              <a:rPr sz="1800">
+                <a:latin typeface="맑은 고딕" charset="0"/>
+                <a:ea typeface="맑은 고딕" charset="0"/>
+              </a:rPr>
+              <a:t>그</a:t>
+            </a:r>
+            <a:r>
+              <a:rPr lang="ko-KR" sz="1800">
+                <a:latin typeface="맑은 고딕" charset="0"/>
+                <a:ea typeface="맑은 고딕" charset="0"/>
+              </a:rPr>
+              <a:t>런 다음</a:t>
+            </a:r>
+            <a:r>
+              <a:rPr sz="1800">
+                <a:latin typeface="맑은 고딕" charset="0"/>
+                <a:ea typeface="맑은 고딕" charset="0"/>
+              </a:rPr>
+              <a:t> </a:t>
+            </a:r>
+            <a:r>
+              <a:rPr lang="ko-KR" sz="1800">
+                <a:latin typeface="맑은 고딕" charset="0"/>
+                <a:ea typeface="맑은 고딕" charset="0"/>
+              </a:rPr>
+              <a:t>Navigation의 Agents를 선택하고 Max Slope 값을 설정합니다.</a:t>
+            </a:r>
+            <a:endParaRPr lang="ko-KR" altLang="en-US" sz="1800">
+              <a:latin typeface="맑은 고딕" charset="0"/>
+              <a:ea typeface="맑은 고딕" charset="0"/>
+            </a:endParaRPr>
+          </a:p>
+        </p:txBody>
+      </p:sp>
+      <p:pic>
+        <p:nvPicPr>
+          <p:cNvPr id="1222" name="그림 7" descr="C:/Users/Admin1/AppData/Roaming/PolarisOffice/ETemp/17932_7196128/fImage706628241.png"/>
+          <p:cNvPicPr>
+            <a:picLocks noChangeAspect="1"/>
+          </p:cNvPicPr>
+          <p:nvPr/>
+        </p:nvPicPr>
+        <p:blipFill rotWithShape="1">
+          <a:blip r:embed="rId11" cstate="print">
+            <a:extLst>
+              <a:ext uri="{28A0092B-C50C-407E-A947-70E740481C1C}">
+                <a14:useLocalDpi xmlns:a14="http://schemas.microsoft.com/office/drawing/2010/main" val="0"/>
+              </a:ext>
+            </a:extLst>
+          </a:blip>
+          <a:stretch>
+            <a:fillRect/>
+          </a:stretch>
+        </p:blipFill>
+        <p:spPr>
+          <a:xfrm rot="0">
+            <a:off x="1221105" y="4003675"/>
+            <a:ext cx="4139565" cy="1270635"/>
+          </a:xfrm>
+          <a:prstGeom prst="roundRect"/>
+          <a:solidFill>
+            <a:srgbClr val="EDEDED"/>
+          </a:solidFill>
+        </p:spPr>
+      </p:pic>
     </p:spTree>
   </p:cSld>
   <p:clrMapOvr>

--- a/Assets/Class/NavMesh Agent/PPT Data/NavMesh Agent Example.pptx
+++ b/Assets/Class/NavMesh Agent/PPT Data/NavMesh Agent Example.pptx
@@ -2,7 +2,7 @@
 <file path=ppt/presentation.xml><?xml version="1.0" encoding="utf-8"?>
 <p:presentation xmlns:a="http://schemas.openxmlformats.org/drawingml/2006/main" xmlns:r="http://schemas.openxmlformats.org/officeDocument/2006/relationships" xmlns:p="http://schemas.openxmlformats.org/presentationml/2006/main" xmlns:p14="http://schemas.microsoft.com/office/powerpoint/2010/main" saveSubsetFonts="1" firstSlideNum="0">
   <p:sldMasterIdLst>
-    <p:sldMasterId id="2147486317" r:id="rId12"/>
+    <p:sldMasterId id="2147486318" r:id="rId12"/>
   </p:sldMasterIdLst>
   <p:notesMasterIdLst>
     <p:notesMasterId r:id="rId14"/>
@@ -25,7 +25,7 @@
     <p:sldId id="313" r:id="rId44"/>
     <p:sldId id="314" r:id="rId46"/>
     <p:sldId id="315" r:id="rId48"/>
-    <p:sldId id="311" r:id="rId50"/>
+    <p:sldId id="311" r:id="rId49"/>
   </p:sldIdLst>
   <p:sldSz cx="12192000" cy="6858000"/>
   <p:notesSz cx="6858000" cy="9144000"/>
@@ -11982,7 +11982,7 @@
 </file>
 
 <file path=ppt/slides/slide17.xml><?xml version="1.0" encoding="utf-8"?>
-<p:sld xmlns:a="http://schemas.openxmlformats.org/drawingml/2006/main" xmlns:r="http://schemas.openxmlformats.org/officeDocument/2006/relationships" xmlns:p="http://schemas.openxmlformats.org/presentationml/2006/main">
+<p:sld xmlns:a="http://schemas.openxmlformats.org/drawingml/2006/main" xmlns:r="http://schemas.openxmlformats.org/officeDocument/2006/relationships" xmlns:p="http://schemas.openxmlformats.org/presentationml/2006/main" xmlns:p14="http://schemas.microsoft.com/office/powerpoint/2010/main">
   <p:cSld>
     <p:spTree>
       <p:nvGrpSpPr>
@@ -12233,7 +12233,7 @@
       </p:sp>
       <p:pic>
         <p:nvPicPr>
-          <p:cNvPr id="1236" name="그림 37" descr="C:/Users/Admin1/AppData/Roaming/PolarisOffice/ETemp/20768_20502728/fImage118723596962.png"/>
+          <p:cNvPr id="1236" name="그림 37"/>
           <p:cNvPicPr>
             <a:picLocks noChangeAspect="1"/>
           </p:cNvPicPr>
@@ -12264,7 +12264,7 @@
       </p:pic>
       <p:pic>
         <p:nvPicPr>
-          <p:cNvPr id="1237" name="그림 43" descr="C:/Users/Admin1/AppData/Roaming/PolarisOffice/ETemp/20768_20502728/fImage107033614464.png"/>
+          <p:cNvPr id="1237" name="그림 43"/>
           <p:cNvPicPr>
             <a:picLocks noChangeAspect="1"/>
           </p:cNvPicPr>
@@ -12295,7 +12295,7 @@
       </p:pic>
       <p:pic>
         <p:nvPicPr>
-          <p:cNvPr id="1238" name="그림 46" descr="C:/Users/Admin1/AppData/Roaming/PolarisOffice/ETemp/20768_20502728/fImage183963625705.png"/>
+          <p:cNvPr id="1238" name="그림 46"/>
           <p:cNvPicPr>
             <a:picLocks noChangeAspect="1"/>
           </p:cNvPicPr>
@@ -12368,7 +12368,7 @@
         <p:spPr>
           <a:xfrm rot="0">
             <a:off x="6816725" y="4957445"/>
-            <a:ext cx="4165600" cy="1200785"/>
+            <a:ext cx="4166235" cy="1201420"/>
           </a:xfrm>
           <a:prstGeom prst="rect"/>
           <a:noFill/>
@@ -12378,7 +12378,7 @@
           </a:ln>
         </p:spPr>
         <p:txBody>
-          <a:bodyPr wrap="square" lIns="89535" tIns="46355" rIns="89535" bIns="46355" vert="horz" anchor="t">
+          <a:bodyPr wrap="square" lIns="89535" tIns="46355" rIns="89535" bIns="46355" numCol="1" vert="horz" anchor="t">
             <a:spAutoFit/>
           </a:bodyPr>
           <a:lstStyle/>
@@ -12395,23 +12395,41 @@
                 <a:latin typeface="맑은 고딕" charset="0"/>
                 <a:ea typeface="맑은 고딕" charset="0"/>
               </a:rPr>
-              <a:t>41</a:t>
-            </a:r>
-            <a:r>
-              <a:rPr sz="1800" b="1">
-                <a:solidFill>
-                  <a:srgbClr val="0611F2"/>
-                </a:solidFill>
-                <a:latin typeface="맑은 고딕" charset="0"/>
-                <a:ea typeface="맑은 고딕" charset="0"/>
-              </a:rPr>
-              <a:t>.</a:t>
+              <a:t>41.</a:t>
             </a:r>
             <a:r>
               <a:rPr sz="1800">
                 <a:latin typeface="맑은 고딕" charset="0"/>
                 <a:ea typeface="맑은 고딕" charset="0"/>
               </a:rPr>
+              <a:t> 그</a:t>
+            </a:r>
+            <a:r>
+              <a:rPr lang="ko-KR" sz="1800">
+                <a:latin typeface="맑은 고딕" charset="0"/>
+                <a:ea typeface="맑은 고딕" charset="0"/>
+              </a:rPr>
+              <a:t>런 다음</a:t>
+            </a:r>
+            <a:r>
+              <a:rPr sz="1800">
+                <a:latin typeface="맑은 고딕" charset="0"/>
+                <a:ea typeface="맑은 고딕" charset="0"/>
+              </a:rPr>
+              <a:t> First Position </a:t>
+            </a:r>
+            <a:r>
+              <a:rPr sz="1800">
+                <a:latin typeface="맑은 고딕" charset="0"/>
+                <a:ea typeface="맑은 고딕" charset="0"/>
+              </a:rPr>
+              <a:t>오브젝트와</a:t>
+            </a:r>
+            <a:r>
+              <a:rPr sz="1800">
+                <a:latin typeface="맑은 고딕" charset="0"/>
+                <a:ea typeface="맑은 고딕" charset="0"/>
+              </a:rPr>
               <a:t> </a:t>
             </a:r>
             <a:r>
@@ -12419,70 +12437,77 @@
                 <a:latin typeface="맑은 고딕" charset="0"/>
                 <a:ea typeface="맑은 고딕" charset="0"/>
               </a:rPr>
-              <a:t>그</a:t>
+              <a:t>Second</a:t>
+            </a:r>
+            <a:r>
+              <a:rPr sz="1800">
+                <a:latin typeface="맑은 고딕" charset="0"/>
+                <a:ea typeface="맑은 고딕" charset="0"/>
+              </a:rPr>
+              <a:t> Position 오브젝트 </a:t>
+            </a:r>
+            <a:r>
+              <a:rPr sz="1800">
+                <a:latin typeface="맑은 고딕" charset="0"/>
+                <a:ea typeface="맑은 고딕" charset="0"/>
+              </a:rPr>
+              <a:t>그리고</a:t>
+            </a:r>
+            <a:r>
+              <a:rPr sz="1800">
+                <a:latin typeface="맑은 고딕" charset="0"/>
+                <a:ea typeface="맑은 고딕" charset="0"/>
+              </a:rPr>
+              <a:t> Third </a:t>
+            </a:r>
+            <a:r>
+              <a:rPr sz="1800">
+                <a:latin typeface="맑은 고딕" charset="0"/>
+                <a:ea typeface="맑은 고딕" charset="0"/>
+              </a:rPr>
+              <a:t>Position</a:t>
+            </a:r>
+            <a:r>
+              <a:rPr sz="1800">
+                <a:latin typeface="맑은 고딕" charset="0"/>
+                <a:ea typeface="맑은 고딕" charset="0"/>
+              </a:rPr>
+              <a:t> 오브젝트</a:t>
             </a:r>
             <a:r>
               <a:rPr lang="ko-KR" sz="1800">
                 <a:latin typeface="맑은 고딕" charset="0"/>
                 <a:ea typeface="맑은 고딕" charset="0"/>
               </a:rPr>
-              <a:t>런 다음</a:t>
+              <a:t>에</a:t>
             </a:r>
             <a:r>
               <a:rPr sz="1800">
                 <a:latin typeface="맑은 고딕" charset="0"/>
                 <a:ea typeface="맑은 고딕" charset="0"/>
               </a:rPr>
-              <a:t> First P</a:t>
+              <a:t> </a:t>
             </a:r>
             <a:r>
               <a:rPr sz="1800">
                 <a:latin typeface="맑은 고딕" charset="0"/>
                 <a:ea typeface="맑은 고딕" charset="0"/>
               </a:rPr>
-              <a:t>osition </a:t>
+              <a:t>Select</a:t>
             </a:r>
             <a:r>
               <a:rPr sz="1800">
                 <a:latin typeface="맑은 고딕" charset="0"/>
                 <a:ea typeface="맑은 고딕" charset="0"/>
               </a:rPr>
-              <a:t>오브젝트와 Second P</a:t>
+              <a:t> Icon을 </a:t>
             </a:r>
             <a:r>
               <a:rPr sz="1800">
                 <a:latin typeface="맑은 고딕" charset="0"/>
                 <a:ea typeface="맑은 고딕" charset="0"/>
               </a:rPr>
-              <a:t>osition</a:t>
-            </a:r>
-            <a:r>
-              <a:rPr sz="1800">
-                <a:latin typeface="맑은 고딕" charset="0"/>
-                <a:ea typeface="맑은 고딕" charset="0"/>
-              </a:rPr>
-              <a:t> 오브젝트 그리고 Third P</a:t>
-            </a:r>
-            <a:r>
-              <a:rPr sz="1800">
-                <a:latin typeface="맑은 고딕" charset="0"/>
-                <a:ea typeface="맑은 고딕" charset="0"/>
-              </a:rPr>
-              <a:t>osition 오브젝트</a:t>
-            </a:r>
-            <a:r>
-              <a:rPr lang="ko-KR" sz="1800">
-                <a:latin typeface="맑은 고딕" charset="0"/>
-                <a:ea typeface="맑은 고딕" charset="0"/>
-              </a:rPr>
-              <a:t>에</a:t>
-            </a:r>
-            <a:r>
-              <a:rPr sz="1800">
-                <a:latin typeface="맑은 고딕" charset="0"/>
-                <a:ea typeface="맑은 고딕" charset="0"/>
-              </a:rPr>
-              <a:t> Select Icon을 설정합니다.</a:t>
+              <a:t>설정합니다.</a:t>
             </a:r>
             <a:endParaRPr lang="ko-KR" altLang="en-US" sz="1800">
               <a:latin typeface="맑은 고딕" charset="0"/>
@@ -12493,7 +12518,7 @@
       </p:sp>
       <p:pic>
         <p:nvPicPr>
-          <p:cNvPr id="1240" name="그림 50" descr="C:/Users/Admin1/AppData/Roaming/PolarisOffice/ETemp/20768_20502728/fImage70123648145.png"/>
+          <p:cNvPr id="1240" name="그림 50" descr="C:/Users/Admin1/AppData/Roaming/PolarisOffice/ETemp/8152_16964152/fImage70123648145.png"/>
           <p:cNvPicPr>
             <a:picLocks noChangeAspect="1"/>
           </p:cNvPicPr>
@@ -12514,7 +12539,7 @@
         <p:spPr>
           <a:xfrm rot="0">
             <a:off x="9401810" y="1961515"/>
-            <a:ext cx="1580515" cy="2313940"/>
+            <a:ext cx="1581150" cy="2314575"/>
           </a:xfrm>
           <a:prstGeom prst="roundRect"/>
           <a:solidFill>
@@ -12524,17 +12549,17 @@
       </p:pic>
       <p:pic>
         <p:nvPicPr>
-          <p:cNvPr id="1241" name="그림 51" descr="C:/Users/Admin1/AppData/Roaming/PolarisOffice/ETemp/20768_20502728/fImage111653653281.png"/>
+          <p:cNvPr id="1241" name="그림 51" descr="C:/Users/Admin1/AppData/Roaming/PolarisOffice/ETemp/8152_16964152/fImage111653653281.png"/>
           <p:cNvPicPr>
             <a:picLocks noChangeAspect="1"/>
           </p:cNvPicPr>
           <p:nvPr/>
         </p:nvPicPr>
         <p:blipFill rotWithShape="1">
-          <a:blip r:embed="rId6" cstate="print">
+          <a:blip r:embed="rId6" cstate="hqprint">
             <a:extLst>
               <a:ext uri="{28A0092B-C50C-407E-A947-70E740481C1C}">
-                <a14:useLocalDpi xmlns:a14="http://schemas.microsoft.com/office/drawing/2010/main" val="0"/>
+                <a14:useLocalDpi xmlns:a14="http://schemas.microsoft.com/office/drawing/2010/main"/>
               </a:ext>
             </a:extLst>
           </a:blip>
@@ -12545,7 +12570,7 @@
         <p:spPr>
           <a:xfrm rot="0">
             <a:off x="6816725" y="1446530"/>
-            <a:ext cx="2353310" cy="3359150"/>
+            <a:ext cx="2353945" cy="3359785"/>
           </a:xfrm>
           <a:prstGeom prst="roundRect"/>
           <a:solidFill>
@@ -12767,7 +12792,7 @@
       </p:sp>
       <p:pic>
         <p:nvPicPr>
-          <p:cNvPr id="1215" name="그림 54" descr="C:/Users/Admin1/AppData/Roaming/PolarisOffice/ETemp/17932_7196128/fImage209703666827.png"/>
+          <p:cNvPr id="1215" name="그림 54" descr="C:/Users/Admin1/AppData/Roaming/PolarisOffice/ETemp/8152_16964152/fImage209703666827.png"/>
           <p:cNvPicPr>
             <a:picLocks noChangeAspect="1"/>
           </p:cNvPicPr>
@@ -12787,8 +12812,8 @@
         </p:blipFill>
         <p:spPr>
           <a:xfrm rot="0">
-            <a:off x="6817360" y="1454785"/>
-            <a:ext cx="4149090" cy="3793490"/>
+            <a:off x="6817360" y="1445895"/>
+            <a:ext cx="4149725" cy="3794125"/>
           </a:xfrm>
           <a:prstGeom prst="roundRect"/>
           <a:solidFill>
@@ -13090,7 +13115,7 @@
       </p:sp>
       <p:pic>
         <p:nvPicPr>
-          <p:cNvPr id="1222" name="그림 7" descr="C:/Users/Admin1/AppData/Roaming/PolarisOffice/ETemp/17932_7196128/fImage706628241.png"/>
+          <p:cNvPr id="1222" name="그림 7"/>
           <p:cNvPicPr>
             <a:picLocks noChangeAspect="1"/>
           </p:cNvPicPr>
